--- a/second/slides/2_Introduction_to_SRW.pptx
+++ b/second/slides/2_Introduction_to_SRW.pptx
@@ -743,14 +743,14 @@
           <a:noFill/>
           <a:extLst>
             <a:ext uri="{909E8E84-426E-40dd-AFC4-6F175D3DCCD1}">
-              <a14:hiddenFill xmlns="" xmlns:a14="http://schemas.microsoft.com/office/drawing/2010/main">
+              <a14:hiddenFill xmlns:a14="http://schemas.microsoft.com/office/drawing/2010/main" xmlns="">
                 <a:solidFill>
                   <a:srgbClr val="FFFFFF"/>
                 </a:solidFill>
               </a14:hiddenFill>
             </a:ext>
             <a:ext uri="{91240B29-F687-4f45-9708-019B960494DF}">
-              <a14:hiddenLine xmlns="" xmlns:a14="http://schemas.microsoft.com/office/drawing/2010/main" w="9525">
+              <a14:hiddenLine xmlns:a14="http://schemas.microsoft.com/office/drawing/2010/main" xmlns="" w="9525">
                 <a:solidFill>
                   <a:srgbClr val="000000"/>
                 </a:solidFill>
@@ -1001,14 +1001,14 @@
           <a:effectLst/>
           <a:extLst>
             <a:ext uri="{909E8E84-426E-40dd-AFC4-6F175D3DCCD1}">
-              <a14:hiddenFill xmlns="" xmlns:a14="http://schemas.microsoft.com/office/drawing/2010/main">
+              <a14:hiddenFill xmlns:a14="http://schemas.microsoft.com/office/drawing/2010/main" xmlns="">
                 <a:solidFill>
                   <a:srgbClr val="FFFFFF"/>
                 </a:solidFill>
               </a14:hiddenFill>
             </a:ext>
             <a:ext uri="{91240B29-F687-4f45-9708-019B960494DF}">
-              <a14:hiddenLine xmlns="" xmlns:a14="http://schemas.microsoft.com/office/drawing/2010/main" w="9525">
+              <a14:hiddenLine xmlns:a14="http://schemas.microsoft.com/office/drawing/2010/main" xmlns="" w="9525">
                 <a:solidFill>
                   <a:srgbClr val="808080"/>
                 </a:solidFill>
@@ -1018,7 +1018,7 @@
               </a14:hiddenLine>
             </a:ext>
             <a:ext uri="{AF507438-7753-43e0-B8FC-AC1667EBCBE1}">
-              <a14:hiddenEffects xmlns="" xmlns:a14="http://schemas.microsoft.com/office/drawing/2010/main">
+              <a14:hiddenEffects xmlns:a14="http://schemas.microsoft.com/office/drawing/2010/main" xmlns="">
                 <a:effectLst>
                   <a:outerShdw blurRad="63500" dist="38099" dir="2700000" algn="ctr" rotWithShape="0">
                     <a:srgbClr val="000000">
@@ -1079,14 +1079,14 @@
           <a:effectLst/>
           <a:extLst>
             <a:ext uri="{909E8E84-426E-40dd-AFC4-6F175D3DCCD1}">
-              <a14:hiddenFill xmlns="" xmlns:a14="http://schemas.microsoft.com/office/drawing/2010/main">
+              <a14:hiddenFill xmlns:a14="http://schemas.microsoft.com/office/drawing/2010/main" xmlns="">
                 <a:solidFill>
                   <a:srgbClr val="FFFFFF"/>
                 </a:solidFill>
               </a14:hiddenFill>
             </a:ext>
             <a:ext uri="{91240B29-F687-4f45-9708-019B960494DF}">
-              <a14:hiddenLine xmlns="" xmlns:a14="http://schemas.microsoft.com/office/drawing/2010/main" w="9525">
+              <a14:hiddenLine xmlns:a14="http://schemas.microsoft.com/office/drawing/2010/main" xmlns="" w="9525">
                 <a:solidFill>
                   <a:srgbClr val="808080"/>
                 </a:solidFill>
@@ -1096,7 +1096,7 @@
               </a14:hiddenLine>
             </a:ext>
             <a:ext uri="{AF507438-7753-43e0-B8FC-AC1667EBCBE1}">
-              <a14:hiddenEffects xmlns="" xmlns:a14="http://schemas.microsoft.com/office/drawing/2010/main">
+              <a14:hiddenEffects xmlns:a14="http://schemas.microsoft.com/office/drawing/2010/main" xmlns="">
                 <a:effectLst>
                   <a:outerShdw blurRad="63500" dist="38099" dir="2700000" algn="ctr" rotWithShape="0">
                     <a:srgbClr val="000000">
@@ -1167,7 +1167,7 @@
           </a:xfrm>
           <a:extLst>
             <a:ext uri="{AF507438-7753-43e0-B8FC-AC1667EBCBE1}">
-              <a14:hiddenEffects xmlns="" xmlns:a14="http://schemas.microsoft.com/office/drawing/2010/main">
+              <a14:hiddenEffects xmlns:a14="http://schemas.microsoft.com/office/drawing/2010/main" xmlns="">
                 <a:effectLst>
                   <a:outerShdw blurRad="63500" dist="38099" dir="2700000" algn="ctr" rotWithShape="0">
                     <a:srgbClr val="000000">
@@ -3419,7 +3419,7 @@
           <a:noFill/>
           <a:extLst>
             <a:ext uri="{909E8E84-426E-40dd-AFC4-6F175D3DCCD1}">
-              <a14:hiddenFill xmlns="" xmlns:a14="http://schemas.microsoft.com/office/drawing/2010/main">
+              <a14:hiddenFill xmlns:a14="http://schemas.microsoft.com/office/drawing/2010/main" xmlns="">
                 <a:solidFill>
                   <a:srgbClr val="FFFFFF"/>
                 </a:solidFill>
@@ -4941,7 +4941,7 @@
           <a:noFill/>
           <a:extLst>
             <a:ext uri="{909E8E84-426E-40dd-AFC4-6F175D3DCCD1}">
-              <a14:hiddenFill xmlns="" xmlns:a14="http://schemas.microsoft.com/office/drawing/2010/main">
+              <a14:hiddenFill xmlns:a14="http://schemas.microsoft.com/office/drawing/2010/main" xmlns="">
                 <a:solidFill>
                   <a:srgbClr val="FFFFFF"/>
                 </a:solidFill>
@@ -11010,6 +11010,12 @@
 </file>
 
 <file path=customXml/item1.xml><?xml version="1.0" encoding="utf-8"?>
+<p:properties xmlns:p="http://schemas.microsoft.com/office/2006/metadata/properties" xmlns:xsi="http://www.w3.org/2001/XMLSchema-instance" xmlns:pc="http://schemas.microsoft.com/office/infopath/2007/PartnerControls">
+  <documentManagement/>
+</p:properties>
+</file>
+
+<file path=customXml/item2.xml><?xml version="1.0" encoding="utf-8"?>
 <?mso-contentType ?>
 <FormTemplates xmlns="http://schemas.microsoft.com/sharepoint/v3/contenttype/forms">
   <Display>DocumentLibraryForm</Display>
@@ -11018,13 +11024,12 @@
 </FormTemplates>
 </file>
 
-<file path=customXml/item2.xml><?xml version="1.0" encoding="utf-8"?>
-<p:properties xmlns:p="http://schemas.microsoft.com/office/2006/metadata/properties" xmlns:xsi="http://www.w3.org/2001/XMLSchema-instance" xmlns:pc="http://schemas.microsoft.com/office/infopath/2007/PartnerControls">
-  <documentManagement/>
-</p:properties>
+<file path=customXml/item3.xml><?xml version="1.0" encoding="utf-8"?>
+<?mso-contentType ?>
+<SharedContentType xmlns="Microsoft.SharePoint.Taxonomy.ContentTypeSync" SourceId="c2502a80-7d28-4222-8cca-c624a41b2055" ContentTypeId="0x0101002B7518C7231E97499E1F1C54B0F5901D13" PreviousValue="false"/>
 </file>
 
-<file path=customXml/item3.xml><?xml version="1.0" encoding="utf-8"?>
+<file path=customXml/item4.xml><?xml version="1.0" encoding="utf-8"?>
 <ct:contentTypeSchema xmlns:ct="http://schemas.microsoft.com/office/2006/metadata/contentType" xmlns:ma="http://schemas.microsoft.com/office/2006/metadata/properties/metaAttributes" ct:_="" ma:_="" ma:contentTypeName="Review Document" ma:contentTypeID="0x0101002B7518C7231E97499E1F1C54B0F5901D130064AD933CD713864CA8A91A9C767D8A9B" ma:contentTypeVersion="" ma:contentTypeDescription="" ma:contentTypeScope="" ma:versionID="277116d1d53a68e581275545c2aafa56">
   <xsd:schema xmlns:xsd="http://www.w3.org/2001/XMLSchema" xmlns:xs="http://www.w3.org/2001/XMLSchema" xmlns:p="http://schemas.microsoft.com/office/2006/metadata/properties" targetNamespace="http://schemas.microsoft.com/office/2006/metadata/properties" ma:root="true" ma:fieldsID="817bd159687fd4e0b52f7220829539b7">
     <xsd:element name="properties">
@@ -11138,20 +11143,7 @@
 </ct:contentTypeSchema>
 </file>
 
-<file path=customXml/item4.xml><?xml version="1.0" encoding="utf-8"?>
-<?mso-contentType ?>
-<SharedContentType xmlns="Microsoft.SharePoint.Taxonomy.ContentTypeSync" SourceId="c2502a80-7d28-4222-8cca-c624a41b2055" ContentTypeId="0x0101002B7518C7231E97499E1F1C54B0F5901D13" PreviousValue="false"/>
-</file>
-
 <file path=customXml/itemProps1.xml><?xml version="1.0" encoding="utf-8"?>
-<ds:datastoreItem xmlns:ds="http://schemas.openxmlformats.org/officeDocument/2006/customXml" ds:itemID="{3D0D0C73-1D92-412D-8800-9C1E033764A7}">
-  <ds:schemaRefs>
-    <ds:schemaRef ds:uri="http://schemas.microsoft.com/sharepoint/v3/contenttype/forms"/>
-  </ds:schemaRefs>
-</ds:datastoreItem>
-</file>
-
-<file path=customXml/itemProps2.xml><?xml version="1.0" encoding="utf-8"?>
 <ds:datastoreItem xmlns:ds="http://schemas.openxmlformats.org/officeDocument/2006/customXml" ds:itemID="{8EE60D92-EC7B-437A-AF37-55618E86DE12}">
   <ds:schemaRefs>
     <ds:schemaRef ds:uri="http://schemas.microsoft.com/office/2006/metadata/properties"/>
@@ -11160,7 +11152,23 @@
 </ds:datastoreItem>
 </file>
 
+<file path=customXml/itemProps2.xml><?xml version="1.0" encoding="utf-8"?>
+<ds:datastoreItem xmlns:ds="http://schemas.openxmlformats.org/officeDocument/2006/customXml" ds:itemID="{3D0D0C73-1D92-412D-8800-9C1E033764A7}">
+  <ds:schemaRefs>
+    <ds:schemaRef ds:uri="http://schemas.microsoft.com/sharepoint/v3/contenttype/forms"/>
+  </ds:schemaRefs>
+</ds:datastoreItem>
+</file>
+
 <file path=customXml/itemProps3.xml><?xml version="1.0" encoding="utf-8"?>
+<ds:datastoreItem xmlns:ds="http://schemas.openxmlformats.org/officeDocument/2006/customXml" ds:itemID="{E937644D-55DB-446B-BF55-BBD9A5B5B948}">
+  <ds:schemaRefs>
+    <ds:schemaRef ds:uri="Microsoft.SharePoint.Taxonomy.ContentTypeSync"/>
+  </ds:schemaRefs>
+</ds:datastoreItem>
+</file>
+
+<file path=customXml/itemProps4.xml><?xml version="1.0" encoding="utf-8"?>
 <ds:datastoreItem xmlns:ds="http://schemas.openxmlformats.org/officeDocument/2006/customXml" ds:itemID="{9CAB375B-207A-4512-9A8F-8D5197D792C9}">
   <ds:schemaRefs>
     <ds:schemaRef ds:uri="http://schemas.microsoft.com/office/2006/metadata/contentType"/>
@@ -11174,12 +11182,4 @@
     <ds:schemaRef ds:uri="http://schemas.microsoft.com/office/infopath/2007/PartnerControls"/>
   </ds:schemaRefs>
 </ds:datastoreItem>
-</file>
-
-<file path=customXml/itemProps4.xml><?xml version="1.0" encoding="utf-8"?>
-<ds:datastoreItem xmlns:ds="http://schemas.openxmlformats.org/officeDocument/2006/customXml" ds:itemID="{E937644D-55DB-446B-BF55-BBD9A5B5B948}">
-  <ds:schemaRefs>
-    <ds:schemaRef ds:uri="Microsoft.SharePoint.Taxonomy.ContentTypeSync"/>
-  </ds:schemaRefs>
-</ds:datastoreItem>
 </file>
--- a/second/slides/2_Introduction_to_SRW.pptx
+++ b/second/slides/2_Introduction_to_SRW.pptx
@@ -6,10 +6,10 @@
     <p:sldMasterId id="2147484311" r:id="rId6"/>
   </p:sldMasterIdLst>
   <p:notesMasterIdLst>
-    <p:notesMasterId r:id="rId29"/>
+    <p:notesMasterId r:id="rId31"/>
   </p:notesMasterIdLst>
   <p:handoutMasterIdLst>
-    <p:handoutMasterId r:id="rId30"/>
+    <p:handoutMasterId r:id="rId32"/>
   </p:handoutMasterIdLst>
   <p:sldIdLst>
     <p:sldId id="257" r:id="rId7"/>
@@ -24,16 +24,18 @@
     <p:sldId id="1666" r:id="rId16"/>
     <p:sldId id="1668" r:id="rId17"/>
     <p:sldId id="1667" r:id="rId18"/>
-    <p:sldId id="1650" r:id="rId19"/>
-    <p:sldId id="1653" r:id="rId20"/>
-    <p:sldId id="1654" r:id="rId21"/>
-    <p:sldId id="1655" r:id="rId22"/>
-    <p:sldId id="1651" r:id="rId23"/>
-    <p:sldId id="1658" r:id="rId24"/>
-    <p:sldId id="1656" r:id="rId25"/>
-    <p:sldId id="1657" r:id="rId26"/>
-    <p:sldId id="1652" r:id="rId27"/>
-    <p:sldId id="614" r:id="rId28"/>
+    <p:sldId id="1669" r:id="rId19"/>
+    <p:sldId id="1650" r:id="rId20"/>
+    <p:sldId id="1653" r:id="rId21"/>
+    <p:sldId id="1654" r:id="rId22"/>
+    <p:sldId id="1655" r:id="rId23"/>
+    <p:sldId id="1671" r:id="rId24"/>
+    <p:sldId id="1651" r:id="rId25"/>
+    <p:sldId id="1658" r:id="rId26"/>
+    <p:sldId id="1656" r:id="rId27"/>
+    <p:sldId id="1657" r:id="rId28"/>
+    <p:sldId id="1652" r:id="rId29"/>
+    <p:sldId id="614" r:id="rId30"/>
   </p:sldIdLst>
   <p:sldSz cx="12192000" cy="6858000"/>
   <p:notesSz cx="7315200" cy="9601200"/>
@@ -277,7 +279,7 @@
           <a:p>
             <a:fld id="{B691EE03-8B86-4483-A61E-7F251E4A6480}" type="datetimeFigureOut">
               <a:rPr lang="en-US" smtClean="0"/>
-              <a:t>12/3/19</a:t>
+              <a:t>12/4/19</a:t>
             </a:fld>
             <a:endParaRPr lang="en-US"/>
           </a:p>
@@ -443,7 +445,7 @@
           <a:p>
             <a:fld id="{1AF9D93D-2DCD-4941-9148-539F4B11DA5A}" type="datetimeFigureOut">
               <a:rPr lang="en-US" smtClean="0"/>
-              <a:t>12/3/19</a:t>
+              <a:t>12/4/19</a:t>
             </a:fld>
             <a:endParaRPr lang="en-US"/>
           </a:p>
@@ -750,14 +752,14 @@
           <a:noFill/>
           <a:extLst>
             <a:ext uri="{909E8E84-426E-40dd-AFC4-6F175D3DCCD1}">
-              <a14:hiddenFill xmlns="" xmlns:a14="http://schemas.microsoft.com/office/drawing/2010/main">
+              <a14:hiddenFill xmlns:a14="http://schemas.microsoft.com/office/drawing/2010/main" xmlns="">
                 <a:solidFill>
                   <a:srgbClr val="FFFFFF"/>
                 </a:solidFill>
               </a14:hiddenFill>
             </a:ext>
             <a:ext uri="{91240B29-F687-4f45-9708-019B960494DF}">
-              <a14:hiddenLine xmlns="" xmlns:a14="http://schemas.microsoft.com/office/drawing/2010/main" w="9525">
+              <a14:hiddenLine xmlns:a14="http://schemas.microsoft.com/office/drawing/2010/main" xmlns="" w="9525">
                 <a:solidFill>
                   <a:srgbClr val="000000"/>
                 </a:solidFill>
@@ -1008,14 +1010,14 @@
           <a:effectLst/>
           <a:extLst>
             <a:ext uri="{909E8E84-426E-40dd-AFC4-6F175D3DCCD1}">
-              <a14:hiddenFill xmlns="" xmlns:a14="http://schemas.microsoft.com/office/drawing/2010/main">
+              <a14:hiddenFill xmlns:a14="http://schemas.microsoft.com/office/drawing/2010/main" xmlns="">
                 <a:solidFill>
                   <a:srgbClr val="FFFFFF"/>
                 </a:solidFill>
               </a14:hiddenFill>
             </a:ext>
             <a:ext uri="{91240B29-F687-4f45-9708-019B960494DF}">
-              <a14:hiddenLine xmlns="" xmlns:a14="http://schemas.microsoft.com/office/drawing/2010/main" w="9525">
+              <a14:hiddenLine xmlns:a14="http://schemas.microsoft.com/office/drawing/2010/main" xmlns="" w="9525">
                 <a:solidFill>
                   <a:srgbClr val="808080"/>
                 </a:solidFill>
@@ -1025,7 +1027,7 @@
               </a14:hiddenLine>
             </a:ext>
             <a:ext uri="{AF507438-7753-43e0-B8FC-AC1667EBCBE1}">
-              <a14:hiddenEffects xmlns="" xmlns:a14="http://schemas.microsoft.com/office/drawing/2010/main">
+              <a14:hiddenEffects xmlns:a14="http://schemas.microsoft.com/office/drawing/2010/main" xmlns="">
                 <a:effectLst>
                   <a:outerShdw blurRad="63500" dist="38099" dir="2700000" algn="ctr" rotWithShape="0">
                     <a:srgbClr val="000000">
@@ -1086,14 +1088,14 @@
           <a:effectLst/>
           <a:extLst>
             <a:ext uri="{909E8E84-426E-40dd-AFC4-6F175D3DCCD1}">
-              <a14:hiddenFill xmlns="" xmlns:a14="http://schemas.microsoft.com/office/drawing/2010/main">
+              <a14:hiddenFill xmlns:a14="http://schemas.microsoft.com/office/drawing/2010/main" xmlns="">
                 <a:solidFill>
                   <a:srgbClr val="FFFFFF"/>
                 </a:solidFill>
               </a14:hiddenFill>
             </a:ext>
             <a:ext uri="{91240B29-F687-4f45-9708-019B960494DF}">
-              <a14:hiddenLine xmlns="" xmlns:a14="http://schemas.microsoft.com/office/drawing/2010/main" w="9525">
+              <a14:hiddenLine xmlns:a14="http://schemas.microsoft.com/office/drawing/2010/main" xmlns="" w="9525">
                 <a:solidFill>
                   <a:srgbClr val="808080"/>
                 </a:solidFill>
@@ -1103,7 +1105,7 @@
               </a14:hiddenLine>
             </a:ext>
             <a:ext uri="{AF507438-7753-43e0-B8FC-AC1667EBCBE1}">
-              <a14:hiddenEffects xmlns="" xmlns:a14="http://schemas.microsoft.com/office/drawing/2010/main">
+              <a14:hiddenEffects xmlns:a14="http://schemas.microsoft.com/office/drawing/2010/main" xmlns="">
                 <a:effectLst>
                   <a:outerShdw blurRad="63500" dist="38099" dir="2700000" algn="ctr" rotWithShape="0">
                     <a:srgbClr val="000000">
@@ -1174,7 +1176,7 @@
           </a:xfrm>
           <a:extLst>
             <a:ext uri="{AF507438-7753-43e0-B8FC-AC1667EBCBE1}">
-              <a14:hiddenEffects xmlns="" xmlns:a14="http://schemas.microsoft.com/office/drawing/2010/main">
+              <a14:hiddenEffects xmlns:a14="http://schemas.microsoft.com/office/drawing/2010/main" xmlns="">
                 <a:effectLst>
                   <a:outerShdw blurRad="63500" dist="38099" dir="2700000" algn="ctr" rotWithShape="0">
                     <a:srgbClr val="000000">
@@ -1310,7 +1312,7 @@
     </p:spTree>
     <p:extLst>
       <p:ext uri="{BB962C8B-B14F-4D97-AF65-F5344CB8AC3E}">
-        <p14:creationId xmlns:p14="http://schemas.microsoft.com/office/powerpoint/2010/main" val="4024588278"/>
+        <p14:creationId xmlns:p14="http://schemas.microsoft.com/office/powerpoint/2010/main" val="3077942697"/>
       </p:ext>
     </p:extLst>
   </p:cSld>
@@ -1388,7 +1390,7 @@
           <a:p>
             <a:fld id="{96257B74-7AA3-6D4E-A5F4-7C976DCE7D18}" type="slidenum">
               <a:rPr lang="en-US" smtClean="0"/>
-              <a:t>19</a:t>
+              <a:t>20</a:t>
             </a:fld>
             <a:endParaRPr lang="en-US"/>
           </a:p>
@@ -1397,7 +1399,7 @@
     </p:spTree>
     <p:extLst>
       <p:ext uri="{BB962C8B-B14F-4D97-AF65-F5344CB8AC3E}">
-        <p14:creationId xmlns:p14="http://schemas.microsoft.com/office/powerpoint/2010/main" val="3650301047"/>
+        <p14:creationId xmlns:p14="http://schemas.microsoft.com/office/powerpoint/2010/main" val="4024588278"/>
       </p:ext>
     </p:extLst>
   </p:cSld>
@@ -1475,7 +1477,7 @@
           <a:p>
             <a:fld id="{96257B74-7AA3-6D4E-A5F4-7C976DCE7D18}" type="slidenum">
               <a:rPr lang="en-US" smtClean="0"/>
-              <a:t>20</a:t>
+              <a:t>21</a:t>
             </a:fld>
             <a:endParaRPr lang="en-US"/>
           </a:p>
@@ -1484,7 +1486,7 @@
     </p:spTree>
     <p:extLst>
       <p:ext uri="{BB962C8B-B14F-4D97-AF65-F5344CB8AC3E}">
-        <p14:creationId xmlns:p14="http://schemas.microsoft.com/office/powerpoint/2010/main" val="3350941171"/>
+        <p14:creationId xmlns:p14="http://schemas.microsoft.com/office/powerpoint/2010/main" val="3650301047"/>
       </p:ext>
     </p:extLst>
   </p:cSld>
@@ -1562,7 +1564,94 @@
           <a:p>
             <a:fld id="{96257B74-7AA3-6D4E-A5F4-7C976DCE7D18}" type="slidenum">
               <a:rPr lang="en-US" smtClean="0"/>
-              <a:t>21</a:t>
+              <a:t>22</a:t>
+            </a:fld>
+            <a:endParaRPr lang="en-US"/>
+          </a:p>
+        </p:txBody>
+      </p:sp>
+    </p:spTree>
+    <p:extLst>
+      <p:ext uri="{BB962C8B-B14F-4D97-AF65-F5344CB8AC3E}">
+        <p14:creationId xmlns:p14="http://schemas.microsoft.com/office/powerpoint/2010/main" val="3350941171"/>
+      </p:ext>
+    </p:extLst>
+  </p:cSld>
+  <p:clrMapOvr>
+    <a:masterClrMapping/>
+  </p:clrMapOvr>
+</p:notes>
+</file>
+
+<file path=ppt/notesSlides/notesSlide14.xml><?xml version="1.0" encoding="utf-8"?>
+<p:notes xmlns:a="http://schemas.openxmlformats.org/drawingml/2006/main" xmlns:r="http://schemas.openxmlformats.org/officeDocument/2006/relationships" xmlns:p="http://schemas.openxmlformats.org/presentationml/2006/main">
+  <p:cSld>
+    <p:spTree>
+      <p:nvGrpSpPr>
+        <p:cNvPr id="1" name=""/>
+        <p:cNvGrpSpPr/>
+        <p:nvPr/>
+      </p:nvGrpSpPr>
+      <p:grpSpPr>
+        <a:xfrm>
+          <a:off x="0" y="0"/>
+          <a:ext cx="0" cy="0"/>
+          <a:chOff x="0" y="0"/>
+          <a:chExt cx="0" cy="0"/>
+        </a:xfrm>
+      </p:grpSpPr>
+      <p:sp>
+        <p:nvSpPr>
+          <p:cNvPr id="2" name="Slide Image Placeholder 1"/>
+          <p:cNvSpPr>
+            <a:spLocks noGrp="1" noRot="1" noChangeAspect="1"/>
+          </p:cNvSpPr>
+          <p:nvPr>
+            <p:ph type="sldImg"/>
+          </p:nvPr>
+        </p:nvSpPr>
+        <p:spPr/>
+      </p:sp>
+      <p:sp>
+        <p:nvSpPr>
+          <p:cNvPr id="3" name="Notes Placeholder 2"/>
+          <p:cNvSpPr>
+            <a:spLocks noGrp="1"/>
+          </p:cNvSpPr>
+          <p:nvPr>
+            <p:ph type="body" idx="1"/>
+          </p:nvPr>
+        </p:nvSpPr>
+        <p:spPr/>
+        <p:txBody>
+          <a:bodyPr/>
+          <a:lstStyle/>
+          <a:p>
+            <a:r>
+              <a:rPr lang="en-US" dirty="0"/>
+              <a:t>Powder diffraction provides several information about a crystalline material: structural information like...</a:t>
+            </a:r>
+          </a:p>
+        </p:txBody>
+      </p:sp>
+      <p:sp>
+        <p:nvSpPr>
+          <p:cNvPr id="4" name="Slide Number Placeholder 3"/>
+          <p:cNvSpPr>
+            <a:spLocks noGrp="1"/>
+          </p:cNvSpPr>
+          <p:nvPr>
+            <p:ph type="sldNum" sz="quarter" idx="10"/>
+          </p:nvPr>
+        </p:nvSpPr>
+        <p:spPr/>
+        <p:txBody>
+          <a:bodyPr/>
+          <a:lstStyle/>
+          <a:p>
+            <a:fld id="{96257B74-7AA3-6D4E-A5F4-7C976DCE7D18}" type="slidenum">
+              <a:rPr lang="en-US" smtClean="0"/>
+              <a:t>23</a:t>
             </a:fld>
             <a:endParaRPr lang="en-US"/>
           </a:p>
@@ -2084,7 +2173,7 @@
           <a:p>
             <a:fld id="{96257B74-7AA3-6D4E-A5F4-7C976DCE7D18}" type="slidenum">
               <a:rPr lang="en-US" smtClean="0"/>
-              <a:t>14</a:t>
+              <a:t>15</a:t>
             </a:fld>
             <a:endParaRPr lang="en-US"/>
           </a:p>
@@ -2171,7 +2260,7 @@
           <a:p>
             <a:fld id="{96257B74-7AA3-6D4E-A5F4-7C976DCE7D18}" type="slidenum">
               <a:rPr lang="en-US" smtClean="0"/>
-              <a:t>15</a:t>
+              <a:t>16</a:t>
             </a:fld>
             <a:endParaRPr lang="en-US"/>
           </a:p>
@@ -2258,7 +2347,7 @@
           <a:p>
             <a:fld id="{96257B74-7AA3-6D4E-A5F4-7C976DCE7D18}" type="slidenum">
               <a:rPr lang="en-US" smtClean="0"/>
-              <a:t>16</a:t>
+              <a:t>17</a:t>
             </a:fld>
             <a:endParaRPr lang="en-US"/>
           </a:p>
@@ -3600,7 +3689,7 @@
           <a:noFill/>
           <a:extLst>
             <a:ext uri="{909E8E84-426E-40dd-AFC4-6F175D3DCCD1}">
-              <a14:hiddenFill xmlns="" xmlns:a14="http://schemas.microsoft.com/office/drawing/2010/main">
+              <a14:hiddenFill xmlns:a14="http://schemas.microsoft.com/office/drawing/2010/main" xmlns="">
                 <a:solidFill>
                   <a:srgbClr val="FFFFFF"/>
                 </a:solidFill>
@@ -5122,7 +5211,7 @@
           <a:noFill/>
           <a:extLst>
             <a:ext uri="{909E8E84-426E-40dd-AFC4-6F175D3DCCD1}">
-              <a14:hiddenFill xmlns="" xmlns:a14="http://schemas.microsoft.com/office/drawing/2010/main">
+              <a14:hiddenFill xmlns:a14="http://schemas.microsoft.com/office/drawing/2010/main" xmlns="">
                 <a:solidFill>
                   <a:srgbClr val="FFFFFF"/>
                 </a:solidFill>
@@ -6772,8 +6861,8 @@
           </a:p>
         </p:txBody>
       </p:sp>
-      <mc:AlternateContent xmlns:mc="http://schemas.openxmlformats.org/markup-compatibility/2006">
-        <mc:Choice xmlns:a14="http://schemas.microsoft.com/office/drawing/2010/main" Requires="a14">
+      <mc:AlternateContent xmlns:mc="http://schemas.openxmlformats.org/markup-compatibility/2006" xmlns:a14="http://schemas.microsoft.com/office/drawing/2010/main">
+        <mc:Choice Requires="a14">
           <p:sp>
             <p:nvSpPr>
               <p:cNvPr id="5" name="TextBox 4">
@@ -6861,7 +6950,7 @@
             </p:txBody>
           </p:sp>
         </mc:Choice>
-        <mc:Fallback>
+        <mc:Fallback xmlns="">
           <p:sp>
             <p:nvSpPr>
               <p:cNvPr id="5" name="TextBox 4">
@@ -6906,8 +6995,8 @@
           </p:sp>
         </mc:Fallback>
       </mc:AlternateContent>
-      <mc:AlternateContent xmlns:mc="http://schemas.openxmlformats.org/markup-compatibility/2006">
-        <mc:Choice xmlns:a14="http://schemas.microsoft.com/office/drawing/2010/main" Requires="a14">
+      <mc:AlternateContent xmlns:mc="http://schemas.openxmlformats.org/markup-compatibility/2006" xmlns:a14="http://schemas.microsoft.com/office/drawing/2010/main">
+        <mc:Choice Requires="a14">
           <p:sp>
             <p:nvSpPr>
               <p:cNvPr id="8" name="Rectangle 7">
@@ -7688,7 +7777,7 @@
             </p:txBody>
           </p:sp>
         </mc:Choice>
-        <mc:Fallback>
+        <mc:Fallback xmlns="">
           <p:sp>
             <p:nvSpPr>
               <p:cNvPr id="8" name="Rectangle 7">
@@ -7733,8 +7822,8 @@
           </p:sp>
         </mc:Fallback>
       </mc:AlternateContent>
-      <mc:AlternateContent xmlns:mc="http://schemas.openxmlformats.org/markup-compatibility/2006">
-        <mc:Choice xmlns:a14="http://schemas.microsoft.com/office/drawing/2010/main" Requires="a14">
+      <mc:AlternateContent xmlns:mc="http://schemas.openxmlformats.org/markup-compatibility/2006" xmlns:a14="http://schemas.microsoft.com/office/drawing/2010/main">
+        <mc:Choice Requires="a14">
           <p:sp>
             <p:nvSpPr>
               <p:cNvPr id="9" name="Rectangle 8">
@@ -7762,6 +7851,7 @@
               </a:bodyPr>
               <a:lstStyle/>
               <a:p>
+                <a:pPr/>
                 <a14:m>
                   <m:oMathPara xmlns:m="http://schemas.openxmlformats.org/officeDocument/2006/math">
                     <m:oMathParaPr>
@@ -8596,7 +8686,7 @@
             </p:txBody>
           </p:sp>
         </mc:Choice>
-        <mc:Fallback>
+        <mc:Fallback xmlns="">
           <p:sp>
             <p:nvSpPr>
               <p:cNvPr id="9" name="Rectangle 8">
@@ -8837,21 +8927,8 @@
                   <a:srgbClr val="005C98"/>
                 </a:solidFill>
               </a:rPr>
-              <a:t>Blas </a:t>
+              <a:t>From Oleg &amp; Rafael paper</a:t>
             </a:r>
-            <a:r>
-              <a:rPr lang="en-US" sz="2000" dirty="0" err="1">
-                <a:solidFill>
-                  <a:srgbClr val="005C98"/>
-                </a:solidFill>
-              </a:rPr>
-              <a:t>blas</a:t>
-            </a:r>
-            <a:endParaRPr lang="en-US" sz="2000" dirty="0">
-              <a:solidFill>
-                <a:srgbClr val="005C98"/>
-              </a:solidFill>
-            </a:endParaRPr>
           </a:p>
         </p:txBody>
       </p:sp>
@@ -8922,8 +8999,8 @@
         </p:nvSpPr>
         <p:spPr>
           <a:xfrm>
-            <a:off x="496866" y="5975124"/>
-            <a:ext cx="6404975" cy="261610"/>
+            <a:off x="7257430" y="6105929"/>
+            <a:ext cx="5079475" cy="307777"/>
           </a:xfrm>
           <a:prstGeom prst="rect">
             <a:avLst/>
@@ -8936,7 +9013,7 @@
           <a:lstStyle/>
           <a:p>
             <a:r>
-              <a:rPr lang="en-US" sz="1100" dirty="0" err="1">
+              <a:rPr lang="en-US" sz="1400" i="1" dirty="0" err="1">
                 <a:solidFill>
                   <a:srgbClr val="112375"/>
                 </a:solidFill>
@@ -8945,7 +9022,7 @@
               <a:t>Chubar</a:t>
             </a:r>
             <a:r>
-              <a:rPr lang="en-US" sz="1100" dirty="0">
+              <a:rPr lang="en-US" sz="1400" i="1" dirty="0">
                 <a:solidFill>
                   <a:srgbClr val="112375"/>
                 </a:solidFill>
@@ -8954,7 +9031,7 @@
               <a:t>, O. and </a:t>
             </a:r>
             <a:r>
-              <a:rPr lang="en-US" sz="1100" dirty="0" err="1">
+              <a:rPr lang="en-US" sz="1400" i="1" dirty="0" err="1">
                 <a:solidFill>
                   <a:srgbClr val="112375"/>
                 </a:solidFill>
@@ -8963,7 +9040,7 @@
               <a:t>Celestre</a:t>
             </a:r>
             <a:r>
-              <a:rPr lang="en-US" sz="1100" dirty="0">
+              <a:rPr lang="en-US" sz="1400" i="1" dirty="0">
                 <a:solidFill>
                   <a:srgbClr val="112375"/>
                 </a:solidFill>
@@ -8971,7 +9048,7 @@
               </a:rPr>
               <a:t>, R. Opt. Express 27, 28750-28759 (2019)</a:t>
             </a:r>
-            <a:endParaRPr lang="en-US" sz="1100" dirty="0">
+            <a:endParaRPr lang="en-US" sz="1400" i="1" dirty="0">
               <a:latin typeface="Times" pitchFamily="2" charset="0"/>
             </a:endParaRPr>
           </a:p>
@@ -9081,8 +9158,8 @@
           </a:p>
         </p:txBody>
       </p:sp>
-      <mc:AlternateContent xmlns:mc="http://schemas.openxmlformats.org/markup-compatibility/2006">
-        <mc:Choice xmlns:a14="http://schemas.microsoft.com/office/drawing/2010/main" Requires="a14">
+      <mc:AlternateContent xmlns:mc="http://schemas.openxmlformats.org/markup-compatibility/2006" xmlns:a14="http://schemas.microsoft.com/office/drawing/2010/main">
+        <mc:Choice Requires="a14">
           <p:sp>
             <p:nvSpPr>
               <p:cNvPr id="5" name="TextBox 4">
@@ -9238,7 +9315,7 @@
             </p:txBody>
           </p:sp>
         </mc:Choice>
-        <mc:Fallback>
+        <mc:Fallback xmlns="">
           <p:sp>
             <p:nvSpPr>
               <p:cNvPr id="5" name="TextBox 4">
@@ -9283,8 +9360,8 @@
           </p:sp>
         </mc:Fallback>
       </mc:AlternateContent>
-      <mc:AlternateContent xmlns:mc="http://schemas.openxmlformats.org/markup-compatibility/2006">
-        <mc:Choice xmlns:a14="http://schemas.microsoft.com/office/drawing/2010/main" Requires="a14">
+      <mc:AlternateContent xmlns:mc="http://schemas.openxmlformats.org/markup-compatibility/2006" xmlns:a14="http://schemas.microsoft.com/office/drawing/2010/main">
+        <mc:Choice Requires="a14">
           <p:sp>
             <p:nvSpPr>
               <p:cNvPr id="8" name="Rectangle 7">
@@ -10142,7 +10219,7 @@
             </p:txBody>
           </p:sp>
         </mc:Choice>
-        <mc:Fallback>
+        <mc:Fallback xmlns="">
           <p:sp>
             <p:nvSpPr>
               <p:cNvPr id="8" name="Rectangle 7">
@@ -10240,8 +10317,8 @@
           </a:p>
         </p:txBody>
       </p:sp>
-      <mc:AlternateContent xmlns:mc="http://schemas.openxmlformats.org/markup-compatibility/2006">
-        <mc:Choice xmlns:a14="http://schemas.microsoft.com/office/drawing/2010/main" Requires="a14">
+      <mc:AlternateContent xmlns:mc="http://schemas.openxmlformats.org/markup-compatibility/2006" xmlns:a14="http://schemas.microsoft.com/office/drawing/2010/main">
+        <mc:Choice Requires="a14">
           <p:sp>
             <p:nvSpPr>
               <p:cNvPr id="3" name="Rectangle 2">
@@ -10269,6 +10346,7 @@
               </a:bodyPr>
               <a:lstStyle/>
               <a:p>
+                <a:pPr/>
                 <a14:m>
                   <m:oMathPara xmlns:m="http://schemas.openxmlformats.org/officeDocument/2006/math">
                     <m:oMathParaPr>
@@ -10553,7 +10631,7 @@
             </p:txBody>
           </p:sp>
         </mc:Choice>
-        <mc:Fallback>
+        <mc:Fallback xmlns="">
           <p:sp>
             <p:nvSpPr>
               <p:cNvPr id="3" name="Rectangle 2">
@@ -10598,8 +10676,8 @@
           </p:sp>
         </mc:Fallback>
       </mc:AlternateContent>
-      <mc:AlternateContent xmlns:mc="http://schemas.openxmlformats.org/markup-compatibility/2006">
-        <mc:Choice xmlns:a14="http://schemas.microsoft.com/office/drawing/2010/main" Requires="a14">
+      <mc:AlternateContent xmlns:mc="http://schemas.openxmlformats.org/markup-compatibility/2006" xmlns:a14="http://schemas.microsoft.com/office/drawing/2010/main">
+        <mc:Choice Requires="a14">
           <p:sp>
             <p:nvSpPr>
               <p:cNvPr id="4" name="Rectangle 3">
@@ -10710,7 +10788,7 @@
             </p:txBody>
           </p:sp>
         </mc:Choice>
-        <mc:Fallback>
+        <mc:Fallback xmlns="">
           <p:sp>
             <p:nvSpPr>
               <p:cNvPr id="4" name="Rectangle 3">
@@ -10755,8 +10833,8 @@
           </p:sp>
         </mc:Fallback>
       </mc:AlternateContent>
-      <mc:AlternateContent xmlns:mc="http://schemas.openxmlformats.org/markup-compatibility/2006">
-        <mc:Choice xmlns:a14="http://schemas.microsoft.com/office/drawing/2010/main" Requires="a14">
+      <mc:AlternateContent xmlns:mc="http://schemas.openxmlformats.org/markup-compatibility/2006" xmlns:a14="http://schemas.microsoft.com/office/drawing/2010/main">
+        <mc:Choice Requires="a14">
           <p:sp>
             <p:nvSpPr>
               <p:cNvPr id="11" name="Rectangle 10">
@@ -10784,6 +10862,7 @@
               </a:bodyPr>
               <a:lstStyle/>
               <a:p>
+                <a:pPr/>
                 <a14:m>
                   <m:oMathPara xmlns:m="http://schemas.openxmlformats.org/officeDocument/2006/math">
                     <m:oMathParaPr>
@@ -10852,7 +10931,7 @@
             </p:txBody>
           </p:sp>
         </mc:Choice>
-        <mc:Fallback>
+        <mc:Fallback xmlns="">
           <p:sp>
             <p:nvSpPr>
               <p:cNvPr id="11" name="Rectangle 10">
@@ -10897,8 +10976,8 @@
           </p:sp>
         </mc:Fallback>
       </mc:AlternateContent>
-      <mc:AlternateContent xmlns:mc="http://schemas.openxmlformats.org/markup-compatibility/2006">
-        <mc:Choice xmlns:a14="http://schemas.microsoft.com/office/drawing/2010/main" Requires="a14">
+      <mc:AlternateContent xmlns:mc="http://schemas.openxmlformats.org/markup-compatibility/2006" xmlns:a14="http://schemas.microsoft.com/office/drawing/2010/main">
+        <mc:Choice Requires="a14">
           <p:sp>
             <p:nvSpPr>
               <p:cNvPr id="13" name="Rectangle 12">
@@ -10926,6 +11005,7 @@
               </a:bodyPr>
               <a:lstStyle/>
               <a:p>
+                <a:pPr/>
                 <a14:m>
                   <m:oMathPara xmlns:m="http://schemas.openxmlformats.org/officeDocument/2006/math">
                     <m:oMathParaPr>
@@ -11098,7 +11178,7 @@
             </p:txBody>
           </p:sp>
         </mc:Choice>
-        <mc:Fallback>
+        <mc:Fallback xmlns="">
           <p:sp>
             <p:nvSpPr>
               <p:cNvPr id="13" name="Rectangle 12">
@@ -11187,6 +11267,276 @@
       </p:grpSpPr>
       <p:sp>
         <p:nvSpPr>
+          <p:cNvPr id="2" name="Slide Number Placeholder 1">
+            <a:extLst>
+              <a:ext uri="{FF2B5EF4-FFF2-40B4-BE49-F238E27FC236}">
+                <a16:creationId xmlns:a16="http://schemas.microsoft.com/office/drawing/2014/main" id="{A8943813-742C-614A-9654-37172B7DACDB}"/>
+              </a:ext>
+            </a:extLst>
+          </p:cNvPr>
+          <p:cNvSpPr>
+            <a:spLocks noGrp="1"/>
+          </p:cNvSpPr>
+          <p:nvPr>
+            <p:ph type="sldNum" sz="quarter" idx="10"/>
+          </p:nvPr>
+        </p:nvSpPr>
+        <p:spPr/>
+        <p:txBody>
+          <a:bodyPr/>
+          <a:lstStyle/>
+          <a:p>
+            <a:fld id="{AEFAAC5A-9C4F-4278-920D-DF2BAB595749}" type="slidenum">
+              <a:rPr lang="en-US" smtClean="0">
+                <a:latin typeface="Arial"/>
+              </a:rPr>
+              <a:pPr/>
+              <a:t>13</a:t>
+            </a:fld>
+            <a:endParaRPr lang="en-US" dirty="0">
+              <a:latin typeface="Arial"/>
+            </a:endParaRPr>
+          </a:p>
+        </p:txBody>
+      </p:sp>
+      <p:sp>
+        <p:nvSpPr>
+          <p:cNvPr id="6" name="Title 5">
+            <a:extLst>
+              <a:ext uri="{FF2B5EF4-FFF2-40B4-BE49-F238E27FC236}">
+                <a16:creationId xmlns:a16="http://schemas.microsoft.com/office/drawing/2014/main" id="{03809970-9A6E-9A44-AD84-DE80CE557F4D}"/>
+              </a:ext>
+            </a:extLst>
+          </p:cNvPr>
+          <p:cNvSpPr>
+            <a:spLocks noGrp="1"/>
+          </p:cNvSpPr>
+          <p:nvPr>
+            <p:ph type="title"/>
+          </p:nvPr>
+        </p:nvSpPr>
+        <p:spPr>
+          <a:xfrm>
+            <a:off x="313152" y="179725"/>
+            <a:ext cx="11878848" cy="828948"/>
+          </a:xfrm>
+        </p:spPr>
+        <p:txBody>
+          <a:bodyPr/>
+          <a:lstStyle/>
+          <a:p>
+            <a:r>
+              <a:rPr lang="en-US" dirty="0"/>
+              <a:t>Numerical Fourier Transform (FFT)</a:t>
+            </a:r>
+          </a:p>
+        </p:txBody>
+      </p:sp>
+      <p:sp>
+        <p:nvSpPr>
+          <p:cNvPr id="5" name="TextBox 4">
+            <a:extLst>
+              <a:ext uri="{FF2B5EF4-FFF2-40B4-BE49-F238E27FC236}">
+                <a16:creationId xmlns:a16="http://schemas.microsoft.com/office/drawing/2014/main" id="{0011104C-EB50-D74A-9199-69540AE7DAE2}"/>
+              </a:ext>
+            </a:extLst>
+          </p:cNvPr>
+          <p:cNvSpPr txBox="1"/>
+          <p:nvPr/>
+        </p:nvSpPr>
+        <p:spPr>
+          <a:xfrm>
+            <a:off x="496866" y="1008673"/>
+            <a:ext cx="11530034" cy="400110"/>
+          </a:xfrm>
+          <a:prstGeom prst="rect">
+            <a:avLst/>
+          </a:prstGeom>
+          <a:noFill/>
+        </p:spPr>
+        <p:txBody>
+          <a:bodyPr wrap="square" rtlCol="0">
+            <a:spAutoFit/>
+          </a:bodyPr>
+          <a:lstStyle/>
+          <a:p>
+            <a:r>
+              <a:rPr lang="en-US" sz="2000" dirty="0">
+                <a:solidFill>
+                  <a:srgbClr val="005C98"/>
+                </a:solidFill>
+              </a:rPr>
+              <a:t>Describe artifacts: Replicas and Aliasing (from Manolo’s notes)</a:t>
+            </a:r>
+          </a:p>
+        </p:txBody>
+      </p:sp>
+      <p:sp>
+        <p:nvSpPr>
+          <p:cNvPr id="10" name="Footer Placeholder 4">
+            <a:extLst>
+              <a:ext uri="{FF2B5EF4-FFF2-40B4-BE49-F238E27FC236}">
+                <a16:creationId xmlns:a16="http://schemas.microsoft.com/office/drawing/2014/main" id="{54067F68-DE8F-4148-BDEF-4537CB086EBC}"/>
+              </a:ext>
+            </a:extLst>
+          </p:cNvPr>
+          <p:cNvSpPr>
+            <a:spLocks noGrp="1"/>
+          </p:cNvSpPr>
+          <p:nvPr>
+            <p:ph type="ftr" sz="quarter" idx="3"/>
+          </p:nvPr>
+        </p:nvSpPr>
+        <p:spPr>
+          <a:xfrm>
+            <a:off x="2610196" y="6506039"/>
+            <a:ext cx="7602850" cy="238354"/>
+          </a:xfrm>
+        </p:spPr>
+        <p:txBody>
+          <a:bodyPr/>
+          <a:lstStyle/>
+          <a:p>
+            <a:r>
+              <a:rPr lang="en-US" dirty="0">
+                <a:solidFill>
+                  <a:srgbClr val="000000"/>
+                </a:solidFill>
+              </a:rPr>
+              <a:t>Second OASYS School – December 12</a:t>
+            </a:r>
+            <a:r>
+              <a:rPr lang="en-US" baseline="30000" dirty="0">
+                <a:solidFill>
+                  <a:srgbClr val="000000"/>
+                </a:solidFill>
+              </a:rPr>
+              <a:t>th</a:t>
+            </a:r>
+            <a:r>
+              <a:rPr lang="en-US" dirty="0">
+                <a:solidFill>
+                  <a:srgbClr val="000000"/>
+                </a:solidFill>
+              </a:rPr>
+              <a:t>, 2019</a:t>
+            </a:r>
+          </a:p>
+        </p:txBody>
+      </p:sp>
+      <p:sp>
+        <p:nvSpPr>
+          <p:cNvPr id="3" name="Rectangle 2">
+            <a:extLst>
+              <a:ext uri="{FF2B5EF4-FFF2-40B4-BE49-F238E27FC236}">
+                <a16:creationId xmlns:a16="http://schemas.microsoft.com/office/drawing/2014/main" id="{8BCA06D2-73CD-804C-B253-AD6D4480E0E3}"/>
+              </a:ext>
+            </a:extLst>
+          </p:cNvPr>
+          <p:cNvSpPr/>
+          <p:nvPr/>
+        </p:nvSpPr>
+        <p:spPr>
+          <a:xfrm>
+            <a:off x="496866" y="5975124"/>
+            <a:ext cx="6404975" cy="261610"/>
+          </a:xfrm>
+          <a:prstGeom prst="rect">
+            <a:avLst/>
+          </a:prstGeom>
+        </p:spPr>
+        <p:txBody>
+          <a:bodyPr wrap="square">
+            <a:spAutoFit/>
+          </a:bodyPr>
+          <a:lstStyle/>
+          <a:p>
+            <a:r>
+              <a:rPr lang="en-US" sz="1100" dirty="0" err="1">
+                <a:solidFill>
+                  <a:srgbClr val="112375"/>
+                </a:solidFill>
+                <a:latin typeface="Times" pitchFamily="2" charset="0"/>
+              </a:rPr>
+              <a:t>Chubar</a:t>
+            </a:r>
+            <a:r>
+              <a:rPr lang="en-US" sz="1100" dirty="0">
+                <a:solidFill>
+                  <a:srgbClr val="112375"/>
+                </a:solidFill>
+                <a:latin typeface="Times" pitchFamily="2" charset="0"/>
+              </a:rPr>
+              <a:t>, O. and </a:t>
+            </a:r>
+            <a:r>
+              <a:rPr lang="en-US" sz="1100" dirty="0" err="1">
+                <a:solidFill>
+                  <a:srgbClr val="112375"/>
+                </a:solidFill>
+                <a:latin typeface="Times" pitchFamily="2" charset="0"/>
+              </a:rPr>
+              <a:t>Celestre</a:t>
+            </a:r>
+            <a:r>
+              <a:rPr lang="en-US" sz="1100" dirty="0">
+                <a:solidFill>
+                  <a:srgbClr val="112375"/>
+                </a:solidFill>
+                <a:latin typeface="Times" pitchFamily="2" charset="0"/>
+              </a:rPr>
+              <a:t>, R. Opt. Express 27, 28750-28759 (2019)</a:t>
+            </a:r>
+            <a:endParaRPr lang="en-US" sz="1100" dirty="0">
+              <a:latin typeface="Times" pitchFamily="2" charset="0"/>
+            </a:endParaRPr>
+          </a:p>
+        </p:txBody>
+      </p:sp>
+    </p:spTree>
+    <p:extLst>
+      <p:ext uri="{BB962C8B-B14F-4D97-AF65-F5344CB8AC3E}">
+        <p14:creationId xmlns:p14="http://schemas.microsoft.com/office/powerpoint/2010/main" val="1424700365"/>
+      </p:ext>
+    </p:extLst>
+  </p:cSld>
+  <p:clrMapOvr>
+    <a:masterClrMapping/>
+  </p:clrMapOvr>
+  <mc:AlternateContent xmlns:mc="http://schemas.openxmlformats.org/markup-compatibility/2006" xmlns:p14="http://schemas.microsoft.com/office/powerpoint/2010/main">
+    <mc:Choice Requires="p14">
+      <p:transition p14:dur="250">
+        <p:fade/>
+      </p:transition>
+    </mc:Choice>
+    <mc:Fallback xmlns="">
+      <p:transition>
+        <p:fade/>
+      </p:transition>
+    </mc:Fallback>
+  </mc:AlternateContent>
+</p:sld>
+</file>
+
+<file path=ppt/slides/slide14.xml><?xml version="1.0" encoding="utf-8"?>
+<p:sld xmlns:a="http://schemas.openxmlformats.org/drawingml/2006/main" xmlns:r="http://schemas.openxmlformats.org/officeDocument/2006/relationships" xmlns:p="http://schemas.openxmlformats.org/presentationml/2006/main">
+  <p:cSld>
+    <p:spTree>
+      <p:nvGrpSpPr>
+        <p:cNvPr id="1" name=""/>
+        <p:cNvGrpSpPr/>
+        <p:nvPr/>
+      </p:nvGrpSpPr>
+      <p:grpSpPr>
+        <a:xfrm>
+          <a:off x="0" y="0"/>
+          <a:ext cx="0" cy="0"/>
+          <a:chOff x="0" y="0"/>
+          <a:chExt cx="0" cy="0"/>
+        </a:xfrm>
+      </p:grpSpPr>
+      <p:sp>
+        <p:nvSpPr>
           <p:cNvPr id="3" name="Text Placeholder 2"/>
           <p:cNvSpPr>
             <a:spLocks noGrp="1"/>
@@ -11237,7 +11587,7 @@
 </p:sld>
 </file>
 
-<file path=ppt/slides/slide14.xml><?xml version="1.0" encoding="utf-8"?>
+<file path=ppt/slides/slide15.xml><?xml version="1.0" encoding="utf-8"?>
 <p:sld xmlns:a="http://schemas.openxmlformats.org/drawingml/2006/main" xmlns:r="http://schemas.openxmlformats.org/officeDocument/2006/relationships" xmlns:p="http://schemas.openxmlformats.org/presentationml/2006/main">
   <p:cSld>
     <p:spTree>
@@ -11365,7 +11715,7 @@
 </p:sld>
 </file>
 
-<file path=ppt/slides/slide15.xml><?xml version="1.0" encoding="utf-8"?>
+<file path=ppt/slides/slide16.xml><?xml version="1.0" encoding="utf-8"?>
 <p:sld xmlns:a="http://schemas.openxmlformats.org/drawingml/2006/main" xmlns:r="http://schemas.openxmlformats.org/officeDocument/2006/relationships" xmlns:p="http://schemas.openxmlformats.org/presentationml/2006/main">
   <p:cSld>
     <p:spTree>
@@ -11493,7 +11843,7 @@
 </p:sld>
 </file>
 
-<file path=ppt/slides/slide16.xml><?xml version="1.0" encoding="utf-8"?>
+<file path=ppt/slides/slide17.xml><?xml version="1.0" encoding="utf-8"?>
 <p:sld xmlns:a="http://schemas.openxmlformats.org/drawingml/2006/main" xmlns:r="http://schemas.openxmlformats.org/officeDocument/2006/relationships" xmlns:p="http://schemas.openxmlformats.org/presentationml/2006/main">
   <p:cSld>
     <p:spTree>
@@ -11621,7 +11971,460 @@
 </p:sld>
 </file>
 
-<file path=ppt/slides/slide17.xml><?xml version="1.0" encoding="utf-8"?>
+<file path=ppt/slides/slide18.xml><?xml version="1.0" encoding="utf-8"?>
+<p:sld xmlns:a="http://schemas.openxmlformats.org/drawingml/2006/main" xmlns:r="http://schemas.openxmlformats.org/officeDocument/2006/relationships" xmlns:p="http://schemas.openxmlformats.org/presentationml/2006/main">
+  <p:cSld>
+    <p:spTree>
+      <p:nvGrpSpPr>
+        <p:cNvPr id="1" name=""/>
+        <p:cNvGrpSpPr/>
+        <p:nvPr/>
+      </p:nvGrpSpPr>
+      <p:grpSpPr>
+        <a:xfrm>
+          <a:off x="0" y="0"/>
+          <a:ext cx="0" cy="0"/>
+          <a:chOff x="0" y="0"/>
+          <a:chExt cx="0" cy="0"/>
+        </a:xfrm>
+      </p:grpSpPr>
+      <p:sp>
+        <p:nvSpPr>
+          <p:cNvPr id="6" name="Title 5">
+            <a:extLst>
+              <a:ext uri="{FF2B5EF4-FFF2-40B4-BE49-F238E27FC236}">
+                <a16:creationId xmlns:a16="http://schemas.microsoft.com/office/drawing/2014/main" id="{C7E79EAA-C69B-4C11-9072-88D19471831D}"/>
+              </a:ext>
+            </a:extLst>
+          </p:cNvPr>
+          <p:cNvSpPr>
+            <a:spLocks noGrp="1"/>
+          </p:cNvSpPr>
+          <p:nvPr>
+            <p:ph type="title"/>
+          </p:nvPr>
+        </p:nvSpPr>
+        <p:spPr>
+          <a:xfrm>
+            <a:off x="609601" y="161319"/>
+            <a:ext cx="11163868" cy="501210"/>
+          </a:xfrm>
+        </p:spPr>
+        <p:txBody>
+          <a:bodyPr/>
+          <a:lstStyle/>
+          <a:p>
+            <a:r>
+              <a:rPr lang="en-US" sz="2800" dirty="0"/>
+              <a:t>Number of Points in the Propagation Plane</a:t>
+            </a:r>
+          </a:p>
+        </p:txBody>
+      </p:sp>
+      <p:sp>
+        <p:nvSpPr>
+          <p:cNvPr id="4" name="Footer Placeholder 4">
+            <a:extLst>
+              <a:ext uri="{FF2B5EF4-FFF2-40B4-BE49-F238E27FC236}">
+                <a16:creationId xmlns:a16="http://schemas.microsoft.com/office/drawing/2014/main" id="{7E5379EC-919F-9B44-A7E9-9F23E1920D63}"/>
+              </a:ext>
+            </a:extLst>
+          </p:cNvPr>
+          <p:cNvSpPr>
+            <a:spLocks noGrp="1"/>
+          </p:cNvSpPr>
+          <p:nvPr>
+            <p:ph type="ftr" sz="quarter" idx="3"/>
+          </p:nvPr>
+        </p:nvSpPr>
+        <p:spPr>
+          <a:xfrm>
+            <a:off x="2610196" y="6506039"/>
+            <a:ext cx="7602850" cy="238354"/>
+          </a:xfrm>
+        </p:spPr>
+        <p:txBody>
+          <a:bodyPr/>
+          <a:lstStyle/>
+          <a:p>
+            <a:r>
+              <a:rPr lang="en-US" dirty="0">
+                <a:solidFill>
+                  <a:srgbClr val="000000"/>
+                </a:solidFill>
+              </a:rPr>
+              <a:t>Second OASYS School – December 12</a:t>
+            </a:r>
+            <a:r>
+              <a:rPr lang="en-US" baseline="30000" dirty="0">
+                <a:solidFill>
+                  <a:srgbClr val="000000"/>
+                </a:solidFill>
+              </a:rPr>
+              <a:t>th</a:t>
+            </a:r>
+            <a:r>
+              <a:rPr lang="en-US" dirty="0">
+                <a:solidFill>
+                  <a:srgbClr val="000000"/>
+                </a:solidFill>
+              </a:rPr>
+              <a:t>, 2019</a:t>
+            </a:r>
+          </a:p>
+        </p:txBody>
+      </p:sp>
+      <p:pic>
+        <p:nvPicPr>
+          <p:cNvPr id="3" name="Picture 2">
+            <a:extLst>
+              <a:ext uri="{FF2B5EF4-FFF2-40B4-BE49-F238E27FC236}">
+                <a16:creationId xmlns:a16="http://schemas.microsoft.com/office/drawing/2014/main" id="{89C63479-96A6-0C4D-BD01-B97FAE0DA8E0}"/>
+              </a:ext>
+            </a:extLst>
+          </p:cNvPr>
+          <p:cNvPicPr>
+            <a:picLocks noChangeAspect="1"/>
+          </p:cNvPicPr>
+          <p:nvPr/>
+        </p:nvPicPr>
+        <p:blipFill>
+          <a:blip r:embed="rId3"/>
+          <a:stretch>
+            <a:fillRect/>
+          </a:stretch>
+        </p:blipFill>
+        <p:spPr>
+          <a:xfrm>
+            <a:off x="3292992" y="1563487"/>
+            <a:ext cx="8750300" cy="4292600"/>
+          </a:xfrm>
+          <a:prstGeom prst="rect">
+            <a:avLst/>
+          </a:prstGeom>
+        </p:spPr>
+      </p:pic>
+      <p:sp>
+        <p:nvSpPr>
+          <p:cNvPr id="5" name="Rectangle 4">
+            <a:extLst>
+              <a:ext uri="{FF2B5EF4-FFF2-40B4-BE49-F238E27FC236}">
+                <a16:creationId xmlns:a16="http://schemas.microsoft.com/office/drawing/2014/main" id="{096DF845-F03A-BD4C-9B8F-D92E93CF308B}"/>
+              </a:ext>
+            </a:extLst>
+          </p:cNvPr>
+          <p:cNvSpPr/>
+          <p:nvPr/>
+        </p:nvSpPr>
+        <p:spPr>
+          <a:xfrm>
+            <a:off x="7264335" y="5920798"/>
+            <a:ext cx="4974543" cy="307777"/>
+          </a:xfrm>
+          <a:prstGeom prst="rect">
+            <a:avLst/>
+          </a:prstGeom>
+        </p:spPr>
+        <p:txBody>
+          <a:bodyPr wrap="square">
+            <a:spAutoFit/>
+          </a:bodyPr>
+          <a:lstStyle/>
+          <a:p>
+            <a:r>
+              <a:rPr lang="en-US" sz="1400" i="1" dirty="0" err="1">
+                <a:solidFill>
+                  <a:srgbClr val="112375"/>
+                </a:solidFill>
+                <a:latin typeface="Times" pitchFamily="2" charset="0"/>
+              </a:rPr>
+              <a:t>Chubar</a:t>
+            </a:r>
+            <a:r>
+              <a:rPr lang="en-US" sz="1400" i="1" dirty="0">
+                <a:solidFill>
+                  <a:srgbClr val="112375"/>
+                </a:solidFill>
+                <a:latin typeface="Times" pitchFamily="2" charset="0"/>
+              </a:rPr>
+              <a:t>, O. and </a:t>
+            </a:r>
+            <a:r>
+              <a:rPr lang="en-US" sz="1400" i="1" dirty="0" err="1">
+                <a:solidFill>
+                  <a:srgbClr val="112375"/>
+                </a:solidFill>
+                <a:latin typeface="Times" pitchFamily="2" charset="0"/>
+              </a:rPr>
+              <a:t>Celestre</a:t>
+            </a:r>
+            <a:r>
+              <a:rPr lang="en-US" sz="1400" i="1" dirty="0">
+                <a:solidFill>
+                  <a:srgbClr val="112375"/>
+                </a:solidFill>
+                <a:latin typeface="Times" pitchFamily="2" charset="0"/>
+              </a:rPr>
+              <a:t>, R. Opt. Express 27, 28750-28759 (2019)</a:t>
+            </a:r>
+            <a:endParaRPr lang="en-US" sz="1400" i="1" dirty="0">
+              <a:latin typeface="Times" pitchFamily="2" charset="0"/>
+            </a:endParaRPr>
+          </a:p>
+        </p:txBody>
+      </p:sp>
+      <mc:AlternateContent xmlns:mc="http://schemas.openxmlformats.org/markup-compatibility/2006">
+        <mc:Choice xmlns:a14="http://schemas.microsoft.com/office/drawing/2010/main" Requires="a14">
+          <p:sp>
+            <p:nvSpPr>
+              <p:cNvPr id="2" name="TextBox 1">
+                <a:extLst>
+                  <a:ext uri="{FF2B5EF4-FFF2-40B4-BE49-F238E27FC236}">
+                    <a16:creationId xmlns:a16="http://schemas.microsoft.com/office/drawing/2014/main" id="{8E8B540F-346D-3749-BE27-9ABF27BB9C99}"/>
+                  </a:ext>
+                </a:extLst>
+              </p:cNvPr>
+              <p:cNvSpPr txBox="1"/>
+              <p:nvPr/>
+            </p:nvSpPr>
+            <p:spPr>
+              <a:xfrm>
+                <a:off x="4166482" y="1344887"/>
+                <a:ext cx="2835969" cy="988156"/>
+              </a:xfrm>
+              <a:prstGeom prst="rect">
+                <a:avLst/>
+              </a:prstGeom>
+              <a:noFill/>
+            </p:spPr>
+            <p:txBody>
+              <a:bodyPr wrap="none" lIns="0" tIns="0" rIns="0" bIns="0" rtlCol="0">
+                <a:spAutoFit/>
+              </a:bodyPr>
+              <a:lstStyle/>
+              <a:p>
+                <a14:m>
+                  <m:oMathPara xmlns:m="http://schemas.openxmlformats.org/officeDocument/2006/math">
+                    <m:oMathParaPr>
+                      <m:jc m:val="centerGroup"/>
+                    </m:oMathParaPr>
+                    <m:oMath xmlns:m="http://schemas.openxmlformats.org/officeDocument/2006/math">
+                      <m:sSub>
+                        <m:sSubPr>
+                          <m:ctrlPr>
+                            <a:rPr lang="en-US" sz="3200" b="0" i="1" smtClean="0">
+                              <a:latin typeface="Cambria Math" panose="02040503050406030204" pitchFamily="18" charset="0"/>
+                            </a:rPr>
+                          </m:ctrlPr>
+                        </m:sSubPr>
+                        <m:e>
+                          <m:r>
+                            <a:rPr lang="en-US" sz="3200" b="0" i="1" smtClean="0">
+                              <a:latin typeface="Cambria Math" panose="02040503050406030204" pitchFamily="18" charset="0"/>
+                            </a:rPr>
+                            <m:t>𝑁</m:t>
+                          </m:r>
+                        </m:e>
+                        <m:sub>
+                          <m:r>
+                            <a:rPr lang="en-US" sz="3200" b="0" i="1" smtClean="0">
+                              <a:latin typeface="Cambria Math" panose="02040503050406030204" pitchFamily="18" charset="0"/>
+                            </a:rPr>
+                            <m:t>𝑝𝑜𝑖𝑛𝑡𝑠</m:t>
+                          </m:r>
+                        </m:sub>
+                      </m:sSub>
+                      <m:r>
+                        <a:rPr lang="en-US" sz="3200" i="1">
+                          <a:latin typeface="Cambria Math" panose="02040503050406030204" pitchFamily="18" charset="0"/>
+                          <a:ea typeface="Cambria Math" panose="02040503050406030204" pitchFamily="18" charset="0"/>
+                        </a:rPr>
+                        <m:t>≥</m:t>
+                      </m:r>
+                      <m:f>
+                        <m:fPr>
+                          <m:ctrlPr>
+                            <a:rPr lang="en-US" sz="3200" i="1" smtClean="0">
+                              <a:latin typeface="Cambria Math" panose="02040503050406030204" pitchFamily="18" charset="0"/>
+                              <a:ea typeface="Cambria Math" panose="02040503050406030204" pitchFamily="18" charset="0"/>
+                            </a:rPr>
+                          </m:ctrlPr>
+                        </m:fPr>
+                        <m:num>
+                          <m:sSup>
+                            <m:sSupPr>
+                              <m:ctrlPr>
+                                <a:rPr lang="en-US" sz="3200" i="1" smtClean="0">
+                                  <a:latin typeface="Cambria Math" panose="02040503050406030204" pitchFamily="18" charset="0"/>
+                                  <a:ea typeface="Cambria Math" panose="02040503050406030204" pitchFamily="18" charset="0"/>
+                                </a:rPr>
+                              </m:ctrlPr>
+                            </m:sSupPr>
+                            <m:e>
+                              <m:r>
+                                <m:rPr>
+                                  <m:sty m:val="p"/>
+                                </m:rPr>
+                                <a:rPr lang="el-GR" sz="3200" i="1">
+                                  <a:latin typeface="Cambria Math" panose="02040503050406030204" pitchFamily="18" charset="0"/>
+                                  <a:ea typeface="Cambria Math" panose="02040503050406030204" pitchFamily="18" charset="0"/>
+                                </a:rPr>
+                                <m:t>Δ</m:t>
+                              </m:r>
+                              <m:r>
+                                <a:rPr lang="en-US" sz="3200" i="1">
+                                  <a:latin typeface="Cambria Math" panose="02040503050406030204" pitchFamily="18" charset="0"/>
+                                  <a:ea typeface="Cambria Math" panose="02040503050406030204" pitchFamily="18" charset="0"/>
+                                </a:rPr>
+                                <m:t>𝜃</m:t>
+                              </m:r>
+                            </m:e>
+                            <m:sup>
+                              <m:r>
+                                <a:rPr lang="en-US" sz="3200" b="0" i="1" smtClean="0">
+                                  <a:latin typeface="Cambria Math" panose="02040503050406030204" pitchFamily="18" charset="0"/>
+                                  <a:ea typeface="Cambria Math" panose="02040503050406030204" pitchFamily="18" charset="0"/>
+                                </a:rPr>
+                                <m:t>2</m:t>
+                              </m:r>
+                            </m:sup>
+                          </m:sSup>
+                          <m:r>
+                            <a:rPr lang="en-US" sz="3200" b="0" i="1" smtClean="0">
+                              <a:latin typeface="Cambria Math" panose="02040503050406030204" pitchFamily="18" charset="0"/>
+                              <a:ea typeface="Cambria Math" panose="02040503050406030204" pitchFamily="18" charset="0"/>
+                            </a:rPr>
+                            <m:t>𝑅</m:t>
+                          </m:r>
+                        </m:num>
+                        <m:den>
+                          <m:r>
+                            <a:rPr lang="en-US" sz="3200" i="1" smtClean="0">
+                              <a:latin typeface="Cambria Math" panose="02040503050406030204" pitchFamily="18" charset="0"/>
+                              <a:ea typeface="Cambria Math" panose="02040503050406030204" pitchFamily="18" charset="0"/>
+                            </a:rPr>
+                            <m:t>𝜆</m:t>
+                          </m:r>
+                        </m:den>
+                      </m:f>
+                    </m:oMath>
+                  </m:oMathPara>
+                </a14:m>
+                <a:endParaRPr lang="en-US" sz="3200" dirty="0"/>
+              </a:p>
+            </p:txBody>
+          </p:sp>
+        </mc:Choice>
+        <mc:Fallback>
+          <p:sp>
+            <p:nvSpPr>
+              <p:cNvPr id="2" name="TextBox 1">
+                <a:extLst>
+                  <a:ext uri="{FF2B5EF4-FFF2-40B4-BE49-F238E27FC236}">
+                    <a16:creationId xmlns:a16="http://schemas.microsoft.com/office/drawing/2014/main" id="{8E8B540F-346D-3749-BE27-9ABF27BB9C99}"/>
+                  </a:ext>
+                </a:extLst>
+              </p:cNvPr>
+              <p:cNvSpPr txBox="1">
+                <a:spLocks noRot="1" noChangeAspect="1" noMove="1" noResize="1" noEditPoints="1" noAdjustHandles="1" noChangeArrowheads="1" noChangeShapeType="1" noTextEdit="1"/>
+              </p:cNvSpPr>
+              <p:nvPr/>
+            </p:nvSpPr>
+            <p:spPr>
+              <a:xfrm>
+                <a:off x="4166482" y="1344887"/>
+                <a:ext cx="2835969" cy="988156"/>
+              </a:xfrm>
+              <a:prstGeom prst="rect">
+                <a:avLst/>
+              </a:prstGeom>
+              <a:blipFill>
+                <a:blip r:embed="rId4"/>
+                <a:stretch>
+                  <a:fillRect l="-1786" r="-1786" b="-11392"/>
+                </a:stretch>
+              </a:blipFill>
+            </p:spPr>
+            <p:txBody>
+              <a:bodyPr/>
+              <a:lstStyle/>
+              <a:p>
+                <a:r>
+                  <a:rPr lang="en-US">
+                    <a:noFill/>
+                  </a:rPr>
+                  <a:t> </a:t>
+                </a:r>
+              </a:p>
+            </p:txBody>
+          </p:sp>
+        </mc:Fallback>
+      </mc:AlternateContent>
+      <p:sp>
+        <p:nvSpPr>
+          <p:cNvPr id="7" name="TextBox 6">
+            <a:extLst>
+              <a:ext uri="{FF2B5EF4-FFF2-40B4-BE49-F238E27FC236}">
+                <a16:creationId xmlns:a16="http://schemas.microsoft.com/office/drawing/2014/main" id="{A9E431F3-77B7-0C41-86C8-F8D25D3B3DBC}"/>
+              </a:ext>
+            </a:extLst>
+          </p:cNvPr>
+          <p:cNvSpPr txBox="1"/>
+          <p:nvPr/>
+        </p:nvSpPr>
+        <p:spPr>
+          <a:xfrm>
+            <a:off x="535360" y="1797602"/>
+            <a:ext cx="3631122" cy="400110"/>
+          </a:xfrm>
+          <a:prstGeom prst="rect">
+            <a:avLst/>
+          </a:prstGeom>
+          <a:noFill/>
+        </p:spPr>
+        <p:txBody>
+          <a:bodyPr wrap="none" rtlCol="0">
+            <a:spAutoFit/>
+          </a:bodyPr>
+          <a:lstStyle/>
+          <a:p>
+            <a:r>
+              <a:rPr lang="en-US" sz="2000" dirty="0">
+                <a:solidFill>
+                  <a:srgbClr val="005C98"/>
+                </a:solidFill>
+              </a:rPr>
+              <a:t>For each transversal direction:</a:t>
+            </a:r>
+          </a:p>
+        </p:txBody>
+      </p:sp>
+    </p:spTree>
+    <p:extLst>
+      <p:ext uri="{BB962C8B-B14F-4D97-AF65-F5344CB8AC3E}">
+        <p14:creationId xmlns:p14="http://schemas.microsoft.com/office/powerpoint/2010/main" val="37821947"/>
+      </p:ext>
+    </p:extLst>
+  </p:cSld>
+  <p:clrMapOvr>
+    <a:masterClrMapping/>
+  </p:clrMapOvr>
+  <mc:AlternateContent xmlns:mc="http://schemas.openxmlformats.org/markup-compatibility/2006" xmlns:p14="http://schemas.microsoft.com/office/powerpoint/2010/main">
+    <mc:Choice Requires="p14">
+      <p:transition p14:dur="250">
+        <p:fade/>
+      </p:transition>
+    </mc:Choice>
+    <mc:Fallback xmlns="">
+      <p:transition>
+        <p:fade/>
+      </p:transition>
+    </mc:Fallback>
+  </mc:AlternateContent>
+</p:sld>
+</file>
+
+<file path=ppt/slides/slide19.xml><?xml version="1.0" encoding="utf-8"?>
 <p:sld xmlns:a="http://schemas.openxmlformats.org/drawingml/2006/main" xmlns:r="http://schemas.openxmlformats.org/officeDocument/2006/relationships" xmlns:p="http://schemas.openxmlformats.org/presentationml/2006/main">
   <p:cSld>
     <p:spTree>
@@ -11669,262 +12472,6 @@
     <p:extLst>
       <p:ext uri="{BB962C8B-B14F-4D97-AF65-F5344CB8AC3E}">
         <p14:creationId xmlns:p14="http://schemas.microsoft.com/office/powerpoint/2010/main" val="3187481051"/>
-      </p:ext>
-    </p:extLst>
-  </p:cSld>
-  <p:clrMapOvr>
-    <a:masterClrMapping/>
-  </p:clrMapOvr>
-  <mc:AlternateContent xmlns:mc="http://schemas.openxmlformats.org/markup-compatibility/2006" xmlns:p14="http://schemas.microsoft.com/office/powerpoint/2010/main">
-    <mc:Choice Requires="p14">
-      <p:transition p14:dur="250">
-        <p:fade/>
-      </p:transition>
-    </mc:Choice>
-    <mc:Fallback xmlns="">
-      <p:transition>
-        <p:fade/>
-      </p:transition>
-    </mc:Fallback>
-  </mc:AlternateContent>
-</p:sld>
-</file>
-
-<file path=ppt/slides/slide18.xml><?xml version="1.0" encoding="utf-8"?>
-<p:sld xmlns:a="http://schemas.openxmlformats.org/drawingml/2006/main" xmlns:r="http://schemas.openxmlformats.org/officeDocument/2006/relationships" xmlns:p="http://schemas.openxmlformats.org/presentationml/2006/main">
-  <p:cSld>
-    <p:spTree>
-      <p:nvGrpSpPr>
-        <p:cNvPr id="1" name=""/>
-        <p:cNvGrpSpPr/>
-        <p:nvPr/>
-      </p:nvGrpSpPr>
-      <p:grpSpPr>
-        <a:xfrm>
-          <a:off x="0" y="0"/>
-          <a:ext cx="0" cy="0"/>
-          <a:chOff x="0" y="0"/>
-          <a:chExt cx="0" cy="0"/>
-        </a:xfrm>
-      </p:grpSpPr>
-      <p:sp>
-        <p:nvSpPr>
-          <p:cNvPr id="6" name="Title 5">
-            <a:extLst>
-              <a:ext uri="{FF2B5EF4-FFF2-40B4-BE49-F238E27FC236}">
-                <a16:creationId xmlns:a16="http://schemas.microsoft.com/office/drawing/2014/main" id="{C7E79EAA-C69B-4C11-9072-88D19471831D}"/>
-              </a:ext>
-            </a:extLst>
-          </p:cNvPr>
-          <p:cNvSpPr>
-            <a:spLocks noGrp="1"/>
-          </p:cNvSpPr>
-          <p:nvPr>
-            <p:ph type="title"/>
-          </p:nvPr>
-        </p:nvSpPr>
-        <p:spPr>
-          <a:xfrm>
-            <a:off x="609601" y="161319"/>
-            <a:ext cx="11163868" cy="501210"/>
-          </a:xfrm>
-        </p:spPr>
-        <p:txBody>
-          <a:bodyPr/>
-          <a:lstStyle/>
-          <a:p>
-            <a:r>
-              <a:rPr lang="en-US" sz="2800" dirty="0"/>
-              <a:t>SRW – Multi Electron</a:t>
-            </a:r>
-          </a:p>
-        </p:txBody>
-      </p:sp>
-      <p:sp>
-        <p:nvSpPr>
-          <p:cNvPr id="4" name="Footer Placeholder 4">
-            <a:extLst>
-              <a:ext uri="{FF2B5EF4-FFF2-40B4-BE49-F238E27FC236}">
-                <a16:creationId xmlns:a16="http://schemas.microsoft.com/office/drawing/2014/main" id="{7BF9BD9F-5C14-7348-B712-9244A6952EFC}"/>
-              </a:ext>
-            </a:extLst>
-          </p:cNvPr>
-          <p:cNvSpPr>
-            <a:spLocks noGrp="1"/>
-          </p:cNvSpPr>
-          <p:nvPr>
-            <p:ph type="ftr" sz="quarter" idx="3"/>
-          </p:nvPr>
-        </p:nvSpPr>
-        <p:spPr>
-          <a:xfrm>
-            <a:off x="2610196" y="6506039"/>
-            <a:ext cx="7602850" cy="238354"/>
-          </a:xfrm>
-        </p:spPr>
-        <p:txBody>
-          <a:bodyPr/>
-          <a:lstStyle/>
-          <a:p>
-            <a:r>
-              <a:rPr lang="en-US" dirty="0">
-                <a:solidFill>
-                  <a:srgbClr val="000000"/>
-                </a:solidFill>
-              </a:rPr>
-              <a:t>Second OASYS School – December 12</a:t>
-            </a:r>
-            <a:r>
-              <a:rPr lang="en-US" baseline="30000" dirty="0">
-                <a:solidFill>
-                  <a:srgbClr val="000000"/>
-                </a:solidFill>
-              </a:rPr>
-              <a:t>th</a:t>
-            </a:r>
-            <a:r>
-              <a:rPr lang="en-US" dirty="0">
-                <a:solidFill>
-                  <a:srgbClr val="000000"/>
-                </a:solidFill>
-              </a:rPr>
-              <a:t>, 2019</a:t>
-            </a:r>
-          </a:p>
-        </p:txBody>
-      </p:sp>
-    </p:spTree>
-    <p:extLst>
-      <p:ext uri="{BB962C8B-B14F-4D97-AF65-F5344CB8AC3E}">
-        <p14:creationId xmlns:p14="http://schemas.microsoft.com/office/powerpoint/2010/main" val="4068024220"/>
-      </p:ext>
-    </p:extLst>
-  </p:cSld>
-  <p:clrMapOvr>
-    <a:masterClrMapping/>
-  </p:clrMapOvr>
-  <mc:AlternateContent xmlns:mc="http://schemas.openxmlformats.org/markup-compatibility/2006" xmlns:p14="http://schemas.microsoft.com/office/powerpoint/2010/main">
-    <mc:Choice Requires="p14">
-      <p:transition p14:dur="250">
-        <p:fade/>
-      </p:transition>
-    </mc:Choice>
-    <mc:Fallback xmlns="">
-      <p:transition>
-        <p:fade/>
-      </p:transition>
-    </mc:Fallback>
-  </mc:AlternateContent>
-</p:sld>
-</file>
-
-<file path=ppt/slides/slide19.xml><?xml version="1.0" encoding="utf-8"?>
-<p:sld xmlns:a="http://schemas.openxmlformats.org/drawingml/2006/main" xmlns:r="http://schemas.openxmlformats.org/officeDocument/2006/relationships" xmlns:p="http://schemas.openxmlformats.org/presentationml/2006/main">
-  <p:cSld>
-    <p:spTree>
-      <p:nvGrpSpPr>
-        <p:cNvPr id="1" name=""/>
-        <p:cNvGrpSpPr/>
-        <p:nvPr/>
-      </p:nvGrpSpPr>
-      <p:grpSpPr>
-        <a:xfrm>
-          <a:off x="0" y="0"/>
-          <a:ext cx="0" cy="0"/>
-          <a:chOff x="0" y="0"/>
-          <a:chExt cx="0" cy="0"/>
-        </a:xfrm>
-      </p:grpSpPr>
-      <p:sp>
-        <p:nvSpPr>
-          <p:cNvPr id="6" name="Title 5">
-            <a:extLst>
-              <a:ext uri="{FF2B5EF4-FFF2-40B4-BE49-F238E27FC236}">
-                <a16:creationId xmlns:a16="http://schemas.microsoft.com/office/drawing/2014/main" id="{C7E79EAA-C69B-4C11-9072-88D19471831D}"/>
-              </a:ext>
-            </a:extLst>
-          </p:cNvPr>
-          <p:cNvSpPr>
-            <a:spLocks noGrp="1"/>
-          </p:cNvSpPr>
-          <p:nvPr>
-            <p:ph type="title"/>
-          </p:nvPr>
-        </p:nvSpPr>
-        <p:spPr>
-          <a:xfrm>
-            <a:off x="609601" y="161319"/>
-            <a:ext cx="11163868" cy="501210"/>
-          </a:xfrm>
-        </p:spPr>
-        <p:txBody>
-          <a:bodyPr/>
-          <a:lstStyle/>
-          <a:p>
-            <a:r>
-              <a:rPr lang="en-US" sz="2800" dirty="0"/>
-              <a:t>SRW – M.E.: Total Intensity</a:t>
-            </a:r>
-          </a:p>
-        </p:txBody>
-      </p:sp>
-      <p:sp>
-        <p:nvSpPr>
-          <p:cNvPr id="4" name="Footer Placeholder 4">
-            <a:extLst>
-              <a:ext uri="{FF2B5EF4-FFF2-40B4-BE49-F238E27FC236}">
-                <a16:creationId xmlns:a16="http://schemas.microsoft.com/office/drawing/2014/main" id="{B95AE882-B04E-DD46-A9C8-EF23E506CE2B}"/>
-              </a:ext>
-            </a:extLst>
-          </p:cNvPr>
-          <p:cNvSpPr>
-            <a:spLocks noGrp="1"/>
-          </p:cNvSpPr>
-          <p:nvPr>
-            <p:ph type="ftr" sz="quarter" idx="3"/>
-          </p:nvPr>
-        </p:nvSpPr>
-        <p:spPr>
-          <a:xfrm>
-            <a:off x="2610196" y="6506039"/>
-            <a:ext cx="7602850" cy="238354"/>
-          </a:xfrm>
-        </p:spPr>
-        <p:txBody>
-          <a:bodyPr/>
-          <a:lstStyle/>
-          <a:p>
-            <a:r>
-              <a:rPr lang="en-US" dirty="0">
-                <a:solidFill>
-                  <a:srgbClr val="000000"/>
-                </a:solidFill>
-              </a:rPr>
-              <a:t>Second OASYS School – December 12</a:t>
-            </a:r>
-            <a:r>
-              <a:rPr lang="en-US" baseline="30000" dirty="0">
-                <a:solidFill>
-                  <a:srgbClr val="000000"/>
-                </a:solidFill>
-              </a:rPr>
-              <a:t>th</a:t>
-            </a:r>
-            <a:r>
-              <a:rPr lang="en-US" dirty="0">
-                <a:solidFill>
-                  <a:srgbClr val="000000"/>
-                </a:solidFill>
-              </a:rPr>
-              <a:t>, 2019</a:t>
-            </a:r>
-          </a:p>
-        </p:txBody>
-      </p:sp>
-    </p:spTree>
-    <p:extLst>
-      <p:ext uri="{BB962C8B-B14F-4D97-AF65-F5344CB8AC3E}">
-        <p14:creationId xmlns:p14="http://schemas.microsoft.com/office/powerpoint/2010/main" val="2029612985"/>
       </p:ext>
     </p:extLst>
   </p:cSld>
@@ -12185,6 +12732,262 @@
           <a:p>
             <a:r>
               <a:rPr lang="en-US" sz="2800" dirty="0"/>
+              <a:t>SRW – Multi Electron</a:t>
+            </a:r>
+          </a:p>
+        </p:txBody>
+      </p:sp>
+      <p:sp>
+        <p:nvSpPr>
+          <p:cNvPr id="4" name="Footer Placeholder 4">
+            <a:extLst>
+              <a:ext uri="{FF2B5EF4-FFF2-40B4-BE49-F238E27FC236}">
+                <a16:creationId xmlns:a16="http://schemas.microsoft.com/office/drawing/2014/main" id="{7BF9BD9F-5C14-7348-B712-9244A6952EFC}"/>
+              </a:ext>
+            </a:extLst>
+          </p:cNvPr>
+          <p:cNvSpPr>
+            <a:spLocks noGrp="1"/>
+          </p:cNvSpPr>
+          <p:nvPr>
+            <p:ph type="ftr" sz="quarter" idx="3"/>
+          </p:nvPr>
+        </p:nvSpPr>
+        <p:spPr>
+          <a:xfrm>
+            <a:off x="2610196" y="6506039"/>
+            <a:ext cx="7602850" cy="238354"/>
+          </a:xfrm>
+        </p:spPr>
+        <p:txBody>
+          <a:bodyPr/>
+          <a:lstStyle/>
+          <a:p>
+            <a:r>
+              <a:rPr lang="en-US" dirty="0">
+                <a:solidFill>
+                  <a:srgbClr val="000000"/>
+                </a:solidFill>
+              </a:rPr>
+              <a:t>Second OASYS School – December 12</a:t>
+            </a:r>
+            <a:r>
+              <a:rPr lang="en-US" baseline="30000" dirty="0">
+                <a:solidFill>
+                  <a:srgbClr val="000000"/>
+                </a:solidFill>
+              </a:rPr>
+              <a:t>th</a:t>
+            </a:r>
+            <a:r>
+              <a:rPr lang="en-US" dirty="0">
+                <a:solidFill>
+                  <a:srgbClr val="000000"/>
+                </a:solidFill>
+              </a:rPr>
+              <a:t>, 2019</a:t>
+            </a:r>
+          </a:p>
+        </p:txBody>
+      </p:sp>
+    </p:spTree>
+    <p:extLst>
+      <p:ext uri="{BB962C8B-B14F-4D97-AF65-F5344CB8AC3E}">
+        <p14:creationId xmlns:p14="http://schemas.microsoft.com/office/powerpoint/2010/main" val="4068024220"/>
+      </p:ext>
+    </p:extLst>
+  </p:cSld>
+  <p:clrMapOvr>
+    <a:masterClrMapping/>
+  </p:clrMapOvr>
+  <mc:AlternateContent xmlns:mc="http://schemas.openxmlformats.org/markup-compatibility/2006" xmlns:p14="http://schemas.microsoft.com/office/powerpoint/2010/main">
+    <mc:Choice Requires="p14">
+      <p:transition p14:dur="250">
+        <p:fade/>
+      </p:transition>
+    </mc:Choice>
+    <mc:Fallback xmlns="">
+      <p:transition>
+        <p:fade/>
+      </p:transition>
+    </mc:Fallback>
+  </mc:AlternateContent>
+</p:sld>
+</file>
+
+<file path=ppt/slides/slide21.xml><?xml version="1.0" encoding="utf-8"?>
+<p:sld xmlns:a="http://schemas.openxmlformats.org/drawingml/2006/main" xmlns:r="http://schemas.openxmlformats.org/officeDocument/2006/relationships" xmlns:p="http://schemas.openxmlformats.org/presentationml/2006/main">
+  <p:cSld>
+    <p:spTree>
+      <p:nvGrpSpPr>
+        <p:cNvPr id="1" name=""/>
+        <p:cNvGrpSpPr/>
+        <p:nvPr/>
+      </p:nvGrpSpPr>
+      <p:grpSpPr>
+        <a:xfrm>
+          <a:off x="0" y="0"/>
+          <a:ext cx="0" cy="0"/>
+          <a:chOff x="0" y="0"/>
+          <a:chExt cx="0" cy="0"/>
+        </a:xfrm>
+      </p:grpSpPr>
+      <p:sp>
+        <p:nvSpPr>
+          <p:cNvPr id="6" name="Title 5">
+            <a:extLst>
+              <a:ext uri="{FF2B5EF4-FFF2-40B4-BE49-F238E27FC236}">
+                <a16:creationId xmlns:a16="http://schemas.microsoft.com/office/drawing/2014/main" id="{C7E79EAA-C69B-4C11-9072-88D19471831D}"/>
+              </a:ext>
+            </a:extLst>
+          </p:cNvPr>
+          <p:cNvSpPr>
+            <a:spLocks noGrp="1"/>
+          </p:cNvSpPr>
+          <p:nvPr>
+            <p:ph type="title"/>
+          </p:nvPr>
+        </p:nvSpPr>
+        <p:spPr>
+          <a:xfrm>
+            <a:off x="609601" y="161319"/>
+            <a:ext cx="11163868" cy="501210"/>
+          </a:xfrm>
+        </p:spPr>
+        <p:txBody>
+          <a:bodyPr/>
+          <a:lstStyle/>
+          <a:p>
+            <a:r>
+              <a:rPr lang="en-US" sz="2800" dirty="0"/>
+              <a:t>SRW – M.E.: Total Intensity</a:t>
+            </a:r>
+          </a:p>
+        </p:txBody>
+      </p:sp>
+      <p:sp>
+        <p:nvSpPr>
+          <p:cNvPr id="4" name="Footer Placeholder 4">
+            <a:extLst>
+              <a:ext uri="{FF2B5EF4-FFF2-40B4-BE49-F238E27FC236}">
+                <a16:creationId xmlns:a16="http://schemas.microsoft.com/office/drawing/2014/main" id="{B95AE882-B04E-DD46-A9C8-EF23E506CE2B}"/>
+              </a:ext>
+            </a:extLst>
+          </p:cNvPr>
+          <p:cNvSpPr>
+            <a:spLocks noGrp="1"/>
+          </p:cNvSpPr>
+          <p:nvPr>
+            <p:ph type="ftr" sz="quarter" idx="3"/>
+          </p:nvPr>
+        </p:nvSpPr>
+        <p:spPr>
+          <a:xfrm>
+            <a:off x="2610196" y="6506039"/>
+            <a:ext cx="7602850" cy="238354"/>
+          </a:xfrm>
+        </p:spPr>
+        <p:txBody>
+          <a:bodyPr/>
+          <a:lstStyle/>
+          <a:p>
+            <a:r>
+              <a:rPr lang="en-US" dirty="0">
+                <a:solidFill>
+                  <a:srgbClr val="000000"/>
+                </a:solidFill>
+              </a:rPr>
+              <a:t>Second OASYS School – December 12</a:t>
+            </a:r>
+            <a:r>
+              <a:rPr lang="en-US" baseline="30000" dirty="0">
+                <a:solidFill>
+                  <a:srgbClr val="000000"/>
+                </a:solidFill>
+              </a:rPr>
+              <a:t>th</a:t>
+            </a:r>
+            <a:r>
+              <a:rPr lang="en-US" dirty="0">
+                <a:solidFill>
+                  <a:srgbClr val="000000"/>
+                </a:solidFill>
+              </a:rPr>
+              <a:t>, 2019</a:t>
+            </a:r>
+          </a:p>
+        </p:txBody>
+      </p:sp>
+    </p:spTree>
+    <p:extLst>
+      <p:ext uri="{BB962C8B-B14F-4D97-AF65-F5344CB8AC3E}">
+        <p14:creationId xmlns:p14="http://schemas.microsoft.com/office/powerpoint/2010/main" val="2029612985"/>
+      </p:ext>
+    </p:extLst>
+  </p:cSld>
+  <p:clrMapOvr>
+    <a:masterClrMapping/>
+  </p:clrMapOvr>
+  <mc:AlternateContent xmlns:mc="http://schemas.openxmlformats.org/markup-compatibility/2006" xmlns:p14="http://schemas.microsoft.com/office/powerpoint/2010/main">
+    <mc:Choice Requires="p14">
+      <p:transition p14:dur="250">
+        <p:fade/>
+      </p:transition>
+    </mc:Choice>
+    <mc:Fallback xmlns="">
+      <p:transition>
+        <p:fade/>
+      </p:transition>
+    </mc:Fallback>
+  </mc:AlternateContent>
+</p:sld>
+</file>
+
+<file path=ppt/slides/slide22.xml><?xml version="1.0" encoding="utf-8"?>
+<p:sld xmlns:a="http://schemas.openxmlformats.org/drawingml/2006/main" xmlns:r="http://schemas.openxmlformats.org/officeDocument/2006/relationships" xmlns:p="http://schemas.openxmlformats.org/presentationml/2006/main">
+  <p:cSld>
+    <p:spTree>
+      <p:nvGrpSpPr>
+        <p:cNvPr id="1" name=""/>
+        <p:cNvGrpSpPr/>
+        <p:nvPr/>
+      </p:nvGrpSpPr>
+      <p:grpSpPr>
+        <a:xfrm>
+          <a:off x="0" y="0"/>
+          <a:ext cx="0" cy="0"/>
+          <a:chOff x="0" y="0"/>
+          <a:chExt cx="0" cy="0"/>
+        </a:xfrm>
+      </p:grpSpPr>
+      <p:sp>
+        <p:nvSpPr>
+          <p:cNvPr id="6" name="Title 5">
+            <a:extLst>
+              <a:ext uri="{FF2B5EF4-FFF2-40B4-BE49-F238E27FC236}">
+                <a16:creationId xmlns:a16="http://schemas.microsoft.com/office/drawing/2014/main" id="{C7E79EAA-C69B-4C11-9072-88D19471831D}"/>
+              </a:ext>
+            </a:extLst>
+          </p:cNvPr>
+          <p:cNvSpPr>
+            <a:spLocks noGrp="1"/>
+          </p:cNvSpPr>
+          <p:nvPr>
+            <p:ph type="title"/>
+          </p:nvPr>
+        </p:nvSpPr>
+        <p:spPr>
+          <a:xfrm>
+            <a:off x="609601" y="161319"/>
+            <a:ext cx="11163868" cy="501210"/>
+          </a:xfrm>
+        </p:spPr>
+        <p:txBody>
+          <a:bodyPr/>
+          <a:lstStyle/>
+          <a:p>
+            <a:r>
+              <a:rPr lang="en-US" sz="2800" dirty="0"/>
               <a:t>SRW – M.E.: Mutual Intensity</a:t>
             </a:r>
           </a:p>
@@ -12268,7 +13071,7 @@
 </p:sld>
 </file>
 
-<file path=ppt/slides/slide21.xml><?xml version="1.0" encoding="utf-8"?>
+<file path=ppt/slides/slide23.xml><?xml version="1.0" encoding="utf-8"?>
 <p:sld xmlns:a="http://schemas.openxmlformats.org/drawingml/2006/main" xmlns:r="http://schemas.openxmlformats.org/officeDocument/2006/relationships" xmlns:p="http://schemas.openxmlformats.org/presentationml/2006/main">
   <p:cSld>
     <p:spTree>
@@ -14030,7 +14833,7 @@
 </p:sld>
 </file>
 
-<file path=ppt/slides/slide22.xml><?xml version="1.0" encoding="utf-8"?>
+<file path=ppt/slides/slide24.xml><?xml version="1.0" encoding="utf-8"?>
 <p:sld xmlns:a="http://schemas.openxmlformats.org/drawingml/2006/main" xmlns:r="http://schemas.openxmlformats.org/officeDocument/2006/relationships" xmlns:p="http://schemas.openxmlformats.org/presentationml/2006/main">
   <p:cSld>
     <p:spTree>
@@ -14102,7 +14905,7 @@
                 <a:latin typeface="Arial"/>
               </a:rPr>
               <a:pPr/>
-              <a:t>22</a:t>
+              <a:t>24</a:t>
             </a:fld>
             <a:endParaRPr lang="en-US" dirty="0">
               <a:solidFill>
@@ -14410,8 +15213,8 @@
           </a:p>
         </p:txBody>
       </p:sp>
-      <mc:AlternateContent xmlns:mc="http://schemas.openxmlformats.org/markup-compatibility/2006">
-        <mc:Choice xmlns:a14="http://schemas.microsoft.com/office/drawing/2010/main" Requires="a14">
+      <mc:AlternateContent xmlns:mc="http://schemas.openxmlformats.org/markup-compatibility/2006" xmlns:a14="http://schemas.microsoft.com/office/drawing/2010/main">
+        <mc:Choice Requires="a14">
           <p:sp>
             <p:nvSpPr>
               <p:cNvPr id="11" name="Rectangle 10">
@@ -14446,7 +15249,7 @@
                         <a:solidFill>
                           <a:srgbClr val="000000"/>
                         </a:solidFill>
-                        <a:latin typeface="+mj-lt"/>
+                        <a:latin typeface="Cambria Math" panose="02040503050406030204" pitchFamily="18" charset="0"/>
                       </a:rPr>
                       <m:t>𝑈</m:t>
                     </m:r>
@@ -14457,7 +15260,7 @@
                             <a:solidFill>
                               <a:srgbClr val="000000"/>
                             </a:solidFill>
-                            <a:latin typeface="+mj-lt"/>
+                            <a:latin typeface="Cambria Math" panose="02040503050406030204" pitchFamily="18" charset="0"/>
                           </a:rPr>
                         </m:ctrlPr>
                       </m:dPr>
@@ -14467,7 +15270,7 @@
                             <a:solidFill>
                               <a:srgbClr val="000000"/>
                             </a:solidFill>
-                            <a:latin typeface="+mj-lt"/>
+                            <a:latin typeface="Cambria Math" panose="02040503050406030204" pitchFamily="18" charset="0"/>
                           </a:rPr>
                           <m:t>𝑥</m:t>
                         </m:r>
@@ -14476,7 +15279,7 @@
                             <a:solidFill>
                               <a:srgbClr val="000000"/>
                             </a:solidFill>
-                            <a:latin typeface="+mj-lt"/>
+                            <a:latin typeface="Cambria Math" panose="02040503050406030204" pitchFamily="18" charset="0"/>
                           </a:rPr>
                           <m:t>, </m:t>
                         </m:r>
@@ -14485,7 +15288,7 @@
                             <a:solidFill>
                               <a:srgbClr val="000000"/>
                             </a:solidFill>
-                            <a:latin typeface="+mj-lt"/>
+                            <a:latin typeface="Cambria Math" panose="02040503050406030204" pitchFamily="18" charset="0"/>
                           </a:rPr>
                           <m:t>𝑦</m:t>
                         </m:r>
@@ -14494,7 +15297,7 @@
                             <a:solidFill>
                               <a:srgbClr val="000000"/>
                             </a:solidFill>
-                            <a:latin typeface="+mj-lt"/>
+                            <a:latin typeface="Cambria Math" panose="02040503050406030204" pitchFamily="18" charset="0"/>
                           </a:rPr>
                           <m:t>, </m:t>
                         </m:r>
@@ -14503,7 +15306,7 @@
                             <a:solidFill>
                               <a:srgbClr val="000000"/>
                             </a:solidFill>
-                            <a:latin typeface="+mj-lt"/>
+                            <a:latin typeface="Cambria Math" panose="02040503050406030204" pitchFamily="18" charset="0"/>
                           </a:rPr>
                           <m:t>𝑧</m:t>
                         </m:r>
@@ -14512,7 +15315,7 @@
                             <a:solidFill>
                               <a:srgbClr val="000000"/>
                             </a:solidFill>
-                            <a:latin typeface="+mj-lt"/>
+                            <a:latin typeface="Cambria Math" panose="02040503050406030204" pitchFamily="18" charset="0"/>
                           </a:rPr>
                           <m:t>, </m:t>
                         </m:r>
@@ -14521,7 +15324,7 @@
                             <a:solidFill>
                               <a:srgbClr val="000000"/>
                             </a:solidFill>
-                            <a:latin typeface="+mj-lt"/>
+                            <a:latin typeface="Cambria Math" panose="02040503050406030204" pitchFamily="18" charset="0"/>
                           </a:rPr>
                           <m:t>𝑡</m:t>
                         </m:r>
@@ -14532,7 +15335,7 @@
                         <a:solidFill>
                           <a:srgbClr val="000000"/>
                         </a:solidFill>
-                        <a:latin typeface="+mj-lt"/>
+                        <a:latin typeface="Cambria Math" panose="02040503050406030204" pitchFamily="18" charset="0"/>
                       </a:rPr>
                       <m:t> </m:t>
                     </m:r>
@@ -14557,7 +15360,7 @@
                             <a:solidFill>
                               <a:srgbClr val="000000"/>
                             </a:solidFill>
-                            <a:latin typeface="+mj-lt"/>
+                            <a:latin typeface="Cambria Math" panose="02040503050406030204" pitchFamily="18" charset="0"/>
                             <a:ea typeface="Cambria Math" panose="02040503050406030204" pitchFamily="18" charset="0"/>
                           </a:rPr>
                         </m:ctrlPr>
@@ -14568,7 +15371,7 @@
                             <a:solidFill>
                               <a:srgbClr val="000000"/>
                             </a:solidFill>
-                            <a:latin typeface="+mj-lt"/>
+                            <a:latin typeface="Cambria Math" panose="02040503050406030204" pitchFamily="18" charset="0"/>
                             <a:ea typeface="Cambria Math" panose="02040503050406030204" pitchFamily="18" charset="0"/>
                           </a:rPr>
                           <m:t>ℰ</m:t>
@@ -14596,7 +15399,7 @@
                             <a:solidFill>
                               <a:srgbClr val="000000"/>
                             </a:solidFill>
-                            <a:latin typeface="+mj-lt"/>
+                            <a:latin typeface="Cambria Math" panose="02040503050406030204" pitchFamily="18" charset="0"/>
                             <a:ea typeface="Cambria Math" panose="02040503050406030204" pitchFamily="18" charset="0"/>
                           </a:rPr>
                         </m:ctrlPr>
@@ -14607,7 +15410,7 @@
                             <a:solidFill>
                               <a:srgbClr val="000000"/>
                             </a:solidFill>
-                            <a:latin typeface="+mj-lt"/>
+                            <a:latin typeface="Cambria Math" panose="02040503050406030204" pitchFamily="18" charset="0"/>
                             <a:ea typeface="Cambria Math" panose="02040503050406030204" pitchFamily="18" charset="0"/>
                           </a:rPr>
                           <m:t>ℬ</m:t>
@@ -14652,7 +15455,7 @@
                             <a:solidFill>
                               <a:srgbClr val="000000"/>
                             </a:solidFill>
-                            <a:latin typeface="+mj-lt"/>
+                            <a:latin typeface="Cambria Math" panose="02040503050406030204" pitchFamily="18" charset="0"/>
                           </a:rPr>
                         </m:ctrlPr>
                       </m:sSubPr>
@@ -14662,7 +15465,7 @@
                             <a:solidFill>
                               <a:srgbClr val="000000"/>
                             </a:solidFill>
-                            <a:latin typeface="+mj-lt"/>
+                            <a:latin typeface="Cambria Math" panose="02040503050406030204" pitchFamily="18" charset="0"/>
                             <a:ea typeface="Cambria Math" panose="02040503050406030204" pitchFamily="18" charset="0"/>
                           </a:rPr>
                           <m:t>ℰ</m:t>
@@ -14674,7 +15477,7 @@
                             <a:solidFill>
                               <a:srgbClr val="000000"/>
                             </a:solidFill>
-                            <a:latin typeface="+mj-lt"/>
+                            <a:latin typeface="Cambria Math" panose="02040503050406030204" pitchFamily="18" charset="0"/>
                             <a:ea typeface="Cambria Math" panose="02040503050406030204" pitchFamily="18" charset="0"/>
                           </a:rPr>
                           <m:t>𝜎</m:t>
@@ -14710,7 +15513,7 @@
                             <a:solidFill>
                               <a:srgbClr val="000000"/>
                             </a:solidFill>
-                            <a:latin typeface="+mj-lt"/>
+                            <a:latin typeface="Cambria Math" panose="02040503050406030204" pitchFamily="18" charset="0"/>
                           </a:rPr>
                         </m:ctrlPr>
                       </m:sSubPr>
@@ -14720,7 +15523,7 @@
                             <a:solidFill>
                               <a:srgbClr val="000000"/>
                             </a:solidFill>
-                            <a:latin typeface="+mj-lt"/>
+                            <a:latin typeface="Cambria Math" panose="02040503050406030204" pitchFamily="18" charset="0"/>
                             <a:ea typeface="Cambria Math" panose="02040503050406030204" pitchFamily="18" charset="0"/>
                           </a:rPr>
                           <m:t>ℰ</m:t>
@@ -14732,7 +15535,7 @@
                             <a:solidFill>
                               <a:srgbClr val="000000"/>
                             </a:solidFill>
-                            <a:latin typeface="+mj-lt"/>
+                            <a:latin typeface="Cambria Math" panose="02040503050406030204" pitchFamily="18" charset="0"/>
                             <a:ea typeface="Cambria Math" panose="02040503050406030204" pitchFamily="18" charset="0"/>
                           </a:rPr>
                           <m:t>𝜋</m:t>
@@ -14760,7 +15563,7 @@
             </p:txBody>
           </p:sp>
         </mc:Choice>
-        <mc:Fallback>
+        <mc:Fallback xmlns="">
           <p:sp>
             <p:nvSpPr>
               <p:cNvPr id="11" name="Rectangle 10">
@@ -14805,8 +15608,8 @@
           </p:sp>
         </mc:Fallback>
       </mc:AlternateContent>
-      <mc:AlternateContent xmlns:mc="http://schemas.openxmlformats.org/markup-compatibility/2006">
-        <mc:Choice xmlns:a14="http://schemas.microsoft.com/office/drawing/2010/main" Requires="a14">
+      <mc:AlternateContent xmlns:mc="http://schemas.openxmlformats.org/markup-compatibility/2006" xmlns:a14="http://schemas.microsoft.com/office/drawing/2010/main">
+        <mc:Choice Requires="a14">
           <p:sp>
             <p:nvSpPr>
               <p:cNvPr id="13" name="Rectangle 12">
@@ -14841,7 +15644,7 @@
                         <a:solidFill>
                           <a:srgbClr val="000000"/>
                         </a:solidFill>
-                        <a:latin typeface="+mj-lt"/>
+                        <a:latin typeface="Cambria Math" panose="02040503050406030204" pitchFamily="18" charset="0"/>
                       </a:rPr>
                       <m:t>𝑈</m:t>
                     </m:r>
@@ -14852,7 +15655,7 @@
                             <a:solidFill>
                               <a:srgbClr val="000000"/>
                             </a:solidFill>
-                            <a:latin typeface="+mj-lt"/>
+                            <a:latin typeface="Cambria Math" panose="02040503050406030204" pitchFamily="18" charset="0"/>
                           </a:rPr>
                         </m:ctrlPr>
                       </m:dPr>
@@ -14862,7 +15665,7 @@
                             <a:solidFill>
                               <a:srgbClr val="000000"/>
                             </a:solidFill>
-                            <a:latin typeface="+mj-lt"/>
+                            <a:latin typeface="Cambria Math" panose="02040503050406030204" pitchFamily="18" charset="0"/>
                           </a:rPr>
                           <m:t>𝑥</m:t>
                         </m:r>
@@ -14871,7 +15674,7 @@
                             <a:solidFill>
                               <a:srgbClr val="000000"/>
                             </a:solidFill>
-                            <a:latin typeface="+mj-lt"/>
+                            <a:latin typeface="Cambria Math" panose="02040503050406030204" pitchFamily="18" charset="0"/>
                           </a:rPr>
                           <m:t>, </m:t>
                         </m:r>
@@ -14880,7 +15683,7 @@
                             <a:solidFill>
                               <a:srgbClr val="000000"/>
                             </a:solidFill>
-                            <a:latin typeface="+mj-lt"/>
+                            <a:latin typeface="Cambria Math" panose="02040503050406030204" pitchFamily="18" charset="0"/>
                           </a:rPr>
                           <m:t>𝑦</m:t>
                         </m:r>
@@ -14889,7 +15692,7 @@
                             <a:solidFill>
                               <a:srgbClr val="000000"/>
                             </a:solidFill>
-                            <a:latin typeface="+mj-lt"/>
+                            <a:latin typeface="Cambria Math" panose="02040503050406030204" pitchFamily="18" charset="0"/>
                           </a:rPr>
                           <m:t>, </m:t>
                         </m:r>
@@ -14898,7 +15701,7 @@
                             <a:solidFill>
                               <a:srgbClr val="000000"/>
                             </a:solidFill>
-                            <a:latin typeface="+mj-lt"/>
+                            <a:latin typeface="Cambria Math" panose="02040503050406030204" pitchFamily="18" charset="0"/>
                           </a:rPr>
                           <m:t>𝑧</m:t>
                         </m:r>
@@ -14907,7 +15710,7 @@
                             <a:solidFill>
                               <a:srgbClr val="000000"/>
                             </a:solidFill>
-                            <a:latin typeface="+mj-lt"/>
+                            <a:latin typeface="Cambria Math" panose="02040503050406030204" pitchFamily="18" charset="0"/>
                           </a:rPr>
                           <m:t>, </m:t>
                         </m:r>
@@ -14916,7 +15719,7 @@
                             <a:solidFill>
                               <a:srgbClr val="000000"/>
                             </a:solidFill>
-                            <a:latin typeface="+mj-lt"/>
+                            <a:latin typeface="Cambria Math" panose="02040503050406030204" pitchFamily="18" charset="0"/>
                           </a:rPr>
                           <m:t>𝑡</m:t>
                         </m:r>
@@ -14927,7 +15730,7 @@
                         <a:solidFill>
                           <a:srgbClr val="000000"/>
                         </a:solidFill>
-                        <a:latin typeface="+mj-lt"/>
+                        <a:latin typeface="Cambria Math" panose="02040503050406030204" pitchFamily="18" charset="0"/>
                       </a:rPr>
                       <m:t> </m:t>
                     </m:r>
@@ -14946,7 +15749,7 @@
             </p:txBody>
           </p:sp>
         </mc:Choice>
-        <mc:Fallback>
+        <mc:Fallback xmlns="">
           <p:sp>
             <p:nvSpPr>
               <p:cNvPr id="13" name="Rectangle 12">
@@ -14991,8 +15794,8 @@
           </p:sp>
         </mc:Fallback>
       </mc:AlternateContent>
-      <mc:AlternateContent xmlns:mc="http://schemas.openxmlformats.org/markup-compatibility/2006">
-        <mc:Choice xmlns:a14="http://schemas.microsoft.com/office/drawing/2010/main" Requires="a14">
+      <mc:AlternateContent xmlns:mc="http://schemas.openxmlformats.org/markup-compatibility/2006" xmlns:a14="http://schemas.microsoft.com/office/drawing/2010/main">
+        <mc:Choice Requires="a14">
           <p:sp>
             <p:nvSpPr>
               <p:cNvPr id="15" name="TextBox 14">
@@ -15021,6 +15824,7 @@
               </a:bodyPr>
               <a:lstStyle/>
               <a:p>
+                <a:pPr/>
                 <a14:m>
                   <m:oMathPara xmlns:m="http://schemas.openxmlformats.org/officeDocument/2006/math">
                     <m:oMathParaPr>
@@ -15394,7 +16198,7 @@
             </p:txBody>
           </p:sp>
         </mc:Choice>
-        <mc:Fallback>
+        <mc:Fallback xmlns="">
           <p:sp>
             <p:nvSpPr>
               <p:cNvPr id="15" name="TextBox 14">
@@ -15501,8 +16305,8 @@
           </a:p>
         </p:txBody>
       </p:sp>
-      <mc:AlternateContent xmlns:mc="http://schemas.openxmlformats.org/markup-compatibility/2006">
-        <mc:Choice xmlns:a14="http://schemas.microsoft.com/office/drawing/2010/main" Requires="a14">
+      <mc:AlternateContent xmlns:mc="http://schemas.openxmlformats.org/markup-compatibility/2006" xmlns:a14="http://schemas.microsoft.com/office/drawing/2010/main">
+        <mc:Choice Requires="a14">
           <p:sp>
             <p:nvSpPr>
               <p:cNvPr id="5" name="Rectangle 4">
@@ -15530,6 +16334,7 @@
               </a:bodyPr>
               <a:lstStyle/>
               <a:p>
+                <a:pPr/>
                 <a14:m>
                   <m:oMathPara xmlns:m="http://schemas.openxmlformats.org/officeDocument/2006/math">
                     <m:oMathParaPr>
@@ -15770,7 +16575,7 @@
             </p:txBody>
           </p:sp>
         </mc:Choice>
-        <mc:Fallback>
+        <mc:Fallback xmlns="">
           <p:sp>
             <p:nvSpPr>
               <p:cNvPr id="5" name="Rectangle 4">
@@ -15815,8 +16620,8 @@
           </p:sp>
         </mc:Fallback>
       </mc:AlternateContent>
-      <mc:AlternateContent xmlns:mc="http://schemas.openxmlformats.org/markup-compatibility/2006">
-        <mc:Choice xmlns:a14="http://schemas.microsoft.com/office/drawing/2010/main" Requires="a14">
+      <mc:AlternateContent xmlns:mc="http://schemas.openxmlformats.org/markup-compatibility/2006" xmlns:a14="http://schemas.microsoft.com/office/drawing/2010/main">
+        <mc:Choice Requires="a14">
           <p:sp>
             <p:nvSpPr>
               <p:cNvPr id="18" name="Rectangle 17">
@@ -15844,6 +16649,7 @@
               </a:bodyPr>
               <a:lstStyle/>
               <a:p>
+                <a:pPr/>
                 <a14:m>
                   <m:oMathPara xmlns:m="http://schemas.openxmlformats.org/officeDocument/2006/math">
                     <m:oMathParaPr>
@@ -16051,7 +16857,7 @@
             </p:txBody>
           </p:sp>
         </mc:Choice>
-        <mc:Fallback>
+        <mc:Fallback xmlns="">
           <p:sp>
             <p:nvSpPr>
               <p:cNvPr id="18" name="Rectangle 17">
@@ -16230,8 +17036,8 @@
           </a:p>
         </p:txBody>
       </p:sp>
-      <mc:AlternateContent xmlns:mc="http://schemas.openxmlformats.org/markup-compatibility/2006">
-        <mc:Choice xmlns:a14="http://schemas.microsoft.com/office/drawing/2010/main" Requires="a14">
+      <mc:AlternateContent xmlns:mc="http://schemas.openxmlformats.org/markup-compatibility/2006" xmlns:a14="http://schemas.microsoft.com/office/drawing/2010/main">
+        <mc:Choice Requires="a14">
           <p:sp>
             <p:nvSpPr>
               <p:cNvPr id="2" name="Rectangle 1">
@@ -16476,7 +17282,7 @@
             </p:txBody>
           </p:sp>
         </mc:Choice>
-        <mc:Fallback>
+        <mc:Fallback xmlns="">
           <p:sp>
             <p:nvSpPr>
               <p:cNvPr id="2" name="Rectangle 1">
@@ -16593,8 +17399,8 @@
           </a:p>
         </p:txBody>
       </p:sp>
-      <mc:AlternateContent xmlns:mc="http://schemas.openxmlformats.org/markup-compatibility/2006">
-        <mc:Choice xmlns:a14="http://schemas.microsoft.com/office/drawing/2010/main" Requires="a14">
+      <mc:AlternateContent xmlns:mc="http://schemas.openxmlformats.org/markup-compatibility/2006" xmlns:a14="http://schemas.microsoft.com/office/drawing/2010/main">
+        <mc:Choice Requires="a14">
           <p:sp>
             <p:nvSpPr>
               <p:cNvPr id="20" name="TextBox 19">
@@ -16623,6 +17429,7 @@
               </a:bodyPr>
               <a:lstStyle/>
               <a:p>
+                <a:pPr/>
                 <a14:m>
                   <m:oMathPara xmlns:m="http://schemas.openxmlformats.org/officeDocument/2006/math">
                     <m:oMathParaPr>
@@ -16969,7 +17776,7 @@
             </p:txBody>
           </p:sp>
         </mc:Choice>
-        <mc:Fallback>
+        <mc:Fallback xmlns="">
           <p:sp>
             <p:nvSpPr>
               <p:cNvPr id="20" name="TextBox 19">
@@ -17099,8 +17906,8 @@
           </a:p>
         </p:txBody>
       </p:sp>
-      <mc:AlternateContent xmlns:mc="http://schemas.openxmlformats.org/markup-compatibility/2006">
-        <mc:Choice xmlns:a14="http://schemas.microsoft.com/office/drawing/2010/main" Requires="a14">
+      <mc:AlternateContent xmlns:mc="http://schemas.openxmlformats.org/markup-compatibility/2006" xmlns:a14="http://schemas.microsoft.com/office/drawing/2010/main">
+        <mc:Choice Requires="a14">
           <p:sp>
             <p:nvSpPr>
               <p:cNvPr id="23" name="Rectangle 22">
@@ -17357,7 +18164,6 @@
                 </a:endParaRPr>
               </a:p>
               <a:p>
-                <a:pPr/>
                 <a:endParaRPr lang="en-US" sz="1400" dirty="0">
                   <a:ea typeface="Cambria Math" panose="02040503050406030204" pitchFamily="18" charset="0"/>
                 </a:endParaRPr>
@@ -17516,7 +18322,7 @@
             </p:txBody>
           </p:sp>
         </mc:Choice>
-        <mc:Fallback>
+        <mc:Fallback xmlns="">
           <p:sp>
             <p:nvSpPr>
               <p:cNvPr id="23" name="Rectangle 22">
@@ -17689,8 +18495,8 @@
           </a:p>
         </p:txBody>
       </p:sp>
-      <mc:AlternateContent xmlns:mc="http://schemas.openxmlformats.org/markup-compatibility/2006">
-        <mc:Choice xmlns:a14="http://schemas.microsoft.com/office/drawing/2010/main" Requires="a14">
+      <mc:AlternateContent xmlns:mc="http://schemas.openxmlformats.org/markup-compatibility/2006" xmlns:a14="http://schemas.microsoft.com/office/drawing/2010/main">
+        <mc:Choice Requires="a14">
           <p:sp>
             <p:nvSpPr>
               <p:cNvPr id="2" name="Rectangle 1">
@@ -17718,6 +18524,7 @@
               </a:bodyPr>
               <a:lstStyle/>
               <a:p>
+                <a:pPr/>
                 <a14:m>
                   <m:oMathPara xmlns:m="http://schemas.openxmlformats.org/officeDocument/2006/math">
                     <m:oMathParaPr>
@@ -18272,7 +19079,7 @@
             </p:txBody>
           </p:sp>
         </mc:Choice>
-        <mc:Fallback>
+        <mc:Fallback xmlns="">
           <p:sp>
             <p:nvSpPr>
               <p:cNvPr id="2" name="Rectangle 1">
@@ -18317,8 +19124,8 @@
           </p:sp>
         </mc:Fallback>
       </mc:AlternateContent>
-      <mc:AlternateContent xmlns:mc="http://schemas.openxmlformats.org/markup-compatibility/2006">
-        <mc:Choice xmlns:a14="http://schemas.microsoft.com/office/drawing/2010/main" Requires="a14">
+      <mc:AlternateContent xmlns:mc="http://schemas.openxmlformats.org/markup-compatibility/2006" xmlns:a14="http://schemas.microsoft.com/office/drawing/2010/main">
+        <mc:Choice Requires="a14">
           <p:sp>
             <p:nvSpPr>
               <p:cNvPr id="3" name="Rectangle 2">
@@ -18346,6 +19153,7 @@
               </a:bodyPr>
               <a:lstStyle/>
               <a:p>
+                <a:pPr/>
                 <a14:m>
                   <m:oMathPara xmlns:m="http://schemas.openxmlformats.org/officeDocument/2006/math">
                     <m:oMathParaPr>
@@ -18782,7 +19590,7 @@
             </p:txBody>
           </p:sp>
         </mc:Choice>
-        <mc:Fallback>
+        <mc:Fallback xmlns="">
           <p:sp>
             <p:nvSpPr>
               <p:cNvPr id="3" name="Rectangle 2">
@@ -18827,8 +19635,8 @@
           </p:sp>
         </mc:Fallback>
       </mc:AlternateContent>
-      <mc:AlternateContent xmlns:mc="http://schemas.openxmlformats.org/markup-compatibility/2006">
-        <mc:Choice xmlns:a14="http://schemas.microsoft.com/office/drawing/2010/main" Requires="a14">
+      <mc:AlternateContent xmlns:mc="http://schemas.openxmlformats.org/markup-compatibility/2006" xmlns:a14="http://schemas.microsoft.com/office/drawing/2010/main">
+        <mc:Choice Requires="a14">
           <p:sp>
             <p:nvSpPr>
               <p:cNvPr id="4" name="TextBox 3">
@@ -19336,7 +20144,7 @@
             </p:txBody>
           </p:sp>
         </mc:Choice>
-        <mc:Fallback>
+        <mc:Fallback xmlns="">
           <p:sp>
             <p:nvSpPr>
               <p:cNvPr id="4" name="TextBox 3">
@@ -19381,8 +20189,8 @@
           </p:sp>
         </mc:Fallback>
       </mc:AlternateContent>
-      <mc:AlternateContent xmlns:mc="http://schemas.openxmlformats.org/markup-compatibility/2006">
-        <mc:Choice xmlns:a14="http://schemas.microsoft.com/office/drawing/2010/main" Requires="a14">
+      <mc:AlternateContent xmlns:mc="http://schemas.openxmlformats.org/markup-compatibility/2006" xmlns:a14="http://schemas.microsoft.com/office/drawing/2010/main">
+        <mc:Choice Requires="a14">
           <p:sp>
             <p:nvSpPr>
               <p:cNvPr id="5" name="TextBox 4">
@@ -19660,7 +20468,7 @@
             </p:txBody>
           </p:sp>
         </mc:Choice>
-        <mc:Fallback>
+        <mc:Fallback xmlns="">
           <p:sp>
             <p:nvSpPr>
               <p:cNvPr id="5" name="TextBox 4">
@@ -19833,8 +20641,8 @@
           </a:p>
         </p:txBody>
       </p:sp>
-      <mc:AlternateContent xmlns:mc="http://schemas.openxmlformats.org/markup-compatibility/2006">
-        <mc:Choice xmlns:a14="http://schemas.microsoft.com/office/drawing/2010/main" Requires="a14">
+      <mc:AlternateContent xmlns:mc="http://schemas.openxmlformats.org/markup-compatibility/2006" xmlns:a14="http://schemas.microsoft.com/office/drawing/2010/main">
+        <mc:Choice Requires="a14">
           <p:sp>
             <p:nvSpPr>
               <p:cNvPr id="8" name="Rectangle 7">
@@ -19862,6 +20670,7 @@
               </a:bodyPr>
               <a:lstStyle/>
               <a:p>
+                <a:pPr/>
                 <a14:m>
                   <m:oMathPara xmlns:m="http://schemas.openxmlformats.org/officeDocument/2006/math">
                     <m:oMathParaPr>
@@ -20099,7 +20908,7 @@
             </p:txBody>
           </p:sp>
         </mc:Choice>
-        <mc:Fallback>
+        <mc:Fallback xmlns="">
           <p:sp>
             <p:nvSpPr>
               <p:cNvPr id="8" name="Rectangle 7">
@@ -20183,8 +20992,8 @@
           </a:p>
         </p:txBody>
       </p:sp>
-      <mc:AlternateContent xmlns:mc="http://schemas.openxmlformats.org/markup-compatibility/2006">
-        <mc:Choice xmlns:a14="http://schemas.microsoft.com/office/drawing/2010/main" Requires="a14">
+      <mc:AlternateContent xmlns:mc="http://schemas.openxmlformats.org/markup-compatibility/2006" xmlns:a14="http://schemas.microsoft.com/office/drawing/2010/main">
+        <mc:Choice Requires="a14">
           <p:sp>
             <p:nvSpPr>
               <p:cNvPr id="10" name="Rectangle 9">
@@ -20491,7 +21300,7 @@
             </p:txBody>
           </p:sp>
         </mc:Choice>
-        <mc:Fallback>
+        <mc:Fallback xmlns="">
           <p:sp>
             <p:nvSpPr>
               <p:cNvPr id="10" name="Rectangle 9">
@@ -20536,8 +21345,8 @@
           </p:sp>
         </mc:Fallback>
       </mc:AlternateContent>
-      <mc:AlternateContent xmlns:mc="http://schemas.openxmlformats.org/markup-compatibility/2006">
-        <mc:Choice xmlns:a14="http://schemas.microsoft.com/office/drawing/2010/main" Requires="a14">
+      <mc:AlternateContent xmlns:mc="http://schemas.openxmlformats.org/markup-compatibility/2006" xmlns:a14="http://schemas.microsoft.com/office/drawing/2010/main">
+        <mc:Choice Requires="a14">
           <p:sp>
             <p:nvSpPr>
               <p:cNvPr id="11" name="Rectangle 10">
@@ -20625,7 +21434,7 @@
             </p:txBody>
           </p:sp>
         </mc:Choice>
-        <mc:Fallback>
+        <mc:Fallback xmlns="">
           <p:sp>
             <p:nvSpPr>
               <p:cNvPr id="11" name="Rectangle 10">
@@ -20670,8 +21479,8 @@
           </p:sp>
         </mc:Fallback>
       </mc:AlternateContent>
-      <mc:AlternateContent xmlns:mc="http://schemas.openxmlformats.org/markup-compatibility/2006">
-        <mc:Choice xmlns:a14="http://schemas.microsoft.com/office/drawing/2010/main" Requires="a14">
+      <mc:AlternateContent xmlns:mc="http://schemas.openxmlformats.org/markup-compatibility/2006" xmlns:a14="http://schemas.microsoft.com/office/drawing/2010/main">
+        <mc:Choice Requires="a14">
           <p:sp>
             <p:nvSpPr>
               <p:cNvPr id="13" name="Rectangle 12">
@@ -20699,6 +21508,7 @@
               </a:bodyPr>
               <a:lstStyle/>
               <a:p>
+                <a:pPr/>
                 <a14:m>
                   <m:oMathPara xmlns:m="http://schemas.openxmlformats.org/officeDocument/2006/math">
                     <m:oMathParaPr>
@@ -21326,7 +22136,7 @@
             </p:txBody>
           </p:sp>
         </mc:Choice>
-        <mc:Fallback>
+        <mc:Fallback xmlns="">
           <p:sp>
             <p:nvSpPr>
               <p:cNvPr id="13" name="Rectangle 12">
@@ -21475,8 +22285,8 @@
           </a:p>
         </p:txBody>
       </p:sp>
-      <mc:AlternateContent xmlns:mc="http://schemas.openxmlformats.org/markup-compatibility/2006">
-        <mc:Choice xmlns:a14="http://schemas.microsoft.com/office/drawing/2010/main" Requires="a14">
+      <mc:AlternateContent xmlns:mc="http://schemas.openxmlformats.org/markup-compatibility/2006" xmlns:a14="http://schemas.microsoft.com/office/drawing/2010/main">
+        <mc:Choice Requires="a14">
           <p:sp>
             <p:nvSpPr>
               <p:cNvPr id="9" name="TextBox 8">
@@ -22101,7 +22911,7 @@
             </p:txBody>
           </p:sp>
         </mc:Choice>
-        <mc:Fallback>
+        <mc:Fallback xmlns="">
           <p:sp>
             <p:nvSpPr>
               <p:cNvPr id="9" name="TextBox 8">
@@ -22146,8 +22956,8 @@
           </p:sp>
         </mc:Fallback>
       </mc:AlternateContent>
-      <mc:AlternateContent xmlns:mc="http://schemas.openxmlformats.org/markup-compatibility/2006">
-        <mc:Choice xmlns:a14="http://schemas.microsoft.com/office/drawing/2010/main" Requires="a14">
+      <mc:AlternateContent xmlns:mc="http://schemas.openxmlformats.org/markup-compatibility/2006" xmlns:a14="http://schemas.microsoft.com/office/drawing/2010/main">
+        <mc:Choice Requires="a14">
           <p:sp>
             <p:nvSpPr>
               <p:cNvPr id="10" name="Rectangle 9">
@@ -22552,7 +23362,7 @@
             </p:txBody>
           </p:sp>
         </mc:Choice>
-        <mc:Fallback>
+        <mc:Fallback xmlns="">
           <p:sp>
             <p:nvSpPr>
               <p:cNvPr id="10" name="Rectangle 9">
@@ -22783,8 +23593,8 @@
           </a:p>
         </p:txBody>
       </p:sp>
-      <mc:AlternateContent xmlns:mc="http://schemas.openxmlformats.org/markup-compatibility/2006">
-        <mc:Choice xmlns:a14="http://schemas.microsoft.com/office/drawing/2010/main" Requires="a14">
+      <mc:AlternateContent xmlns:mc="http://schemas.openxmlformats.org/markup-compatibility/2006" xmlns:a14="http://schemas.microsoft.com/office/drawing/2010/main">
+        <mc:Choice Requires="a14">
           <p:sp>
             <p:nvSpPr>
               <p:cNvPr id="10" name="Rectangle 9">
@@ -22985,7 +23795,17 @@
                               <a:latin typeface="Cambria Math" panose="02040503050406030204" pitchFamily="18" charset="0"/>
                               <a:ea typeface="Cambria Math" panose="02040503050406030204" pitchFamily="18" charset="0"/>
                             </a:rPr>
-                            <m:t>−∞</m:t>
+                            <m:t>−</m:t>
+                          </m:r>
+                          <m:r>
+                            <a:rPr lang="en-US" sz="2800" b="0" i="1" smtClean="0">
+                              <a:solidFill>
+                                <a:schemeClr val="tx1"/>
+                              </a:solidFill>
+                              <a:latin typeface="Cambria Math" panose="02040503050406030204" pitchFamily="18" charset="0"/>
+                              <a:ea typeface="Cambria Math" panose="02040503050406030204" pitchFamily="18" charset="0"/>
+                            </a:rPr>
+                            <m:t>∞</m:t>
                           </m:r>
                         </m:sub>
                         <m:sup>
@@ -23483,7 +24303,7 @@
             </p:txBody>
           </p:sp>
         </mc:Choice>
-        <mc:Fallback>
+        <mc:Fallback xmlns="">
           <p:sp>
             <p:nvSpPr>
               <p:cNvPr id="10" name="Rectangle 9">
@@ -23528,8 +24348,8 @@
           </p:sp>
         </mc:Fallback>
       </mc:AlternateContent>
-      <mc:AlternateContent xmlns:mc="http://schemas.openxmlformats.org/markup-compatibility/2006">
-        <mc:Choice xmlns:a14="http://schemas.microsoft.com/office/drawing/2010/main" Requires="a14">
+      <mc:AlternateContent xmlns:mc="http://schemas.openxmlformats.org/markup-compatibility/2006" xmlns:a14="http://schemas.microsoft.com/office/drawing/2010/main">
+        <mc:Choice Requires="a14">
           <p:sp>
             <p:nvSpPr>
               <p:cNvPr id="3" name="Rectangle 2">
@@ -23557,6 +24377,7 @@
               </a:bodyPr>
               <a:lstStyle/>
               <a:p>
+                <a:pPr/>
                 <a14:m>
                   <m:oMathPara xmlns:m="http://schemas.openxmlformats.org/officeDocument/2006/math">
                     <m:oMathParaPr>
@@ -24120,13 +24941,7 @@
                                   <a:rPr lang="en-US" sz="2800" i="1" dirty="0">
                                     <a:latin typeface="Cambria Math" panose="02040503050406030204" pitchFamily="18" charset="0"/>
                                   </a:rPr>
-                                  <m:t>𝑘</m:t>
-                                </m:r>
-                                <m:r>
-                                  <a:rPr lang="en-US" sz="2800" i="1" dirty="0">
-                                    <a:latin typeface="Cambria Math" panose="02040503050406030204" pitchFamily="18" charset="0"/>
-                                  </a:rPr>
-                                  <m:t>𝑧</m:t>
+                                  <m:t>𝑘𝑧</m:t>
                                 </m:r>
                               </m:e>
                               <m:sup>
@@ -24613,7 +25428,7 @@
             </p:txBody>
           </p:sp>
         </mc:Choice>
-        <mc:Fallback>
+        <mc:Fallback xmlns="">
           <p:sp>
             <p:nvSpPr>
               <p:cNvPr id="3" name="Rectangle 2">
@@ -24658,8 +25473,8 @@
           </p:sp>
         </mc:Fallback>
       </mc:AlternateContent>
-      <mc:AlternateContent xmlns:mc="http://schemas.openxmlformats.org/markup-compatibility/2006">
-        <mc:Choice xmlns:a14="http://schemas.microsoft.com/office/drawing/2010/main" Requires="a14">
+      <mc:AlternateContent xmlns:mc="http://schemas.openxmlformats.org/markup-compatibility/2006" xmlns:a14="http://schemas.microsoft.com/office/drawing/2010/main">
+        <mc:Choice Requires="a14">
           <p:sp>
             <p:nvSpPr>
               <p:cNvPr id="4" name="Rectangle 3">
@@ -24687,6 +25502,7 @@
               </a:bodyPr>
               <a:lstStyle/>
               <a:p>
+                <a:pPr/>
                 <a14:m>
                   <m:oMathPara xmlns:m="http://schemas.openxmlformats.org/officeDocument/2006/math">
                     <m:oMathParaPr>
@@ -25260,7 +26076,7 @@
             </p:txBody>
           </p:sp>
         </mc:Choice>
-        <mc:Fallback>
+        <mc:Fallback xmlns="">
           <p:sp>
             <p:nvSpPr>
               <p:cNvPr id="4" name="Rectangle 3">
@@ -26567,11 +27383,6 @@
 
 <file path=customXml/item1.xml><?xml version="1.0" encoding="utf-8"?>
 <?mso-contentType ?>
-<SharedContentType xmlns="Microsoft.SharePoint.Taxonomy.ContentTypeSync" SourceId="c2502a80-7d28-4222-8cca-c624a41b2055" ContentTypeId="0x0101002B7518C7231E97499E1F1C54B0F5901D13" PreviousValue="false"/>
-</file>
-
-<file path=customXml/item2.xml><?xml version="1.0" encoding="utf-8"?>
-<?mso-contentType ?>
 <FormTemplates xmlns="http://schemas.microsoft.com/sharepoint/v3/contenttype/forms">
   <Display>DocumentLibraryForm</Display>
   <Edit>DocumentLibraryForm</Edit>
@@ -26579,13 +27390,12 @@
 </FormTemplates>
 </file>
 
-<file path=customXml/item3.xml><?xml version="1.0" encoding="utf-8"?>
-<p:properties xmlns:p="http://schemas.microsoft.com/office/2006/metadata/properties" xmlns:xsi="http://www.w3.org/2001/XMLSchema-instance" xmlns:pc="http://schemas.microsoft.com/office/infopath/2007/PartnerControls">
-  <documentManagement/>
-</p:properties>
+<file path=customXml/item2.xml><?xml version="1.0" encoding="utf-8"?>
+<?mso-contentType ?>
+<SharedContentType xmlns="Microsoft.SharePoint.Taxonomy.ContentTypeSync" SourceId="c2502a80-7d28-4222-8cca-c624a41b2055" ContentTypeId="0x0101002B7518C7231E97499E1F1C54B0F5901D13" PreviousValue="false"/>
 </file>
 
-<file path=customXml/item4.xml><?xml version="1.0" encoding="utf-8"?>
+<file path=customXml/item3.xml><?xml version="1.0" encoding="utf-8"?>
 <ct:contentTypeSchema xmlns:ct="http://schemas.microsoft.com/office/2006/metadata/contentType" xmlns:ma="http://schemas.microsoft.com/office/2006/metadata/properties/metaAttributes" ct:_="" ma:_="" ma:contentTypeName="Review Document" ma:contentTypeID="0x0101002B7518C7231E97499E1F1C54B0F5901D130064AD933CD713864CA8A91A9C767D8A9B" ma:contentTypeVersion="" ma:contentTypeDescription="" ma:contentTypeScope="" ma:versionID="277116d1d53a68e581275545c2aafa56">
   <xsd:schema xmlns:xsd="http://www.w3.org/2001/XMLSchema" xmlns:xs="http://www.w3.org/2001/XMLSchema" xmlns:p="http://schemas.microsoft.com/office/2006/metadata/properties" targetNamespace="http://schemas.microsoft.com/office/2006/metadata/properties" ma:root="true" ma:fieldsID="817bd159687fd4e0b52f7220829539b7">
     <xsd:element name="properties">
@@ -26699,7 +27509,21 @@
 </ct:contentTypeSchema>
 </file>
 
+<file path=customXml/item4.xml><?xml version="1.0" encoding="utf-8"?>
+<p:properties xmlns:p="http://schemas.microsoft.com/office/2006/metadata/properties" xmlns:xsi="http://www.w3.org/2001/XMLSchema-instance" xmlns:pc="http://schemas.microsoft.com/office/infopath/2007/PartnerControls">
+  <documentManagement/>
+</p:properties>
+</file>
+
 <file path=customXml/itemProps1.xml><?xml version="1.0" encoding="utf-8"?>
+<ds:datastoreItem xmlns:ds="http://schemas.openxmlformats.org/officeDocument/2006/customXml" ds:itemID="{3D0D0C73-1D92-412D-8800-9C1E033764A7}">
+  <ds:schemaRefs>
+    <ds:schemaRef ds:uri="http://schemas.microsoft.com/sharepoint/v3/contenttype/forms"/>
+  </ds:schemaRefs>
+</ds:datastoreItem>
+</file>
+
+<file path=customXml/itemProps2.xml><?xml version="1.0" encoding="utf-8"?>
 <ds:datastoreItem xmlns:ds="http://schemas.openxmlformats.org/officeDocument/2006/customXml" ds:itemID="{E937644D-55DB-446B-BF55-BBD9A5B5B948}">
   <ds:schemaRefs>
     <ds:schemaRef ds:uri="Microsoft.SharePoint.Taxonomy.ContentTypeSync"/>
@@ -26707,24 +27531,7 @@
 </ds:datastoreItem>
 </file>
 
-<file path=customXml/itemProps2.xml><?xml version="1.0" encoding="utf-8"?>
-<ds:datastoreItem xmlns:ds="http://schemas.openxmlformats.org/officeDocument/2006/customXml" ds:itemID="{3D0D0C73-1D92-412D-8800-9C1E033764A7}">
-  <ds:schemaRefs>
-    <ds:schemaRef ds:uri="http://schemas.microsoft.com/sharepoint/v3/contenttype/forms"/>
-  </ds:schemaRefs>
-</ds:datastoreItem>
-</file>
-
 <file path=customXml/itemProps3.xml><?xml version="1.0" encoding="utf-8"?>
-<ds:datastoreItem xmlns:ds="http://schemas.openxmlformats.org/officeDocument/2006/customXml" ds:itemID="{8EE60D92-EC7B-437A-AF37-55618E86DE12}">
-  <ds:schemaRefs>
-    <ds:schemaRef ds:uri="http://schemas.microsoft.com/office/2006/metadata/properties"/>
-    <ds:schemaRef ds:uri="http://schemas.microsoft.com/office/infopath/2007/PartnerControls"/>
-  </ds:schemaRefs>
-</ds:datastoreItem>
-</file>
-
-<file path=customXml/itemProps4.xml><?xml version="1.0" encoding="utf-8"?>
 <ds:datastoreItem xmlns:ds="http://schemas.openxmlformats.org/officeDocument/2006/customXml" ds:itemID="{9CAB375B-207A-4512-9A8F-8D5197D792C9}">
   <ds:schemaRefs>
     <ds:schemaRef ds:uri="http://schemas.microsoft.com/office/2006/metadata/contentType"/>
@@ -26738,4 +27545,13 @@
     <ds:schemaRef ds:uri="http://schemas.microsoft.com/office/infopath/2007/PartnerControls"/>
   </ds:schemaRefs>
 </ds:datastoreItem>
+</file>
+
+<file path=customXml/itemProps4.xml><?xml version="1.0" encoding="utf-8"?>
+<ds:datastoreItem xmlns:ds="http://schemas.openxmlformats.org/officeDocument/2006/customXml" ds:itemID="{8EE60D92-EC7B-437A-AF37-55618E86DE12}">
+  <ds:schemaRefs>
+    <ds:schemaRef ds:uri="http://schemas.microsoft.com/office/2006/metadata/properties"/>
+    <ds:schemaRef ds:uri="http://schemas.microsoft.com/office/infopath/2007/PartnerControls"/>
+  </ds:schemaRefs>
+</ds:datastoreItem>
 </file>
--- a/second/slides/2_Introduction_to_SRW.pptx
+++ b/second/slides/2_Introduction_to_SRW.pptx
@@ -279,7 +279,7 @@
           <a:p>
             <a:fld id="{B691EE03-8B86-4483-A61E-7F251E4A6480}" type="datetimeFigureOut">
               <a:rPr lang="en-US" smtClean="0"/>
-              <a:t>12/5/19</a:t>
+              <a:t>12/6/19</a:t>
             </a:fld>
             <a:endParaRPr lang="en-US"/>
           </a:p>
@@ -445,7 +445,7 @@
           <a:p>
             <a:fld id="{1AF9D93D-2DCD-4941-9148-539F4B11DA5A}" type="datetimeFigureOut">
               <a:rPr lang="en-US" smtClean="0"/>
-              <a:t>12/5/19</a:t>
+              <a:t>12/6/19</a:t>
             </a:fld>
             <a:endParaRPr lang="en-US"/>
           </a:p>
@@ -6734,8 +6734,8 @@
           </p:sp>
         </mc:Fallback>
       </mc:AlternateContent>
-      <mc:AlternateContent xmlns:mc="http://schemas.openxmlformats.org/markup-compatibility/2006">
-        <mc:Choice xmlns:a14="http://schemas.microsoft.com/office/drawing/2010/main" Requires="a14">
+      <mc:AlternateContent xmlns:mc="http://schemas.openxmlformats.org/markup-compatibility/2006" xmlns:a14="http://schemas.microsoft.com/office/drawing/2010/main">
+        <mc:Choice Requires="a14">
           <p:sp>
             <p:nvSpPr>
               <p:cNvPr id="8" name="Rectangle 7">
@@ -7511,7 +7511,7 @@
             </p:txBody>
           </p:sp>
         </mc:Choice>
-        <mc:Fallback>
+        <mc:Fallback xmlns="">
           <p:sp>
             <p:nvSpPr>
               <p:cNvPr id="8" name="Rectangle 7">
@@ -7556,8 +7556,8 @@
           </p:sp>
         </mc:Fallback>
       </mc:AlternateContent>
-      <mc:AlternateContent xmlns:mc="http://schemas.openxmlformats.org/markup-compatibility/2006">
-        <mc:Choice xmlns:a14="http://schemas.microsoft.com/office/drawing/2010/main" Requires="a14">
+      <mc:AlternateContent xmlns:mc="http://schemas.openxmlformats.org/markup-compatibility/2006" xmlns:a14="http://schemas.microsoft.com/office/drawing/2010/main">
+        <mc:Choice Requires="a14">
           <p:sp>
             <p:nvSpPr>
               <p:cNvPr id="9" name="Rectangle 8">
@@ -8423,7 +8423,7 @@
             </p:txBody>
           </p:sp>
         </mc:Choice>
-        <mc:Fallback>
+        <mc:Fallback xmlns="">
           <p:sp>
             <p:nvSpPr>
               <p:cNvPr id="9" name="Rectangle 8">
@@ -8664,8 +8664,8 @@
           </a:p>
         </p:txBody>
       </p:sp>
-      <mc:AlternateContent xmlns:mc="http://schemas.openxmlformats.org/markup-compatibility/2006">
-        <mc:Choice xmlns:a14="http://schemas.microsoft.com/office/drawing/2010/main" Requires="a14">
+      <mc:AlternateContent xmlns:mc="http://schemas.openxmlformats.org/markup-compatibility/2006" xmlns:a14="http://schemas.microsoft.com/office/drawing/2010/main">
+        <mc:Choice Requires="a14">
           <p:sp>
             <p:nvSpPr>
               <p:cNvPr id="8" name="Rectangle 7">
@@ -9303,7 +9303,7 @@
             </p:txBody>
           </p:sp>
         </mc:Choice>
-        <mc:Fallback>
+        <mc:Fallback xmlns="">
           <p:sp>
             <p:nvSpPr>
               <p:cNvPr id="8" name="Rectangle 7">
@@ -9401,8 +9401,8 @@
           </a:p>
         </p:txBody>
       </p:sp>
-      <mc:AlternateContent xmlns:mc="http://schemas.openxmlformats.org/markup-compatibility/2006">
-        <mc:Choice xmlns:a14="http://schemas.microsoft.com/office/drawing/2010/main" Requires="a14">
+      <mc:AlternateContent xmlns:mc="http://schemas.openxmlformats.org/markup-compatibility/2006" xmlns:a14="http://schemas.microsoft.com/office/drawing/2010/main">
+        <mc:Choice Requires="a14">
           <p:sp>
             <p:nvSpPr>
               <p:cNvPr id="3" name="Rectangle 2">
@@ -9430,6 +9430,7 @@
               </a:bodyPr>
               <a:lstStyle/>
               <a:p>
+                <a:pPr/>
                 <a14:m>
                   <m:oMathPara xmlns:m="http://schemas.openxmlformats.org/officeDocument/2006/math">
                     <m:oMathParaPr>
@@ -9714,7 +9715,7 @@
             </p:txBody>
           </p:sp>
         </mc:Choice>
-        <mc:Fallback>
+        <mc:Fallback xmlns="">
           <p:sp>
             <p:nvSpPr>
               <p:cNvPr id="3" name="Rectangle 2">
@@ -10065,8 +10066,8 @@
           </p:sp>
         </mc:Fallback>
       </mc:AlternateContent>
-      <mc:AlternateContent xmlns:mc="http://schemas.openxmlformats.org/markup-compatibility/2006">
-        <mc:Choice xmlns:a14="http://schemas.microsoft.com/office/drawing/2010/main" Requires="a14">
+      <mc:AlternateContent xmlns:mc="http://schemas.openxmlformats.org/markup-compatibility/2006" xmlns:a14="http://schemas.microsoft.com/office/drawing/2010/main">
+        <mc:Choice Requires="a14">
           <p:sp>
             <p:nvSpPr>
               <p:cNvPr id="8" name="Rectangle 7">
@@ -10926,7 +10927,7 @@
             </p:txBody>
           </p:sp>
         </mc:Choice>
-        <mc:Fallback>
+        <mc:Fallback xmlns="">
           <p:sp>
             <p:nvSpPr>
               <p:cNvPr id="8" name="Rectangle 7">
@@ -11683,8 +11684,8 @@
           </p:sp>
         </mc:Fallback>
       </mc:AlternateContent>
-      <mc:AlternateContent xmlns:mc="http://schemas.openxmlformats.org/markup-compatibility/2006">
-        <mc:Choice xmlns:a14="http://schemas.microsoft.com/office/drawing/2010/main" Requires="a14">
+      <mc:AlternateContent xmlns:mc="http://schemas.openxmlformats.org/markup-compatibility/2006" xmlns:a14="http://schemas.microsoft.com/office/drawing/2010/main">
+        <mc:Choice Requires="a14">
           <p:sp>
             <p:nvSpPr>
               <p:cNvPr id="13" name="Rectangle 12">
@@ -11886,7 +11887,7 @@
             </p:txBody>
           </p:sp>
         </mc:Choice>
-        <mc:Fallback>
+        <mc:Fallback xmlns="">
           <p:sp>
             <p:nvSpPr>
               <p:cNvPr id="13" name="Rectangle 12">
@@ -12040,8 +12041,8 @@
           </a:p>
         </p:txBody>
       </p:sp>
-      <mc:AlternateContent xmlns:mc="http://schemas.openxmlformats.org/markup-compatibility/2006">
-        <mc:Choice xmlns:a14="http://schemas.microsoft.com/office/drawing/2010/main" Requires="a14">
+      <mc:AlternateContent xmlns:mc="http://schemas.openxmlformats.org/markup-compatibility/2006" xmlns:a14="http://schemas.microsoft.com/office/drawing/2010/main">
+        <mc:Choice Requires="a14">
           <p:sp>
             <p:nvSpPr>
               <p:cNvPr id="5" name="TextBox 4">
@@ -12210,6 +12211,7 @@
                 </a:endParaRPr>
               </a:p>
               <a:p>
+                <a:pPr/>
                 <a14:m>
                   <m:oMathPara xmlns:m="http://schemas.openxmlformats.org/officeDocument/2006/math">
                     <m:oMathParaPr>
@@ -13326,7 +13328,7 @@
             </p:txBody>
           </p:sp>
         </mc:Choice>
-        <mc:Fallback>
+        <mc:Fallback xmlns="">
           <p:sp>
             <p:nvSpPr>
               <p:cNvPr id="5" name="TextBox 4">
@@ -13918,8 +13920,8 @@
           </a:p>
         </p:txBody>
       </p:sp>
-      <mc:AlternateContent xmlns:mc="http://schemas.openxmlformats.org/markup-compatibility/2006">
-        <mc:Choice xmlns:a14="http://schemas.microsoft.com/office/drawing/2010/main" Requires="a14">
+      <mc:AlternateContent xmlns:mc="http://schemas.openxmlformats.org/markup-compatibility/2006" xmlns:a14="http://schemas.microsoft.com/office/drawing/2010/main">
+        <mc:Choice Requires="a14">
           <p:sp>
             <p:nvSpPr>
               <p:cNvPr id="5" name="TextBox 4">
@@ -14142,7 +14144,7 @@
             </p:txBody>
           </p:sp>
         </mc:Choice>
-        <mc:Fallback>
+        <mc:Fallback xmlns="">
           <p:sp>
             <p:nvSpPr>
               <p:cNvPr id="5" name="TextBox 4">
@@ -14309,8 +14311,8 @@
           </a:p>
         </p:txBody>
       </p:sp>
-      <mc:AlternateContent xmlns:mc="http://schemas.openxmlformats.org/markup-compatibility/2006">
-        <mc:Choice xmlns:a14="http://schemas.microsoft.com/office/drawing/2010/main" Requires="a14">
+      <mc:AlternateContent xmlns:mc="http://schemas.openxmlformats.org/markup-compatibility/2006" xmlns:a14="http://schemas.microsoft.com/office/drawing/2010/main">
+        <mc:Choice Requires="a14">
           <p:sp>
             <p:nvSpPr>
               <p:cNvPr id="4" name="Rectangle 3">
@@ -14338,6 +14340,7 @@
               </a:bodyPr>
               <a:lstStyle/>
               <a:p>
+                <a:pPr/>
                 <a14:m>
                   <m:oMathPara xmlns:m="http://schemas.openxmlformats.org/officeDocument/2006/math">
                     <m:oMathParaPr>
@@ -14775,7 +14778,7 @@
             </p:txBody>
           </p:sp>
         </mc:Choice>
-        <mc:Fallback>
+        <mc:Fallback xmlns="">
           <p:sp>
             <p:nvSpPr>
               <p:cNvPr id="4" name="Rectangle 3">
@@ -14820,8 +14823,8 @@
           </p:sp>
         </mc:Fallback>
       </mc:AlternateContent>
-      <mc:AlternateContent xmlns:mc="http://schemas.openxmlformats.org/markup-compatibility/2006">
-        <mc:Choice xmlns:a14="http://schemas.microsoft.com/office/drawing/2010/main" Requires="a14">
+      <mc:AlternateContent xmlns:mc="http://schemas.openxmlformats.org/markup-compatibility/2006" xmlns:a14="http://schemas.microsoft.com/office/drawing/2010/main">
+        <mc:Choice Requires="a14">
           <p:sp>
             <p:nvSpPr>
               <p:cNvPr id="8" name="Rectangle 7">
@@ -15833,7 +15836,6 @@
                 <a:endParaRPr lang="en-US" sz="2200" b="0" dirty="0"/>
               </a:p>
               <a:p>
-                <a:pPr/>
                 <a:endParaRPr lang="en-US" sz="2200" b="0" dirty="0"/>
               </a:p>
               <a:p>
@@ -16304,7 +16306,7 @@
             </p:txBody>
           </p:sp>
         </mc:Choice>
-        <mc:Fallback>
+        <mc:Fallback xmlns="">
           <p:sp>
             <p:nvSpPr>
               <p:cNvPr id="8" name="Rectangle 7">
@@ -16658,8 +16660,8 @@
           </a:p>
         </p:txBody>
       </p:sp>
-      <mc:AlternateContent xmlns:mc="http://schemas.openxmlformats.org/markup-compatibility/2006">
-        <mc:Choice xmlns:a14="http://schemas.microsoft.com/office/drawing/2010/main" Requires="a14">
+      <mc:AlternateContent xmlns:mc="http://schemas.openxmlformats.org/markup-compatibility/2006" xmlns:a14="http://schemas.microsoft.com/office/drawing/2010/main">
+        <mc:Choice Requires="a14">
           <p:sp>
             <p:nvSpPr>
               <p:cNvPr id="7" name="Rectangle 6">
@@ -17831,7 +17833,7 @@
             </p:txBody>
           </p:sp>
         </mc:Choice>
-        <mc:Fallback>
+        <mc:Fallback xmlns="">
           <p:sp>
             <p:nvSpPr>
               <p:cNvPr id="7" name="Rectangle 6">
@@ -17876,8 +17878,8 @@
           </p:sp>
         </mc:Fallback>
       </mc:AlternateContent>
-      <mc:AlternateContent xmlns:mc="http://schemas.openxmlformats.org/markup-compatibility/2006">
-        <mc:Choice xmlns:a14="http://schemas.microsoft.com/office/drawing/2010/main" Requires="a14">
+      <mc:AlternateContent xmlns:mc="http://schemas.openxmlformats.org/markup-compatibility/2006" xmlns:a14="http://schemas.microsoft.com/office/drawing/2010/main">
+        <mc:Choice Requires="a14">
           <p:sp>
             <p:nvSpPr>
               <p:cNvPr id="8" name="Rectangle 7">
@@ -17923,7 +17925,7 @@
                             <a:solidFill>
                               <a:schemeClr val="tx1"/>
                             </a:solidFill>
-                            <a:latin typeface="+mn-lt"/>
+                            <a:latin typeface="Cambria Math" panose="02040503050406030204" pitchFamily="18" charset="0"/>
                           </a:rPr>
                         </m:ctrlPr>
                       </m:sSubPr>
@@ -17933,7 +17935,7 @@
                             <a:solidFill>
                               <a:schemeClr val="tx1"/>
                             </a:solidFill>
-                            <a:latin typeface="+mn-lt"/>
+                            <a:latin typeface="Cambria Math" panose="02040503050406030204" pitchFamily="18" charset="0"/>
                           </a:rPr>
                           <m:t>𝑢</m:t>
                         </m:r>
@@ -17944,7 +17946,7 @@
                             <a:solidFill>
                               <a:schemeClr val="tx1"/>
                             </a:solidFill>
-                            <a:latin typeface="+mn-lt"/>
+                            <a:latin typeface="Cambria Math" panose="02040503050406030204" pitchFamily="18" charset="0"/>
                             <a:ea typeface="Cambria Math" panose="02040503050406030204" pitchFamily="18" charset="0"/>
                           </a:rPr>
                           <m:t>𝜔</m:t>
@@ -17958,7 +17960,7 @@
                             <a:solidFill>
                               <a:schemeClr val="tx1"/>
                             </a:solidFill>
-                            <a:latin typeface="+mn-lt"/>
+                            <a:latin typeface="Cambria Math" panose="02040503050406030204" pitchFamily="18" charset="0"/>
                           </a:rPr>
                         </m:ctrlPr>
                       </m:dPr>
@@ -17968,7 +17970,7 @@
                             <a:solidFill>
                               <a:schemeClr val="tx1"/>
                             </a:solidFill>
-                            <a:latin typeface="+mn-lt"/>
+                            <a:latin typeface="Cambria Math" panose="02040503050406030204" pitchFamily="18" charset="0"/>
                           </a:rPr>
                           <m:t>𝑥</m:t>
                         </m:r>
@@ -17977,7 +17979,7 @@
                             <a:solidFill>
                               <a:schemeClr val="tx1"/>
                             </a:solidFill>
-                            <a:latin typeface="+mn-lt"/>
+                            <a:latin typeface="Cambria Math" panose="02040503050406030204" pitchFamily="18" charset="0"/>
                           </a:rPr>
                           <m:t>, </m:t>
                         </m:r>
@@ -17986,7 +17988,7 @@
                             <a:solidFill>
                               <a:schemeClr val="tx1"/>
                             </a:solidFill>
-                            <a:latin typeface="+mn-lt"/>
+                            <a:latin typeface="Cambria Math" panose="02040503050406030204" pitchFamily="18" charset="0"/>
                           </a:rPr>
                           <m:t>𝑦</m:t>
                         </m:r>
@@ -17995,7 +17997,7 @@
                             <a:solidFill>
                               <a:schemeClr val="tx1"/>
                             </a:solidFill>
-                            <a:latin typeface="+mn-lt"/>
+                            <a:latin typeface="Cambria Math" panose="02040503050406030204" pitchFamily="18" charset="0"/>
                           </a:rPr>
                           <m:t>, </m:t>
                         </m:r>
@@ -18004,7 +18006,7 @@
                             <a:solidFill>
                               <a:schemeClr val="tx1"/>
                             </a:solidFill>
-                            <a:latin typeface="+mn-lt"/>
+                            <a:latin typeface="Cambria Math" panose="02040503050406030204" pitchFamily="18" charset="0"/>
                           </a:rPr>
                           <m:t>𝑧</m:t>
                         </m:r>
@@ -18013,7 +18015,7 @@
                             <a:solidFill>
                               <a:schemeClr val="tx1"/>
                             </a:solidFill>
-                            <a:latin typeface="+mn-lt"/>
+                            <a:latin typeface="Cambria Math" panose="02040503050406030204" pitchFamily="18" charset="0"/>
                           </a:rPr>
                           <m:t>=</m:t>
                         </m:r>
@@ -18024,7 +18026,7 @@
                                 <a:solidFill>
                                   <a:schemeClr val="tx1"/>
                                 </a:solidFill>
-                                <a:latin typeface="+mn-lt"/>
+                                <a:latin typeface="Cambria Math" panose="02040503050406030204" pitchFamily="18" charset="0"/>
                               </a:rPr>
                             </m:ctrlPr>
                           </m:sSupPr>
@@ -18034,7 +18036,7 @@
                                 <a:solidFill>
                                   <a:schemeClr val="tx1"/>
                                 </a:solidFill>
-                                <a:latin typeface="+mn-lt"/>
+                                <a:latin typeface="Cambria Math" panose="02040503050406030204" pitchFamily="18" charset="0"/>
                               </a:rPr>
                               <m:t>𝑧</m:t>
                             </m:r>
@@ -18045,7 +18047,7 @@
                                 <a:solidFill>
                                   <a:schemeClr val="tx1"/>
                                 </a:solidFill>
-                                <a:latin typeface="+mn-lt"/>
+                                <a:latin typeface="Cambria Math" panose="02040503050406030204" pitchFamily="18" charset="0"/>
                               </a:rPr>
                               <m:t>∗</m:t>
                             </m:r>
@@ -18071,7 +18073,7 @@
                         <a:solidFill>
                           <a:schemeClr val="tx1"/>
                         </a:solidFill>
-                        <a:latin typeface="+mn-lt"/>
+                        <a:latin typeface="Cambria Math" panose="02040503050406030204" pitchFamily="18" charset="0"/>
                       </a:rPr>
                       <m:t>𝐹</m:t>
                     </m:r>
@@ -18082,7 +18084,7 @@
                             <a:solidFill>
                               <a:schemeClr val="tx1"/>
                             </a:solidFill>
-                            <a:latin typeface="+mn-lt"/>
+                            <a:latin typeface="Cambria Math" panose="02040503050406030204" pitchFamily="18" charset="0"/>
                           </a:rPr>
                         </m:ctrlPr>
                       </m:dPr>
@@ -18094,7 +18096,7 @@
                                 <a:solidFill>
                                   <a:schemeClr val="tx1"/>
                                 </a:solidFill>
-                                <a:latin typeface="+mn-lt"/>
+                                <a:latin typeface="Cambria Math" panose="02040503050406030204" pitchFamily="18" charset="0"/>
                               </a:rPr>
                             </m:ctrlPr>
                           </m:sSupPr>
@@ -18104,7 +18106,7 @@
                                 <a:solidFill>
                                   <a:schemeClr val="tx1"/>
                                 </a:solidFill>
-                                <a:latin typeface="+mn-lt"/>
+                                <a:latin typeface="Cambria Math" panose="02040503050406030204" pitchFamily="18" charset="0"/>
                               </a:rPr>
                               <m:t>𝑥</m:t>
                             </m:r>
@@ -18115,7 +18117,7 @@
                                 <a:solidFill>
                                   <a:schemeClr val="tx1"/>
                                 </a:solidFill>
-                                <a:latin typeface="+mn-lt"/>
+                                <a:latin typeface="Cambria Math" panose="02040503050406030204" pitchFamily="18" charset="0"/>
                               </a:rPr>
                               <m:t>′</m:t>
                             </m:r>
@@ -18126,7 +18128,7 @@
                             <a:solidFill>
                               <a:schemeClr val="tx1"/>
                             </a:solidFill>
-                            <a:latin typeface="+mn-lt"/>
+                            <a:latin typeface="Cambria Math" panose="02040503050406030204" pitchFamily="18" charset="0"/>
                           </a:rPr>
                           <m:t>,</m:t>
                         </m:r>
@@ -18137,7 +18139,7 @@
                                 <a:solidFill>
                                   <a:schemeClr val="tx1"/>
                                 </a:solidFill>
-                                <a:latin typeface="+mn-lt"/>
+                                <a:latin typeface="Cambria Math" panose="02040503050406030204" pitchFamily="18" charset="0"/>
                               </a:rPr>
                             </m:ctrlPr>
                           </m:sSupPr>
@@ -18147,7 +18149,7 @@
                                 <a:solidFill>
                                   <a:schemeClr val="tx1"/>
                                 </a:solidFill>
-                                <a:latin typeface="+mn-lt"/>
+                                <a:latin typeface="Cambria Math" panose="02040503050406030204" pitchFamily="18" charset="0"/>
                               </a:rPr>
                               <m:t>𝑦</m:t>
                             </m:r>
@@ -18158,7 +18160,7 @@
                                 <a:solidFill>
                                   <a:schemeClr val="tx1"/>
                                 </a:solidFill>
-                                <a:latin typeface="+mn-lt"/>
+                                <a:latin typeface="Cambria Math" panose="02040503050406030204" pitchFamily="18" charset="0"/>
                               </a:rPr>
                               <m:t>′</m:t>
                             </m:r>
@@ -18169,7 +18171,7 @@
                             <a:solidFill>
                               <a:schemeClr val="tx1"/>
                             </a:solidFill>
-                            <a:latin typeface="+mn-lt"/>
+                            <a:latin typeface="Cambria Math" panose="02040503050406030204" pitchFamily="18" charset="0"/>
                           </a:rPr>
                           <m:t>, </m:t>
                         </m:r>
@@ -18178,7 +18180,7 @@
                             <a:solidFill>
                               <a:schemeClr val="tx1"/>
                             </a:solidFill>
-                            <a:latin typeface="+mn-lt"/>
+                            <a:latin typeface="Cambria Math" panose="02040503050406030204" pitchFamily="18" charset="0"/>
                           </a:rPr>
                           <m:t>𝑧</m:t>
                         </m:r>
@@ -18187,7 +18189,7 @@
                             <a:solidFill>
                               <a:schemeClr val="tx1"/>
                             </a:solidFill>
-                            <a:latin typeface="+mn-lt"/>
+                            <a:latin typeface="Cambria Math" panose="02040503050406030204" pitchFamily="18" charset="0"/>
                           </a:rPr>
                           <m:t>=0</m:t>
                         </m:r>
@@ -18198,7 +18200,7 @@
                         <a:solidFill>
                           <a:schemeClr val="tx1"/>
                         </a:solidFill>
-                        <a:latin typeface="+mn-lt"/>
+                        <a:latin typeface="Cambria Math" panose="02040503050406030204" pitchFamily="18" charset="0"/>
                       </a:rPr>
                       <m:t> </m:t>
                     </m:r>
@@ -18226,7 +18228,7 @@
                   <m:oMath xmlns:m="http://schemas.openxmlformats.org/officeDocument/2006/math">
                     <m:r>
                       <a:rPr lang="en-US" sz="2000" i="1">
-                        <a:latin typeface="+mn-lt"/>
+                        <a:latin typeface="Cambria Math" panose="02040503050406030204" pitchFamily="18" charset="0"/>
                       </a:rPr>
                       <m:t>𝐹</m:t>
                     </m:r>
@@ -18234,44 +18236,44 @@
                       <m:dPr>
                         <m:ctrlPr>
                           <a:rPr lang="en-US" sz="2000" i="1">
-                            <a:latin typeface="+mn-lt"/>
+                            <a:latin typeface="Cambria Math" panose="02040503050406030204" pitchFamily="18" charset="0"/>
                           </a:rPr>
                         </m:ctrlPr>
                       </m:dPr>
                       <m:e>
                         <m:r>
                           <a:rPr lang="en-US" sz="2000" i="1">
-                            <a:latin typeface="+mn-lt"/>
+                            <a:latin typeface="Cambria Math" panose="02040503050406030204" pitchFamily="18" charset="0"/>
                           </a:rPr>
                           <m:t>𝑥</m:t>
                         </m:r>
                         <m:r>
                           <a:rPr lang="en-US" sz="2000" i="1">
-                            <a:latin typeface="+mn-lt"/>
+                            <a:latin typeface="Cambria Math" panose="02040503050406030204" pitchFamily="18" charset="0"/>
                           </a:rPr>
                           <m:t>,</m:t>
                         </m:r>
                         <m:r>
                           <a:rPr lang="en-US" sz="2000" i="1">
-                            <a:latin typeface="+mn-lt"/>
+                            <a:latin typeface="Cambria Math" panose="02040503050406030204" pitchFamily="18" charset="0"/>
                           </a:rPr>
                           <m:t>𝑦</m:t>
                         </m:r>
                         <m:r>
                           <a:rPr lang="en-US" sz="2000" i="1">
-                            <a:latin typeface="+mn-lt"/>
+                            <a:latin typeface="Cambria Math" panose="02040503050406030204" pitchFamily="18" charset="0"/>
                           </a:rPr>
                           <m:t>,</m:t>
                         </m:r>
                         <m:r>
                           <a:rPr lang="en-US" sz="2000" i="1">
-                            <a:latin typeface="+mn-lt"/>
+                            <a:latin typeface="Cambria Math" panose="02040503050406030204" pitchFamily="18" charset="0"/>
                           </a:rPr>
                           <m:t>𝑧</m:t>
                         </m:r>
                         <m:r>
                           <a:rPr lang="en-US" sz="2000" i="1">
-                            <a:latin typeface="+mn-lt"/>
+                            <a:latin typeface="Cambria Math" panose="02040503050406030204" pitchFamily="18" charset="0"/>
                           </a:rPr>
                           <m:t>=</m:t>
                         </m:r>
@@ -18282,7 +18284,7 @@
                                 <a:solidFill>
                                   <a:srgbClr val="000000"/>
                                 </a:solidFill>
-                                <a:latin typeface="+mn-lt"/>
+                                <a:latin typeface="Cambria Math" panose="02040503050406030204" pitchFamily="18" charset="0"/>
                               </a:rPr>
                             </m:ctrlPr>
                           </m:sSupPr>
@@ -18292,7 +18294,7 @@
                                 <a:solidFill>
                                   <a:srgbClr val="000000"/>
                                 </a:solidFill>
-                                <a:latin typeface="+mn-lt"/>
+                                <a:latin typeface="Cambria Math" panose="02040503050406030204" pitchFamily="18" charset="0"/>
                               </a:rPr>
                               <m:t>𝑧</m:t>
                             </m:r>
@@ -18303,7 +18305,7 @@
                                 <a:solidFill>
                                   <a:srgbClr val="000000"/>
                                 </a:solidFill>
-                                <a:latin typeface="+mn-lt"/>
+                                <a:latin typeface="Cambria Math" panose="02040503050406030204" pitchFamily="18" charset="0"/>
                               </a:rPr>
                               <m:t>∗</m:t>
                             </m:r>
@@ -18369,7 +18371,7 @@
             </p:txBody>
           </p:sp>
         </mc:Choice>
-        <mc:Fallback>
+        <mc:Fallback xmlns="">
           <p:sp>
             <p:nvSpPr>
               <p:cNvPr id="8" name="Rectangle 7">
@@ -18414,8 +18416,8 @@
           </p:sp>
         </mc:Fallback>
       </mc:AlternateContent>
-      <mc:AlternateContent xmlns:mc="http://schemas.openxmlformats.org/markup-compatibility/2006">
-        <mc:Choice xmlns:a14="http://schemas.microsoft.com/office/drawing/2010/main" Requires="a14">
+      <mc:AlternateContent xmlns:mc="http://schemas.openxmlformats.org/markup-compatibility/2006" xmlns:a14="http://schemas.microsoft.com/office/drawing/2010/main">
+        <mc:Choice Requires="a14">
           <p:sp>
             <p:nvSpPr>
               <p:cNvPr id="9" name="Rectangle 8">
@@ -18443,6 +18445,7 @@
               </a:bodyPr>
               <a:lstStyle/>
               <a:p>
+                <a:pPr/>
                 <a14:m>
                   <m:oMathPara xmlns:m="http://schemas.openxmlformats.org/officeDocument/2006/math">
                     <m:oMathParaPr>
@@ -18868,7 +18871,7 @@
             </p:txBody>
           </p:sp>
         </mc:Choice>
-        <mc:Fallback>
+        <mc:Fallback xmlns="">
           <p:sp>
             <p:nvSpPr>
               <p:cNvPr id="9" name="Rectangle 8">
@@ -19490,8 +19493,8 @@
         </p:nvSpPr>
         <p:spPr>
           <a:xfrm>
-            <a:off x="332114" y="1253750"/>
-            <a:ext cx="11694786" cy="400110"/>
+            <a:off x="332114" y="1101006"/>
+            <a:ext cx="11694786" cy="1015663"/>
           </a:xfrm>
           <a:prstGeom prst="rect">
             <a:avLst/>
@@ -19510,7 +19513,7 @@
                   <a:srgbClr val="005C98"/>
                 </a:solidFill>
               </a:rPr>
-              <a:t>For a "thin" optical element we can write the kernel function by using a complex transmission function:</a:t>
+              <a:t>SRW uses a matrix expression of the propagator acting on all the transverse components of the Electric Field. For a "thin" optical element we can write the kernel function by using a complex transmission matrix function:</a:t>
             </a:r>
           </a:p>
         </p:txBody>
@@ -19704,8 +19707,8 @@
             </p:nvSpPr>
             <p:spPr>
               <a:xfrm>
-                <a:off x="150314" y="1898937"/>
-                <a:ext cx="9180205" cy="523220"/>
+                <a:off x="332114" y="2103682"/>
+                <a:ext cx="9491060" cy="588751"/>
               </a:xfrm>
               <a:prstGeom prst="rect">
                 <a:avLst/>
@@ -19718,6 +19721,7 @@
               </a:bodyPr>
               <a:lstStyle/>
               <a:p>
+                <a:pPr/>
                 <a14:m>
                   <m:oMathPara xmlns:m="http://schemas.openxmlformats.org/officeDocument/2006/math">
                     <m:oMathParaPr>
@@ -19725,11 +19729,11 @@
                     </m:oMathParaPr>
                     <m:oMath xmlns:m="http://schemas.openxmlformats.org/officeDocument/2006/math">
                       <m:r>
-                        <a:rPr lang="en-US" sz="2800" i="1" dirty="0" smtClean="0">
+                        <a:rPr lang="en-US" sz="2800" b="1" i="1" dirty="0" smtClean="0">
                           <a:latin typeface="Cambria Math" panose="02040503050406030204" pitchFamily="18" charset="0"/>
                           <a:ea typeface="Cambria Math" panose="02040503050406030204" pitchFamily="18" charset="0"/>
                         </a:rPr>
-                        <m:t>𝐾</m:t>
+                        <m:t>𝑲</m:t>
                       </m:r>
                       <m:d>
                         <m:dPr>
@@ -19741,126 +19745,143 @@
                           </m:ctrlPr>
                         </m:dPr>
                         <m:e>
+                          <m:sSub>
+                            <m:sSubPr>
+                              <m:ctrlPr>
+                                <a:rPr lang="en-US" sz="2800" i="1" dirty="0" smtClean="0">
+                                  <a:latin typeface="Cambria Math" panose="02040503050406030204" pitchFamily="18" charset="0"/>
+                                  <a:ea typeface="Cambria Math" panose="02040503050406030204" pitchFamily="18" charset="0"/>
+                                </a:rPr>
+                              </m:ctrlPr>
+                            </m:sSubPr>
+                            <m:e>
+                              <m:r>
+                                <a:rPr lang="en-US" sz="2800" b="0" i="1" dirty="0" smtClean="0">
+                                  <a:latin typeface="Cambria Math" panose="02040503050406030204" pitchFamily="18" charset="0"/>
+                                  <a:ea typeface="Cambria Math" panose="02040503050406030204" pitchFamily="18" charset="0"/>
+                                </a:rPr>
+                                <m:t>𝑥</m:t>
+                              </m:r>
+                            </m:e>
+                            <m:sub>
+                              <m:r>
+                                <a:rPr lang="en-US" sz="2800" b="0" i="1" dirty="0" smtClean="0">
+                                  <a:latin typeface="Cambria Math" panose="02040503050406030204" pitchFamily="18" charset="0"/>
+                                  <a:ea typeface="Cambria Math" panose="02040503050406030204" pitchFamily="18" charset="0"/>
+                                </a:rPr>
+                                <m:t>𝑗</m:t>
+                              </m:r>
+                            </m:sub>
+                          </m:sSub>
                           <m:r>
-                            <a:rPr lang="en-US" sz="2800" i="1" dirty="0" smtClean="0">
-                              <a:latin typeface="Cambria Math" panose="02040503050406030204" pitchFamily="18" charset="0"/>
-                            </a:rPr>
-                            <m:t>𝑥</m:t>
+                            <a:rPr lang="en-US" sz="2800" i="1">
+                              <a:latin typeface="Cambria Math" panose="02040503050406030204" pitchFamily="18" charset="0"/>
+                            </a:rPr>
+                            <m:t>,</m:t>
                           </m:r>
-                          <m:r>
-                            <a:rPr lang="en-US" sz="2800" i="1" dirty="0">
-                              <a:latin typeface="Cambria Math" panose="02040503050406030204" pitchFamily="18" charset="0"/>
-                            </a:rPr>
-                            <m:t>−</m:t>
-                          </m:r>
-                          <m:sSup>
-                            <m:sSupPr>
+                          <m:sSub>
+                            <m:sSubPr>
                               <m:ctrlPr>
                                 <a:rPr lang="en-US" sz="2800" i="1" smtClean="0">
                                   <a:latin typeface="Cambria Math" panose="02040503050406030204" pitchFamily="18" charset="0"/>
                                 </a:rPr>
                               </m:ctrlPr>
-                            </m:sSupPr>
+                            </m:sSubPr>
+                            <m:e>
+                              <m:r>
+                                <a:rPr lang="en-US" sz="2800" b="0" i="1" smtClean="0">
+                                  <a:latin typeface="Cambria Math" panose="02040503050406030204" pitchFamily="18" charset="0"/>
+                                </a:rPr>
+                                <m:t>𝑦</m:t>
+                              </m:r>
+                            </m:e>
+                            <m:sub>
+                              <m:r>
+                                <a:rPr lang="en-US" sz="2800" b="0" i="1" smtClean="0">
+                                  <a:latin typeface="Cambria Math" panose="02040503050406030204" pitchFamily="18" charset="0"/>
+                                </a:rPr>
+                                <m:t>𝑗</m:t>
+                              </m:r>
+                            </m:sub>
+                          </m:sSub>
+                          <m:r>
+                            <a:rPr lang="en-US" sz="2800" i="1">
+                              <a:latin typeface="Cambria Math" panose="02040503050406030204" pitchFamily="18" charset="0"/>
+                            </a:rPr>
+                            <m:t>,</m:t>
+                          </m:r>
+                          <m:sSub>
+                            <m:sSubPr>
+                              <m:ctrlPr>
+                                <a:rPr lang="en-US" sz="2800" i="1" dirty="0">
+                                  <a:latin typeface="Cambria Math" panose="02040503050406030204" pitchFamily="18" charset="0"/>
+                                  <a:ea typeface="Cambria Math" panose="02040503050406030204" pitchFamily="18" charset="0"/>
+                                </a:rPr>
+                              </m:ctrlPr>
+                            </m:sSubPr>
+                            <m:e>
+                              <m:r>
+                                <a:rPr lang="en-US" sz="2800" i="1" dirty="0">
+                                  <a:latin typeface="Cambria Math" panose="02040503050406030204" pitchFamily="18" charset="0"/>
+                                  <a:ea typeface="Cambria Math" panose="02040503050406030204" pitchFamily="18" charset="0"/>
+                                </a:rPr>
+                                <m:t>𝑥</m:t>
+                              </m:r>
+                            </m:e>
+                            <m:sub>
+                              <m:r>
+                                <a:rPr lang="en-US" sz="2800" i="1" dirty="0">
+                                  <a:latin typeface="Cambria Math" panose="02040503050406030204" pitchFamily="18" charset="0"/>
+                                  <a:ea typeface="Cambria Math" panose="02040503050406030204" pitchFamily="18" charset="0"/>
+                                </a:rPr>
+                                <m:t>𝑗</m:t>
+                              </m:r>
+                              <m:r>
+                                <a:rPr lang="en-US" sz="2800" b="0" i="1" dirty="0" smtClean="0">
+                                  <a:latin typeface="Cambria Math" panose="02040503050406030204" pitchFamily="18" charset="0"/>
+                                  <a:ea typeface="Cambria Math" panose="02040503050406030204" pitchFamily="18" charset="0"/>
+                                </a:rPr>
+                                <m:t>−1</m:t>
+                              </m:r>
+                            </m:sub>
+                          </m:sSub>
+                          <m:r>
+                            <a:rPr lang="en-US" sz="2800" i="1">
+                              <a:latin typeface="Cambria Math" panose="02040503050406030204" pitchFamily="18" charset="0"/>
+                            </a:rPr>
+                            <m:t>,</m:t>
+                          </m:r>
+                          <m:sSub>
+                            <m:sSubPr>
+                              <m:ctrlPr>
+                                <a:rPr lang="en-US" sz="2800" i="1">
+                                  <a:latin typeface="Cambria Math" panose="02040503050406030204" pitchFamily="18" charset="0"/>
+                                </a:rPr>
+                              </m:ctrlPr>
+                            </m:sSubPr>
                             <m:e>
                               <m:r>
                                 <a:rPr lang="en-US" sz="2800" i="1">
                                   <a:latin typeface="Cambria Math" panose="02040503050406030204" pitchFamily="18" charset="0"/>
                                 </a:rPr>
-                                <m:t>𝑥</m:t>
-                              </m:r>
-                            </m:e>
-                            <m:sup>
-                              <m:r>
-                                <a:rPr lang="en-US" sz="2800" i="1">
-                                  <a:latin typeface="Cambria Math" panose="02040503050406030204" pitchFamily="18" charset="0"/>
-                                </a:rPr>
-                                <m:t>′</m:t>
-                              </m:r>
-                            </m:sup>
-                          </m:sSup>
-                          <m:r>
-                            <a:rPr lang="en-US" sz="2800" i="1">
-                              <a:latin typeface="Cambria Math" panose="02040503050406030204" pitchFamily="18" charset="0"/>
-                            </a:rPr>
-                            <m:t>,</m:t>
-                          </m:r>
-                          <m:r>
-                            <a:rPr lang="en-US" sz="2800" i="1" dirty="0">
-                              <a:latin typeface="Cambria Math" panose="02040503050406030204" pitchFamily="18" charset="0"/>
-                            </a:rPr>
-                            <m:t>𝑦</m:t>
-                          </m:r>
-                          <m:r>
-                            <a:rPr lang="en-US" sz="2800" i="1" dirty="0">
-                              <a:latin typeface="Cambria Math" panose="02040503050406030204" pitchFamily="18" charset="0"/>
-                            </a:rPr>
-                            <m:t>−</m:t>
-                          </m:r>
-                          <m:sSup>
-                            <m:sSupPr>
-                              <m:ctrlPr>
-                                <a:rPr lang="en-US" sz="2800" i="1">
-                                  <a:latin typeface="Cambria Math" panose="02040503050406030204" pitchFamily="18" charset="0"/>
-                                </a:rPr>
-                              </m:ctrlPr>
-                            </m:sSupPr>
-                            <m:e>
-                              <m:r>
-                                <a:rPr lang="en-US" sz="2800" i="1">
-                                  <a:latin typeface="Cambria Math" panose="02040503050406030204" pitchFamily="18" charset="0"/>
-                                </a:rPr>
                                 <m:t>𝑦</m:t>
                               </m:r>
                             </m:e>
-                            <m:sup>
+                            <m:sub>
                               <m:r>
                                 <a:rPr lang="en-US" sz="2800" i="1">
                                   <a:latin typeface="Cambria Math" panose="02040503050406030204" pitchFamily="18" charset="0"/>
                                 </a:rPr>
-                                <m:t>′</m:t>
+                                <m:t>𝑗</m:t>
                               </m:r>
-                            </m:sup>
-                          </m:sSup>
-                          <m:r>
-                            <a:rPr lang="en-US" sz="2800" i="1">
-                              <a:latin typeface="Cambria Math" panose="02040503050406030204" pitchFamily="18" charset="0"/>
-                            </a:rPr>
-                            <m:t>,</m:t>
-                          </m:r>
-                          <m:sSup>
-                            <m:sSupPr>
-                              <m:ctrlPr>
-                                <a:rPr lang="en-US" sz="2800" i="1" dirty="0" smtClean="0">
-                                  <a:solidFill>
-                                    <a:srgbClr val="000000"/>
-                                  </a:solidFill>
-                                  <a:latin typeface="Cambria Math" panose="02040503050406030204" pitchFamily="18" charset="0"/>
-                                </a:rPr>
-                              </m:ctrlPr>
-                            </m:sSupPr>
-                            <m:e>
                               <m:r>
-                                <a:rPr lang="en-US" sz="2800" i="1" dirty="0">
-                                  <a:solidFill>
-                                    <a:srgbClr val="000000"/>
-                                  </a:solidFill>
-                                  <a:latin typeface="Cambria Math" panose="02040503050406030204" pitchFamily="18" charset="0"/>
-                                </a:rPr>
-                                <m:t>𝑧</m:t>
+                                <a:rPr lang="en-US" sz="2800" b="0" i="1" smtClean="0">
+                                  <a:latin typeface="Cambria Math" panose="02040503050406030204" pitchFamily="18" charset="0"/>
+                                </a:rPr>
+                                <m:t>−1</m:t>
                               </m:r>
-                            </m:e>
-                            <m:sup>
-                              <m:r>
-                                <a:rPr lang="en-US" sz="2800" i="1" dirty="0">
-                                  <a:solidFill>
-                                    <a:srgbClr val="000000"/>
-                                  </a:solidFill>
-                                  <a:latin typeface="Cambria Math" panose="02040503050406030204" pitchFamily="18" charset="0"/>
-                                </a:rPr>
-                                <m:t>∗</m:t>
-                              </m:r>
-                            </m:sup>
-                          </m:sSup>
+                            </m:sub>
+                          </m:sSub>
                           <m:r>
                             <a:rPr lang="en-US" sz="2800" i="1" dirty="0">
                               <a:solidFill>
@@ -19892,11 +19913,11 @@
                         <m:t>≈</m:t>
                       </m:r>
                       <m:r>
-                        <a:rPr lang="en-US" sz="2800" i="1" dirty="0">
+                        <a:rPr lang="en-US" sz="2800" b="1" i="1" dirty="0">
                           <a:latin typeface="Cambria Math" panose="02040503050406030204" pitchFamily="18" charset="0"/>
                           <a:ea typeface="Cambria Math" panose="02040503050406030204" pitchFamily="18" charset="0"/>
                         </a:rPr>
-                        <m:t>𝑇</m:t>
+                        <m:t>𝑻</m:t>
                       </m:r>
                       <m:d>
                         <m:dPr>
@@ -19908,73 +19929,79 @@
                           </m:ctrlPr>
                         </m:dPr>
                         <m:e>
+                          <m:sSub>
+                            <m:sSubPr>
+                              <m:ctrlPr>
+                                <a:rPr lang="en-US" sz="2800" i="1" dirty="0">
+                                  <a:latin typeface="Cambria Math" panose="02040503050406030204" pitchFamily="18" charset="0"/>
+                                  <a:ea typeface="Cambria Math" panose="02040503050406030204" pitchFamily="18" charset="0"/>
+                                </a:rPr>
+                              </m:ctrlPr>
+                            </m:sSubPr>
+                            <m:e>
+                              <m:r>
+                                <a:rPr lang="en-US" sz="2800" i="1" dirty="0">
+                                  <a:latin typeface="Cambria Math" panose="02040503050406030204" pitchFamily="18" charset="0"/>
+                                  <a:ea typeface="Cambria Math" panose="02040503050406030204" pitchFamily="18" charset="0"/>
+                                </a:rPr>
+                                <m:t>𝑥</m:t>
+                              </m:r>
+                            </m:e>
+                            <m:sub>
+                              <m:r>
+                                <a:rPr lang="en-US" sz="2800" i="1" dirty="0">
+                                  <a:latin typeface="Cambria Math" panose="02040503050406030204" pitchFamily="18" charset="0"/>
+                                  <a:ea typeface="Cambria Math" panose="02040503050406030204" pitchFamily="18" charset="0"/>
+                                </a:rPr>
+                                <m:t>𝑗</m:t>
+                              </m:r>
+                            </m:sub>
+                          </m:sSub>
                           <m:r>
-                            <a:rPr lang="en-US" sz="2800" b="0" i="1" smtClean="0">
-                              <a:latin typeface="Cambria Math" panose="02040503050406030204" pitchFamily="18" charset="0"/>
-                            </a:rPr>
-                            <m:t>𝑥</m:t>
+                            <a:rPr lang="en-US" sz="2800" i="1">
+                              <a:latin typeface="Cambria Math" panose="02040503050406030204" pitchFamily="18" charset="0"/>
+                            </a:rPr>
+                            <m:t>,</m:t>
                           </m:r>
+                          <m:sSub>
+                            <m:sSubPr>
+                              <m:ctrlPr>
+                                <a:rPr lang="en-US" sz="2800" i="1">
+                                  <a:latin typeface="Cambria Math" panose="02040503050406030204" pitchFamily="18" charset="0"/>
+                                </a:rPr>
+                              </m:ctrlPr>
+                            </m:sSubPr>
+                            <m:e>
+                              <m:r>
+                                <a:rPr lang="en-US" sz="2800" i="1">
+                                  <a:latin typeface="Cambria Math" panose="02040503050406030204" pitchFamily="18" charset="0"/>
+                                </a:rPr>
+                                <m:t>𝑦</m:t>
+                              </m:r>
+                            </m:e>
+                            <m:sub>
+                              <m:r>
+                                <a:rPr lang="en-US" sz="2800" i="1">
+                                  <a:latin typeface="Cambria Math" panose="02040503050406030204" pitchFamily="18" charset="0"/>
+                                </a:rPr>
+                                <m:t>𝑗</m:t>
+                              </m:r>
+                            </m:sub>
+                          </m:sSub>
                           <m:r>
-                            <a:rPr lang="en-US" sz="2800" i="1" dirty="0">
-                              <a:latin typeface="Cambria Math" panose="02040503050406030204" pitchFamily="18" charset="0"/>
-                              <a:ea typeface="Cambria Math" panose="02040503050406030204" pitchFamily="18" charset="0"/>
+                            <a:rPr lang="en-US" sz="2800" i="1">
+                              <a:latin typeface="Cambria Math" panose="02040503050406030204" pitchFamily="18" charset="0"/>
                             </a:rPr>
                             <m:t>,</m:t>
                           </m:r>
                           <m:r>
-                            <a:rPr lang="en-US" sz="2800" b="0" i="1" smtClean="0">
-                              <a:latin typeface="Cambria Math" panose="02040503050406030204" pitchFamily="18" charset="0"/>
-                            </a:rPr>
-                            <m:t>𝑦</m:t>
-                          </m:r>
-                          <m:r>
-                            <a:rPr lang="en-US" sz="2800" i="1">
-                              <a:latin typeface="Cambria Math" panose="02040503050406030204" pitchFamily="18" charset="0"/>
-                            </a:rPr>
-                            <m:t>,</m:t>
-                          </m:r>
-                          <m:sSup>
-                            <m:sSupPr>
-                              <m:ctrlPr>
-                                <a:rPr lang="en-US" sz="2800" i="1" dirty="0">
-                                  <a:solidFill>
-                                    <a:srgbClr val="000000"/>
-                                  </a:solidFill>
-                                  <a:latin typeface="Cambria Math" panose="02040503050406030204" pitchFamily="18" charset="0"/>
-                                </a:rPr>
-                              </m:ctrlPr>
-                            </m:sSupPr>
-                            <m:e>
-                              <m:r>
-                                <a:rPr lang="en-US" sz="2800" i="1" dirty="0">
-                                  <a:solidFill>
-                                    <a:srgbClr val="000000"/>
-                                  </a:solidFill>
-                                  <a:latin typeface="Cambria Math" panose="02040503050406030204" pitchFamily="18" charset="0"/>
-                                </a:rPr>
-                                <m:t>𝑧</m:t>
-                              </m:r>
-                            </m:e>
-                            <m:sup>
-                              <m:r>
-                                <a:rPr lang="en-US" sz="2800" i="1" dirty="0">
-                                  <a:solidFill>
-                                    <a:srgbClr val="000000"/>
-                                  </a:solidFill>
-                                  <a:latin typeface="Cambria Math" panose="02040503050406030204" pitchFamily="18" charset="0"/>
-                                </a:rPr>
-                                <m:t>∗</m:t>
-                              </m:r>
-                            </m:sup>
-                          </m:sSup>
-                          <m:r>
-                            <a:rPr lang="en-US" sz="2800" b="0" i="1" dirty="0" smtClean="0">
+                            <a:rPr lang="en-US" sz="2800" i="1" dirty="0" smtClean="0">
                               <a:solidFill>
                                 <a:srgbClr val="000000"/>
                               </a:solidFill>
                               <a:latin typeface="Cambria Math" panose="02040503050406030204" pitchFamily="18" charset="0"/>
                             </a:rPr>
-                            <m:t>,</m:t>
+                            <m:t> </m:t>
                           </m:r>
                           <m:r>
                             <a:rPr lang="en-US" sz="2800" i="1" dirty="0">
@@ -20002,43 +20029,75 @@
                           </m:ctrlPr>
                         </m:dPr>
                         <m:e>
-                          <m:r>
-                            <a:rPr lang="en-US" sz="2800" i="1" dirty="0">
-                              <a:latin typeface="Cambria Math" panose="02040503050406030204" pitchFamily="18" charset="0"/>
-                            </a:rPr>
-                            <m:t>𝑥</m:t>
-                          </m:r>
-                          <m:r>
-                            <a:rPr lang="en-US" sz="2800" i="1" dirty="0">
-                              <a:latin typeface="Cambria Math" panose="02040503050406030204" pitchFamily="18" charset="0"/>
-                            </a:rPr>
-                            <m:t>−</m:t>
-                          </m:r>
-                          <m:sSup>
-                            <m:sSupPr>
+                          <m:sSub>
+                            <m:sSubPr>
                               <m:ctrlPr>
-                                <a:rPr lang="en-US" sz="2800" i="1">
-                                  <a:latin typeface="Cambria Math" panose="02040503050406030204" pitchFamily="18" charset="0"/>
+                                <a:rPr lang="en-US" sz="2800" i="1" dirty="0">
+                                  <a:latin typeface="Cambria Math" panose="02040503050406030204" pitchFamily="18" charset="0"/>
+                                  <a:ea typeface="Cambria Math" panose="02040503050406030204" pitchFamily="18" charset="0"/>
                                 </a:rPr>
                               </m:ctrlPr>
-                            </m:sSupPr>
+                            </m:sSubPr>
                             <m:e>
                               <m:r>
-                                <a:rPr lang="en-US" sz="2800" i="1">
-                                  <a:latin typeface="Cambria Math" panose="02040503050406030204" pitchFamily="18" charset="0"/>
+                                <a:rPr lang="en-US" sz="2800" i="1" dirty="0">
+                                  <a:latin typeface="Cambria Math" panose="02040503050406030204" pitchFamily="18" charset="0"/>
+                                  <a:ea typeface="Cambria Math" panose="02040503050406030204" pitchFamily="18" charset="0"/>
                                 </a:rPr>
                                 <m:t>𝑥</m:t>
                               </m:r>
                             </m:e>
-                            <m:sup>
+                            <m:sub>
                               <m:r>
-                                <a:rPr lang="en-US" sz="2800" i="1">
-                                  <a:latin typeface="Cambria Math" panose="02040503050406030204" pitchFamily="18" charset="0"/>
-                                </a:rPr>
-                                <m:t>′</m:t>
+                                <a:rPr lang="en-US" sz="2800" i="1" dirty="0">
+                                  <a:latin typeface="Cambria Math" panose="02040503050406030204" pitchFamily="18" charset="0"/>
+                                  <a:ea typeface="Cambria Math" panose="02040503050406030204" pitchFamily="18" charset="0"/>
+                                </a:rPr>
+                                <m:t>𝑗</m:t>
                               </m:r>
-                            </m:sup>
-                          </m:sSup>
+                              <m:r>
+                                <a:rPr lang="en-US" sz="2800" i="1" dirty="0">
+                                  <a:latin typeface="Cambria Math" panose="02040503050406030204" pitchFamily="18" charset="0"/>
+                                  <a:ea typeface="Cambria Math" panose="02040503050406030204" pitchFamily="18" charset="0"/>
+                                </a:rPr>
+                                <m:t>−1</m:t>
+                              </m:r>
+                            </m:sub>
+                          </m:sSub>
+                          <m:r>
+                            <a:rPr lang="en-US" sz="2800" i="1" dirty="0">
+                              <a:latin typeface="Cambria Math" panose="02040503050406030204" pitchFamily="18" charset="0"/>
+                            </a:rPr>
+                            <m:t>−</m:t>
+                          </m:r>
+                          <m:sSub>
+                            <m:sSubPr>
+                              <m:ctrlPr>
+                                <a:rPr lang="en-US" sz="2800" i="1" dirty="0">
+                                  <a:latin typeface="Cambria Math" panose="02040503050406030204" pitchFamily="18" charset="0"/>
+                                  <a:ea typeface="Cambria Math" panose="02040503050406030204" pitchFamily="18" charset="0"/>
+                                </a:rPr>
+                              </m:ctrlPr>
+                            </m:sSubPr>
+                            <m:e>
+                              <m:r>
+                                <a:rPr lang="en-US" sz="2800" i="1" dirty="0">
+                                  <a:latin typeface="Cambria Math" panose="02040503050406030204" pitchFamily="18" charset="0"/>
+                                  <a:ea typeface="Cambria Math" panose="02040503050406030204" pitchFamily="18" charset="0"/>
+                                </a:rPr>
+                                <m:t>𝑥</m:t>
+                              </m:r>
+                            </m:e>
+                            <m:sub>
+                              <m:r>
+                                <a:rPr lang="en-US" sz="2800" i="1" dirty="0">
+                                  <a:latin typeface="Cambria Math" panose="02040503050406030204" pitchFamily="18" charset="0"/>
+                                  <a:ea typeface="Cambria Math" panose="02040503050406030204" pitchFamily="18" charset="0"/>
+                                </a:rPr>
+                                <m:t>𝑗</m:t>
+                              </m:r>
+                            </m:sub>
+                          </m:sSub>
                         </m:e>
                       </m:d>
                       <m:r>
@@ -20058,50 +20117,74 @@
                           </m:ctrlPr>
                         </m:dPr>
                         <m:e>
-                          <m:r>
-                            <a:rPr lang="en-US" sz="2800" b="0" i="1" dirty="0" smtClean="0">
-                              <a:latin typeface="Cambria Math" panose="02040503050406030204" pitchFamily="18" charset="0"/>
-                              <a:ea typeface="Cambria Math" panose="02040503050406030204" pitchFamily="18" charset="0"/>
-                            </a:rPr>
-                            <m:t>𝑦</m:t>
-                          </m:r>
-                          <m:r>
-                            <a:rPr lang="en-US" sz="2800" i="1" dirty="0">
-                              <a:latin typeface="Cambria Math" panose="02040503050406030204" pitchFamily="18" charset="0"/>
-                            </a:rPr>
-                            <m:t>−</m:t>
-                          </m:r>
-                          <m:sSup>
-                            <m:sSupPr>
+                          <m:sSub>
+                            <m:sSubPr>
                               <m:ctrlPr>
                                 <a:rPr lang="en-US" sz="2800" i="1">
                                   <a:latin typeface="Cambria Math" panose="02040503050406030204" pitchFamily="18" charset="0"/>
                                 </a:rPr>
                               </m:ctrlPr>
-                            </m:sSupPr>
+                            </m:sSubPr>
                             <m:e>
                               <m:r>
-                                <a:rPr lang="en-US" sz="2800" b="0" i="1" smtClean="0">
+                                <a:rPr lang="en-US" sz="2800" i="1">
                                   <a:latin typeface="Cambria Math" panose="02040503050406030204" pitchFamily="18" charset="0"/>
                                 </a:rPr>
                                 <m:t>𝑦</m:t>
                               </m:r>
                             </m:e>
-                            <m:sup>
+                            <m:sub>
                               <m:r>
                                 <a:rPr lang="en-US" sz="2800" i="1">
                                   <a:latin typeface="Cambria Math" panose="02040503050406030204" pitchFamily="18" charset="0"/>
                                 </a:rPr>
-                                <m:t>′</m:t>
+                                <m:t>𝑗</m:t>
                               </m:r>
-                            </m:sup>
-                          </m:sSup>
+                              <m:r>
+                                <a:rPr lang="en-US" sz="2800" i="1">
+                                  <a:latin typeface="Cambria Math" panose="02040503050406030204" pitchFamily="18" charset="0"/>
+                                </a:rPr>
+                                <m:t>−1</m:t>
+                              </m:r>
+                            </m:sub>
+                          </m:sSub>
+                          <m:r>
+                            <a:rPr lang="en-US" sz="2800" i="1" dirty="0">
+                              <a:latin typeface="Cambria Math" panose="02040503050406030204" pitchFamily="18" charset="0"/>
+                            </a:rPr>
+                            <m:t>−</m:t>
+                          </m:r>
+                          <m:sSub>
+                            <m:sSubPr>
+                              <m:ctrlPr>
+                                <a:rPr lang="en-US" sz="2800" i="1">
+                                  <a:latin typeface="Cambria Math" panose="02040503050406030204" pitchFamily="18" charset="0"/>
+                                </a:rPr>
+                              </m:ctrlPr>
+                            </m:sSubPr>
+                            <m:e>
+                              <m:r>
+                                <a:rPr lang="en-US" sz="2800" i="1">
+                                  <a:latin typeface="Cambria Math" panose="02040503050406030204" pitchFamily="18" charset="0"/>
+                                </a:rPr>
+                                <m:t>𝑦</m:t>
+                              </m:r>
+                            </m:e>
+                            <m:sub>
+                              <m:r>
+                                <a:rPr lang="en-US" sz="2800" i="1">
+                                  <a:latin typeface="Cambria Math" panose="02040503050406030204" pitchFamily="18" charset="0"/>
+                                </a:rPr>
+                                <m:t>𝑗</m:t>
+                              </m:r>
+                            </m:sub>
+                          </m:sSub>
                         </m:e>
                       </m:d>
                     </m:oMath>
                   </m:oMathPara>
                 </a14:m>
-                <a:endParaRPr lang="en-US" sz="2800" dirty="0"/>
+                <a:endParaRPr lang="en-US" sz="2800" b="1" dirty="0"/>
               </a:p>
             </p:txBody>
           </p:sp>
@@ -20123,8 +20206,8 @@
             </p:nvSpPr>
             <p:spPr>
               <a:xfrm>
-                <a:off x="150314" y="1898937"/>
-                <a:ext cx="9180205" cy="523220"/>
+                <a:off x="332114" y="2103682"/>
+                <a:ext cx="9491060" cy="588751"/>
               </a:xfrm>
               <a:prstGeom prst="rect">
                 <a:avLst/>
@@ -20132,7 +20215,7 @@
               <a:blipFill>
                 <a:blip r:embed="rId2"/>
                 <a:stretch>
-                  <a:fillRect b="-9524"/>
+                  <a:fillRect b="-8511"/>
                 </a:stretch>
               </a:blipFill>
             </p:spPr>
@@ -20151,45 +20234,248 @@
           </p:sp>
         </mc:Fallback>
       </mc:AlternateContent>
-      <p:sp>
-        <p:nvSpPr>
-          <p:cNvPr id="16" name="Rectangle 15">
-            <a:extLst>
-              <a:ext uri="{FF2B5EF4-FFF2-40B4-BE49-F238E27FC236}">
-                <a16:creationId xmlns:a16="http://schemas.microsoft.com/office/drawing/2014/main" id="{BF559F55-9FD5-D142-B00E-DEDF145AA877}"/>
-              </a:ext>
-            </a:extLst>
-          </p:cNvPr>
-          <p:cNvSpPr/>
-          <p:nvPr/>
-        </p:nvSpPr>
-        <p:spPr>
-          <a:xfrm>
-            <a:off x="332114" y="2636496"/>
-            <a:ext cx="11694786" cy="707886"/>
-          </a:xfrm>
-          <a:prstGeom prst="rect">
-            <a:avLst/>
-          </a:prstGeom>
-        </p:spPr>
-        <p:txBody>
-          <a:bodyPr wrap="square">
-            <a:spAutoFit/>
-          </a:bodyPr>
-          <a:lstStyle/>
-          <a:p>
-            <a:r>
-              <a:rPr lang="en-US" sz="2000" dirty="0">
-                <a:solidFill>
-                  <a:srgbClr val="005C98"/>
-                </a:solidFill>
-              </a:rPr>
-              <a:t>For an optical element with some extent along optical axis, like a grazing incidence mirror, the kernel function can be written as:</a:t>
-            </a:r>
-            <a:endParaRPr lang="en-US" sz="2000" dirty="0"/>
-          </a:p>
-        </p:txBody>
-      </p:sp>
+      <mc:AlternateContent xmlns:mc="http://schemas.openxmlformats.org/markup-compatibility/2006">
+        <mc:Choice xmlns:a14="http://schemas.microsoft.com/office/drawing/2010/main" Requires="a14">
+          <p:sp>
+            <p:nvSpPr>
+              <p:cNvPr id="16" name="Rectangle 15">
+                <a:extLst>
+                  <a:ext uri="{FF2B5EF4-FFF2-40B4-BE49-F238E27FC236}">
+                    <a16:creationId xmlns:a16="http://schemas.microsoft.com/office/drawing/2014/main" id="{BF559F55-9FD5-D142-B00E-DEDF145AA877}"/>
+                  </a:ext>
+                </a:extLst>
+              </p:cNvPr>
+              <p:cNvSpPr/>
+              <p:nvPr/>
+            </p:nvSpPr>
+            <p:spPr>
+              <a:xfrm>
+                <a:off x="332114" y="2811860"/>
+                <a:ext cx="11694786" cy="1040349"/>
+              </a:xfrm>
+              <a:prstGeom prst="rect">
+                <a:avLst/>
+              </a:prstGeom>
+            </p:spPr>
+            <p:txBody>
+              <a:bodyPr wrap="square">
+                <a:spAutoFit/>
+              </a:bodyPr>
+              <a:lstStyle/>
+              <a:p>
+                <a:r>
+                  <a:rPr lang="en-US" sz="2000" dirty="0">
+                    <a:solidFill>
+                      <a:srgbClr val="005C98"/>
+                    </a:solidFill>
+                  </a:rPr>
+                  <a:t>Where </a:t>
+                </a:r>
+                <a14:m>
+                  <m:oMath xmlns:m="http://schemas.openxmlformats.org/officeDocument/2006/math">
+                    <m:sSub>
+                      <m:sSubPr>
+                        <m:ctrlPr>
+                          <a:rPr lang="en-US" sz="2000" i="1" dirty="0">
+                            <a:latin typeface="Cambria Math" panose="02040503050406030204" pitchFamily="18" charset="0"/>
+                            <a:ea typeface="Cambria Math" panose="02040503050406030204" pitchFamily="18" charset="0"/>
+                          </a:rPr>
+                        </m:ctrlPr>
+                      </m:sSubPr>
+                      <m:e>
+                        <m:r>
+                          <a:rPr lang="en-US" sz="2000" i="1" dirty="0">
+                            <a:latin typeface="Cambria Math" panose="02040503050406030204" pitchFamily="18" charset="0"/>
+                            <a:ea typeface="Cambria Math" panose="02040503050406030204" pitchFamily="18" charset="0"/>
+                          </a:rPr>
+                          <m:t>𝑥</m:t>
+                        </m:r>
+                      </m:e>
+                      <m:sub>
+                        <m:r>
+                          <a:rPr lang="en-US" sz="2000" i="1" dirty="0">
+                            <a:latin typeface="Cambria Math" panose="02040503050406030204" pitchFamily="18" charset="0"/>
+                            <a:ea typeface="Cambria Math" panose="02040503050406030204" pitchFamily="18" charset="0"/>
+                          </a:rPr>
+                          <m:t>𝑗</m:t>
+                        </m:r>
+                      </m:sub>
+                    </m:sSub>
+                    <m:r>
+                      <a:rPr lang="en-US" sz="2000" i="1">
+                        <a:latin typeface="Cambria Math" panose="02040503050406030204" pitchFamily="18" charset="0"/>
+                      </a:rPr>
+                      <m:t>,</m:t>
+                    </m:r>
+                    <m:sSub>
+                      <m:sSubPr>
+                        <m:ctrlPr>
+                          <a:rPr lang="en-US" sz="2000" i="1">
+                            <a:latin typeface="Cambria Math" panose="02040503050406030204" pitchFamily="18" charset="0"/>
+                          </a:rPr>
+                        </m:ctrlPr>
+                      </m:sSubPr>
+                      <m:e>
+                        <m:r>
+                          <a:rPr lang="en-US" sz="2000" i="1">
+                            <a:latin typeface="Cambria Math" panose="02040503050406030204" pitchFamily="18" charset="0"/>
+                          </a:rPr>
+                          <m:t>𝑦</m:t>
+                        </m:r>
+                      </m:e>
+                      <m:sub>
+                        <m:r>
+                          <a:rPr lang="en-US" sz="2000" i="1">
+                            <a:latin typeface="Cambria Math" panose="02040503050406030204" pitchFamily="18" charset="0"/>
+                          </a:rPr>
+                          <m:t>𝑗</m:t>
+                        </m:r>
+                      </m:sub>
+                    </m:sSub>
+                  </m:oMath>
+                </a14:m>
+                <a:r>
+                  <a:rPr lang="en-US" sz="2000" dirty="0">
+                    <a:solidFill>
+                      <a:srgbClr val="005C98"/>
+                    </a:solidFill>
+                  </a:rPr>
+                  <a:t> are transverse coordinate in a plane after the optical element and </a:t>
+                </a:r>
+                <a14:m>
+                  <m:oMath xmlns:m="http://schemas.openxmlformats.org/officeDocument/2006/math">
+                    <m:sSub>
+                      <m:sSubPr>
+                        <m:ctrlPr>
+                          <a:rPr lang="en-US" sz="2000" i="1" dirty="0">
+                            <a:latin typeface="Cambria Math" panose="02040503050406030204" pitchFamily="18" charset="0"/>
+                            <a:ea typeface="Cambria Math" panose="02040503050406030204" pitchFamily="18" charset="0"/>
+                          </a:rPr>
+                        </m:ctrlPr>
+                      </m:sSubPr>
+                      <m:e>
+                        <m:r>
+                          <a:rPr lang="en-US" sz="2000" i="1" dirty="0">
+                            <a:latin typeface="Cambria Math" panose="02040503050406030204" pitchFamily="18" charset="0"/>
+                            <a:ea typeface="Cambria Math" panose="02040503050406030204" pitchFamily="18" charset="0"/>
+                          </a:rPr>
+                          <m:t>𝑥</m:t>
+                        </m:r>
+                      </m:e>
+                      <m:sub>
+                        <m:r>
+                          <a:rPr lang="en-US" sz="2000" i="1" dirty="0">
+                            <a:latin typeface="Cambria Math" panose="02040503050406030204" pitchFamily="18" charset="0"/>
+                            <a:ea typeface="Cambria Math" panose="02040503050406030204" pitchFamily="18" charset="0"/>
+                          </a:rPr>
+                          <m:t>𝑗</m:t>
+                        </m:r>
+                        <m:r>
+                          <a:rPr lang="en-US" sz="2000" i="1" dirty="0">
+                            <a:latin typeface="Cambria Math" panose="02040503050406030204" pitchFamily="18" charset="0"/>
+                            <a:ea typeface="Cambria Math" panose="02040503050406030204" pitchFamily="18" charset="0"/>
+                          </a:rPr>
+                          <m:t>−1</m:t>
+                        </m:r>
+                      </m:sub>
+                    </m:sSub>
+                    <m:r>
+                      <a:rPr lang="en-US" sz="2000" i="1">
+                        <a:latin typeface="Cambria Math" panose="02040503050406030204" pitchFamily="18" charset="0"/>
+                      </a:rPr>
+                      <m:t>,</m:t>
+                    </m:r>
+                    <m:sSub>
+                      <m:sSubPr>
+                        <m:ctrlPr>
+                          <a:rPr lang="en-US" sz="2000" i="1">
+                            <a:latin typeface="Cambria Math" panose="02040503050406030204" pitchFamily="18" charset="0"/>
+                          </a:rPr>
+                        </m:ctrlPr>
+                      </m:sSubPr>
+                      <m:e>
+                        <m:r>
+                          <a:rPr lang="en-US" sz="2000" i="1">
+                            <a:latin typeface="Cambria Math" panose="02040503050406030204" pitchFamily="18" charset="0"/>
+                          </a:rPr>
+                          <m:t>𝑦</m:t>
+                        </m:r>
+                      </m:e>
+                      <m:sub>
+                        <m:r>
+                          <a:rPr lang="en-US" sz="2000" i="1">
+                            <a:latin typeface="Cambria Math" panose="02040503050406030204" pitchFamily="18" charset="0"/>
+                          </a:rPr>
+                          <m:t>𝑗</m:t>
+                        </m:r>
+                        <m:r>
+                          <a:rPr lang="en-US" sz="2000" i="1">
+                            <a:latin typeface="Cambria Math" panose="02040503050406030204" pitchFamily="18" charset="0"/>
+                          </a:rPr>
+                          <m:t>−1</m:t>
+                        </m:r>
+                      </m:sub>
+                    </m:sSub>
+                  </m:oMath>
+                </a14:m>
+                <a:r>
+                  <a:rPr lang="en-US" sz="2000" dirty="0">
+                    <a:solidFill>
+                      <a:srgbClr val="005C98"/>
+                    </a:solidFill>
+                  </a:rPr>
+                  <a:t> in a plane before. For an optical element with some extent along optical axis, like a grazing incidence mirror, the kernel function can be written as:</a:t>
+                </a:r>
+                <a:endParaRPr lang="en-US" sz="2000" dirty="0"/>
+              </a:p>
+            </p:txBody>
+          </p:sp>
+        </mc:Choice>
+        <mc:Fallback>
+          <p:sp>
+            <p:nvSpPr>
+              <p:cNvPr id="16" name="Rectangle 15">
+                <a:extLst>
+                  <a:ext uri="{FF2B5EF4-FFF2-40B4-BE49-F238E27FC236}">
+                    <a16:creationId xmlns:a16="http://schemas.microsoft.com/office/drawing/2014/main" id="{BF559F55-9FD5-D142-B00E-DEDF145AA877}"/>
+                  </a:ext>
+                </a:extLst>
+              </p:cNvPr>
+              <p:cNvSpPr>
+                <a:spLocks noRot="1" noChangeAspect="1" noMove="1" noResize="1" noEditPoints="1" noAdjustHandles="1" noChangeArrowheads="1" noChangeShapeType="1" noTextEdit="1"/>
+              </p:cNvSpPr>
+              <p:nvPr/>
+            </p:nvSpPr>
+            <p:spPr>
+              <a:xfrm>
+                <a:off x="332114" y="2811860"/>
+                <a:ext cx="11694786" cy="1040349"/>
+              </a:xfrm>
+              <a:prstGeom prst="rect">
+                <a:avLst/>
+              </a:prstGeom>
+              <a:blipFill>
+                <a:blip r:embed="rId3"/>
+                <a:stretch>
+                  <a:fillRect l="-434" t="-2410" b="-9639"/>
+                </a:stretch>
+              </a:blipFill>
+            </p:spPr>
+            <p:txBody>
+              <a:bodyPr/>
+              <a:lstStyle/>
+              <a:p>
+                <a:r>
+                  <a:rPr lang="en-US">
+                    <a:noFill/>
+                  </a:rPr>
+                  <a:t> </a:t>
+                </a:r>
+              </a:p>
+            </p:txBody>
+          </p:sp>
+        </mc:Fallback>
+      </mc:AlternateContent>
       <mc:AlternateContent xmlns:mc="http://schemas.openxmlformats.org/markup-compatibility/2006">
         <mc:Choice xmlns:a14="http://schemas.microsoft.com/office/drawing/2010/main" Requires="a14">
           <p:sp>
@@ -20206,8 +20492,8 @@
             </p:nvSpPr>
             <p:spPr>
               <a:xfrm>
-                <a:off x="264394" y="3451395"/>
-                <a:ext cx="11830226" cy="552524"/>
+                <a:off x="253677" y="3871454"/>
+                <a:ext cx="11773223" cy="622030"/>
               </a:xfrm>
               <a:prstGeom prst="rect">
                 <a:avLst/>
@@ -20227,144 +20513,161 @@
                     </m:oMathParaPr>
                     <m:oMath xmlns:m="http://schemas.openxmlformats.org/officeDocument/2006/math">
                       <m:r>
-                        <a:rPr lang="en-US" sz="2600" i="1" dirty="0" smtClean="0">
+                        <a:rPr lang="en-US" sz="2300" b="1" i="1" dirty="0" smtClean="0">
                           <a:latin typeface="Cambria Math" panose="02040503050406030204" pitchFamily="18" charset="0"/>
                           <a:ea typeface="Cambria Math" panose="02040503050406030204" pitchFamily="18" charset="0"/>
                         </a:rPr>
-                        <m:t>𝐾</m:t>
+                        <m:t>𝑲</m:t>
                       </m:r>
                       <m:d>
                         <m:dPr>
                           <m:ctrlPr>
-                            <a:rPr lang="en-US" sz="2600" i="1" dirty="0">
+                            <a:rPr lang="en-US" sz="2300" i="1" dirty="0">
                               <a:latin typeface="Cambria Math" panose="02040503050406030204" pitchFamily="18" charset="0"/>
                               <a:ea typeface="Cambria Math" panose="02040503050406030204" pitchFamily="18" charset="0"/>
                             </a:rPr>
                           </m:ctrlPr>
                         </m:dPr>
                         <m:e>
-                          <m:r>
-                            <a:rPr lang="en-US" sz="2600" i="1" dirty="0">
-                              <a:latin typeface="Cambria Math" panose="02040503050406030204" pitchFamily="18" charset="0"/>
-                            </a:rPr>
-                            <m:t>𝑥</m:t>
-                          </m:r>
-                          <m:r>
-                            <a:rPr lang="en-US" sz="2600" i="1" dirty="0">
-                              <a:latin typeface="Cambria Math" panose="02040503050406030204" pitchFamily="18" charset="0"/>
-                            </a:rPr>
-                            <m:t>−</m:t>
-                          </m:r>
-                          <m:sSup>
-                            <m:sSupPr>
+                          <m:sSub>
+                            <m:sSubPr>
                               <m:ctrlPr>
-                                <a:rPr lang="en-US" sz="2600" i="1">
-                                  <a:latin typeface="Cambria Math" panose="02040503050406030204" pitchFamily="18" charset="0"/>
+                                <a:rPr lang="en-US" sz="2300" i="1" dirty="0">
+                                  <a:latin typeface="Cambria Math" panose="02040503050406030204" pitchFamily="18" charset="0"/>
+                                  <a:ea typeface="Cambria Math" panose="02040503050406030204" pitchFamily="18" charset="0"/>
                                 </a:rPr>
                               </m:ctrlPr>
-                            </m:sSupPr>
+                            </m:sSubPr>
                             <m:e>
                               <m:r>
-                                <a:rPr lang="en-US" sz="2600" i="1">
-                                  <a:latin typeface="Cambria Math" panose="02040503050406030204" pitchFamily="18" charset="0"/>
+                                <a:rPr lang="en-US" sz="2300" i="1" dirty="0">
+                                  <a:latin typeface="Cambria Math" panose="02040503050406030204" pitchFamily="18" charset="0"/>
+                                  <a:ea typeface="Cambria Math" panose="02040503050406030204" pitchFamily="18" charset="0"/>
                                 </a:rPr>
                                 <m:t>𝑥</m:t>
                               </m:r>
                             </m:e>
-                            <m:sup>
+                            <m:sub>
                               <m:r>
-                                <a:rPr lang="en-US" sz="2600" i="1">
-                                  <a:latin typeface="Cambria Math" panose="02040503050406030204" pitchFamily="18" charset="0"/>
-                                </a:rPr>
-                                <m:t>′</m:t>
+                                <a:rPr lang="en-US" sz="2300" i="1" dirty="0">
+                                  <a:latin typeface="Cambria Math" panose="02040503050406030204" pitchFamily="18" charset="0"/>
+                                  <a:ea typeface="Cambria Math" panose="02040503050406030204" pitchFamily="18" charset="0"/>
+                                </a:rPr>
+                                <m:t>𝑗</m:t>
                               </m:r>
-                            </m:sup>
-                          </m:sSup>
+                            </m:sub>
+                          </m:sSub>
                           <m:r>
-                            <a:rPr lang="en-US" sz="2600" i="1">
+                            <a:rPr lang="en-US" sz="2300" i="1">
                               <a:latin typeface="Cambria Math" panose="02040503050406030204" pitchFamily="18" charset="0"/>
                             </a:rPr>
                             <m:t>,</m:t>
                           </m:r>
-                          <m:r>
-                            <a:rPr lang="en-US" sz="2600" i="1" dirty="0">
-                              <a:latin typeface="Cambria Math" panose="02040503050406030204" pitchFamily="18" charset="0"/>
-                            </a:rPr>
-                            <m:t>𝑦</m:t>
-                          </m:r>
-                          <m:r>
-                            <a:rPr lang="en-US" sz="2600" i="1" dirty="0">
-                              <a:latin typeface="Cambria Math" panose="02040503050406030204" pitchFamily="18" charset="0"/>
-                            </a:rPr>
-                            <m:t>−</m:t>
-                          </m:r>
-                          <m:sSup>
-                            <m:sSupPr>
+                          <m:sSub>
+                            <m:sSubPr>
                               <m:ctrlPr>
-                                <a:rPr lang="en-US" sz="2600" i="1">
+                                <a:rPr lang="en-US" sz="2300" i="1">
                                   <a:latin typeface="Cambria Math" panose="02040503050406030204" pitchFamily="18" charset="0"/>
                                 </a:rPr>
                               </m:ctrlPr>
-                            </m:sSupPr>
+                            </m:sSubPr>
                             <m:e>
                               <m:r>
-                                <a:rPr lang="en-US" sz="2600" i="1">
+                                <a:rPr lang="en-US" sz="2300" i="1">
                                   <a:latin typeface="Cambria Math" panose="02040503050406030204" pitchFamily="18" charset="0"/>
                                 </a:rPr>
                                 <m:t>𝑦</m:t>
                               </m:r>
                             </m:e>
-                            <m:sup>
+                            <m:sub>
                               <m:r>
-                                <a:rPr lang="en-US" sz="2600" i="1">
-                                  <a:latin typeface="Cambria Math" panose="02040503050406030204" pitchFamily="18" charset="0"/>
-                                </a:rPr>
-                                <m:t>′</m:t>
+                                <a:rPr lang="en-US" sz="2300" i="1">
+                                  <a:latin typeface="Cambria Math" panose="02040503050406030204" pitchFamily="18" charset="0"/>
+                                </a:rPr>
+                                <m:t>𝑗</m:t>
                               </m:r>
-                            </m:sup>
-                          </m:sSup>
+                            </m:sub>
+                          </m:sSub>
                           <m:r>
-                            <a:rPr lang="en-US" sz="2600" i="1">
+                            <a:rPr lang="en-US" sz="2300" i="1">
                               <a:latin typeface="Cambria Math" panose="02040503050406030204" pitchFamily="18" charset="0"/>
                             </a:rPr>
                             <m:t>,</m:t>
                           </m:r>
-                          <m:sSup>
-                            <m:sSupPr>
+                          <m:sSub>
+                            <m:sSubPr>
                               <m:ctrlPr>
-                                <a:rPr lang="en-US" sz="2600" i="1" dirty="0">
-                                  <a:solidFill>
-                                    <a:srgbClr val="000000"/>
-                                  </a:solidFill>
-                                  <a:latin typeface="Cambria Math" panose="02040503050406030204" pitchFamily="18" charset="0"/>
+                                <a:rPr lang="en-US" sz="2300" i="1" dirty="0">
+                                  <a:latin typeface="Cambria Math" panose="02040503050406030204" pitchFamily="18" charset="0"/>
+                                  <a:ea typeface="Cambria Math" panose="02040503050406030204" pitchFamily="18" charset="0"/>
                                 </a:rPr>
                               </m:ctrlPr>
-                            </m:sSupPr>
+                            </m:sSubPr>
                             <m:e>
                               <m:r>
-                                <a:rPr lang="en-US" sz="2600" i="1" dirty="0">
-                                  <a:solidFill>
-                                    <a:srgbClr val="000000"/>
-                                  </a:solidFill>
-                                  <a:latin typeface="Cambria Math" panose="02040503050406030204" pitchFamily="18" charset="0"/>
-                                </a:rPr>
-                                <m:t>𝑧</m:t>
+                                <a:rPr lang="en-US" sz="2300" i="1" dirty="0">
+                                  <a:latin typeface="Cambria Math" panose="02040503050406030204" pitchFamily="18" charset="0"/>
+                                  <a:ea typeface="Cambria Math" panose="02040503050406030204" pitchFamily="18" charset="0"/>
+                                </a:rPr>
+                                <m:t>𝑥</m:t>
                               </m:r>
                             </m:e>
-                            <m:sup>
+                            <m:sub>
                               <m:r>
-                                <a:rPr lang="en-US" sz="2600" i="1" dirty="0">
-                                  <a:solidFill>
-                                    <a:srgbClr val="000000"/>
-                                  </a:solidFill>
-                                  <a:latin typeface="Cambria Math" panose="02040503050406030204" pitchFamily="18" charset="0"/>
-                                </a:rPr>
-                                <m:t>∗</m:t>
+                                <a:rPr lang="en-US" sz="2300" i="1" dirty="0">
+                                  <a:latin typeface="Cambria Math" panose="02040503050406030204" pitchFamily="18" charset="0"/>
+                                  <a:ea typeface="Cambria Math" panose="02040503050406030204" pitchFamily="18" charset="0"/>
+                                </a:rPr>
+                                <m:t>𝑗</m:t>
                               </m:r>
-                            </m:sup>
-                          </m:sSup>
+                              <m:r>
+                                <a:rPr lang="en-US" sz="2300" i="1" dirty="0">
+                                  <a:latin typeface="Cambria Math" panose="02040503050406030204" pitchFamily="18" charset="0"/>
+                                  <a:ea typeface="Cambria Math" panose="02040503050406030204" pitchFamily="18" charset="0"/>
+                                </a:rPr>
+                                <m:t>−1</m:t>
+                              </m:r>
+                            </m:sub>
+                          </m:sSub>
                           <m:r>
-                            <a:rPr lang="en-US" sz="2600" i="1" dirty="0">
+                            <a:rPr lang="en-US" sz="2300" i="1">
+                              <a:latin typeface="Cambria Math" panose="02040503050406030204" pitchFamily="18" charset="0"/>
+                            </a:rPr>
+                            <m:t>,</m:t>
+                          </m:r>
+                          <m:sSub>
+                            <m:sSubPr>
+                              <m:ctrlPr>
+                                <a:rPr lang="en-US" sz="2300" i="1">
+                                  <a:latin typeface="Cambria Math" panose="02040503050406030204" pitchFamily="18" charset="0"/>
+                                </a:rPr>
+                              </m:ctrlPr>
+                            </m:sSubPr>
+                            <m:e>
+                              <m:r>
+                                <a:rPr lang="en-US" sz="2300" i="1">
+                                  <a:latin typeface="Cambria Math" panose="02040503050406030204" pitchFamily="18" charset="0"/>
+                                </a:rPr>
+                                <m:t>𝑦</m:t>
+                              </m:r>
+                            </m:e>
+                            <m:sub>
+                              <m:r>
+                                <a:rPr lang="en-US" sz="2300" i="1">
+                                  <a:latin typeface="Cambria Math" panose="02040503050406030204" pitchFamily="18" charset="0"/>
+                                </a:rPr>
+                                <m:t>𝑗</m:t>
+                              </m:r>
+                              <m:r>
+                                <a:rPr lang="en-US" sz="2300" i="1">
+                                  <a:latin typeface="Cambria Math" panose="02040503050406030204" pitchFamily="18" charset="0"/>
+                                </a:rPr>
+                                <m:t>−1</m:t>
+                              </m:r>
+                            </m:sub>
+                          </m:sSub>
+                          <m:r>
+                            <a:rPr lang="en-US" sz="2300" i="1" dirty="0">
                               <a:solidFill>
                                 <a:srgbClr val="000000"/>
                               </a:solidFill>
@@ -20373,7 +20676,7 @@
                             <m:t>, </m:t>
                           </m:r>
                           <m:r>
-                            <a:rPr lang="en-US" sz="2600" i="1" dirty="0">
+                            <a:rPr lang="en-US" sz="2300" i="1" dirty="0">
                               <a:solidFill>
                                 <a:srgbClr val="000000"/>
                               </a:solidFill>
@@ -20384,7 +20687,7 @@
                         </m:e>
                       </m:d>
                       <m:r>
-                        <a:rPr lang="en-US" sz="2600" i="1" dirty="0">
+                        <a:rPr lang="en-US" sz="2300" i="1" dirty="0">
                           <a:solidFill>
                             <a:srgbClr val="000000"/>
                           </a:solidFill>
@@ -20394,95 +20697,95 @@
                         <m:t>≈</m:t>
                       </m:r>
                       <m:r>
-                        <a:rPr lang="en-US" sz="2600" b="0" i="1" dirty="0" smtClean="0">
+                        <a:rPr lang="en-US" sz="2300" b="1" i="1" dirty="0" smtClean="0">
                           <a:solidFill>
                             <a:srgbClr val="000000"/>
                           </a:solidFill>
                           <a:latin typeface="Cambria Math" panose="02040503050406030204" pitchFamily="18" charset="0"/>
                           <a:ea typeface="Cambria Math" panose="02040503050406030204" pitchFamily="18" charset="0"/>
                         </a:rPr>
-                        <m:t>𝐺</m:t>
+                        <m:t>𝑮</m:t>
                       </m:r>
                       <m:d>
                         <m:dPr>
                           <m:ctrlPr>
-                            <a:rPr lang="en-US" sz="2600" i="1" dirty="0">
+                            <a:rPr lang="en-US" sz="2300" i="1" dirty="0">
                               <a:latin typeface="Cambria Math" panose="02040503050406030204" pitchFamily="18" charset="0"/>
                               <a:ea typeface="Cambria Math" panose="02040503050406030204" pitchFamily="18" charset="0"/>
                             </a:rPr>
                           </m:ctrlPr>
                         </m:dPr>
                         <m:e>
+                          <m:sSub>
+                            <m:sSubPr>
+                              <m:ctrlPr>
+                                <a:rPr lang="en-US" sz="2300" i="1" dirty="0">
+                                  <a:latin typeface="Cambria Math" panose="02040503050406030204" pitchFamily="18" charset="0"/>
+                                  <a:ea typeface="Cambria Math" panose="02040503050406030204" pitchFamily="18" charset="0"/>
+                                </a:rPr>
+                              </m:ctrlPr>
+                            </m:sSubPr>
+                            <m:e>
+                              <m:r>
+                                <a:rPr lang="en-US" sz="2300" i="1" dirty="0">
+                                  <a:latin typeface="Cambria Math" panose="02040503050406030204" pitchFamily="18" charset="0"/>
+                                  <a:ea typeface="Cambria Math" panose="02040503050406030204" pitchFamily="18" charset="0"/>
+                                </a:rPr>
+                                <m:t>𝑥</m:t>
+                              </m:r>
+                            </m:e>
+                            <m:sub>
+                              <m:r>
+                                <a:rPr lang="en-US" sz="2300" i="1" dirty="0">
+                                  <a:latin typeface="Cambria Math" panose="02040503050406030204" pitchFamily="18" charset="0"/>
+                                  <a:ea typeface="Cambria Math" panose="02040503050406030204" pitchFamily="18" charset="0"/>
+                                </a:rPr>
+                                <m:t>𝑗</m:t>
+                              </m:r>
+                            </m:sub>
+                          </m:sSub>
                           <m:r>
-                            <a:rPr lang="en-US" sz="2600" b="0" i="1" smtClean="0">
-                              <a:latin typeface="Cambria Math" panose="02040503050406030204" pitchFamily="18" charset="0"/>
-                            </a:rPr>
-                            <m:t>𝑥</m:t>
+                            <a:rPr lang="en-US" sz="2300" i="1">
+                              <a:latin typeface="Cambria Math" panose="02040503050406030204" pitchFamily="18" charset="0"/>
+                            </a:rPr>
+                            <m:t>,</m:t>
                           </m:r>
+                          <m:sSub>
+                            <m:sSubPr>
+                              <m:ctrlPr>
+                                <a:rPr lang="en-US" sz="2300" i="1">
+                                  <a:latin typeface="Cambria Math" panose="02040503050406030204" pitchFamily="18" charset="0"/>
+                                </a:rPr>
+                              </m:ctrlPr>
+                            </m:sSubPr>
+                            <m:e>
+                              <m:r>
+                                <a:rPr lang="en-US" sz="2300" i="1">
+                                  <a:latin typeface="Cambria Math" panose="02040503050406030204" pitchFamily="18" charset="0"/>
+                                </a:rPr>
+                                <m:t>𝑦</m:t>
+                              </m:r>
+                            </m:e>
+                            <m:sub>
+                              <m:r>
+                                <a:rPr lang="en-US" sz="2300" i="1">
+                                  <a:latin typeface="Cambria Math" panose="02040503050406030204" pitchFamily="18" charset="0"/>
+                                </a:rPr>
+                                <m:t>𝑗</m:t>
+                              </m:r>
+                            </m:sub>
+                          </m:sSub>
                           <m:r>
-                            <a:rPr lang="en-US" sz="2600" i="1" dirty="0">
-                              <a:latin typeface="Cambria Math" panose="02040503050406030204" pitchFamily="18" charset="0"/>
-                              <a:ea typeface="Cambria Math" panose="02040503050406030204" pitchFamily="18" charset="0"/>
+                            <a:rPr lang="en-US" sz="2300" i="1" dirty="0">
+                              <a:solidFill>
+                                <a:srgbClr val="000000"/>
+                              </a:solidFill>
+                              <a:latin typeface="Cambria Math" panose="02040503050406030204" pitchFamily="18" charset="0"/>
                             </a:rPr>
                             <m:t>,</m:t>
                           </m:r>
                           <m:r>
-                            <a:rPr lang="en-US" sz="2600" b="0" i="1" smtClean="0">
-                              <a:latin typeface="Cambria Math" panose="02040503050406030204" pitchFamily="18" charset="0"/>
-                            </a:rPr>
-                            <m:t>𝑦</m:t>
-                          </m:r>
-                          <m:r>
-                            <a:rPr lang="en-US" sz="2600" i="1">
-                              <a:latin typeface="Cambria Math" panose="02040503050406030204" pitchFamily="18" charset="0"/>
-                            </a:rPr>
-                            <m:t>,</m:t>
-                          </m:r>
-                          <m:sSup>
-                            <m:sSupPr>
-                              <m:ctrlPr>
-                                <a:rPr lang="en-US" sz="2600" i="1" dirty="0">
-                                  <a:solidFill>
-                                    <a:srgbClr val="000000"/>
-                                  </a:solidFill>
-                                  <a:latin typeface="Cambria Math" panose="02040503050406030204" pitchFamily="18" charset="0"/>
-                                </a:rPr>
-                              </m:ctrlPr>
-                            </m:sSupPr>
-                            <m:e>
-                              <m:r>
-                                <a:rPr lang="en-US" sz="2600" i="1" dirty="0">
-                                  <a:solidFill>
-                                    <a:srgbClr val="000000"/>
-                                  </a:solidFill>
-                                  <a:latin typeface="Cambria Math" panose="02040503050406030204" pitchFamily="18" charset="0"/>
-                                </a:rPr>
-                                <m:t>𝑧</m:t>
-                              </m:r>
-                            </m:e>
-                            <m:sup>
-                              <m:r>
-                                <a:rPr lang="en-US" sz="2600" i="1" dirty="0">
-                                  <a:solidFill>
-                                    <a:srgbClr val="000000"/>
-                                  </a:solidFill>
-                                  <a:latin typeface="Cambria Math" panose="02040503050406030204" pitchFamily="18" charset="0"/>
-                                </a:rPr>
-                                <m:t>∗</m:t>
-                              </m:r>
-                            </m:sup>
-                          </m:sSup>
-                          <m:r>
-                            <a:rPr lang="en-US" sz="2600" i="1" dirty="0">
-                              <a:solidFill>
-                                <a:srgbClr val="000000"/>
-                              </a:solidFill>
-                              <a:latin typeface="Cambria Math" panose="02040503050406030204" pitchFamily="18" charset="0"/>
-                            </a:rPr>
-                            <m:t>,</m:t>
-                          </m:r>
-                          <m:r>
-                            <a:rPr lang="en-US" sz="2600" i="1" dirty="0">
+                            <a:rPr lang="en-US" sz="2300" i="1" dirty="0">
                               <a:latin typeface="Cambria Math" panose="02040503050406030204" pitchFamily="18" charset="0"/>
                               <a:ea typeface="Cambria Math" panose="02040503050406030204" pitchFamily="18" charset="0"/>
                             </a:rPr>
@@ -20493,7 +20796,7 @@
                       <m:sSup>
                         <m:sSupPr>
                           <m:ctrlPr>
-                            <a:rPr lang="en-US" sz="2600" i="1" dirty="0" smtClean="0">
+                            <a:rPr lang="en-US" sz="2300" i="1" dirty="0" smtClean="0">
                               <a:latin typeface="Cambria Math" panose="02040503050406030204" pitchFamily="18" charset="0"/>
                               <a:ea typeface="Cambria Math" panose="02040503050406030204" pitchFamily="18" charset="0"/>
                             </a:rPr>
@@ -20501,7 +20804,7 @@
                         </m:sSupPr>
                         <m:e>
                           <m:r>
-                            <a:rPr lang="en-US" sz="2600" i="1" dirty="0" smtClean="0">
+                            <a:rPr lang="en-US" sz="2300" i="1" dirty="0" smtClean="0">
                               <a:latin typeface="Cambria Math" panose="02040503050406030204" pitchFamily="18" charset="0"/>
                               <a:ea typeface="Cambria Math" panose="02040503050406030204" pitchFamily="18" charset="0"/>
                             </a:rPr>
@@ -20510,109 +20813,106 @@
                         </m:e>
                         <m:sup>
                           <m:r>
-                            <a:rPr lang="en-US" sz="2600" i="1" dirty="0" smtClean="0">
+                            <a:rPr lang="en-US" sz="2300" i="1" dirty="0" smtClean="0">
                               <a:latin typeface="Cambria Math" panose="02040503050406030204" pitchFamily="18" charset="0"/>
                               <a:ea typeface="Cambria Math" panose="02040503050406030204" pitchFamily="18" charset="0"/>
                             </a:rPr>
                             <m:t>𝑖</m:t>
                           </m:r>
                           <m:r>
-                            <a:rPr lang="en-US" sz="2600" b="0" i="1" dirty="0" smtClean="0">
+                            <a:rPr lang="en-US" sz="2300" b="0" i="1" dirty="0" smtClean="0">
                               <a:latin typeface="Cambria Math" panose="02040503050406030204" pitchFamily="18" charset="0"/>
                               <a:ea typeface="Cambria Math" panose="02040503050406030204" pitchFamily="18" charset="0"/>
                             </a:rPr>
                             <m:t>𝑘</m:t>
                           </m:r>
                           <m:r>
-                            <m:rPr>
-                              <m:sty m:val="p"/>
-                            </m:rPr>
-                            <a:rPr lang="el-GR" sz="2600" b="0" i="1" dirty="0" smtClean="0">
+                            <a:rPr lang="el-GR" sz="2300" b="0" i="1" dirty="0" smtClean="0">
                               <a:latin typeface="Cambria Math" panose="02040503050406030204" pitchFamily="18" charset="0"/>
                               <a:ea typeface="Cambria Math" panose="02040503050406030204" pitchFamily="18" charset="0"/>
                             </a:rPr>
-                            <m:t>Λ</m:t>
+                            <m:t>𝛬</m:t>
                           </m:r>
                           <m:d>
                             <m:dPr>
                               <m:ctrlPr>
-                                <a:rPr lang="en-US" sz="2600" i="1" dirty="0">
+                                <a:rPr lang="en-US" sz="2300" i="1" dirty="0">
                                   <a:latin typeface="Cambria Math" panose="02040503050406030204" pitchFamily="18" charset="0"/>
                                   <a:ea typeface="Cambria Math" panose="02040503050406030204" pitchFamily="18" charset="0"/>
                                 </a:rPr>
                               </m:ctrlPr>
                             </m:dPr>
                             <m:e>
+                              <m:sSub>
+                                <m:sSubPr>
+                                  <m:ctrlPr>
+                                    <a:rPr lang="en-US" sz="2300" i="1" dirty="0">
+                                      <a:latin typeface="Cambria Math" panose="02040503050406030204" pitchFamily="18" charset="0"/>
+                                      <a:ea typeface="Cambria Math" panose="02040503050406030204" pitchFamily="18" charset="0"/>
+                                    </a:rPr>
+                                  </m:ctrlPr>
+                                </m:sSubPr>
+                                <m:e>
+                                  <m:r>
+                                    <a:rPr lang="en-US" sz="2300" i="1" dirty="0">
+                                      <a:latin typeface="Cambria Math" panose="02040503050406030204" pitchFamily="18" charset="0"/>
+                                      <a:ea typeface="Cambria Math" panose="02040503050406030204" pitchFamily="18" charset="0"/>
+                                    </a:rPr>
+                                    <m:t>𝑥</m:t>
+                                  </m:r>
+                                </m:e>
+                                <m:sub>
+                                  <m:r>
+                                    <a:rPr lang="en-US" sz="2300" i="1" dirty="0">
+                                      <a:latin typeface="Cambria Math" panose="02040503050406030204" pitchFamily="18" charset="0"/>
+                                      <a:ea typeface="Cambria Math" panose="02040503050406030204" pitchFamily="18" charset="0"/>
+                                    </a:rPr>
+                                    <m:t>𝑗</m:t>
+                                  </m:r>
+                                </m:sub>
+                              </m:sSub>
                               <m:r>
-                                <a:rPr lang="en-US" sz="2600" b="0" i="1" smtClean="0">
-                                  <a:latin typeface="Cambria Math" panose="02040503050406030204" pitchFamily="18" charset="0"/>
-                                </a:rPr>
-                                <m:t>𝑥</m:t>
+                                <a:rPr lang="en-US" sz="2300" i="1">
+                                  <a:latin typeface="Cambria Math" panose="02040503050406030204" pitchFamily="18" charset="0"/>
+                                </a:rPr>
+                                <m:t>,</m:t>
                               </m:r>
+                              <m:sSub>
+                                <m:sSubPr>
+                                  <m:ctrlPr>
+                                    <a:rPr lang="en-US" sz="2300" i="1">
+                                      <a:latin typeface="Cambria Math" panose="02040503050406030204" pitchFamily="18" charset="0"/>
+                                    </a:rPr>
+                                  </m:ctrlPr>
+                                </m:sSubPr>
+                                <m:e>
+                                  <m:r>
+                                    <a:rPr lang="en-US" sz="2300" i="1">
+                                      <a:latin typeface="Cambria Math" panose="02040503050406030204" pitchFamily="18" charset="0"/>
+                                    </a:rPr>
+                                    <m:t>𝑦</m:t>
+                                  </m:r>
+                                </m:e>
+                                <m:sub>
+                                  <m:r>
+                                    <a:rPr lang="en-US" sz="2300" i="1">
+                                      <a:latin typeface="Cambria Math" panose="02040503050406030204" pitchFamily="18" charset="0"/>
+                                    </a:rPr>
+                                    <m:t>𝑗</m:t>
+                                  </m:r>
+                                </m:sub>
+                              </m:sSub>
                               <m:r>
-                                <a:rPr lang="en-US" sz="2600" i="1" dirty="0">
-                                  <a:latin typeface="Cambria Math" panose="02040503050406030204" pitchFamily="18" charset="0"/>
-                                  <a:ea typeface="Cambria Math" panose="02040503050406030204" pitchFamily="18" charset="0"/>
+                                <a:rPr lang="en-US" sz="2300" i="1" dirty="0">
+                                  <a:solidFill>
+                                    <a:srgbClr val="000000"/>
+                                  </a:solidFill>
+                                  <a:latin typeface="Cambria Math" panose="02040503050406030204" pitchFamily="18" charset="0"/>
                                 </a:rPr>
                                 <m:t>,</m:t>
                               </m:r>
                               <m:r>
-                                <a:rPr lang="en-US" sz="2600" b="0" i="1" smtClean="0">
-                                  <a:latin typeface="Cambria Math" panose="02040503050406030204" pitchFamily="18" charset="0"/>
-                                </a:rPr>
-                                <m:t>𝑦</m:t>
-                              </m:r>
-                              <m:r>
-                                <a:rPr lang="en-US" sz="2600" i="1">
-                                  <a:latin typeface="Cambria Math" panose="02040503050406030204" pitchFamily="18" charset="0"/>
-                                </a:rPr>
-                                <m:t>,</m:t>
-                              </m:r>
-                              <m:sSup>
-                                <m:sSupPr>
-                                  <m:ctrlPr>
-                                    <a:rPr lang="en-US" sz="2600" i="1" dirty="0">
-                                      <a:solidFill>
-                                        <a:srgbClr val="000000"/>
-                                      </a:solidFill>
-                                      <a:latin typeface="Cambria Math" panose="02040503050406030204" pitchFamily="18" charset="0"/>
-                                    </a:rPr>
-                                  </m:ctrlPr>
-                                </m:sSupPr>
-                                <m:e>
-                                  <m:r>
-                                    <a:rPr lang="en-US" sz="2600" i="1" dirty="0">
-                                      <a:solidFill>
-                                        <a:srgbClr val="000000"/>
-                                      </a:solidFill>
-                                      <a:latin typeface="Cambria Math" panose="02040503050406030204" pitchFamily="18" charset="0"/>
-                                    </a:rPr>
-                                    <m:t>𝑧</m:t>
-                                  </m:r>
-                                </m:e>
-                                <m:sup>
-                                  <m:r>
-                                    <a:rPr lang="en-US" sz="2600" i="1" dirty="0">
-                                      <a:solidFill>
-                                        <a:srgbClr val="000000"/>
-                                      </a:solidFill>
-                                      <a:latin typeface="Cambria Math" panose="02040503050406030204" pitchFamily="18" charset="0"/>
-                                    </a:rPr>
-                                    <m:t>∗</m:t>
-                                  </m:r>
-                                </m:sup>
-                              </m:sSup>
-                              <m:r>
-                                <a:rPr lang="en-US" sz="2600" i="1" dirty="0">
-                                  <a:solidFill>
-                                    <a:srgbClr val="000000"/>
-                                  </a:solidFill>
-                                  <a:latin typeface="Cambria Math" panose="02040503050406030204" pitchFamily="18" charset="0"/>
-                                </a:rPr>
-                                <m:t>,</m:t>
-                              </m:r>
-                              <m:r>
-                                <a:rPr lang="en-US" sz="2600" i="1" dirty="0">
+                                <a:rPr lang="en-US" sz="2300" i="1" dirty="0">
                                   <a:latin typeface="Cambria Math" panose="02040503050406030204" pitchFamily="18" charset="0"/>
                                   <a:ea typeface="Cambria Math" panose="02040503050406030204" pitchFamily="18" charset="0"/>
                                 </a:rPr>
@@ -20623,7 +20923,7 @@
                         </m:sup>
                       </m:sSup>
                       <m:r>
-                        <a:rPr lang="en-US" sz="2600" i="1" dirty="0">
+                        <a:rPr lang="en-US" sz="2300" i="1" dirty="0">
                           <a:latin typeface="Cambria Math" panose="02040503050406030204" pitchFamily="18" charset="0"/>
                           <a:ea typeface="Cambria Math" panose="02040503050406030204" pitchFamily="18" charset="0"/>
                         </a:rPr>
@@ -20632,58 +20932,69 @@
                       <m:d>
                         <m:dPr>
                           <m:ctrlPr>
-                            <a:rPr lang="en-US" sz="2600" i="1" dirty="0">
+                            <a:rPr lang="en-US" sz="2300" i="1" dirty="0">
                               <a:latin typeface="Cambria Math" panose="02040503050406030204" pitchFamily="18" charset="0"/>
                               <a:ea typeface="Cambria Math" panose="02040503050406030204" pitchFamily="18" charset="0"/>
                             </a:rPr>
                           </m:ctrlPr>
                         </m:dPr>
                         <m:e>
-                          <m:sSup>
-                            <m:sSupPr>
+                          <m:sSub>
+                            <m:sSubPr>
                               <m:ctrlPr>
-                                <a:rPr lang="en-US" sz="2600" i="1">
-                                  <a:latin typeface="Cambria Math" panose="02040503050406030204" pitchFamily="18" charset="0"/>
+                                <a:rPr lang="en-US" sz="2300" i="1" dirty="0">
+                                  <a:latin typeface="Cambria Math" panose="02040503050406030204" pitchFamily="18" charset="0"/>
+                                  <a:ea typeface="Cambria Math" panose="02040503050406030204" pitchFamily="18" charset="0"/>
                                 </a:rPr>
                               </m:ctrlPr>
-                            </m:sSupPr>
+                            </m:sSubPr>
                             <m:e>
                               <m:r>
-                                <a:rPr lang="en-US" sz="2600" i="1">
-                                  <a:latin typeface="Cambria Math" panose="02040503050406030204" pitchFamily="18" charset="0"/>
+                                <a:rPr lang="en-US" sz="2300" i="1" dirty="0">
+                                  <a:latin typeface="Cambria Math" panose="02040503050406030204" pitchFamily="18" charset="0"/>
+                                  <a:ea typeface="Cambria Math" panose="02040503050406030204" pitchFamily="18" charset="0"/>
                                 </a:rPr>
                                 <m:t>𝑥</m:t>
                               </m:r>
                             </m:e>
-                            <m:sup>
+                            <m:sub>
                               <m:r>
-                                <a:rPr lang="en-US" sz="2600" i="1">
-                                  <a:latin typeface="Cambria Math" panose="02040503050406030204" pitchFamily="18" charset="0"/>
-                                </a:rPr>
-                                <m:t>′</m:t>
+                                <a:rPr lang="en-US" sz="2300" i="1" dirty="0">
+                                  <a:latin typeface="Cambria Math" panose="02040503050406030204" pitchFamily="18" charset="0"/>
+                                  <a:ea typeface="Cambria Math" panose="02040503050406030204" pitchFamily="18" charset="0"/>
+                                </a:rPr>
+                                <m:t>𝑗</m:t>
                               </m:r>
-                            </m:sup>
-                          </m:sSup>
+                              <m:r>
+                                <a:rPr lang="en-US" sz="2300" i="1" dirty="0">
+                                  <a:latin typeface="Cambria Math" panose="02040503050406030204" pitchFamily="18" charset="0"/>
+                                  <a:ea typeface="Cambria Math" panose="02040503050406030204" pitchFamily="18" charset="0"/>
+                                </a:rPr>
+                                <m:t>−1</m:t>
+                              </m:r>
+                            </m:sub>
+                          </m:sSub>
                           <m:r>
-                            <a:rPr lang="en-US" sz="2600" i="1" dirty="0">
+                            <a:rPr lang="en-US" sz="2300" i="1" dirty="0">
                               <a:latin typeface="Cambria Math" panose="02040503050406030204" pitchFamily="18" charset="0"/>
                             </a:rPr>
                             <m:t>−</m:t>
                           </m:r>
-                          <m:sSup>
-                            <m:sSupPr>
+                          <m:sSub>
+                            <m:sSubPr>
                               <m:ctrlPr>
-                                <a:rPr lang="en-US" sz="2600" i="1" dirty="0" smtClean="0">
-                                  <a:latin typeface="Cambria Math" panose="02040503050406030204" pitchFamily="18" charset="0"/>
+                                <a:rPr lang="en-US" sz="2300" i="1" dirty="0" smtClean="0">
+                                  <a:latin typeface="Cambria Math" panose="02040503050406030204" pitchFamily="18" charset="0"/>
+                                  <a:ea typeface="Cambria Math" panose="02040503050406030204" pitchFamily="18" charset="0"/>
                                 </a:rPr>
                               </m:ctrlPr>
-                            </m:sSupPr>
+                            </m:sSubPr>
                             <m:e>
                               <m:acc>
                                 <m:accPr>
                                   <m:chr m:val="̃"/>
                                   <m:ctrlPr>
-                                    <a:rPr lang="en-US" sz="2600" i="1" dirty="0">
+                                    <a:rPr lang="en-US" sz="2300" i="1" dirty="0">
                                       <a:latin typeface="Cambria Math" panose="02040503050406030204" pitchFamily="18" charset="0"/>
                                       <a:ea typeface="Cambria Math" panose="02040503050406030204" pitchFamily="18" charset="0"/>
                                     </a:rPr>
@@ -20691,7 +21002,7 @@
                                 </m:accPr>
                                 <m:e>
                                   <m:r>
-                                    <a:rPr lang="en-US" sz="2600" i="1" dirty="0">
+                                    <a:rPr lang="en-US" sz="2300" b="0" i="1" dirty="0">
                                       <a:latin typeface="Cambria Math" panose="02040503050406030204" pitchFamily="18" charset="0"/>
                                       <a:ea typeface="Cambria Math" panose="02040503050406030204" pitchFamily="18" charset="0"/>
                                     </a:rPr>
@@ -20700,50 +21011,98 @@
                                 </m:e>
                               </m:acc>
                             </m:e>
-                            <m:sup>
+                            <m:sub>
                               <m:r>
-                                <a:rPr lang="en-US" sz="2600" b="0" i="1" dirty="0" smtClean="0">
-                                  <a:latin typeface="Cambria Math" panose="02040503050406030204" pitchFamily="18" charset="0"/>
-                                </a:rPr>
-                                <m:t>′</m:t>
+                                <a:rPr lang="en-US" sz="2300" b="0" i="1" dirty="0" smtClean="0">
+                                  <a:latin typeface="Cambria Math" panose="02040503050406030204" pitchFamily="18" charset="0"/>
+                                  <a:ea typeface="Cambria Math" panose="02040503050406030204" pitchFamily="18" charset="0"/>
+                                </a:rPr>
+                                <m:t>𝑗</m:t>
                               </m:r>
-                            </m:sup>
-                          </m:sSup>
+                              <m:r>
+                                <a:rPr lang="en-US" sz="2300" b="0" i="1" dirty="0" smtClean="0">
+                                  <a:latin typeface="Cambria Math" panose="02040503050406030204" pitchFamily="18" charset="0"/>
+                                  <a:ea typeface="Cambria Math" panose="02040503050406030204" pitchFamily="18" charset="0"/>
+                                </a:rPr>
+                                <m:t>−1</m:t>
+                              </m:r>
+                            </m:sub>
+                          </m:sSub>
                           <m:d>
                             <m:dPr>
                               <m:ctrlPr>
-                                <a:rPr lang="en-US" sz="2600" i="1" dirty="0" smtClean="0">
+                                <a:rPr lang="en-US" sz="2300" i="1" dirty="0" smtClean="0">
                                   <a:latin typeface="Cambria Math" panose="02040503050406030204" pitchFamily="18" charset="0"/>
                                   <a:ea typeface="Cambria Math" panose="02040503050406030204" pitchFamily="18" charset="0"/>
                                 </a:rPr>
                               </m:ctrlPr>
                             </m:dPr>
                             <m:e>
+                              <m:sSub>
+                                <m:sSubPr>
+                                  <m:ctrlPr>
+                                    <a:rPr lang="en-US" sz="2300" i="1" dirty="0">
+                                      <a:latin typeface="Cambria Math" panose="02040503050406030204" pitchFamily="18" charset="0"/>
+                                      <a:ea typeface="Cambria Math" panose="02040503050406030204" pitchFamily="18" charset="0"/>
+                                    </a:rPr>
+                                  </m:ctrlPr>
+                                </m:sSubPr>
+                                <m:e>
+                                  <m:r>
+                                    <a:rPr lang="en-US" sz="2300" i="1" dirty="0">
+                                      <a:latin typeface="Cambria Math" panose="02040503050406030204" pitchFamily="18" charset="0"/>
+                                      <a:ea typeface="Cambria Math" panose="02040503050406030204" pitchFamily="18" charset="0"/>
+                                    </a:rPr>
+                                    <m:t>𝑥</m:t>
+                                  </m:r>
+                                </m:e>
+                                <m:sub>
+                                  <m:r>
+                                    <a:rPr lang="en-US" sz="2300" i="1" dirty="0">
+                                      <a:latin typeface="Cambria Math" panose="02040503050406030204" pitchFamily="18" charset="0"/>
+                                      <a:ea typeface="Cambria Math" panose="02040503050406030204" pitchFamily="18" charset="0"/>
+                                    </a:rPr>
+                                    <m:t>𝑗</m:t>
+                                  </m:r>
+                                </m:sub>
+                              </m:sSub>
                               <m:r>
-                                <a:rPr lang="en-US" sz="2600" b="0" i="1" dirty="0" smtClean="0">
-                                  <a:latin typeface="Cambria Math" panose="02040503050406030204" pitchFamily="18" charset="0"/>
-                                  <a:ea typeface="Cambria Math" panose="02040503050406030204" pitchFamily="18" charset="0"/>
-                                </a:rPr>
-                                <m:t>𝑥</m:t>
-                              </m:r>
-                              <m:r>
-                                <a:rPr lang="en-US" sz="2600" b="0" i="1" smtClean="0">
+                                <a:rPr lang="en-US" sz="2300" i="1">
                                   <a:latin typeface="Cambria Math" panose="02040503050406030204" pitchFamily="18" charset="0"/>
                                 </a:rPr>
                                 <m:t>,</m:t>
                               </m:r>
-                              <m:r>
-                                <a:rPr lang="en-US" sz="2600" b="0" i="1" smtClean="0">
-                                  <a:latin typeface="Cambria Math" panose="02040503050406030204" pitchFamily="18" charset="0"/>
-                                </a:rPr>
-                                <m:t>𝑦</m:t>
-                              </m:r>
+                              <m:sSub>
+                                <m:sSubPr>
+                                  <m:ctrlPr>
+                                    <a:rPr lang="en-US" sz="2300" i="1">
+                                      <a:latin typeface="Cambria Math" panose="02040503050406030204" pitchFamily="18" charset="0"/>
+                                    </a:rPr>
+                                  </m:ctrlPr>
+                                </m:sSubPr>
+                                <m:e>
+                                  <m:r>
+                                    <a:rPr lang="en-US" sz="2300" i="1">
+                                      <a:latin typeface="Cambria Math" panose="02040503050406030204" pitchFamily="18" charset="0"/>
+                                    </a:rPr>
+                                    <m:t>𝑦</m:t>
+                                  </m:r>
+                                </m:e>
+                                <m:sub>
+                                  <m:r>
+                                    <a:rPr lang="en-US" sz="2300" i="1">
+                                      <a:latin typeface="Cambria Math" panose="02040503050406030204" pitchFamily="18" charset="0"/>
+                                    </a:rPr>
+                                    <m:t>𝑗</m:t>
+                                  </m:r>
+                                </m:sub>
+                              </m:sSub>
                             </m:e>
                           </m:d>
                         </m:e>
                       </m:d>
                       <m:r>
-                        <a:rPr lang="en-US" sz="2600" i="1" dirty="0">
+                        <a:rPr lang="en-US" sz="2300" i="1" dirty="0">
                           <a:latin typeface="Cambria Math" panose="02040503050406030204" pitchFamily="18" charset="0"/>
                           <a:ea typeface="Cambria Math" panose="02040503050406030204" pitchFamily="18" charset="0"/>
                         </a:rPr>
@@ -20752,58 +21111,65 @@
                       <m:d>
                         <m:dPr>
                           <m:ctrlPr>
-                            <a:rPr lang="en-US" sz="2600" i="1" dirty="0">
+                            <a:rPr lang="en-US" sz="2300" i="1" dirty="0">
                               <a:latin typeface="Cambria Math" panose="02040503050406030204" pitchFamily="18" charset="0"/>
                               <a:ea typeface="Cambria Math" panose="02040503050406030204" pitchFamily="18" charset="0"/>
                             </a:rPr>
                           </m:ctrlPr>
                         </m:dPr>
                         <m:e>
-                          <m:sSup>
-                            <m:sSupPr>
+                          <m:sSub>
+                            <m:sSubPr>
                               <m:ctrlPr>
-                                <a:rPr lang="en-US" sz="2600" i="1">
+                                <a:rPr lang="en-US" sz="2300" i="1">
                                   <a:latin typeface="Cambria Math" panose="02040503050406030204" pitchFamily="18" charset="0"/>
                                 </a:rPr>
                               </m:ctrlPr>
-                            </m:sSupPr>
+                            </m:sSubPr>
                             <m:e>
                               <m:r>
-                                <a:rPr lang="en-US" sz="2600" b="0" i="1" smtClean="0">
+                                <a:rPr lang="en-US" sz="2300" i="1">
                                   <a:latin typeface="Cambria Math" panose="02040503050406030204" pitchFamily="18" charset="0"/>
                                 </a:rPr>
                                 <m:t>𝑦</m:t>
                               </m:r>
                             </m:e>
-                            <m:sup>
+                            <m:sub>
                               <m:r>
-                                <a:rPr lang="en-US" sz="2600" i="1">
-                                  <a:latin typeface="Cambria Math" panose="02040503050406030204" pitchFamily="18" charset="0"/>
-                                </a:rPr>
-                                <m:t>′</m:t>
+                                <a:rPr lang="en-US" sz="2300" i="1">
+                                  <a:latin typeface="Cambria Math" panose="02040503050406030204" pitchFamily="18" charset="0"/>
+                                </a:rPr>
+                                <m:t>𝑗</m:t>
                               </m:r>
-                            </m:sup>
-                          </m:sSup>
+                              <m:r>
+                                <a:rPr lang="en-US" sz="2300" i="1">
+                                  <a:latin typeface="Cambria Math" panose="02040503050406030204" pitchFamily="18" charset="0"/>
+                                </a:rPr>
+                                <m:t>−1</m:t>
+                              </m:r>
+                            </m:sub>
+                          </m:sSub>
                           <m:r>
-                            <a:rPr lang="en-US" sz="2600" i="1" dirty="0">
+                            <a:rPr lang="en-US" sz="2300" i="1" dirty="0">
                               <a:latin typeface="Cambria Math" panose="02040503050406030204" pitchFamily="18" charset="0"/>
                             </a:rPr>
                             <m:t>−</m:t>
                           </m:r>
-                          <m:sSup>
-                            <m:sSupPr>
+                          <m:sSub>
+                            <m:sSubPr>
                               <m:ctrlPr>
-                                <a:rPr lang="en-US" sz="2600" i="1" dirty="0">
-                                  <a:latin typeface="Cambria Math" panose="02040503050406030204" pitchFamily="18" charset="0"/>
+                                <a:rPr lang="en-US" sz="2300" i="1" dirty="0">
+                                  <a:latin typeface="Cambria Math" panose="02040503050406030204" pitchFamily="18" charset="0"/>
+                                  <a:ea typeface="Cambria Math" panose="02040503050406030204" pitchFamily="18" charset="0"/>
                                 </a:rPr>
                               </m:ctrlPr>
-                            </m:sSupPr>
+                            </m:sSubPr>
                             <m:e>
                               <m:acc>
                                 <m:accPr>
                                   <m:chr m:val="̃"/>
                                   <m:ctrlPr>
-                                    <a:rPr lang="en-US" sz="2600" i="1" dirty="0">
+                                    <a:rPr lang="en-US" sz="2300" i="1" dirty="0">
                                       <a:latin typeface="Cambria Math" panose="02040503050406030204" pitchFamily="18" charset="0"/>
                                       <a:ea typeface="Cambria Math" panose="02040503050406030204" pitchFamily="18" charset="0"/>
                                     </a:rPr>
@@ -20811,7 +21177,7 @@
                                 </m:accPr>
                                 <m:e>
                                   <m:r>
-                                    <a:rPr lang="en-US" sz="2600" b="0" i="1" dirty="0" smtClean="0">
+                                    <a:rPr lang="en-US" sz="2300" b="0" i="1" dirty="0" smtClean="0">
                                       <a:latin typeface="Cambria Math" panose="02040503050406030204" pitchFamily="18" charset="0"/>
                                       <a:ea typeface="Cambria Math" panose="02040503050406030204" pitchFamily="18" charset="0"/>
                                     </a:rPr>
@@ -20820,44 +21186,92 @@
                                 </m:e>
                               </m:acc>
                             </m:e>
-                            <m:sup>
+                            <m:sub>
                               <m:r>
-                                <a:rPr lang="en-US" sz="2600" i="1" dirty="0">
-                                  <a:latin typeface="Cambria Math" panose="02040503050406030204" pitchFamily="18" charset="0"/>
-                                </a:rPr>
-                                <m:t>′</m:t>
+                                <a:rPr lang="en-US" sz="2300" i="1" dirty="0">
+                                  <a:latin typeface="Cambria Math" panose="02040503050406030204" pitchFamily="18" charset="0"/>
+                                  <a:ea typeface="Cambria Math" panose="02040503050406030204" pitchFamily="18" charset="0"/>
+                                </a:rPr>
+                                <m:t>𝑗</m:t>
                               </m:r>
-                            </m:sup>
-                          </m:sSup>
+                              <m:r>
+                                <a:rPr lang="en-US" sz="2300" i="1" dirty="0">
+                                  <a:latin typeface="Cambria Math" panose="02040503050406030204" pitchFamily="18" charset="0"/>
+                                  <a:ea typeface="Cambria Math" panose="02040503050406030204" pitchFamily="18" charset="0"/>
+                                </a:rPr>
+                                <m:t>−1</m:t>
+                              </m:r>
+                            </m:sub>
+                          </m:sSub>
                           <m:d>
                             <m:dPr>
                               <m:ctrlPr>
-                                <a:rPr lang="en-US" sz="2600" i="1" dirty="0">
+                                <a:rPr lang="en-US" sz="2300" i="1" dirty="0">
                                   <a:latin typeface="Cambria Math" panose="02040503050406030204" pitchFamily="18" charset="0"/>
                                   <a:ea typeface="Cambria Math" panose="02040503050406030204" pitchFamily="18" charset="0"/>
                                 </a:rPr>
                               </m:ctrlPr>
                             </m:dPr>
                             <m:e>
+                              <m:sSub>
+                                <m:sSubPr>
+                                  <m:ctrlPr>
+                                    <a:rPr lang="en-US" sz="2300" i="1" dirty="0">
+                                      <a:latin typeface="Cambria Math" panose="02040503050406030204" pitchFamily="18" charset="0"/>
+                                      <a:ea typeface="Cambria Math" panose="02040503050406030204" pitchFamily="18" charset="0"/>
+                                    </a:rPr>
+                                  </m:ctrlPr>
+                                </m:sSubPr>
+                                <m:e>
+                                  <m:r>
+                                    <a:rPr lang="en-US" sz="2300" i="1" dirty="0">
+                                      <a:latin typeface="Cambria Math" panose="02040503050406030204" pitchFamily="18" charset="0"/>
+                                      <a:ea typeface="Cambria Math" panose="02040503050406030204" pitchFamily="18" charset="0"/>
+                                    </a:rPr>
+                                    <m:t>𝑥</m:t>
+                                  </m:r>
+                                </m:e>
+                                <m:sub>
+                                  <m:r>
+                                    <a:rPr lang="en-US" sz="2300" i="1" dirty="0">
+                                      <a:latin typeface="Cambria Math" panose="02040503050406030204" pitchFamily="18" charset="0"/>
+                                      <a:ea typeface="Cambria Math" panose="02040503050406030204" pitchFamily="18" charset="0"/>
+                                    </a:rPr>
+                                    <m:t>𝑗</m:t>
+                                  </m:r>
+                                </m:sub>
+                              </m:sSub>
                               <m:r>
-                                <a:rPr lang="en-US" sz="2600" i="1" dirty="0">
-                                  <a:latin typeface="Cambria Math" panose="02040503050406030204" pitchFamily="18" charset="0"/>
-                                  <a:ea typeface="Cambria Math" panose="02040503050406030204" pitchFamily="18" charset="0"/>
-                                </a:rPr>
-                                <m:t>𝑥</m:t>
-                              </m:r>
-                              <m:r>
-                                <a:rPr lang="en-US" sz="2600" i="1">
+                                <a:rPr lang="en-US" sz="2300" i="1">
                                   <a:latin typeface="Cambria Math" panose="02040503050406030204" pitchFamily="18" charset="0"/>
                                 </a:rPr>
                                 <m:t>,</m:t>
                               </m:r>
-                              <m:r>
-                                <a:rPr lang="en-US" sz="2600" i="1">
-                                  <a:latin typeface="Cambria Math" panose="02040503050406030204" pitchFamily="18" charset="0"/>
-                                </a:rPr>
-                                <m:t>𝑦</m:t>
-                              </m:r>
+                              <m:sSub>
+                                <m:sSubPr>
+                                  <m:ctrlPr>
+                                    <a:rPr lang="en-US" sz="2300" i="1">
+                                      <a:latin typeface="Cambria Math" panose="02040503050406030204" pitchFamily="18" charset="0"/>
+                                    </a:rPr>
+                                  </m:ctrlPr>
+                                </m:sSubPr>
+                                <m:e>
+                                  <m:r>
+                                    <a:rPr lang="en-US" sz="2300" i="1">
+                                      <a:latin typeface="Cambria Math" panose="02040503050406030204" pitchFamily="18" charset="0"/>
+                                    </a:rPr>
+                                    <m:t>𝑦</m:t>
+                                  </m:r>
+                                </m:e>
+                                <m:sub>
+                                  <m:r>
+                                    <a:rPr lang="en-US" sz="2300" i="1">
+                                      <a:latin typeface="Cambria Math" panose="02040503050406030204" pitchFamily="18" charset="0"/>
+                                    </a:rPr>
+                                    <m:t>𝑗</m:t>
+                                  </m:r>
+                                </m:sub>
+                              </m:sSub>
                             </m:e>
                           </m:d>
                         </m:e>
@@ -20865,7 +21279,7 @@
                     </m:oMath>
                   </m:oMathPara>
                 </a14:m>
-                <a:endParaRPr lang="en-US" sz="2600" dirty="0"/>
+                <a:endParaRPr lang="en-US" sz="2300" dirty="0"/>
               </a:p>
             </p:txBody>
           </p:sp>
@@ -20887,16 +21301,16 @@
             </p:nvSpPr>
             <p:spPr>
               <a:xfrm>
-                <a:off x="264394" y="3451395"/>
-                <a:ext cx="11830226" cy="552524"/>
+                <a:off x="253677" y="3871454"/>
+                <a:ext cx="11773223" cy="622030"/>
               </a:xfrm>
               <a:prstGeom prst="rect">
                 <a:avLst/>
               </a:prstGeom>
               <a:blipFill>
-                <a:blip r:embed="rId3"/>
+                <a:blip r:embed="rId4"/>
                 <a:stretch>
-                  <a:fillRect b="-6818"/>
+                  <a:fillRect/>
                 </a:stretch>
               </a:blipFill>
             </p:spPr>
@@ -20931,8 +21345,8 @@
             </p:nvSpPr>
             <p:spPr>
               <a:xfrm>
-                <a:off x="332114" y="4219692"/>
-                <a:ext cx="11511072" cy="1323439"/>
+                <a:off x="332114" y="4595472"/>
+                <a:ext cx="11511072" cy="1499257"/>
               </a:xfrm>
               <a:prstGeom prst="rect">
                 <a:avLst/>
@@ -20956,103 +21370,88 @@
                 <a14:m>
                   <m:oMath xmlns:m="http://schemas.openxmlformats.org/officeDocument/2006/math">
                     <m:r>
-                      <a:rPr lang="en-US" sz="2000" i="1" dirty="0" smtClean="0">
+                      <a:rPr lang="en-US" sz="2000" b="1" i="1" dirty="0">
                         <a:solidFill>
-                          <a:schemeClr val="tx1"/>
+                          <a:srgbClr val="000000"/>
                         </a:solidFill>
                         <a:latin typeface="Cambria Math" panose="02040503050406030204" pitchFamily="18" charset="0"/>
                         <a:ea typeface="Cambria Math" panose="02040503050406030204" pitchFamily="18" charset="0"/>
                       </a:rPr>
-                      <m:t>𝐺</m:t>
+                      <m:t>𝑮</m:t>
                     </m:r>
                     <m:d>
                       <m:dPr>
                         <m:ctrlPr>
                           <a:rPr lang="en-US" sz="2000" i="1" dirty="0">
-                            <a:solidFill>
-                              <a:schemeClr val="tx1"/>
-                            </a:solidFill>
                             <a:latin typeface="Cambria Math" panose="02040503050406030204" pitchFamily="18" charset="0"/>
                             <a:ea typeface="Cambria Math" panose="02040503050406030204" pitchFamily="18" charset="0"/>
                           </a:rPr>
                         </m:ctrlPr>
                       </m:dPr>
                       <m:e>
+                        <m:sSub>
+                          <m:sSubPr>
+                            <m:ctrlPr>
+                              <a:rPr lang="en-US" sz="2000" i="1" dirty="0">
+                                <a:latin typeface="Cambria Math" panose="02040503050406030204" pitchFamily="18" charset="0"/>
+                                <a:ea typeface="Cambria Math" panose="02040503050406030204" pitchFamily="18" charset="0"/>
+                              </a:rPr>
+                            </m:ctrlPr>
+                          </m:sSubPr>
+                          <m:e>
+                            <m:r>
+                              <a:rPr lang="en-US" sz="2000" i="1" dirty="0">
+                                <a:latin typeface="Cambria Math" panose="02040503050406030204" pitchFamily="18" charset="0"/>
+                                <a:ea typeface="Cambria Math" panose="02040503050406030204" pitchFamily="18" charset="0"/>
+                              </a:rPr>
+                              <m:t>𝑥</m:t>
+                            </m:r>
+                          </m:e>
+                          <m:sub>
+                            <m:r>
+                              <a:rPr lang="en-US" sz="2000" i="1" dirty="0">
+                                <a:latin typeface="Cambria Math" panose="02040503050406030204" pitchFamily="18" charset="0"/>
+                                <a:ea typeface="Cambria Math" panose="02040503050406030204" pitchFamily="18" charset="0"/>
+                              </a:rPr>
+                              <m:t>𝑗</m:t>
+                            </m:r>
+                          </m:sub>
+                        </m:sSub>
                         <m:r>
                           <a:rPr lang="en-US" sz="2000" i="1">
-                            <a:solidFill>
-                              <a:schemeClr val="tx1"/>
-                            </a:solidFill>
-                            <a:latin typeface="Cambria Math" panose="02040503050406030204" pitchFamily="18" charset="0"/>
-                          </a:rPr>
-                          <m:t>𝑥</m:t>
-                        </m:r>
-                        <m:r>
-                          <a:rPr lang="en-US" sz="2000" i="1" dirty="0">
-                            <a:solidFill>
-                              <a:schemeClr val="tx1"/>
-                            </a:solidFill>
-                            <a:latin typeface="Cambria Math" panose="02040503050406030204" pitchFamily="18" charset="0"/>
-                            <a:ea typeface="Cambria Math" panose="02040503050406030204" pitchFamily="18" charset="0"/>
-                          </a:rPr>
-                          <m:t>,</m:t>
-                        </m:r>
-                        <m:r>
-                          <a:rPr lang="en-US" sz="2000" i="1">
-                            <a:solidFill>
-                              <a:schemeClr val="tx1"/>
-                            </a:solidFill>
-                            <a:latin typeface="Cambria Math" panose="02040503050406030204" pitchFamily="18" charset="0"/>
-                          </a:rPr>
-                          <m:t>𝑦</m:t>
-                        </m:r>
-                        <m:r>
-                          <a:rPr lang="en-US" sz="2000" i="1">
-                            <a:solidFill>
-                              <a:schemeClr val="tx1"/>
-                            </a:solidFill>
                             <a:latin typeface="Cambria Math" panose="02040503050406030204" pitchFamily="18" charset="0"/>
                           </a:rPr>
                           <m:t>,</m:t>
                         </m:r>
-                        <m:sSup>
-                          <m:sSupPr>
+                        <m:sSub>
+                          <m:sSubPr>
                             <m:ctrlPr>
-                              <a:rPr lang="en-US" sz="2000" i="1" dirty="0">
-                                <a:solidFill>
-                                  <a:schemeClr val="tx1"/>
-                                </a:solidFill>
+                              <a:rPr lang="en-US" sz="2000" i="1">
                                 <a:latin typeface="Cambria Math" panose="02040503050406030204" pitchFamily="18" charset="0"/>
                               </a:rPr>
                             </m:ctrlPr>
-                          </m:sSupPr>
+                          </m:sSubPr>
                           <m:e>
                             <m:r>
-                              <a:rPr lang="en-US" sz="2000" i="1" dirty="0">
-                                <a:solidFill>
-                                  <a:schemeClr val="tx1"/>
-                                </a:solidFill>
+                              <a:rPr lang="en-US" sz="2000" i="1">
                                 <a:latin typeface="Cambria Math" panose="02040503050406030204" pitchFamily="18" charset="0"/>
                               </a:rPr>
-                              <m:t>𝑧</m:t>
+                              <m:t>𝑦</m:t>
                             </m:r>
                           </m:e>
-                          <m:sup>
+                          <m:sub>
                             <m:r>
-                              <a:rPr lang="en-US" sz="2000" i="1" dirty="0">
-                                <a:solidFill>
-                                  <a:schemeClr val="tx1"/>
-                                </a:solidFill>
+                              <a:rPr lang="en-US" sz="2000" i="1">
                                 <a:latin typeface="Cambria Math" panose="02040503050406030204" pitchFamily="18" charset="0"/>
                               </a:rPr>
-                              <m:t>∗</m:t>
+                              <m:t>𝑗</m:t>
                             </m:r>
-                          </m:sup>
-                        </m:sSup>
+                          </m:sub>
+                        </m:sSub>
                         <m:r>
                           <a:rPr lang="en-US" sz="2000" i="1" dirty="0">
                             <a:solidFill>
-                              <a:schemeClr val="tx1"/>
+                              <a:srgbClr val="000000"/>
                             </a:solidFill>
                             <a:latin typeface="Cambria Math" panose="02040503050406030204" pitchFamily="18" charset="0"/>
                           </a:rPr>
@@ -21060,9 +21459,6 @@
                         </m:r>
                         <m:r>
                           <a:rPr lang="en-US" sz="2000" i="1" dirty="0">
-                            <a:solidFill>
-                              <a:schemeClr val="tx1"/>
-                            </a:solidFill>
                             <a:latin typeface="Cambria Math" panose="02040503050406030204" pitchFamily="18" charset="0"/>
                             <a:ea typeface="Cambria Math" panose="02040503050406030204" pitchFamily="18" charset="0"/>
                           </a:rPr>
@@ -21078,30 +21474,25 @@
                       <a:srgbClr val="005C98"/>
                     </a:solidFill>
                   </a:rPr>
-                  <a:t> is a function defining local transformations of the wavefield (e.g. reflection from a mirror surface), </a:t>
+                  <a:t> is a matrix function defining local transformations of the wavefield (e.g. reflection from a mirror surface), </a:t>
                 </a:r>
                 <a14:m>
                   <m:oMath xmlns:m="http://schemas.openxmlformats.org/officeDocument/2006/math">
-                    <m:sSup>
-                      <m:sSupPr>
+                    <m:sSub>
+                      <m:sSubPr>
                         <m:ctrlPr>
-                          <a:rPr lang="en-US" sz="2000" i="1" dirty="0" smtClean="0">
-                            <a:solidFill>
-                              <a:schemeClr val="tx1"/>
-                            </a:solidFill>
+                          <a:rPr lang="en-US" sz="2000" i="1" dirty="0">
                             <a:latin typeface="Cambria Math" panose="02040503050406030204" pitchFamily="18" charset="0"/>
+                            <a:ea typeface="Cambria Math" panose="02040503050406030204" pitchFamily="18" charset="0"/>
                           </a:rPr>
                         </m:ctrlPr>
-                      </m:sSupPr>
+                      </m:sSubPr>
                       <m:e>
                         <m:acc>
                           <m:accPr>
                             <m:chr m:val="̃"/>
                             <m:ctrlPr>
                               <a:rPr lang="en-US" sz="2000" i="1" dirty="0">
-                                <a:solidFill>
-                                  <a:schemeClr val="tx1"/>
-                                </a:solidFill>
                                 <a:latin typeface="Cambria Math" panose="02040503050406030204" pitchFamily="18" charset="0"/>
                                 <a:ea typeface="Cambria Math" panose="02040503050406030204" pitchFamily="18" charset="0"/>
                               </a:rPr>
@@ -21110,9 +21501,6 @@
                           <m:e>
                             <m:r>
                               <a:rPr lang="en-US" sz="2000" i="1" dirty="0">
-                                <a:solidFill>
-                                  <a:schemeClr val="tx1"/>
-                                </a:solidFill>
                                 <a:latin typeface="Cambria Math" panose="02040503050406030204" pitchFamily="18" charset="0"/>
                                 <a:ea typeface="Cambria Math" panose="02040503050406030204" pitchFamily="18" charset="0"/>
                               </a:rPr>
@@ -21121,71 +21509,102 @@
                           </m:e>
                         </m:acc>
                       </m:e>
-                      <m:sup>
+                      <m:sub>
                         <m:r>
                           <a:rPr lang="en-US" sz="2000" i="1" dirty="0">
-                            <a:solidFill>
-                              <a:schemeClr val="tx1"/>
-                            </a:solidFill>
                             <a:latin typeface="Cambria Math" panose="02040503050406030204" pitchFamily="18" charset="0"/>
+                            <a:ea typeface="Cambria Math" panose="02040503050406030204" pitchFamily="18" charset="0"/>
                           </a:rPr>
-                          <m:t>′</m:t>
+                          <m:t>𝑗</m:t>
                         </m:r>
-                      </m:sup>
-                    </m:sSup>
+                        <m:r>
+                          <a:rPr lang="en-US" sz="2000" i="1" dirty="0">
+                            <a:latin typeface="Cambria Math" panose="02040503050406030204" pitchFamily="18" charset="0"/>
+                            <a:ea typeface="Cambria Math" panose="02040503050406030204" pitchFamily="18" charset="0"/>
+                          </a:rPr>
+                          <m:t>−1</m:t>
+                        </m:r>
+                      </m:sub>
+                    </m:sSub>
                     <m:d>
                       <m:dPr>
                         <m:ctrlPr>
                           <a:rPr lang="en-US" sz="2000" i="1" dirty="0">
-                            <a:solidFill>
-                              <a:schemeClr val="tx1"/>
-                            </a:solidFill>
                             <a:latin typeface="Cambria Math" panose="02040503050406030204" pitchFamily="18" charset="0"/>
                             <a:ea typeface="Cambria Math" panose="02040503050406030204" pitchFamily="18" charset="0"/>
                           </a:rPr>
                         </m:ctrlPr>
                       </m:dPr>
                       <m:e>
-                        <m:r>
-                          <a:rPr lang="en-US" sz="2000" i="1" dirty="0">
-                            <a:solidFill>
-                              <a:schemeClr val="tx1"/>
-                            </a:solidFill>
-                            <a:latin typeface="Cambria Math" panose="02040503050406030204" pitchFamily="18" charset="0"/>
-                            <a:ea typeface="Cambria Math" panose="02040503050406030204" pitchFamily="18" charset="0"/>
-                          </a:rPr>
-                          <m:t>𝑥</m:t>
-                        </m:r>
+                        <m:sSub>
+                          <m:sSubPr>
+                            <m:ctrlPr>
+                              <a:rPr lang="en-US" sz="2000" i="1" dirty="0">
+                                <a:latin typeface="Cambria Math" panose="02040503050406030204" pitchFamily="18" charset="0"/>
+                                <a:ea typeface="Cambria Math" panose="02040503050406030204" pitchFamily="18" charset="0"/>
+                              </a:rPr>
+                            </m:ctrlPr>
+                          </m:sSubPr>
+                          <m:e>
+                            <m:r>
+                              <a:rPr lang="en-US" sz="2000" i="1" dirty="0">
+                                <a:latin typeface="Cambria Math" panose="02040503050406030204" pitchFamily="18" charset="0"/>
+                                <a:ea typeface="Cambria Math" panose="02040503050406030204" pitchFamily="18" charset="0"/>
+                              </a:rPr>
+                              <m:t>𝑥</m:t>
+                            </m:r>
+                          </m:e>
+                          <m:sub>
+                            <m:r>
+                              <a:rPr lang="en-US" sz="2000" i="1" dirty="0">
+                                <a:latin typeface="Cambria Math" panose="02040503050406030204" pitchFamily="18" charset="0"/>
+                                <a:ea typeface="Cambria Math" panose="02040503050406030204" pitchFamily="18" charset="0"/>
+                              </a:rPr>
+                              <m:t>𝑗</m:t>
+                            </m:r>
+                          </m:sub>
+                        </m:sSub>
                         <m:r>
                           <a:rPr lang="en-US" sz="2000" i="1">
-                            <a:solidFill>
-                              <a:schemeClr val="tx1"/>
-                            </a:solidFill>
                             <a:latin typeface="Cambria Math" panose="02040503050406030204" pitchFamily="18" charset="0"/>
                           </a:rPr>
                           <m:t>,</m:t>
                         </m:r>
-                        <m:r>
-                          <a:rPr lang="en-US" sz="2000" i="1">
-                            <a:solidFill>
-                              <a:schemeClr val="tx1"/>
-                            </a:solidFill>
-                            <a:latin typeface="Cambria Math" panose="02040503050406030204" pitchFamily="18" charset="0"/>
-                          </a:rPr>
-                          <m:t>𝑦</m:t>
-                        </m:r>
+                        <m:sSub>
+                          <m:sSubPr>
+                            <m:ctrlPr>
+                              <a:rPr lang="en-US" sz="2000" i="1">
+                                <a:latin typeface="Cambria Math" panose="02040503050406030204" pitchFamily="18" charset="0"/>
+                              </a:rPr>
+                            </m:ctrlPr>
+                          </m:sSubPr>
+                          <m:e>
+                            <m:r>
+                              <a:rPr lang="en-US" sz="2000" i="1">
+                                <a:latin typeface="Cambria Math" panose="02040503050406030204" pitchFamily="18" charset="0"/>
+                              </a:rPr>
+                              <m:t>𝑦</m:t>
+                            </m:r>
+                          </m:e>
+                          <m:sub>
+                            <m:r>
+                              <a:rPr lang="en-US" sz="2000" i="1">
+                                <a:latin typeface="Cambria Math" panose="02040503050406030204" pitchFamily="18" charset="0"/>
+                              </a:rPr>
+                              <m:t>𝑗</m:t>
+                            </m:r>
+                          </m:sub>
+                        </m:sSub>
                       </m:e>
                     </m:d>
+                    <m:r>
+                      <a:rPr lang="en-US" sz="2000" i="1">
+                        <a:latin typeface="Cambria Math" panose="02040503050406030204" pitchFamily="18" charset="0"/>
+                      </a:rPr>
+                      <m:t> </m:t>
+                    </m:r>
                   </m:oMath>
                 </a14:m>
-                <a:r>
-                  <a:rPr lang="en-US" sz="2000" dirty="0">
-                    <a:solidFill>
-                      <a:schemeClr val="tx1"/>
-                    </a:solidFill>
-                  </a:rPr>
-                  <a:t> </a:t>
-                </a:r>
                 <a:r>
                   <a:rPr lang="en-US" sz="2000" dirty="0">
                     <a:solidFill>
@@ -21196,26 +21615,21 @@
                 </a:r>
                 <a14:m>
                   <m:oMath xmlns:m="http://schemas.openxmlformats.org/officeDocument/2006/math">
-                    <m:sSup>
-                      <m:sSupPr>
+                    <m:sSub>
+                      <m:sSubPr>
                         <m:ctrlPr>
-                          <a:rPr lang="en-US" sz="2000" i="1" dirty="0" smtClean="0">
-                            <a:solidFill>
-                              <a:schemeClr val="tx1"/>
-                            </a:solidFill>
+                          <a:rPr lang="en-US" sz="2000" i="1" dirty="0">
                             <a:latin typeface="Cambria Math" panose="02040503050406030204" pitchFamily="18" charset="0"/>
+                            <a:ea typeface="Cambria Math" panose="02040503050406030204" pitchFamily="18" charset="0"/>
                           </a:rPr>
                         </m:ctrlPr>
-                      </m:sSupPr>
+                      </m:sSubPr>
                       <m:e>
                         <m:acc>
                           <m:accPr>
                             <m:chr m:val="̃"/>
                             <m:ctrlPr>
                               <a:rPr lang="en-US" sz="2000" i="1" dirty="0">
-                                <a:solidFill>
-                                  <a:schemeClr val="tx1"/>
-                                </a:solidFill>
                                 <a:latin typeface="Cambria Math" panose="02040503050406030204" pitchFamily="18" charset="0"/>
                                 <a:ea typeface="Cambria Math" panose="02040503050406030204" pitchFamily="18" charset="0"/>
                               </a:rPr>
@@ -21224,9 +21638,6 @@
                           <m:e>
                             <m:r>
                               <a:rPr lang="en-US" sz="2000" i="1" dirty="0">
-                                <a:solidFill>
-                                  <a:schemeClr val="tx1"/>
-                                </a:solidFill>
                                 <a:latin typeface="Cambria Math" panose="02040503050406030204" pitchFamily="18" charset="0"/>
                                 <a:ea typeface="Cambria Math" panose="02040503050406030204" pitchFamily="18" charset="0"/>
                               </a:rPr>
@@ -21235,59 +21646,92 @@
                           </m:e>
                         </m:acc>
                       </m:e>
-                      <m:sup>
+                      <m:sub>
                         <m:r>
                           <a:rPr lang="en-US" sz="2000" i="1" dirty="0">
-                            <a:solidFill>
-                              <a:schemeClr val="tx1"/>
-                            </a:solidFill>
                             <a:latin typeface="Cambria Math" panose="02040503050406030204" pitchFamily="18" charset="0"/>
+                            <a:ea typeface="Cambria Math" panose="02040503050406030204" pitchFamily="18" charset="0"/>
                           </a:rPr>
-                          <m:t>′</m:t>
+                          <m:t>𝑗</m:t>
                         </m:r>
-                      </m:sup>
-                    </m:sSup>
+                        <m:r>
+                          <a:rPr lang="en-US" sz="2000" i="1" dirty="0">
+                            <a:latin typeface="Cambria Math" panose="02040503050406030204" pitchFamily="18" charset="0"/>
+                            <a:ea typeface="Cambria Math" panose="02040503050406030204" pitchFamily="18" charset="0"/>
+                          </a:rPr>
+                          <m:t>−1</m:t>
+                        </m:r>
+                      </m:sub>
+                    </m:sSub>
                     <m:d>
                       <m:dPr>
                         <m:ctrlPr>
                           <a:rPr lang="en-US" sz="2000" i="1" dirty="0">
-                            <a:solidFill>
-                              <a:schemeClr val="tx1"/>
-                            </a:solidFill>
                             <a:latin typeface="Cambria Math" panose="02040503050406030204" pitchFamily="18" charset="0"/>
                             <a:ea typeface="Cambria Math" panose="02040503050406030204" pitchFamily="18" charset="0"/>
                           </a:rPr>
                         </m:ctrlPr>
                       </m:dPr>
                       <m:e>
-                        <m:r>
-                          <a:rPr lang="en-US" sz="2000" i="1" dirty="0">
-                            <a:solidFill>
-                              <a:schemeClr val="tx1"/>
-                            </a:solidFill>
-                            <a:latin typeface="Cambria Math" panose="02040503050406030204" pitchFamily="18" charset="0"/>
-                            <a:ea typeface="Cambria Math" panose="02040503050406030204" pitchFamily="18" charset="0"/>
-                          </a:rPr>
-                          <m:t>𝑥</m:t>
-                        </m:r>
+                        <m:sSub>
+                          <m:sSubPr>
+                            <m:ctrlPr>
+                              <a:rPr lang="en-US" sz="2000" i="1" dirty="0">
+                                <a:latin typeface="Cambria Math" panose="02040503050406030204" pitchFamily="18" charset="0"/>
+                                <a:ea typeface="Cambria Math" panose="02040503050406030204" pitchFamily="18" charset="0"/>
+                              </a:rPr>
+                            </m:ctrlPr>
+                          </m:sSubPr>
+                          <m:e>
+                            <m:r>
+                              <a:rPr lang="en-US" sz="2000" i="1" dirty="0">
+                                <a:latin typeface="Cambria Math" panose="02040503050406030204" pitchFamily="18" charset="0"/>
+                                <a:ea typeface="Cambria Math" panose="02040503050406030204" pitchFamily="18" charset="0"/>
+                              </a:rPr>
+                              <m:t>𝑥</m:t>
+                            </m:r>
+                          </m:e>
+                          <m:sub>
+                            <m:r>
+                              <a:rPr lang="en-US" sz="2000" i="1" dirty="0">
+                                <a:latin typeface="Cambria Math" panose="02040503050406030204" pitchFamily="18" charset="0"/>
+                                <a:ea typeface="Cambria Math" panose="02040503050406030204" pitchFamily="18" charset="0"/>
+                              </a:rPr>
+                              <m:t>𝑗</m:t>
+                            </m:r>
+                          </m:sub>
+                        </m:sSub>
                         <m:r>
                           <a:rPr lang="en-US" sz="2000" i="1">
-                            <a:solidFill>
-                              <a:schemeClr val="tx1"/>
-                            </a:solidFill>
                             <a:latin typeface="Cambria Math" panose="02040503050406030204" pitchFamily="18" charset="0"/>
                           </a:rPr>
                           <m:t>,</m:t>
                         </m:r>
-                        <m:r>
-                          <a:rPr lang="en-US" sz="2000" i="1">
-                            <a:solidFill>
-                              <a:schemeClr val="tx1"/>
-                            </a:solidFill>
-                            <a:latin typeface="Cambria Math" panose="02040503050406030204" pitchFamily="18" charset="0"/>
-                          </a:rPr>
-                          <m:t>𝑦</m:t>
-                        </m:r>
+                        <m:sSub>
+                          <m:sSubPr>
+                            <m:ctrlPr>
+                              <a:rPr lang="en-US" sz="2000" i="1">
+                                <a:latin typeface="Cambria Math" panose="02040503050406030204" pitchFamily="18" charset="0"/>
+                              </a:rPr>
+                            </m:ctrlPr>
+                          </m:sSubPr>
+                          <m:e>
+                            <m:r>
+                              <a:rPr lang="en-US" sz="2000" i="1">
+                                <a:latin typeface="Cambria Math" panose="02040503050406030204" pitchFamily="18" charset="0"/>
+                              </a:rPr>
+                              <m:t>𝑦</m:t>
+                            </m:r>
+                          </m:e>
+                          <m:sub>
+                            <m:r>
+                              <a:rPr lang="en-US" sz="2000" i="1">
+                                <a:latin typeface="Cambria Math" panose="02040503050406030204" pitchFamily="18" charset="0"/>
+                              </a:rPr>
+                              <m:t>𝑗</m:t>
+                            </m:r>
+                          </m:sub>
+                        </m:sSub>
                       </m:e>
                     </m:d>
                   </m:oMath>
@@ -21303,106 +21747,85 @@
                 <a14:m>
                   <m:oMath xmlns:m="http://schemas.openxmlformats.org/officeDocument/2006/math">
                     <m:r>
-                      <m:rPr>
-                        <m:sty m:val="p"/>
-                      </m:rPr>
-                      <a:rPr lang="el-GR" sz="2000" i="1" dirty="0" smtClean="0">
-                        <a:solidFill>
-                          <a:schemeClr val="tx1"/>
-                        </a:solidFill>
+                      <a:rPr lang="el-GR" sz="2000" i="1" dirty="0">
                         <a:latin typeface="Cambria Math" panose="02040503050406030204" pitchFamily="18" charset="0"/>
                         <a:ea typeface="Cambria Math" panose="02040503050406030204" pitchFamily="18" charset="0"/>
                       </a:rPr>
-                      <m:t>Λ</m:t>
+                      <m:t>𝛬</m:t>
                     </m:r>
                     <m:d>
                       <m:dPr>
                         <m:ctrlPr>
                           <a:rPr lang="en-US" sz="2000" i="1" dirty="0">
-                            <a:solidFill>
-                              <a:schemeClr val="tx1"/>
-                            </a:solidFill>
                             <a:latin typeface="Cambria Math" panose="02040503050406030204" pitchFamily="18" charset="0"/>
                             <a:ea typeface="Cambria Math" panose="02040503050406030204" pitchFamily="18" charset="0"/>
                           </a:rPr>
                         </m:ctrlPr>
                       </m:dPr>
                       <m:e>
+                        <m:sSub>
+                          <m:sSubPr>
+                            <m:ctrlPr>
+                              <a:rPr lang="en-US" sz="2000" i="1" dirty="0">
+                                <a:latin typeface="Cambria Math" panose="02040503050406030204" pitchFamily="18" charset="0"/>
+                                <a:ea typeface="Cambria Math" panose="02040503050406030204" pitchFamily="18" charset="0"/>
+                              </a:rPr>
+                            </m:ctrlPr>
+                          </m:sSubPr>
+                          <m:e>
+                            <m:r>
+                              <a:rPr lang="en-US" sz="2000" i="1" dirty="0">
+                                <a:latin typeface="Cambria Math" panose="02040503050406030204" pitchFamily="18" charset="0"/>
+                                <a:ea typeface="Cambria Math" panose="02040503050406030204" pitchFamily="18" charset="0"/>
+                              </a:rPr>
+                              <m:t>𝑥</m:t>
+                            </m:r>
+                          </m:e>
+                          <m:sub>
+                            <m:r>
+                              <a:rPr lang="en-US" sz="2000" i="1" dirty="0">
+                                <a:latin typeface="Cambria Math" panose="02040503050406030204" pitchFamily="18" charset="0"/>
+                                <a:ea typeface="Cambria Math" panose="02040503050406030204" pitchFamily="18" charset="0"/>
+                              </a:rPr>
+                              <m:t>𝑗</m:t>
+                            </m:r>
+                          </m:sub>
+                        </m:sSub>
                         <m:r>
                           <a:rPr lang="en-US" sz="2000" i="1">
-                            <a:solidFill>
-                              <a:schemeClr val="tx1"/>
-                            </a:solidFill>
-                            <a:latin typeface="Cambria Math" panose="02040503050406030204" pitchFamily="18" charset="0"/>
-                          </a:rPr>
-                          <m:t>𝑥</m:t>
-                        </m:r>
-                        <m:r>
-                          <a:rPr lang="en-US" sz="2000" i="1" dirty="0">
-                            <a:solidFill>
-                              <a:schemeClr val="tx1"/>
-                            </a:solidFill>
-                            <a:latin typeface="Cambria Math" panose="02040503050406030204" pitchFamily="18" charset="0"/>
-                            <a:ea typeface="Cambria Math" panose="02040503050406030204" pitchFamily="18" charset="0"/>
-                          </a:rPr>
-                          <m:t>,</m:t>
-                        </m:r>
-                        <m:r>
-                          <a:rPr lang="en-US" sz="2000" i="1">
-                            <a:solidFill>
-                              <a:schemeClr val="tx1"/>
-                            </a:solidFill>
-                            <a:latin typeface="Cambria Math" panose="02040503050406030204" pitchFamily="18" charset="0"/>
-                          </a:rPr>
-                          <m:t>𝑦</m:t>
-                        </m:r>
-                        <m:r>
-                          <a:rPr lang="en-US" sz="2000" i="1">
-                            <a:solidFill>
-                              <a:schemeClr val="tx1"/>
-                            </a:solidFill>
                             <a:latin typeface="Cambria Math" panose="02040503050406030204" pitchFamily="18" charset="0"/>
                           </a:rPr>
                           <m:t>,</m:t>
                         </m:r>
-                        <m:sSup>
-                          <m:sSupPr>
+                        <m:sSub>
+                          <m:sSubPr>
                             <m:ctrlPr>
-                              <a:rPr lang="en-US" sz="2000" i="1" dirty="0">
-                                <a:solidFill>
-                                  <a:schemeClr val="tx1"/>
-                                </a:solidFill>
+                              <a:rPr lang="en-US" sz="2000" i="1">
                                 <a:latin typeface="Cambria Math" panose="02040503050406030204" pitchFamily="18" charset="0"/>
                               </a:rPr>
                             </m:ctrlPr>
-                          </m:sSupPr>
+                          </m:sSubPr>
                           <m:e>
                             <m:r>
-                              <a:rPr lang="en-US" sz="2000" i="1" dirty="0">
-                                <a:solidFill>
-                                  <a:schemeClr val="tx1"/>
-                                </a:solidFill>
+                              <a:rPr lang="en-US" sz="2000" i="1">
                                 <a:latin typeface="Cambria Math" panose="02040503050406030204" pitchFamily="18" charset="0"/>
                               </a:rPr>
-                              <m:t>𝑧</m:t>
+                              <m:t>𝑦</m:t>
                             </m:r>
                           </m:e>
-                          <m:sup>
+                          <m:sub>
                             <m:r>
-                              <a:rPr lang="en-US" sz="2000" i="1" dirty="0">
-                                <a:solidFill>
-                                  <a:schemeClr val="tx1"/>
-                                </a:solidFill>
+                              <a:rPr lang="en-US" sz="2000" i="1">
                                 <a:latin typeface="Cambria Math" panose="02040503050406030204" pitchFamily="18" charset="0"/>
                               </a:rPr>
-                              <m:t>∗</m:t>
+                              <m:t>𝑗</m:t>
                             </m:r>
-                          </m:sup>
-                        </m:sSup>
+                          </m:sub>
+                        </m:sSub>
                         <m:r>
                           <a:rPr lang="en-US" sz="2000" i="1" dirty="0">
                             <a:solidFill>
-                              <a:schemeClr val="tx1"/>
+                              <a:srgbClr val="000000"/>
                             </a:solidFill>
                             <a:latin typeface="Cambria Math" panose="02040503050406030204" pitchFamily="18" charset="0"/>
                           </a:rPr>
@@ -21410,9 +21833,6 @@
                         </m:r>
                         <m:r>
                           <a:rPr lang="en-US" sz="2000" i="1" dirty="0">
-                            <a:solidFill>
-                              <a:schemeClr val="tx1"/>
-                            </a:solidFill>
                             <a:latin typeface="Cambria Math" panose="02040503050406030204" pitchFamily="18" charset="0"/>
                             <a:ea typeface="Cambria Math" panose="02040503050406030204" pitchFamily="18" charset="0"/>
                           </a:rPr>
@@ -21451,16 +21871,16 @@
             </p:nvSpPr>
             <p:spPr>
               <a:xfrm>
-                <a:off x="332114" y="4219692"/>
-                <a:ext cx="11511072" cy="1323439"/>
+                <a:off x="332114" y="4595472"/>
+                <a:ext cx="11511072" cy="1499257"/>
               </a:xfrm>
               <a:prstGeom prst="rect">
                 <a:avLst/>
               </a:prstGeom>
               <a:blipFill>
-                <a:blip r:embed="rId4"/>
+                <a:blip r:embed="rId5"/>
                 <a:stretch>
-                  <a:fillRect l="-441" t="-1905" r="-330" b="-7619"/>
+                  <a:fillRect l="-441" b="-3361"/>
                 </a:stretch>
               </a:blipFill>
             </p:spPr>
@@ -21731,7 +22151,7 @@
           <a:p>
             <a:r>
               <a:rPr lang="en-US" sz="2800" dirty="0"/>
-              <a:t>Standard Propagator</a:t>
+              <a:t>SRW Standard Propagator</a:t>
             </a:r>
           </a:p>
         </p:txBody>
@@ -21789,6 +22209,991 @@
           </a:p>
         </p:txBody>
       </p:sp>
+      <p:sp>
+        <p:nvSpPr>
+          <p:cNvPr id="7" name="Rectangle 6">
+            <a:extLst>
+              <a:ext uri="{FF2B5EF4-FFF2-40B4-BE49-F238E27FC236}">
+                <a16:creationId xmlns:a16="http://schemas.microsoft.com/office/drawing/2014/main" id="{83CBA9C0-0E0E-A14B-A04F-9BB5EDF18617}"/>
+              </a:ext>
+            </a:extLst>
+          </p:cNvPr>
+          <p:cNvSpPr/>
+          <p:nvPr/>
+        </p:nvSpPr>
+        <p:spPr>
+          <a:xfrm>
+            <a:off x="609601" y="2981938"/>
+            <a:ext cx="9317123" cy="2793842"/>
+          </a:xfrm>
+          <a:prstGeom prst="rect">
+            <a:avLst/>
+          </a:prstGeom>
+        </p:spPr>
+        <p:txBody>
+          <a:bodyPr wrap="square">
+            <a:spAutoFit/>
+          </a:bodyPr>
+          <a:lstStyle/>
+          <a:p>
+            <a:pPr marL="285750" indent="-285750">
+              <a:lnSpc>
+                <a:spcPct val="150000"/>
+              </a:lnSpc>
+              <a:buFontTx/>
+              <a:buChar char="-"/>
+            </a:pPr>
+            <a:r>
+              <a:rPr lang="en-US" altLang="en-US" sz="2400" dirty="0">
+                <a:solidFill>
+                  <a:srgbClr val="005C98"/>
+                </a:solidFill>
+                <a:latin typeface="+mn-lt"/>
+              </a:rPr>
+              <a:t>propagation over a drift space with gentle (de)magnification</a:t>
+            </a:r>
+          </a:p>
+          <a:p>
+            <a:pPr marL="285750" indent="-285750">
+              <a:lnSpc>
+                <a:spcPct val="150000"/>
+              </a:lnSpc>
+              <a:buFontTx/>
+              <a:buChar char="-"/>
+            </a:pPr>
+            <a:r>
+              <a:rPr lang="en-US" altLang="en-US" sz="2400" dirty="0">
+                <a:solidFill>
+                  <a:srgbClr val="005C98"/>
+                </a:solidFill>
+                <a:latin typeface="+mn-lt"/>
+              </a:rPr>
+              <a:t>before slits, ideal lenses and smooth phase elements</a:t>
+            </a:r>
+          </a:p>
+          <a:p>
+            <a:pPr marL="285750" indent="-285750">
+              <a:lnSpc>
+                <a:spcPct val="150000"/>
+              </a:lnSpc>
+              <a:buFontTx/>
+              <a:buChar char="-"/>
+            </a:pPr>
+            <a:r>
+              <a:rPr lang="en-US" altLang="en-US" sz="2400" dirty="0">
+                <a:solidFill>
+                  <a:srgbClr val="005C98"/>
+                </a:solidFill>
+                <a:latin typeface="+mn-lt"/>
+              </a:rPr>
+              <a:t>preserves number of pixel and ranges</a:t>
+            </a:r>
+          </a:p>
+          <a:p>
+            <a:pPr marL="285750" indent="-285750">
+              <a:lnSpc>
+                <a:spcPct val="150000"/>
+              </a:lnSpc>
+              <a:buFontTx/>
+              <a:buChar char="-"/>
+            </a:pPr>
+            <a:r>
+              <a:rPr lang="en-US" altLang="en-US" sz="2400" dirty="0">
+                <a:solidFill>
+                  <a:srgbClr val="005C98"/>
+                </a:solidFill>
+                <a:latin typeface="+mn-lt"/>
+              </a:rPr>
+              <a:t>given proper sampling, can be used for focusing</a:t>
+            </a:r>
+          </a:p>
+          <a:p>
+            <a:pPr marL="285750" indent="-285750">
+              <a:lnSpc>
+                <a:spcPct val="150000"/>
+              </a:lnSpc>
+              <a:buFontTx/>
+              <a:buChar char="-"/>
+            </a:pPr>
+            <a:r>
+              <a:rPr lang="en-US" altLang="en-US" sz="2400" dirty="0">
+                <a:solidFill>
+                  <a:srgbClr val="005C98"/>
+                </a:solidFill>
+                <a:latin typeface="+mn-lt"/>
+              </a:rPr>
+              <a:t>works for strongly astigmatic systems</a:t>
+            </a:r>
+            <a:endParaRPr lang="en-US" sz="2400" dirty="0">
+              <a:solidFill>
+                <a:srgbClr val="005C98"/>
+              </a:solidFill>
+              <a:latin typeface="+mn-lt"/>
+            </a:endParaRPr>
+          </a:p>
+        </p:txBody>
+      </p:sp>
+      <p:sp>
+        <p:nvSpPr>
+          <p:cNvPr id="8" name="TextBox 7">
+            <a:extLst>
+              <a:ext uri="{FF2B5EF4-FFF2-40B4-BE49-F238E27FC236}">
+                <a16:creationId xmlns:a16="http://schemas.microsoft.com/office/drawing/2014/main" id="{DA61D594-E557-EE4B-9E43-CDD70834B400}"/>
+              </a:ext>
+            </a:extLst>
+          </p:cNvPr>
+          <p:cNvSpPr txBox="1"/>
+          <p:nvPr/>
+        </p:nvSpPr>
+        <p:spPr>
+          <a:xfrm>
+            <a:off x="609601" y="1015410"/>
+            <a:ext cx="3145413" cy="400110"/>
+          </a:xfrm>
+          <a:prstGeom prst="rect">
+            <a:avLst/>
+          </a:prstGeom>
+          <a:noFill/>
+        </p:spPr>
+        <p:txBody>
+          <a:bodyPr wrap="none" rtlCol="0">
+            <a:spAutoFit/>
+          </a:bodyPr>
+          <a:lstStyle/>
+          <a:p>
+            <a:r>
+              <a:rPr lang="en-US" sz="2000" dirty="0">
+                <a:solidFill>
+                  <a:srgbClr val="005C98"/>
+                </a:solidFill>
+              </a:rPr>
+              <a:t>Is the Fresnel Propagator:</a:t>
+            </a:r>
+          </a:p>
+        </p:txBody>
+      </p:sp>
+      <mc:AlternateContent xmlns:mc="http://schemas.openxmlformats.org/markup-compatibility/2006">
+        <mc:Choice xmlns:a14="http://schemas.microsoft.com/office/drawing/2010/main" Requires="a14">
+          <p:sp>
+            <p:nvSpPr>
+              <p:cNvPr id="13" name="Rectangle 12">
+                <a:extLst>
+                  <a:ext uri="{FF2B5EF4-FFF2-40B4-BE49-F238E27FC236}">
+                    <a16:creationId xmlns:a16="http://schemas.microsoft.com/office/drawing/2014/main" id="{F2AF044E-219F-4D4E-8136-06B262510A8E}"/>
+                  </a:ext>
+                </a:extLst>
+              </p:cNvPr>
+              <p:cNvSpPr/>
+              <p:nvPr/>
+            </p:nvSpPr>
+            <p:spPr>
+              <a:xfrm>
+                <a:off x="780311" y="1519325"/>
+                <a:ext cx="10920434" cy="943272"/>
+              </a:xfrm>
+              <a:prstGeom prst="rect">
+                <a:avLst/>
+              </a:prstGeom>
+            </p:spPr>
+            <p:txBody>
+              <a:bodyPr wrap="square">
+                <a:spAutoFit/>
+              </a:bodyPr>
+              <a:lstStyle/>
+              <a:p>
+                <a:pPr/>
+                <a14:m>
+                  <m:oMathPara xmlns:m="http://schemas.openxmlformats.org/officeDocument/2006/math">
+                    <m:oMathParaPr>
+                      <m:jc m:val="left"/>
+                    </m:oMathParaPr>
+                    <m:oMath xmlns:m="http://schemas.openxmlformats.org/officeDocument/2006/math">
+                      <m:sSub>
+                        <m:sSubPr>
+                          <m:ctrlPr>
+                            <a:rPr lang="en-US" sz="2400" i="1" dirty="0" smtClean="0">
+                              <a:solidFill>
+                                <a:srgbClr val="000000"/>
+                              </a:solidFill>
+                              <a:latin typeface="Cambria Math" panose="02040503050406030204" pitchFamily="18" charset="0"/>
+                            </a:rPr>
+                          </m:ctrlPr>
+                        </m:sSubPr>
+                        <m:e>
+                          <m:r>
+                            <a:rPr lang="en-US" sz="2400" i="1" dirty="0">
+                              <a:solidFill>
+                                <a:srgbClr val="000000"/>
+                              </a:solidFill>
+                              <a:latin typeface="Cambria Math" panose="02040503050406030204" pitchFamily="18" charset="0"/>
+                            </a:rPr>
+                            <m:t>𝑢</m:t>
+                          </m:r>
+                        </m:e>
+                        <m:sub>
+                          <m:r>
+                            <a:rPr lang="en-US" sz="2400" i="1" dirty="0">
+                              <a:solidFill>
+                                <a:srgbClr val="000000"/>
+                              </a:solidFill>
+                              <a:latin typeface="Cambria Math" panose="02040503050406030204" pitchFamily="18" charset="0"/>
+                              <a:ea typeface="Cambria Math" panose="02040503050406030204" pitchFamily="18" charset="0"/>
+                            </a:rPr>
+                            <m:t>𝜔</m:t>
+                          </m:r>
+                        </m:sub>
+                      </m:sSub>
+                      <m:d>
+                        <m:dPr>
+                          <m:ctrlPr>
+                            <a:rPr lang="en-US" sz="2400" i="1" dirty="0">
+                              <a:solidFill>
+                                <a:srgbClr val="000000"/>
+                              </a:solidFill>
+                              <a:latin typeface="Cambria Math" panose="02040503050406030204" pitchFamily="18" charset="0"/>
+                            </a:rPr>
+                          </m:ctrlPr>
+                        </m:dPr>
+                        <m:e>
+                          <m:r>
+                            <a:rPr lang="en-US" sz="2400" i="1" dirty="0">
+                              <a:solidFill>
+                                <a:srgbClr val="000000"/>
+                              </a:solidFill>
+                              <a:latin typeface="Cambria Math" panose="02040503050406030204" pitchFamily="18" charset="0"/>
+                            </a:rPr>
+                            <m:t>𝑥</m:t>
+                          </m:r>
+                          <m:r>
+                            <a:rPr lang="en-US" sz="2400" i="1" dirty="0">
+                              <a:solidFill>
+                                <a:srgbClr val="000000"/>
+                              </a:solidFill>
+                              <a:latin typeface="Cambria Math" panose="02040503050406030204" pitchFamily="18" charset="0"/>
+                            </a:rPr>
+                            <m:t>, </m:t>
+                          </m:r>
+                          <m:r>
+                            <a:rPr lang="en-US" sz="2400" i="1" dirty="0">
+                              <a:solidFill>
+                                <a:srgbClr val="000000"/>
+                              </a:solidFill>
+                              <a:latin typeface="Cambria Math" panose="02040503050406030204" pitchFamily="18" charset="0"/>
+                            </a:rPr>
+                            <m:t>𝑦</m:t>
+                          </m:r>
+                          <m:r>
+                            <a:rPr lang="en-US" sz="2400" i="1" dirty="0">
+                              <a:solidFill>
+                                <a:srgbClr val="000000"/>
+                              </a:solidFill>
+                              <a:latin typeface="Cambria Math" panose="02040503050406030204" pitchFamily="18" charset="0"/>
+                            </a:rPr>
+                            <m:t>, </m:t>
+                          </m:r>
+                          <m:r>
+                            <a:rPr lang="en-US" sz="2400" i="1" dirty="0">
+                              <a:solidFill>
+                                <a:srgbClr val="000000"/>
+                              </a:solidFill>
+                              <a:latin typeface="Cambria Math" panose="02040503050406030204" pitchFamily="18" charset="0"/>
+                            </a:rPr>
+                            <m:t>𝑧</m:t>
+                          </m:r>
+                          <m:r>
+                            <a:rPr lang="en-US" sz="2400" i="1" dirty="0">
+                              <a:solidFill>
+                                <a:srgbClr val="000000"/>
+                              </a:solidFill>
+                              <a:latin typeface="Cambria Math" panose="02040503050406030204" pitchFamily="18" charset="0"/>
+                            </a:rPr>
+                            <m:t>=</m:t>
+                          </m:r>
+                          <m:sSup>
+                            <m:sSupPr>
+                              <m:ctrlPr>
+                                <a:rPr lang="en-US" sz="2400" i="1" dirty="0">
+                                  <a:solidFill>
+                                    <a:srgbClr val="000000"/>
+                                  </a:solidFill>
+                                  <a:latin typeface="Cambria Math" panose="02040503050406030204" pitchFamily="18" charset="0"/>
+                                </a:rPr>
+                              </m:ctrlPr>
+                            </m:sSupPr>
+                            <m:e>
+                              <m:r>
+                                <a:rPr lang="en-US" sz="2400" i="1" dirty="0">
+                                  <a:solidFill>
+                                    <a:srgbClr val="000000"/>
+                                  </a:solidFill>
+                                  <a:latin typeface="Cambria Math" panose="02040503050406030204" pitchFamily="18" charset="0"/>
+                                </a:rPr>
+                                <m:t>𝑧</m:t>
+                              </m:r>
+                            </m:e>
+                            <m:sup>
+                              <m:r>
+                                <a:rPr lang="en-US" sz="2400" i="1" dirty="0">
+                                  <a:solidFill>
+                                    <a:srgbClr val="000000"/>
+                                  </a:solidFill>
+                                  <a:latin typeface="Cambria Math" panose="02040503050406030204" pitchFamily="18" charset="0"/>
+                                </a:rPr>
+                                <m:t>∗</m:t>
+                              </m:r>
+                            </m:sup>
+                          </m:sSup>
+                        </m:e>
+                      </m:d>
+                      <m:r>
+                        <a:rPr lang="en-US" sz="2400" i="1" dirty="0">
+                          <a:solidFill>
+                            <a:srgbClr val="000000"/>
+                          </a:solidFill>
+                          <a:latin typeface="Cambria Math" panose="02040503050406030204" pitchFamily="18" charset="0"/>
+                        </a:rPr>
+                        <m:t>=</m:t>
+                      </m:r>
+                      <m:r>
+                        <a:rPr lang="en-US" sz="2400" i="1" dirty="0">
+                          <a:latin typeface="Cambria Math" panose="02040503050406030204" pitchFamily="18" charset="0"/>
+                          <a:ea typeface="Cambria Math" panose="02040503050406030204" pitchFamily="18" charset="0"/>
+                        </a:rPr>
+                        <m:t>−</m:t>
+                      </m:r>
+                      <m:f>
+                        <m:fPr>
+                          <m:ctrlPr>
+                            <a:rPr lang="en-US" sz="2400" i="1" dirty="0">
+                              <a:latin typeface="Cambria Math" panose="02040503050406030204" pitchFamily="18" charset="0"/>
+                              <a:ea typeface="Cambria Math" panose="02040503050406030204" pitchFamily="18" charset="0"/>
+                            </a:rPr>
+                          </m:ctrlPr>
+                        </m:fPr>
+                        <m:num>
+                          <m:r>
+                            <a:rPr lang="en-US" sz="2400" i="1" dirty="0">
+                              <a:latin typeface="Cambria Math" panose="02040503050406030204" pitchFamily="18" charset="0"/>
+                              <a:ea typeface="Cambria Math" panose="02040503050406030204" pitchFamily="18" charset="0"/>
+                            </a:rPr>
+                            <m:t>𝑖𝑘</m:t>
+                          </m:r>
+                          <m:sSup>
+                            <m:sSupPr>
+                              <m:ctrlPr>
+                                <a:rPr lang="en-US" sz="2400" i="1" dirty="0">
+                                  <a:latin typeface="Cambria Math" panose="02040503050406030204" pitchFamily="18" charset="0"/>
+                                </a:rPr>
+                              </m:ctrlPr>
+                            </m:sSupPr>
+                            <m:e>
+                              <m:r>
+                                <a:rPr lang="en-US" sz="2400" i="1" dirty="0">
+                                  <a:latin typeface="Cambria Math" panose="02040503050406030204" pitchFamily="18" charset="0"/>
+                                </a:rPr>
+                                <m:t>𝑒</m:t>
+                              </m:r>
+                            </m:e>
+                            <m:sup>
+                              <m:r>
+                                <a:rPr lang="en-US" sz="2400" i="1" dirty="0">
+                                  <a:latin typeface="Cambria Math" panose="02040503050406030204" pitchFamily="18" charset="0"/>
+                                </a:rPr>
+                                <m:t>𝑖</m:t>
+                              </m:r>
+                              <m:sSup>
+                                <m:sSupPr>
+                                  <m:ctrlPr>
+                                    <a:rPr lang="en-US" sz="2400" i="1" dirty="0">
+                                      <a:latin typeface="Cambria Math" panose="02040503050406030204" pitchFamily="18" charset="0"/>
+                                    </a:rPr>
+                                  </m:ctrlPr>
+                                </m:sSupPr>
+                                <m:e>
+                                  <m:r>
+                                    <a:rPr lang="en-US" sz="2400" i="1" dirty="0">
+                                      <a:latin typeface="Cambria Math" panose="02040503050406030204" pitchFamily="18" charset="0"/>
+                                    </a:rPr>
+                                    <m:t>𝑘𝑧</m:t>
+                                  </m:r>
+                                </m:e>
+                                <m:sup>
+                                  <m:r>
+                                    <a:rPr lang="en-US" sz="2400" i="1" dirty="0">
+                                      <a:latin typeface="Cambria Math" panose="02040503050406030204" pitchFamily="18" charset="0"/>
+                                    </a:rPr>
+                                    <m:t>∗</m:t>
+                                  </m:r>
+                                </m:sup>
+                              </m:sSup>
+                            </m:sup>
+                          </m:sSup>
+                        </m:num>
+                        <m:den>
+                          <m:r>
+                            <a:rPr lang="en-US" sz="2400" i="1" dirty="0">
+                              <a:latin typeface="Cambria Math" panose="02040503050406030204" pitchFamily="18" charset="0"/>
+                              <a:ea typeface="Cambria Math" panose="02040503050406030204" pitchFamily="18" charset="0"/>
+                            </a:rPr>
+                            <m:t>2</m:t>
+                          </m:r>
+                          <m:r>
+                            <a:rPr lang="en-US" sz="2400" i="1" dirty="0">
+                              <a:latin typeface="Cambria Math" panose="02040503050406030204" pitchFamily="18" charset="0"/>
+                              <a:ea typeface="Cambria Math" panose="02040503050406030204" pitchFamily="18" charset="0"/>
+                            </a:rPr>
+                            <m:t>𝜋</m:t>
+                          </m:r>
+                          <m:sSup>
+                            <m:sSupPr>
+                              <m:ctrlPr>
+                                <a:rPr lang="en-US" sz="2400" i="1" dirty="0">
+                                  <a:latin typeface="Cambria Math" panose="02040503050406030204" pitchFamily="18" charset="0"/>
+                                </a:rPr>
+                              </m:ctrlPr>
+                            </m:sSupPr>
+                            <m:e>
+                              <m:r>
+                                <a:rPr lang="en-US" sz="2400" i="1" dirty="0">
+                                  <a:latin typeface="Cambria Math" panose="02040503050406030204" pitchFamily="18" charset="0"/>
+                                </a:rPr>
+                                <m:t>𝑧</m:t>
+                              </m:r>
+                            </m:e>
+                            <m:sup>
+                              <m:r>
+                                <a:rPr lang="en-US" sz="2400" i="1" dirty="0">
+                                  <a:latin typeface="Cambria Math" panose="02040503050406030204" pitchFamily="18" charset="0"/>
+                                </a:rPr>
+                                <m:t>∗</m:t>
+                              </m:r>
+                            </m:sup>
+                          </m:sSup>
+                        </m:den>
+                      </m:f>
+                      <m:nary>
+                        <m:naryPr>
+                          <m:chr m:val="∬"/>
+                          <m:ctrlPr>
+                            <a:rPr lang="en-US" sz="2400" i="1">
+                              <a:latin typeface="Cambria Math" panose="02040503050406030204" pitchFamily="18" charset="0"/>
+                              <a:ea typeface="Cambria Math" panose="02040503050406030204" pitchFamily="18" charset="0"/>
+                            </a:rPr>
+                          </m:ctrlPr>
+                        </m:naryPr>
+                        <m:sub>
+                          <m:r>
+                            <m:rPr>
+                              <m:brk m:alnAt="23"/>
+                            </m:rPr>
+                            <a:rPr lang="en-US" sz="2400" i="1">
+                              <a:latin typeface="Cambria Math" panose="02040503050406030204" pitchFamily="18" charset="0"/>
+                              <a:ea typeface="Cambria Math" panose="02040503050406030204" pitchFamily="18" charset="0"/>
+                            </a:rPr>
+                            <m:t>−</m:t>
+                          </m:r>
+                          <m:r>
+                            <a:rPr lang="en-US" sz="2400" i="1">
+                              <a:latin typeface="Cambria Math" panose="02040503050406030204" pitchFamily="18" charset="0"/>
+                              <a:ea typeface="Cambria Math" panose="02040503050406030204" pitchFamily="18" charset="0"/>
+                            </a:rPr>
+                            <m:t>∞</m:t>
+                          </m:r>
+                        </m:sub>
+                        <m:sup>
+                          <m:r>
+                            <a:rPr lang="en-US" sz="2400" i="1">
+                              <a:latin typeface="Cambria Math" panose="02040503050406030204" pitchFamily="18" charset="0"/>
+                              <a:ea typeface="Cambria Math" panose="02040503050406030204" pitchFamily="18" charset="0"/>
+                            </a:rPr>
+                            <m:t>+∞</m:t>
+                          </m:r>
+                        </m:sup>
+                        <m:e>
+                          <m:sSub>
+                            <m:sSubPr>
+                              <m:ctrlPr>
+                                <a:rPr lang="en-US" sz="2400" i="1" dirty="0">
+                                  <a:solidFill>
+                                    <a:srgbClr val="000000"/>
+                                  </a:solidFill>
+                                  <a:latin typeface="Cambria Math" panose="02040503050406030204" pitchFamily="18" charset="0"/>
+                                </a:rPr>
+                              </m:ctrlPr>
+                            </m:sSubPr>
+                            <m:e>
+                              <m:r>
+                                <a:rPr lang="en-US" sz="2400" i="1" dirty="0">
+                                  <a:solidFill>
+                                    <a:srgbClr val="000000"/>
+                                  </a:solidFill>
+                                  <a:latin typeface="Cambria Math" panose="02040503050406030204" pitchFamily="18" charset="0"/>
+                                </a:rPr>
+                                <m:t> </m:t>
+                              </m:r>
+                              <m:r>
+                                <a:rPr lang="en-US" sz="2400" i="1" dirty="0">
+                                  <a:solidFill>
+                                    <a:srgbClr val="000000"/>
+                                  </a:solidFill>
+                                  <a:latin typeface="Cambria Math" panose="02040503050406030204" pitchFamily="18" charset="0"/>
+                                </a:rPr>
+                                <m:t>𝑢</m:t>
+                              </m:r>
+                            </m:e>
+                            <m:sub>
+                              <m:r>
+                                <a:rPr lang="en-US" sz="2400" i="1" dirty="0">
+                                  <a:solidFill>
+                                    <a:srgbClr val="000000"/>
+                                  </a:solidFill>
+                                  <a:latin typeface="Cambria Math" panose="02040503050406030204" pitchFamily="18" charset="0"/>
+                                  <a:ea typeface="Cambria Math" panose="02040503050406030204" pitchFamily="18" charset="0"/>
+                                </a:rPr>
+                                <m:t>𝜔</m:t>
+                              </m:r>
+                            </m:sub>
+                          </m:sSub>
+                          <m:d>
+                            <m:dPr>
+                              <m:ctrlPr>
+                                <a:rPr lang="en-US" sz="2400" i="1">
+                                  <a:latin typeface="Cambria Math" panose="02040503050406030204" pitchFamily="18" charset="0"/>
+                                </a:rPr>
+                              </m:ctrlPr>
+                            </m:dPr>
+                            <m:e>
+                              <m:sSup>
+                                <m:sSupPr>
+                                  <m:ctrlPr>
+                                    <a:rPr lang="en-US" sz="2400" i="1">
+                                      <a:latin typeface="Cambria Math" panose="02040503050406030204" pitchFamily="18" charset="0"/>
+                                    </a:rPr>
+                                  </m:ctrlPr>
+                                </m:sSupPr>
+                                <m:e>
+                                  <m:r>
+                                    <a:rPr lang="en-US" sz="2400" i="1">
+                                      <a:latin typeface="Cambria Math" panose="02040503050406030204" pitchFamily="18" charset="0"/>
+                                    </a:rPr>
+                                    <m:t>𝑥</m:t>
+                                  </m:r>
+                                </m:e>
+                                <m:sup>
+                                  <m:r>
+                                    <a:rPr lang="en-US" sz="2400" i="1">
+                                      <a:latin typeface="Cambria Math" panose="02040503050406030204" pitchFamily="18" charset="0"/>
+                                    </a:rPr>
+                                    <m:t>′</m:t>
+                                  </m:r>
+                                </m:sup>
+                              </m:sSup>
+                              <m:r>
+                                <a:rPr lang="en-US" sz="2400" i="1">
+                                  <a:latin typeface="Cambria Math" panose="02040503050406030204" pitchFamily="18" charset="0"/>
+                                </a:rPr>
+                                <m:t>,</m:t>
+                              </m:r>
+                              <m:sSup>
+                                <m:sSupPr>
+                                  <m:ctrlPr>
+                                    <a:rPr lang="en-US" sz="2400" i="1">
+                                      <a:latin typeface="Cambria Math" panose="02040503050406030204" pitchFamily="18" charset="0"/>
+                                    </a:rPr>
+                                  </m:ctrlPr>
+                                </m:sSupPr>
+                                <m:e>
+                                  <m:r>
+                                    <a:rPr lang="en-US" sz="2400" i="1">
+                                      <a:latin typeface="Cambria Math" panose="02040503050406030204" pitchFamily="18" charset="0"/>
+                                    </a:rPr>
+                                    <m:t>𝑦</m:t>
+                                  </m:r>
+                                </m:e>
+                                <m:sup>
+                                  <m:r>
+                                    <a:rPr lang="en-US" sz="2400" i="1">
+                                      <a:latin typeface="Cambria Math" panose="02040503050406030204" pitchFamily="18" charset="0"/>
+                                    </a:rPr>
+                                    <m:t>′</m:t>
+                                  </m:r>
+                                </m:sup>
+                              </m:sSup>
+                              <m:r>
+                                <a:rPr lang="en-US" sz="2400" b="0" i="1" smtClean="0">
+                                  <a:latin typeface="Cambria Math" panose="02040503050406030204" pitchFamily="18" charset="0"/>
+                                </a:rPr>
+                                <m:t>, </m:t>
+                              </m:r>
+                              <m:r>
+                                <a:rPr lang="en-US" sz="2400" b="0" i="1" smtClean="0">
+                                  <a:latin typeface="Cambria Math" panose="02040503050406030204" pitchFamily="18" charset="0"/>
+                                </a:rPr>
+                                <m:t>𝑧</m:t>
+                              </m:r>
+                              <m:r>
+                                <a:rPr lang="en-US" sz="2400" b="0" i="1" smtClean="0">
+                                  <a:latin typeface="Cambria Math" panose="02040503050406030204" pitchFamily="18" charset="0"/>
+                                </a:rPr>
+                                <m:t>=0</m:t>
+                              </m:r>
+                            </m:e>
+                          </m:d>
+                          <m:sSup>
+                            <m:sSupPr>
+                              <m:ctrlPr>
+                                <a:rPr lang="en-US" sz="2400" i="1" dirty="0">
+                                  <a:latin typeface="Cambria Math" panose="02040503050406030204" pitchFamily="18" charset="0"/>
+                                  <a:ea typeface="Cambria Math" panose="02040503050406030204" pitchFamily="18" charset="0"/>
+                                </a:rPr>
+                              </m:ctrlPr>
+                            </m:sSupPr>
+                            <m:e>
+                              <m:r>
+                                <a:rPr lang="en-US" sz="2400" i="1" dirty="0">
+                                  <a:latin typeface="Cambria Math" panose="02040503050406030204" pitchFamily="18" charset="0"/>
+                                </a:rPr>
+                                <m:t>𝑒</m:t>
+                              </m:r>
+                            </m:e>
+                            <m:sup>
+                              <m:f>
+                                <m:fPr>
+                                  <m:ctrlPr>
+                                    <a:rPr lang="en-US" sz="2400" i="1" dirty="0">
+                                      <a:latin typeface="Cambria Math" panose="02040503050406030204" pitchFamily="18" charset="0"/>
+                                      <a:ea typeface="Cambria Math" panose="02040503050406030204" pitchFamily="18" charset="0"/>
+                                    </a:rPr>
+                                  </m:ctrlPr>
+                                </m:fPr>
+                                <m:num>
+                                  <m:r>
+                                    <a:rPr lang="en-US" sz="2400" b="0" i="1" dirty="0" smtClean="0">
+                                      <a:latin typeface="Cambria Math" panose="02040503050406030204" pitchFamily="18" charset="0"/>
+                                      <a:ea typeface="Cambria Math" panose="02040503050406030204" pitchFamily="18" charset="0"/>
+                                    </a:rPr>
+                                    <m:t>𝑖</m:t>
+                                  </m:r>
+                                  <m:r>
+                                    <a:rPr lang="en-US" sz="2400" i="1" dirty="0">
+                                      <a:latin typeface="Cambria Math" panose="02040503050406030204" pitchFamily="18" charset="0"/>
+                                    </a:rPr>
+                                    <m:t>𝑘</m:t>
+                                  </m:r>
+                                </m:num>
+                                <m:den>
+                                  <m:r>
+                                    <a:rPr lang="en-US" sz="2400" i="1" dirty="0">
+                                      <a:latin typeface="Cambria Math" panose="02040503050406030204" pitchFamily="18" charset="0"/>
+                                      <a:ea typeface="Cambria Math" panose="02040503050406030204" pitchFamily="18" charset="0"/>
+                                    </a:rPr>
+                                    <m:t>2</m:t>
+                                  </m:r>
+                                  <m:sSup>
+                                    <m:sSupPr>
+                                      <m:ctrlPr>
+                                        <a:rPr lang="en-US" sz="2400" i="1" dirty="0">
+                                          <a:latin typeface="Cambria Math" panose="02040503050406030204" pitchFamily="18" charset="0"/>
+                                        </a:rPr>
+                                      </m:ctrlPr>
+                                    </m:sSupPr>
+                                    <m:e>
+                                      <m:r>
+                                        <a:rPr lang="en-US" sz="2400" i="1" dirty="0">
+                                          <a:latin typeface="Cambria Math" panose="02040503050406030204" pitchFamily="18" charset="0"/>
+                                        </a:rPr>
+                                        <m:t>𝑧</m:t>
+                                      </m:r>
+                                    </m:e>
+                                    <m:sup>
+                                      <m:r>
+                                        <a:rPr lang="en-US" sz="2400" i="1" dirty="0">
+                                          <a:latin typeface="Cambria Math" panose="02040503050406030204" pitchFamily="18" charset="0"/>
+                                        </a:rPr>
+                                        <m:t>∗</m:t>
+                                      </m:r>
+                                    </m:sup>
+                                  </m:sSup>
+                                </m:den>
+                              </m:f>
+                              <m:d>
+                                <m:dPr>
+                                  <m:begChr m:val="["/>
+                                  <m:endChr m:val="]"/>
+                                  <m:ctrlPr>
+                                    <a:rPr lang="en-US" sz="2400" i="1" dirty="0" smtClean="0">
+                                      <a:latin typeface="Cambria Math" panose="02040503050406030204" pitchFamily="18" charset="0"/>
+                                    </a:rPr>
+                                  </m:ctrlPr>
+                                </m:dPr>
+                                <m:e>
+                                  <m:sSup>
+                                    <m:sSupPr>
+                                      <m:ctrlPr>
+                                        <a:rPr lang="en-US" sz="2400" i="1" dirty="0">
+                                          <a:latin typeface="Cambria Math" panose="02040503050406030204" pitchFamily="18" charset="0"/>
+                                        </a:rPr>
+                                      </m:ctrlPr>
+                                    </m:sSupPr>
+                                    <m:e>
+                                      <m:d>
+                                        <m:dPr>
+                                          <m:ctrlPr>
+                                            <a:rPr lang="en-US" sz="2400" i="1" dirty="0">
+                                              <a:latin typeface="Cambria Math" panose="02040503050406030204" pitchFamily="18" charset="0"/>
+                                            </a:rPr>
+                                          </m:ctrlPr>
+                                        </m:dPr>
+                                        <m:e>
+                                          <m:r>
+                                            <a:rPr lang="en-US" sz="2400" i="1" dirty="0">
+                                              <a:latin typeface="Cambria Math" panose="02040503050406030204" pitchFamily="18" charset="0"/>
+                                            </a:rPr>
+                                            <m:t>𝑥</m:t>
+                                          </m:r>
+                                          <m:r>
+                                            <a:rPr lang="en-US" sz="2400" i="1" dirty="0">
+                                              <a:latin typeface="Cambria Math" panose="02040503050406030204" pitchFamily="18" charset="0"/>
+                                            </a:rPr>
+                                            <m:t>−</m:t>
+                                          </m:r>
+                                          <m:sSup>
+                                            <m:sSupPr>
+                                              <m:ctrlPr>
+                                                <a:rPr lang="en-US" sz="2400" i="1">
+                                                  <a:latin typeface="Cambria Math" panose="02040503050406030204" pitchFamily="18" charset="0"/>
+                                                </a:rPr>
+                                              </m:ctrlPr>
+                                            </m:sSupPr>
+                                            <m:e>
+                                              <m:r>
+                                                <a:rPr lang="en-US" sz="2400" i="1">
+                                                  <a:latin typeface="Cambria Math" panose="02040503050406030204" pitchFamily="18" charset="0"/>
+                                                </a:rPr>
+                                                <m:t>𝑥</m:t>
+                                              </m:r>
+                                            </m:e>
+                                            <m:sup>
+                                              <m:r>
+                                                <a:rPr lang="en-US" sz="2400" i="1">
+                                                  <a:latin typeface="Cambria Math" panose="02040503050406030204" pitchFamily="18" charset="0"/>
+                                                </a:rPr>
+                                                <m:t>′</m:t>
+                                              </m:r>
+                                            </m:sup>
+                                          </m:sSup>
+                                        </m:e>
+                                      </m:d>
+                                    </m:e>
+                                    <m:sup>
+                                      <m:r>
+                                        <a:rPr lang="en-US" sz="2400" i="1" dirty="0">
+                                          <a:latin typeface="Cambria Math" panose="02040503050406030204" pitchFamily="18" charset="0"/>
+                                        </a:rPr>
+                                        <m:t>2</m:t>
+                                      </m:r>
+                                    </m:sup>
+                                  </m:sSup>
+                                  <m:r>
+                                    <a:rPr lang="en-US" sz="2400" b="0" i="1" dirty="0" smtClean="0">
+                                      <a:latin typeface="Cambria Math" panose="02040503050406030204" pitchFamily="18" charset="0"/>
+                                    </a:rPr>
+                                    <m:t>+</m:t>
+                                  </m:r>
+                                  <m:sSup>
+                                    <m:sSupPr>
+                                      <m:ctrlPr>
+                                        <a:rPr lang="en-US" sz="2400" i="1" dirty="0">
+                                          <a:latin typeface="Cambria Math" panose="02040503050406030204" pitchFamily="18" charset="0"/>
+                                        </a:rPr>
+                                      </m:ctrlPr>
+                                    </m:sSupPr>
+                                    <m:e>
+                                      <m:d>
+                                        <m:dPr>
+                                          <m:ctrlPr>
+                                            <a:rPr lang="en-US" sz="2400" i="1" dirty="0">
+                                              <a:latin typeface="Cambria Math" panose="02040503050406030204" pitchFamily="18" charset="0"/>
+                                            </a:rPr>
+                                          </m:ctrlPr>
+                                        </m:dPr>
+                                        <m:e>
+                                          <m:r>
+                                            <a:rPr lang="en-US" sz="2400" b="0" i="1" dirty="0" smtClean="0">
+                                              <a:latin typeface="Cambria Math" panose="02040503050406030204" pitchFamily="18" charset="0"/>
+                                            </a:rPr>
+                                            <m:t>𝑦</m:t>
+                                          </m:r>
+                                          <m:r>
+                                            <a:rPr lang="en-US" sz="2400" i="1" dirty="0">
+                                              <a:latin typeface="Cambria Math" panose="02040503050406030204" pitchFamily="18" charset="0"/>
+                                            </a:rPr>
+                                            <m:t>−</m:t>
+                                          </m:r>
+                                          <m:sSup>
+                                            <m:sSupPr>
+                                              <m:ctrlPr>
+                                                <a:rPr lang="en-US" sz="2400" i="1">
+                                                  <a:latin typeface="Cambria Math" panose="02040503050406030204" pitchFamily="18" charset="0"/>
+                                                </a:rPr>
+                                              </m:ctrlPr>
+                                            </m:sSupPr>
+                                            <m:e>
+                                              <m:r>
+                                                <a:rPr lang="en-US" sz="2400" b="0" i="1" smtClean="0">
+                                                  <a:latin typeface="Cambria Math" panose="02040503050406030204" pitchFamily="18" charset="0"/>
+                                                </a:rPr>
+                                                <m:t>𝑦</m:t>
+                                              </m:r>
+                                            </m:e>
+                                            <m:sup>
+                                              <m:r>
+                                                <a:rPr lang="en-US" sz="2400" i="1">
+                                                  <a:latin typeface="Cambria Math" panose="02040503050406030204" pitchFamily="18" charset="0"/>
+                                                </a:rPr>
+                                                <m:t>′</m:t>
+                                              </m:r>
+                                            </m:sup>
+                                          </m:sSup>
+                                        </m:e>
+                                      </m:d>
+                                    </m:e>
+                                    <m:sup>
+                                      <m:r>
+                                        <a:rPr lang="en-US" sz="2400" i="1" dirty="0">
+                                          <a:latin typeface="Cambria Math" panose="02040503050406030204" pitchFamily="18" charset="0"/>
+                                        </a:rPr>
+                                        <m:t>2</m:t>
+                                      </m:r>
+                                    </m:sup>
+                                  </m:sSup>
+                                </m:e>
+                              </m:d>
+                            </m:sup>
+                          </m:sSup>
+                          <m:r>
+                            <a:rPr lang="en-US" sz="2400" i="1">
+                              <a:latin typeface="Cambria Math" panose="02040503050406030204" pitchFamily="18" charset="0"/>
+                            </a:rPr>
+                            <m:t>𝑑</m:t>
+                          </m:r>
+                          <m:sSup>
+                            <m:sSupPr>
+                              <m:ctrlPr>
+                                <a:rPr lang="en-US" sz="2400" i="1">
+                                  <a:latin typeface="Cambria Math" panose="02040503050406030204" pitchFamily="18" charset="0"/>
+                                </a:rPr>
+                              </m:ctrlPr>
+                            </m:sSupPr>
+                            <m:e>
+                              <m:r>
+                                <a:rPr lang="en-US" sz="2400" i="1">
+                                  <a:latin typeface="Cambria Math" panose="02040503050406030204" pitchFamily="18" charset="0"/>
+                                </a:rPr>
+                                <m:t>𝑥</m:t>
+                              </m:r>
+                            </m:e>
+                            <m:sup>
+                              <m:r>
+                                <a:rPr lang="en-US" sz="2400" i="1">
+                                  <a:latin typeface="Cambria Math" panose="02040503050406030204" pitchFamily="18" charset="0"/>
+                                </a:rPr>
+                                <m:t>′</m:t>
+                              </m:r>
+                            </m:sup>
+                          </m:sSup>
+                          <m:r>
+                            <a:rPr lang="en-US" sz="2400" i="1">
+                              <a:latin typeface="Cambria Math" panose="02040503050406030204" pitchFamily="18" charset="0"/>
+                            </a:rPr>
+                            <m:t>𝑑</m:t>
+                          </m:r>
+                          <m:sSup>
+                            <m:sSupPr>
+                              <m:ctrlPr>
+                                <a:rPr lang="en-US" sz="2400" i="1">
+                                  <a:latin typeface="Cambria Math" panose="02040503050406030204" pitchFamily="18" charset="0"/>
+                                </a:rPr>
+                              </m:ctrlPr>
+                            </m:sSupPr>
+                            <m:e>
+                              <m:r>
+                                <a:rPr lang="en-US" sz="2400" i="1">
+                                  <a:latin typeface="Cambria Math" panose="02040503050406030204" pitchFamily="18" charset="0"/>
+                                </a:rPr>
+                                <m:t>𝑦</m:t>
+                              </m:r>
+                            </m:e>
+                            <m:sup>
+                              <m:r>
+                                <a:rPr lang="en-US" sz="2400" i="1">
+                                  <a:latin typeface="Cambria Math" panose="02040503050406030204" pitchFamily="18" charset="0"/>
+                                </a:rPr>
+                                <m:t>′</m:t>
+                              </m:r>
+                            </m:sup>
+                          </m:sSup>
+                        </m:e>
+                      </m:nary>
+                      <m:r>
+                        <a:rPr lang="en-US" sz="2400" b="0" i="1" smtClean="0">
+                          <a:latin typeface="Cambria Math" panose="02040503050406030204" pitchFamily="18" charset="0"/>
+                        </a:rPr>
+                        <m:t>=</m:t>
+                      </m:r>
+                    </m:oMath>
+                  </m:oMathPara>
+                </a14:m>
+                <a:endParaRPr lang="en-US" sz="2400" b="0" dirty="0"/>
+              </a:p>
+            </p:txBody>
+          </p:sp>
+        </mc:Choice>
+        <mc:Fallback>
+          <p:sp>
+            <p:nvSpPr>
+              <p:cNvPr id="13" name="Rectangle 12">
+                <a:extLst>
+                  <a:ext uri="{FF2B5EF4-FFF2-40B4-BE49-F238E27FC236}">
+                    <a16:creationId xmlns:a16="http://schemas.microsoft.com/office/drawing/2014/main" id="{F2AF044E-219F-4D4E-8136-06B262510A8E}"/>
+                  </a:ext>
+                </a:extLst>
+              </p:cNvPr>
+              <p:cNvSpPr>
+                <a:spLocks noRot="1" noChangeAspect="1" noMove="1" noResize="1" noEditPoints="1" noAdjustHandles="1" noChangeArrowheads="1" noChangeShapeType="1" noTextEdit="1"/>
+              </p:cNvSpPr>
+              <p:nvPr/>
+            </p:nvSpPr>
+            <p:spPr>
+              <a:xfrm>
+                <a:off x="780311" y="1519325"/>
+                <a:ext cx="10920434" cy="943272"/>
+              </a:xfrm>
+              <a:prstGeom prst="rect">
+                <a:avLst/>
+              </a:prstGeom>
+              <a:blipFill>
+                <a:blip r:embed="rId3"/>
+                <a:stretch>
+                  <a:fillRect t="-158108" b="-235135"/>
+                </a:stretch>
+              </a:blipFill>
+            </p:spPr>
+            <p:txBody>
+              <a:bodyPr/>
+              <a:lstStyle/>
+              <a:p>
+                <a:r>
+                  <a:rPr lang="en-US">
+                    <a:noFill/>
+                  </a:rPr>
+                  <a:t> </a:t>
+                </a:r>
+              </a:p>
+            </p:txBody>
+          </p:sp>
+        </mc:Fallback>
+      </mc:AlternateContent>
     </p:spTree>
     <p:extLst>
       <p:ext uri="{BB962C8B-B14F-4D97-AF65-F5344CB8AC3E}">
@@ -21859,7 +23264,7 @@
           <a:p>
             <a:r>
               <a:rPr lang="en-US" sz="2800" dirty="0"/>
-              <a:t>Quadratic Term/Quadratic Term Special Propagators</a:t>
+              <a:t>Quadratic Term/Quadratic Term Special Propagator</a:t>
             </a:r>
           </a:p>
         </p:txBody>
@@ -21917,6 +23322,1506 @@
           </a:p>
         </p:txBody>
       </p:sp>
+      <p:graphicFrame>
+        <p:nvGraphicFramePr>
+          <p:cNvPr id="2" name="Table 1">
+            <a:extLst>
+              <a:ext uri="{FF2B5EF4-FFF2-40B4-BE49-F238E27FC236}">
+                <a16:creationId xmlns:a16="http://schemas.microsoft.com/office/drawing/2014/main" id="{89C6DB2B-57BF-0C4F-BDF5-F3F46B494FDB}"/>
+              </a:ext>
+            </a:extLst>
+          </p:cNvPr>
+          <p:cNvGraphicFramePr>
+            <a:graphicFrameLocks noGrp="1"/>
+          </p:cNvGraphicFramePr>
+          <p:nvPr>
+            <p:extLst>
+              <p:ext uri="{D42A27DB-BD31-4B8C-83A1-F6EECF244321}">
+                <p14:modId xmlns:p14="http://schemas.microsoft.com/office/powerpoint/2010/main" val="786621916"/>
+              </p:ext>
+            </p:extLst>
+          </p:nvPr>
+        </p:nvGraphicFramePr>
+        <p:xfrm>
+          <a:off x="503338" y="2542784"/>
+          <a:ext cx="11376394" cy="3817267"/>
+        </p:xfrm>
+        <a:graphic>
+          <a:graphicData uri="http://schemas.openxmlformats.org/drawingml/2006/table">
+            <a:tbl>
+              <a:tblPr firstRow="1" bandRow="1">
+                <a:tableStyleId>{85BE263C-DBD7-4A20-BB59-AAB30ACAA65A}</a:tableStyleId>
+              </a:tblPr>
+              <a:tblGrid>
+                <a:gridCol w="5688197">
+                  <a:extLst>
+                    <a:ext uri="{9D8B030D-6E8A-4147-A177-3AD203B41FA5}">
+                      <a16:colId xmlns:a16="http://schemas.microsoft.com/office/drawing/2014/main" val="2011906144"/>
+                    </a:ext>
+                  </a:extLst>
+                </a:gridCol>
+                <a:gridCol w="5688197">
+                  <a:extLst>
+                    <a:ext uri="{9D8B030D-6E8A-4147-A177-3AD203B41FA5}">
+                      <a16:colId xmlns:a16="http://schemas.microsoft.com/office/drawing/2014/main" val="2640299584"/>
+                    </a:ext>
+                  </a:extLst>
+                </a:gridCol>
+              </a:tblGrid>
+              <a:tr h="406804">
+                <a:tc>
+                  <a:txBody>
+                    <a:bodyPr/>
+                    <a:lstStyle/>
+                    <a:p>
+                      <a:pPr algn="ctr"/>
+                      <a:r>
+                        <a:rPr lang="en-US" sz="1500" dirty="0"/>
+                        <a:t>Quadratic Term</a:t>
+                      </a:r>
+                    </a:p>
+                  </a:txBody>
+                  <a:tcPr/>
+                </a:tc>
+                <a:tc>
+                  <a:txBody>
+                    <a:bodyPr/>
+                    <a:lstStyle/>
+                    <a:p>
+                      <a:pPr algn="ctr"/>
+                      <a:r>
+                        <a:rPr lang="en-US" sz="1500" dirty="0"/>
+                        <a:t>Quadratic Term Special</a:t>
+                      </a:r>
+                    </a:p>
+                  </a:txBody>
+                  <a:tcPr/>
+                </a:tc>
+                <a:extLst>
+                  <a:ext uri="{0D108BD9-81ED-4DB2-BD59-A6C34878D82A}">
+                    <a16:rowId xmlns:a16="http://schemas.microsoft.com/office/drawing/2014/main" val="1057531542"/>
+                  </a:ext>
+                </a:extLst>
+              </a:tr>
+              <a:tr h="3410463">
+                <a:tc>
+                  <a:txBody>
+                    <a:bodyPr/>
+                    <a:lstStyle/>
+                    <a:p>
+                      <a:pPr marL="285750" indent="-285750" algn="l" defTabSz="457200" rtl="0" eaLnBrk="1" latinLnBrk="0" hangingPunct="1">
+                        <a:lnSpc>
+                          <a:spcPct val="100000"/>
+                        </a:lnSpc>
+                        <a:buFontTx/>
+                        <a:buChar char="-"/>
+                      </a:pPr>
+                      <a:r>
+                        <a:rPr kumimoji="0" lang="en-US" sz="1800" u="none" strike="noStrike" kern="1200" cap="none" normalizeH="0" baseline="0" dirty="0">
+                          <a:ln>
+                            <a:noFill/>
+                          </a:ln>
+                          <a:solidFill>
+                            <a:srgbClr val="005C98"/>
+                          </a:solidFill>
+                          <a:effectLst/>
+                        </a:rPr>
+                        <a:t>propagation over a drift space in general</a:t>
+                      </a:r>
+                    </a:p>
+                    <a:p>
+                      <a:pPr marL="285750" indent="-285750" algn="l" defTabSz="457200" rtl="0" eaLnBrk="1" latinLnBrk="0" hangingPunct="1">
+                        <a:lnSpc>
+                          <a:spcPct val="100000"/>
+                        </a:lnSpc>
+                        <a:buFontTx/>
+                        <a:buChar char="-"/>
+                      </a:pPr>
+                      <a:r>
+                        <a:rPr kumimoji="0" lang="en-US" sz="1800" u="none" strike="noStrike" kern="1200" cap="none" normalizeH="0" baseline="0" dirty="0">
+                          <a:ln>
+                            <a:noFill/>
+                          </a:ln>
+                          <a:solidFill>
+                            <a:srgbClr val="005C98"/>
+                          </a:solidFill>
+                          <a:effectLst/>
+                        </a:rPr>
+                        <a:t>before complex optical elements (e.g. curved mirrors). </a:t>
+                      </a:r>
+                    </a:p>
+                    <a:p>
+                      <a:pPr marL="285750" indent="-285750" algn="l" defTabSz="457200" rtl="0" eaLnBrk="1" latinLnBrk="0" hangingPunct="1">
+                        <a:lnSpc>
+                          <a:spcPct val="100000"/>
+                        </a:lnSpc>
+                        <a:buFontTx/>
+                        <a:buChar char="-"/>
+                      </a:pPr>
+                      <a:r>
+                        <a:rPr kumimoji="0" lang="en-US" sz="1800" u="none" strike="noStrike" kern="1200" cap="none" normalizeH="0" baseline="0" dirty="0">
+                          <a:ln>
+                            <a:noFill/>
+                          </a:ln>
+                          <a:solidFill>
+                            <a:srgbClr val="005C98"/>
+                          </a:solidFill>
+                          <a:effectLst/>
+                        </a:rPr>
+                        <a:t>preserves number of pixel, ranges are recalculated to accommodate the wavefront</a:t>
+                      </a:r>
+                    </a:p>
+                    <a:p>
+                      <a:pPr marL="285750" indent="-285750" algn="l" defTabSz="457200" rtl="0" eaLnBrk="1" latinLnBrk="0" hangingPunct="1">
+                        <a:lnSpc>
+                          <a:spcPct val="100000"/>
+                        </a:lnSpc>
+                        <a:buFontTx/>
+                        <a:buChar char="-"/>
+                      </a:pPr>
+                      <a:r>
+                        <a:rPr kumimoji="0" lang="en-US" sz="1800" u="none" strike="noStrike" kern="1200" cap="none" normalizeH="0" baseline="0" dirty="0">
+                          <a:ln>
+                            <a:noFill/>
+                          </a:ln>
+                          <a:solidFill>
+                            <a:srgbClr val="005C98"/>
+                          </a:solidFill>
+                          <a:effectLst/>
+                        </a:rPr>
+                        <a:t>can be used for or from focusing </a:t>
+                      </a:r>
+                    </a:p>
+                    <a:p>
+                      <a:pPr marL="285750" indent="-285750" algn="l" defTabSz="457200" rtl="0" eaLnBrk="1" latinLnBrk="0" hangingPunct="1">
+                        <a:lnSpc>
+                          <a:spcPct val="100000"/>
+                        </a:lnSpc>
+                        <a:buFontTx/>
+                        <a:buChar char="-"/>
+                      </a:pPr>
+                      <a:r>
+                        <a:rPr kumimoji="0" lang="en-US" sz="1800" u="none" strike="noStrike" kern="1200" cap="none" normalizeH="0" baseline="0" dirty="0">
+                          <a:ln>
+                            <a:noFill/>
+                          </a:ln>
+                          <a:solidFill>
+                            <a:srgbClr val="005C98"/>
+                          </a:solidFill>
+                          <a:effectLst/>
+                        </a:rPr>
+                        <a:t>works for strongly astigmatic systems. </a:t>
+                      </a:r>
+                    </a:p>
+                    <a:p>
+                      <a:pPr marL="285750" indent="-285750" algn="l" defTabSz="457200" rtl="0" eaLnBrk="1" latinLnBrk="0" hangingPunct="1">
+                        <a:lnSpc>
+                          <a:spcPct val="100000"/>
+                        </a:lnSpc>
+                        <a:buFontTx/>
+                        <a:buChar char="-"/>
+                      </a:pPr>
+                      <a:endParaRPr kumimoji="0" lang="en-US" sz="1800" b="0" i="0" u="none" strike="noStrike" kern="1200" cap="none" normalizeH="0" baseline="0" dirty="0">
+                        <a:ln>
+                          <a:noFill/>
+                        </a:ln>
+                        <a:solidFill>
+                          <a:srgbClr val="005C98"/>
+                        </a:solidFill>
+                        <a:effectLst/>
+                        <a:latin typeface="+mn-lt"/>
+                        <a:ea typeface="+mn-ea"/>
+                        <a:cs typeface="+mn-cs"/>
+                      </a:endParaRPr>
+                    </a:p>
+                  </a:txBody>
+                  <a:tcPr/>
+                </a:tc>
+                <a:tc>
+                  <a:txBody>
+                    <a:bodyPr/>
+                    <a:lstStyle/>
+                    <a:p>
+                      <a:pPr marL="285750" marR="0" lvl="0" indent="-285750" algn="l" defTabSz="457200" rtl="0" eaLnBrk="1" fontAlgn="auto" latinLnBrk="0" hangingPunct="1">
+                        <a:lnSpc>
+                          <a:spcPct val="100000"/>
+                        </a:lnSpc>
+                        <a:spcBef>
+                          <a:spcPts val="0"/>
+                        </a:spcBef>
+                        <a:spcAft>
+                          <a:spcPts val="0"/>
+                        </a:spcAft>
+                        <a:buClrTx/>
+                        <a:buSzTx/>
+                        <a:buFontTx/>
+                        <a:buChar char="-"/>
+                        <a:tabLst/>
+                        <a:defRPr/>
+                      </a:pPr>
+                      <a:r>
+                        <a:rPr kumimoji="0" lang="en-US" sz="1800" u="none" strike="noStrike" kern="1200" cap="none" normalizeH="0" baseline="0" dirty="0">
+                          <a:ln>
+                            <a:noFill/>
+                          </a:ln>
+                          <a:solidFill>
+                            <a:srgbClr val="005C98"/>
+                          </a:solidFill>
+                          <a:effectLst/>
+                        </a:rPr>
+                        <a:t>different calculation of 𝑅𝑥 and 𝑅𝑦 and processing near the waist</a:t>
+                      </a:r>
+                    </a:p>
+                    <a:p>
+                      <a:pPr marL="285750" indent="-285750" algn="l" defTabSz="457200" rtl="0" eaLnBrk="1" latinLnBrk="0" hangingPunct="1">
+                        <a:lnSpc>
+                          <a:spcPct val="100000"/>
+                        </a:lnSpc>
+                        <a:buFontTx/>
+                        <a:buChar char="-"/>
+                      </a:pPr>
+                      <a:r>
+                        <a:rPr kumimoji="0" lang="en-US" sz="1800" u="none" strike="noStrike" kern="1200" cap="none" normalizeH="0" baseline="0" dirty="0">
+                          <a:ln>
+                            <a:noFill/>
+                          </a:ln>
+                          <a:solidFill>
+                            <a:srgbClr val="005C98"/>
+                          </a:solidFill>
+                          <a:effectLst/>
+                        </a:rPr>
+                        <a:t>propagation over a drift-spaces in general</a:t>
+                      </a:r>
+                    </a:p>
+                    <a:p>
+                      <a:pPr marL="285750" marR="0" lvl="0" indent="-285750" algn="l" defTabSz="457200" rtl="0" eaLnBrk="1" fontAlgn="auto" latinLnBrk="0" hangingPunct="1">
+                        <a:lnSpc>
+                          <a:spcPct val="100000"/>
+                        </a:lnSpc>
+                        <a:spcBef>
+                          <a:spcPts val="0"/>
+                        </a:spcBef>
+                        <a:spcAft>
+                          <a:spcPts val="0"/>
+                        </a:spcAft>
+                        <a:buClrTx/>
+                        <a:buSzTx/>
+                        <a:buFontTx/>
+                        <a:buChar char="-"/>
+                        <a:tabLst/>
+                        <a:defRPr/>
+                      </a:pPr>
+                      <a:r>
+                        <a:rPr kumimoji="0" lang="en-US" sz="1800" u="none" strike="noStrike" kern="1200" cap="none" normalizeH="0" baseline="0" dirty="0">
+                          <a:ln>
+                            <a:noFill/>
+                          </a:ln>
+                          <a:solidFill>
+                            <a:srgbClr val="005C98"/>
+                          </a:solidFill>
+                          <a:effectLst/>
+                        </a:rPr>
+                        <a:t>specially adequate when (strongly astigmatic) wavefront is being focused or emerging from very small slits </a:t>
+                      </a:r>
+                    </a:p>
+                    <a:p>
+                      <a:pPr marL="285750" indent="-285750" algn="l" defTabSz="457200" rtl="0" eaLnBrk="1" latinLnBrk="0" hangingPunct="1">
+                        <a:lnSpc>
+                          <a:spcPct val="100000"/>
+                        </a:lnSpc>
+                        <a:buFontTx/>
+                        <a:buChar char="-"/>
+                      </a:pPr>
+                      <a:r>
+                        <a:rPr kumimoji="0" lang="en-US" sz="1800" u="none" strike="noStrike" kern="1200" cap="none" normalizeH="0" baseline="0" dirty="0">
+                          <a:ln>
+                            <a:noFill/>
+                          </a:ln>
+                          <a:solidFill>
+                            <a:srgbClr val="005C98"/>
+                          </a:solidFill>
+                          <a:effectLst/>
+                        </a:rPr>
+                        <a:t>strong diffracting elements (gratings)</a:t>
+                      </a:r>
+                    </a:p>
+                    <a:p>
+                      <a:pPr marL="285750" indent="-285750" algn="l" defTabSz="457200" rtl="0" eaLnBrk="1" latinLnBrk="0" hangingPunct="1">
+                        <a:lnSpc>
+                          <a:spcPct val="100000"/>
+                        </a:lnSpc>
+                        <a:buFontTx/>
+                        <a:buChar char="-"/>
+                      </a:pPr>
+                      <a:r>
+                        <a:rPr kumimoji="0" lang="en-US" sz="1800" u="none" strike="noStrike" kern="1200" cap="none" normalizeH="0" baseline="0" dirty="0">
+                          <a:ln>
+                            <a:noFill/>
+                          </a:ln>
+                          <a:solidFill>
+                            <a:srgbClr val="005C98"/>
+                          </a:solidFill>
+                          <a:effectLst/>
+                        </a:rPr>
+                        <a:t>preserves number of pixel, ranges are recalculated to accommodate the wavefront</a:t>
+                      </a:r>
+                    </a:p>
+                    <a:p>
+                      <a:pPr marL="285750" indent="-285750" algn="l" defTabSz="457200" rtl="0" eaLnBrk="1" latinLnBrk="0" hangingPunct="1">
+                        <a:lnSpc>
+                          <a:spcPct val="100000"/>
+                        </a:lnSpc>
+                        <a:buFontTx/>
+                        <a:buChar char="-"/>
+                      </a:pPr>
+                      <a:r>
+                        <a:rPr kumimoji="0" lang="en-US" sz="1800" u="none" strike="noStrike" kern="1200" cap="none" normalizeH="0" baseline="0" dirty="0">
+                          <a:ln>
+                            <a:noFill/>
+                          </a:ln>
+                          <a:solidFill>
+                            <a:srgbClr val="005C98"/>
+                          </a:solidFill>
+                          <a:effectLst/>
+                        </a:rPr>
+                        <a:t>can be used for or from focusing </a:t>
+                      </a:r>
+                    </a:p>
+                    <a:p>
+                      <a:pPr marL="285750" indent="-285750" algn="l" defTabSz="457200" rtl="0" eaLnBrk="1" latinLnBrk="0" hangingPunct="1">
+                        <a:lnSpc>
+                          <a:spcPct val="100000"/>
+                        </a:lnSpc>
+                        <a:buFontTx/>
+                        <a:buChar char="-"/>
+                      </a:pPr>
+                      <a:r>
+                        <a:rPr kumimoji="0" lang="en-US" sz="1800" u="none" strike="noStrike" kern="1200" cap="none" normalizeH="0" baseline="0" dirty="0">
+                          <a:ln>
+                            <a:noFill/>
+                          </a:ln>
+                          <a:solidFill>
+                            <a:srgbClr val="005C98"/>
+                          </a:solidFill>
+                          <a:effectLst/>
+                        </a:rPr>
+                        <a:t>works for strongly astigmatic systems. </a:t>
+                      </a:r>
+                      <a:endParaRPr kumimoji="0" lang="en-US" sz="1800" b="0" i="0" u="none" strike="noStrike" kern="1200" cap="none" normalizeH="0" baseline="0" dirty="0">
+                        <a:ln>
+                          <a:noFill/>
+                        </a:ln>
+                        <a:solidFill>
+                          <a:srgbClr val="005C98"/>
+                        </a:solidFill>
+                        <a:effectLst/>
+                        <a:latin typeface="+mn-lt"/>
+                        <a:ea typeface="+mn-ea"/>
+                        <a:cs typeface="+mn-cs"/>
+                      </a:endParaRPr>
+                    </a:p>
+                  </a:txBody>
+                  <a:tcPr/>
+                </a:tc>
+                <a:extLst>
+                  <a:ext uri="{0D108BD9-81ED-4DB2-BD59-A6C34878D82A}">
+                    <a16:rowId xmlns:a16="http://schemas.microsoft.com/office/drawing/2014/main" val="3349950391"/>
+                  </a:ext>
+                </a:extLst>
+              </a:tr>
+            </a:tbl>
+          </a:graphicData>
+        </a:graphic>
+      </p:graphicFrame>
+      <p:sp>
+        <p:nvSpPr>
+          <p:cNvPr id="3" name="TextBox 2">
+            <a:extLst>
+              <a:ext uri="{FF2B5EF4-FFF2-40B4-BE49-F238E27FC236}">
+                <a16:creationId xmlns:a16="http://schemas.microsoft.com/office/drawing/2014/main" id="{A7E4AF0A-B5A1-BE47-8E72-B1C0A6011D66}"/>
+              </a:ext>
+            </a:extLst>
+          </p:cNvPr>
+          <p:cNvSpPr txBox="1"/>
+          <p:nvPr/>
+        </p:nvSpPr>
+        <p:spPr>
+          <a:xfrm>
+            <a:off x="503338" y="662529"/>
+            <a:ext cx="8340745" cy="369332"/>
+          </a:xfrm>
+          <a:prstGeom prst="rect">
+            <a:avLst/>
+          </a:prstGeom>
+          <a:noFill/>
+        </p:spPr>
+        <p:txBody>
+          <a:bodyPr wrap="none" rtlCol="0">
+            <a:spAutoFit/>
+          </a:bodyPr>
+          <a:lstStyle/>
+          <a:p>
+            <a:r>
+              <a:rPr lang="en-US" dirty="0"/>
+              <a:t>Is the Fresnel propagator with analytical treatment of the quadratic phase terms</a:t>
+            </a:r>
+          </a:p>
+        </p:txBody>
+      </p:sp>
+      <mc:AlternateContent xmlns:mc="http://schemas.openxmlformats.org/markup-compatibility/2006">
+        <mc:Choice xmlns:a14="http://schemas.microsoft.com/office/drawing/2010/main" Requires="a14">
+          <p:sp>
+            <p:nvSpPr>
+              <p:cNvPr id="8" name="Rectangle 7">
+                <a:extLst>
+                  <a:ext uri="{FF2B5EF4-FFF2-40B4-BE49-F238E27FC236}">
+                    <a16:creationId xmlns:a16="http://schemas.microsoft.com/office/drawing/2014/main" id="{FDF791A4-C084-B34A-B5FD-4571F3874A0A}"/>
+                  </a:ext>
+                </a:extLst>
+              </p:cNvPr>
+              <p:cNvSpPr/>
+              <p:nvPr/>
+            </p:nvSpPr>
+            <p:spPr>
+              <a:xfrm>
+                <a:off x="503338" y="1211532"/>
+                <a:ext cx="11539343" cy="1063817"/>
+              </a:xfrm>
+              <a:prstGeom prst="rect">
+                <a:avLst/>
+              </a:prstGeom>
+            </p:spPr>
+            <p:txBody>
+              <a:bodyPr wrap="square">
+                <a:spAutoFit/>
+              </a:bodyPr>
+              <a:lstStyle/>
+              <a:p>
+                <a:pPr/>
+                <a14:m>
+                  <m:oMathPara xmlns:m="http://schemas.openxmlformats.org/officeDocument/2006/math">
+                    <m:oMathParaPr>
+                      <m:jc m:val="left"/>
+                    </m:oMathParaPr>
+                    <m:oMath xmlns:m="http://schemas.openxmlformats.org/officeDocument/2006/math">
+                      <m:sSub>
+                        <m:sSubPr>
+                          <m:ctrlPr>
+                            <a:rPr lang="en-US" sz="2200" i="1" dirty="0" smtClean="0">
+                              <a:solidFill>
+                                <a:srgbClr val="000000"/>
+                              </a:solidFill>
+                              <a:latin typeface="Cambria Math" panose="02040503050406030204" pitchFamily="18" charset="0"/>
+                            </a:rPr>
+                          </m:ctrlPr>
+                        </m:sSubPr>
+                        <m:e>
+                          <m:r>
+                            <a:rPr lang="en-US" sz="2200" i="1" dirty="0">
+                              <a:solidFill>
+                                <a:srgbClr val="000000"/>
+                              </a:solidFill>
+                              <a:latin typeface="Cambria Math" panose="02040503050406030204" pitchFamily="18" charset="0"/>
+                            </a:rPr>
+                            <m:t>𝑢</m:t>
+                          </m:r>
+                        </m:e>
+                        <m:sub>
+                          <m:r>
+                            <a:rPr lang="en-US" sz="2200" i="1" dirty="0">
+                              <a:solidFill>
+                                <a:srgbClr val="000000"/>
+                              </a:solidFill>
+                              <a:latin typeface="Cambria Math" panose="02040503050406030204" pitchFamily="18" charset="0"/>
+                              <a:ea typeface="Cambria Math" panose="02040503050406030204" pitchFamily="18" charset="0"/>
+                            </a:rPr>
+                            <m:t>𝜔</m:t>
+                          </m:r>
+                        </m:sub>
+                      </m:sSub>
+                      <m:d>
+                        <m:dPr>
+                          <m:ctrlPr>
+                            <a:rPr lang="en-US" sz="2200" i="1" dirty="0">
+                              <a:solidFill>
+                                <a:srgbClr val="000000"/>
+                              </a:solidFill>
+                              <a:latin typeface="Cambria Math" panose="02040503050406030204" pitchFamily="18" charset="0"/>
+                            </a:rPr>
+                          </m:ctrlPr>
+                        </m:dPr>
+                        <m:e>
+                          <m:r>
+                            <a:rPr lang="en-US" sz="2200" i="1" dirty="0">
+                              <a:solidFill>
+                                <a:srgbClr val="000000"/>
+                              </a:solidFill>
+                              <a:latin typeface="Cambria Math" panose="02040503050406030204" pitchFamily="18" charset="0"/>
+                            </a:rPr>
+                            <m:t>𝑥</m:t>
+                          </m:r>
+                          <m:r>
+                            <a:rPr lang="en-US" sz="2200" i="1" dirty="0">
+                              <a:solidFill>
+                                <a:srgbClr val="000000"/>
+                              </a:solidFill>
+                              <a:latin typeface="Cambria Math" panose="02040503050406030204" pitchFamily="18" charset="0"/>
+                            </a:rPr>
+                            <m:t>, </m:t>
+                          </m:r>
+                          <m:r>
+                            <a:rPr lang="en-US" sz="2200" i="1" dirty="0">
+                              <a:solidFill>
+                                <a:srgbClr val="000000"/>
+                              </a:solidFill>
+                              <a:latin typeface="Cambria Math" panose="02040503050406030204" pitchFamily="18" charset="0"/>
+                            </a:rPr>
+                            <m:t>𝑦</m:t>
+                          </m:r>
+                          <m:r>
+                            <a:rPr lang="en-US" sz="2200" i="1" dirty="0">
+                              <a:solidFill>
+                                <a:srgbClr val="000000"/>
+                              </a:solidFill>
+                              <a:latin typeface="Cambria Math" panose="02040503050406030204" pitchFamily="18" charset="0"/>
+                            </a:rPr>
+                            <m:t>, </m:t>
+                          </m:r>
+                          <m:r>
+                            <a:rPr lang="en-US" sz="2200" i="1" dirty="0">
+                              <a:solidFill>
+                                <a:srgbClr val="000000"/>
+                              </a:solidFill>
+                              <a:latin typeface="Cambria Math" panose="02040503050406030204" pitchFamily="18" charset="0"/>
+                            </a:rPr>
+                            <m:t>𝑧</m:t>
+                          </m:r>
+                          <m:r>
+                            <a:rPr lang="en-US" sz="2200" i="1" dirty="0">
+                              <a:solidFill>
+                                <a:srgbClr val="000000"/>
+                              </a:solidFill>
+                              <a:latin typeface="Cambria Math" panose="02040503050406030204" pitchFamily="18" charset="0"/>
+                            </a:rPr>
+                            <m:t>=</m:t>
+                          </m:r>
+                          <m:sSup>
+                            <m:sSupPr>
+                              <m:ctrlPr>
+                                <a:rPr lang="en-US" sz="2200" i="1" dirty="0">
+                                  <a:solidFill>
+                                    <a:srgbClr val="000000"/>
+                                  </a:solidFill>
+                                  <a:latin typeface="Cambria Math" panose="02040503050406030204" pitchFamily="18" charset="0"/>
+                                </a:rPr>
+                              </m:ctrlPr>
+                            </m:sSupPr>
+                            <m:e>
+                              <m:r>
+                                <a:rPr lang="en-US" sz="2200" i="1" dirty="0">
+                                  <a:solidFill>
+                                    <a:srgbClr val="000000"/>
+                                  </a:solidFill>
+                                  <a:latin typeface="Cambria Math" panose="02040503050406030204" pitchFamily="18" charset="0"/>
+                                </a:rPr>
+                                <m:t>𝑧</m:t>
+                              </m:r>
+                            </m:e>
+                            <m:sup>
+                              <m:r>
+                                <a:rPr lang="en-US" sz="2200" i="1" dirty="0">
+                                  <a:solidFill>
+                                    <a:srgbClr val="000000"/>
+                                  </a:solidFill>
+                                  <a:latin typeface="Cambria Math" panose="02040503050406030204" pitchFamily="18" charset="0"/>
+                                </a:rPr>
+                                <m:t>∗</m:t>
+                              </m:r>
+                            </m:sup>
+                          </m:sSup>
+                        </m:e>
+                      </m:d>
+                      <m:r>
+                        <a:rPr lang="en-US" sz="2200" i="1" dirty="0">
+                          <a:solidFill>
+                            <a:srgbClr val="000000"/>
+                          </a:solidFill>
+                          <a:latin typeface="Cambria Math" panose="02040503050406030204" pitchFamily="18" charset="0"/>
+                        </a:rPr>
+                        <m:t>=</m:t>
+                      </m:r>
+                      <m:r>
+                        <a:rPr lang="en-US" sz="2200" i="1" dirty="0">
+                          <a:latin typeface="Cambria Math" panose="02040503050406030204" pitchFamily="18" charset="0"/>
+                          <a:ea typeface="Cambria Math" panose="02040503050406030204" pitchFamily="18" charset="0"/>
+                        </a:rPr>
+                        <m:t>−</m:t>
+                      </m:r>
+                      <m:f>
+                        <m:fPr>
+                          <m:ctrlPr>
+                            <a:rPr lang="en-US" sz="2200" i="1" dirty="0">
+                              <a:latin typeface="Cambria Math" panose="02040503050406030204" pitchFamily="18" charset="0"/>
+                              <a:ea typeface="Cambria Math" panose="02040503050406030204" pitchFamily="18" charset="0"/>
+                            </a:rPr>
+                          </m:ctrlPr>
+                        </m:fPr>
+                        <m:num>
+                          <m:r>
+                            <a:rPr lang="en-US" sz="2200" i="1" dirty="0">
+                              <a:latin typeface="Cambria Math" panose="02040503050406030204" pitchFamily="18" charset="0"/>
+                              <a:ea typeface="Cambria Math" panose="02040503050406030204" pitchFamily="18" charset="0"/>
+                            </a:rPr>
+                            <m:t>𝑖𝑘</m:t>
+                          </m:r>
+                          <m:sSup>
+                            <m:sSupPr>
+                              <m:ctrlPr>
+                                <a:rPr lang="en-US" sz="2200" i="1" dirty="0">
+                                  <a:latin typeface="Cambria Math" panose="02040503050406030204" pitchFamily="18" charset="0"/>
+                                </a:rPr>
+                              </m:ctrlPr>
+                            </m:sSupPr>
+                            <m:e>
+                              <m:r>
+                                <a:rPr lang="en-US" sz="2200" i="1" dirty="0">
+                                  <a:latin typeface="Cambria Math" panose="02040503050406030204" pitchFamily="18" charset="0"/>
+                                </a:rPr>
+                                <m:t>𝑒</m:t>
+                              </m:r>
+                            </m:e>
+                            <m:sup>
+                              <m:r>
+                                <a:rPr lang="en-US" sz="2200" i="1" dirty="0">
+                                  <a:latin typeface="Cambria Math" panose="02040503050406030204" pitchFamily="18" charset="0"/>
+                                </a:rPr>
+                                <m:t>𝑖</m:t>
+                              </m:r>
+                              <m:sSup>
+                                <m:sSupPr>
+                                  <m:ctrlPr>
+                                    <a:rPr lang="en-US" sz="2200" i="1" dirty="0">
+                                      <a:latin typeface="Cambria Math" panose="02040503050406030204" pitchFamily="18" charset="0"/>
+                                    </a:rPr>
+                                  </m:ctrlPr>
+                                </m:sSupPr>
+                                <m:e>
+                                  <m:r>
+                                    <a:rPr lang="en-US" sz="2200" i="1" dirty="0">
+                                      <a:latin typeface="Cambria Math" panose="02040503050406030204" pitchFamily="18" charset="0"/>
+                                    </a:rPr>
+                                    <m:t>𝑘𝑧</m:t>
+                                  </m:r>
+                                </m:e>
+                                <m:sup>
+                                  <m:r>
+                                    <a:rPr lang="en-US" sz="2200" i="1" dirty="0">
+                                      <a:latin typeface="Cambria Math" panose="02040503050406030204" pitchFamily="18" charset="0"/>
+                                    </a:rPr>
+                                    <m:t>∗</m:t>
+                                  </m:r>
+                                </m:sup>
+                              </m:sSup>
+                            </m:sup>
+                          </m:sSup>
+                        </m:num>
+                        <m:den>
+                          <m:r>
+                            <a:rPr lang="en-US" sz="2200" i="1" dirty="0">
+                              <a:latin typeface="Cambria Math" panose="02040503050406030204" pitchFamily="18" charset="0"/>
+                              <a:ea typeface="Cambria Math" panose="02040503050406030204" pitchFamily="18" charset="0"/>
+                            </a:rPr>
+                            <m:t>2</m:t>
+                          </m:r>
+                          <m:r>
+                            <a:rPr lang="en-US" sz="2200" i="1" dirty="0">
+                              <a:latin typeface="Cambria Math" panose="02040503050406030204" pitchFamily="18" charset="0"/>
+                              <a:ea typeface="Cambria Math" panose="02040503050406030204" pitchFamily="18" charset="0"/>
+                            </a:rPr>
+                            <m:t>𝜋</m:t>
+                          </m:r>
+                          <m:sSup>
+                            <m:sSupPr>
+                              <m:ctrlPr>
+                                <a:rPr lang="en-US" sz="2200" i="1" dirty="0">
+                                  <a:latin typeface="Cambria Math" panose="02040503050406030204" pitchFamily="18" charset="0"/>
+                                </a:rPr>
+                              </m:ctrlPr>
+                            </m:sSupPr>
+                            <m:e>
+                              <m:r>
+                                <a:rPr lang="en-US" sz="2200" i="1" dirty="0">
+                                  <a:latin typeface="Cambria Math" panose="02040503050406030204" pitchFamily="18" charset="0"/>
+                                </a:rPr>
+                                <m:t>𝑧</m:t>
+                              </m:r>
+                            </m:e>
+                            <m:sup>
+                              <m:r>
+                                <a:rPr lang="en-US" sz="2200" i="1" dirty="0">
+                                  <a:latin typeface="Cambria Math" panose="02040503050406030204" pitchFamily="18" charset="0"/>
+                                </a:rPr>
+                                <m:t>∗</m:t>
+                              </m:r>
+                            </m:sup>
+                          </m:sSup>
+                        </m:den>
+                      </m:f>
+                      <m:nary>
+                        <m:naryPr>
+                          <m:chr m:val="∬"/>
+                          <m:ctrlPr>
+                            <a:rPr lang="en-US" sz="2200" i="1">
+                              <a:latin typeface="Cambria Math" panose="02040503050406030204" pitchFamily="18" charset="0"/>
+                              <a:ea typeface="Cambria Math" panose="02040503050406030204" pitchFamily="18" charset="0"/>
+                            </a:rPr>
+                          </m:ctrlPr>
+                        </m:naryPr>
+                        <m:sub>
+                          <m:r>
+                            <m:rPr>
+                              <m:brk m:alnAt="23"/>
+                            </m:rPr>
+                            <a:rPr lang="en-US" sz="2200" i="1">
+                              <a:latin typeface="Cambria Math" panose="02040503050406030204" pitchFamily="18" charset="0"/>
+                              <a:ea typeface="Cambria Math" panose="02040503050406030204" pitchFamily="18" charset="0"/>
+                            </a:rPr>
+                            <m:t>−</m:t>
+                          </m:r>
+                          <m:r>
+                            <a:rPr lang="en-US" sz="2200" i="1">
+                              <a:latin typeface="Cambria Math" panose="02040503050406030204" pitchFamily="18" charset="0"/>
+                              <a:ea typeface="Cambria Math" panose="02040503050406030204" pitchFamily="18" charset="0"/>
+                            </a:rPr>
+                            <m:t>∞</m:t>
+                          </m:r>
+                        </m:sub>
+                        <m:sup>
+                          <m:r>
+                            <a:rPr lang="en-US" sz="2200" i="1">
+                              <a:latin typeface="Cambria Math" panose="02040503050406030204" pitchFamily="18" charset="0"/>
+                              <a:ea typeface="Cambria Math" panose="02040503050406030204" pitchFamily="18" charset="0"/>
+                            </a:rPr>
+                            <m:t>+∞</m:t>
+                          </m:r>
+                        </m:sup>
+                        <m:e>
+                          <m:r>
+                            <a:rPr lang="en-US" sz="2200" b="0" i="1" dirty="0" smtClean="0">
+                              <a:solidFill>
+                                <a:srgbClr val="000000"/>
+                              </a:solidFill>
+                              <a:latin typeface="Cambria Math" panose="02040503050406030204" pitchFamily="18" charset="0"/>
+                            </a:rPr>
+                            <m:t>𝐹</m:t>
+                          </m:r>
+                          <m:d>
+                            <m:dPr>
+                              <m:ctrlPr>
+                                <a:rPr lang="en-US" sz="2200" i="1">
+                                  <a:latin typeface="Cambria Math" panose="02040503050406030204" pitchFamily="18" charset="0"/>
+                                </a:rPr>
+                              </m:ctrlPr>
+                            </m:dPr>
+                            <m:e>
+                              <m:sSup>
+                                <m:sSupPr>
+                                  <m:ctrlPr>
+                                    <a:rPr lang="en-US" sz="2200" i="1">
+                                      <a:latin typeface="Cambria Math" panose="02040503050406030204" pitchFamily="18" charset="0"/>
+                                    </a:rPr>
+                                  </m:ctrlPr>
+                                </m:sSupPr>
+                                <m:e>
+                                  <m:r>
+                                    <a:rPr lang="en-US" sz="2200" i="1">
+                                      <a:latin typeface="Cambria Math" panose="02040503050406030204" pitchFamily="18" charset="0"/>
+                                    </a:rPr>
+                                    <m:t>𝑥</m:t>
+                                  </m:r>
+                                </m:e>
+                                <m:sup>
+                                  <m:r>
+                                    <a:rPr lang="en-US" sz="2200" i="1">
+                                      <a:latin typeface="Cambria Math" panose="02040503050406030204" pitchFamily="18" charset="0"/>
+                                    </a:rPr>
+                                    <m:t>′</m:t>
+                                  </m:r>
+                                </m:sup>
+                              </m:sSup>
+                              <m:r>
+                                <a:rPr lang="en-US" sz="2200" i="1">
+                                  <a:latin typeface="Cambria Math" panose="02040503050406030204" pitchFamily="18" charset="0"/>
+                                </a:rPr>
+                                <m:t>,</m:t>
+                              </m:r>
+                              <m:sSup>
+                                <m:sSupPr>
+                                  <m:ctrlPr>
+                                    <a:rPr lang="en-US" sz="2200" i="1">
+                                      <a:latin typeface="Cambria Math" panose="02040503050406030204" pitchFamily="18" charset="0"/>
+                                    </a:rPr>
+                                  </m:ctrlPr>
+                                </m:sSupPr>
+                                <m:e>
+                                  <m:r>
+                                    <a:rPr lang="en-US" sz="2200" i="1">
+                                      <a:latin typeface="Cambria Math" panose="02040503050406030204" pitchFamily="18" charset="0"/>
+                                    </a:rPr>
+                                    <m:t>𝑦</m:t>
+                                  </m:r>
+                                </m:e>
+                                <m:sup>
+                                  <m:r>
+                                    <a:rPr lang="en-US" sz="2200" i="1">
+                                      <a:latin typeface="Cambria Math" panose="02040503050406030204" pitchFamily="18" charset="0"/>
+                                    </a:rPr>
+                                    <m:t>′</m:t>
+                                  </m:r>
+                                </m:sup>
+                              </m:sSup>
+                              <m:r>
+                                <a:rPr lang="en-US" sz="2200" b="0" i="1" smtClean="0">
+                                  <a:latin typeface="Cambria Math" panose="02040503050406030204" pitchFamily="18" charset="0"/>
+                                </a:rPr>
+                                <m:t>, </m:t>
+                              </m:r>
+                              <m:r>
+                                <a:rPr lang="en-US" sz="2200" b="0" i="1" smtClean="0">
+                                  <a:latin typeface="Cambria Math" panose="02040503050406030204" pitchFamily="18" charset="0"/>
+                                </a:rPr>
+                                <m:t>𝑧</m:t>
+                              </m:r>
+                              <m:r>
+                                <a:rPr lang="en-US" sz="2200" b="0" i="1" smtClean="0">
+                                  <a:latin typeface="Cambria Math" panose="02040503050406030204" pitchFamily="18" charset="0"/>
+                                </a:rPr>
+                                <m:t>=0</m:t>
+                              </m:r>
+                            </m:e>
+                          </m:d>
+                          <m:sSup>
+                            <m:sSupPr>
+                              <m:ctrlPr>
+                                <a:rPr lang="en-US" sz="2200" i="1" dirty="0">
+                                  <a:latin typeface="Cambria Math" panose="02040503050406030204" pitchFamily="18" charset="0"/>
+                                  <a:ea typeface="Cambria Math" panose="02040503050406030204" pitchFamily="18" charset="0"/>
+                                </a:rPr>
+                              </m:ctrlPr>
+                            </m:sSupPr>
+                            <m:e>
+                              <m:r>
+                                <a:rPr lang="en-US" sz="2200" i="1" dirty="0">
+                                  <a:latin typeface="Cambria Math" panose="02040503050406030204" pitchFamily="18" charset="0"/>
+                                </a:rPr>
+                                <m:t>𝑒</m:t>
+                              </m:r>
+                            </m:e>
+                            <m:sup>
+                              <m:f>
+                                <m:fPr>
+                                  <m:ctrlPr>
+                                    <a:rPr lang="en-US" sz="2200" i="1" dirty="0">
+                                      <a:latin typeface="Cambria Math" panose="02040503050406030204" pitchFamily="18" charset="0"/>
+                                      <a:ea typeface="Cambria Math" panose="02040503050406030204" pitchFamily="18" charset="0"/>
+                                    </a:rPr>
+                                  </m:ctrlPr>
+                                </m:fPr>
+                                <m:num>
+                                  <m:r>
+                                    <a:rPr lang="en-US" sz="2200" b="0" i="1" dirty="0" smtClean="0">
+                                      <a:latin typeface="Cambria Math" panose="02040503050406030204" pitchFamily="18" charset="0"/>
+                                      <a:ea typeface="Cambria Math" panose="02040503050406030204" pitchFamily="18" charset="0"/>
+                                    </a:rPr>
+                                    <m:t>𝑖</m:t>
+                                  </m:r>
+                                  <m:r>
+                                    <a:rPr lang="en-US" sz="2200" i="1" dirty="0">
+                                      <a:latin typeface="Cambria Math" panose="02040503050406030204" pitchFamily="18" charset="0"/>
+                                    </a:rPr>
+                                    <m:t>𝑘</m:t>
+                                  </m:r>
+                                </m:num>
+                                <m:den>
+                                  <m:r>
+                                    <a:rPr lang="en-US" sz="2200" i="1" dirty="0">
+                                      <a:latin typeface="Cambria Math" panose="02040503050406030204" pitchFamily="18" charset="0"/>
+                                      <a:ea typeface="Cambria Math" panose="02040503050406030204" pitchFamily="18" charset="0"/>
+                                    </a:rPr>
+                                    <m:t>2</m:t>
+                                  </m:r>
+                                </m:den>
+                              </m:f>
+                              <m:d>
+                                <m:dPr>
+                                  <m:begChr m:val="["/>
+                                  <m:endChr m:val="]"/>
+                                  <m:ctrlPr>
+                                    <a:rPr lang="en-US" sz="2200" i="1" dirty="0" smtClean="0">
+                                      <a:latin typeface="Cambria Math" panose="02040503050406030204" pitchFamily="18" charset="0"/>
+                                    </a:rPr>
+                                  </m:ctrlPr>
+                                </m:dPr>
+                                <m:e>
+                                  <m:f>
+                                    <m:fPr>
+                                      <m:ctrlPr>
+                                        <a:rPr lang="en-US" sz="2200" i="1">
+                                          <a:latin typeface="Cambria Math" panose="02040503050406030204" pitchFamily="18" charset="0"/>
+                                        </a:rPr>
+                                      </m:ctrlPr>
+                                    </m:fPr>
+                                    <m:num>
+                                      <m:sSup>
+                                        <m:sSupPr>
+                                          <m:ctrlPr>
+                                            <a:rPr lang="en-US" sz="2200" i="1">
+                                              <a:latin typeface="Cambria Math" panose="02040503050406030204" pitchFamily="18" charset="0"/>
+                                            </a:rPr>
+                                          </m:ctrlPr>
+                                        </m:sSupPr>
+                                        <m:e>
+                                          <m:d>
+                                            <m:dPr>
+                                              <m:ctrlPr>
+                                                <a:rPr lang="en-US" sz="2200" i="1">
+                                                  <a:latin typeface="Cambria Math" panose="02040503050406030204" pitchFamily="18" charset="0"/>
+                                                </a:rPr>
+                                              </m:ctrlPr>
+                                            </m:dPr>
+                                            <m:e>
+                                              <m:sSup>
+                                                <m:sSupPr>
+                                                  <m:ctrlPr>
+                                                    <a:rPr lang="en-US" sz="2200" i="1">
+                                                      <a:latin typeface="Cambria Math" panose="02040503050406030204" pitchFamily="18" charset="0"/>
+                                                    </a:rPr>
+                                                  </m:ctrlPr>
+                                                </m:sSupPr>
+                                                <m:e>
+                                                  <m:r>
+                                                    <a:rPr lang="en-US" sz="2200" i="1">
+                                                      <a:latin typeface="Cambria Math" panose="02040503050406030204" pitchFamily="18" charset="0"/>
+                                                    </a:rPr>
+                                                    <m:t>𝑥</m:t>
+                                                  </m:r>
+                                                </m:e>
+                                                <m:sup>
+                                                  <m:r>
+                                                    <a:rPr lang="en-US" sz="2200" i="1">
+                                                      <a:latin typeface="Cambria Math" panose="02040503050406030204" pitchFamily="18" charset="0"/>
+                                                    </a:rPr>
+                                                    <m:t>′</m:t>
+                                                  </m:r>
+                                                </m:sup>
+                                              </m:sSup>
+                                              <m:r>
+                                                <a:rPr lang="en-US" sz="2200" i="1">
+                                                  <a:latin typeface="Cambria Math" panose="02040503050406030204" pitchFamily="18" charset="0"/>
+                                                </a:rPr>
+                                                <m:t>−</m:t>
+                                              </m:r>
+                                              <m:sSub>
+                                                <m:sSubPr>
+                                                  <m:ctrlPr>
+                                                    <a:rPr lang="en-US" sz="2200" i="1">
+                                                      <a:latin typeface="Cambria Math" panose="02040503050406030204" pitchFamily="18" charset="0"/>
+                                                    </a:rPr>
+                                                  </m:ctrlPr>
+                                                </m:sSubPr>
+                                                <m:e>
+                                                  <m:r>
+                                                    <a:rPr lang="en-US" sz="2200" i="1">
+                                                      <a:latin typeface="Cambria Math" panose="02040503050406030204" pitchFamily="18" charset="0"/>
+                                                    </a:rPr>
+                                                    <m:t>𝑥</m:t>
+                                                  </m:r>
+                                                </m:e>
+                                                <m:sub>
+                                                  <m:r>
+                                                    <a:rPr lang="en-US" sz="2200" i="1">
+                                                      <a:latin typeface="Cambria Math" panose="02040503050406030204" pitchFamily="18" charset="0"/>
+                                                    </a:rPr>
+                                                    <m:t>0</m:t>
+                                                  </m:r>
+                                                </m:sub>
+                                              </m:sSub>
+                                            </m:e>
+                                          </m:d>
+                                        </m:e>
+                                        <m:sup>
+                                          <m:r>
+                                            <a:rPr lang="en-US" sz="2200" i="1">
+                                              <a:latin typeface="Cambria Math" panose="02040503050406030204" pitchFamily="18" charset="0"/>
+                                            </a:rPr>
+                                            <m:t>2</m:t>
+                                          </m:r>
+                                        </m:sup>
+                                      </m:sSup>
+                                    </m:num>
+                                    <m:den>
+                                      <m:sSub>
+                                        <m:sSubPr>
+                                          <m:ctrlPr>
+                                            <a:rPr lang="en-US" sz="2200" i="1">
+                                              <a:latin typeface="Cambria Math" panose="02040503050406030204" pitchFamily="18" charset="0"/>
+                                            </a:rPr>
+                                          </m:ctrlPr>
+                                        </m:sSubPr>
+                                        <m:e>
+                                          <m:r>
+                                            <a:rPr lang="en-US" sz="2200" i="1">
+                                              <a:latin typeface="Cambria Math" panose="02040503050406030204" pitchFamily="18" charset="0"/>
+                                            </a:rPr>
+                                            <m:t>𝑅</m:t>
+                                          </m:r>
+                                        </m:e>
+                                        <m:sub>
+                                          <m:r>
+                                            <a:rPr lang="en-US" sz="2200" i="1">
+                                              <a:latin typeface="Cambria Math" panose="02040503050406030204" pitchFamily="18" charset="0"/>
+                                            </a:rPr>
+                                            <m:t>𝑥</m:t>
+                                          </m:r>
+                                        </m:sub>
+                                      </m:sSub>
+                                    </m:den>
+                                  </m:f>
+                                  <m:r>
+                                    <a:rPr lang="en-US" sz="2200" i="1">
+                                      <a:latin typeface="Cambria Math" panose="02040503050406030204" pitchFamily="18" charset="0"/>
+                                    </a:rPr>
+                                    <m:t>+</m:t>
+                                  </m:r>
+                                  <m:f>
+                                    <m:fPr>
+                                      <m:ctrlPr>
+                                        <a:rPr lang="en-US" sz="2200" i="1">
+                                          <a:latin typeface="Cambria Math" panose="02040503050406030204" pitchFamily="18" charset="0"/>
+                                        </a:rPr>
+                                      </m:ctrlPr>
+                                    </m:fPr>
+                                    <m:num>
+                                      <m:sSup>
+                                        <m:sSupPr>
+                                          <m:ctrlPr>
+                                            <a:rPr lang="en-US" sz="2200" i="1">
+                                              <a:latin typeface="Cambria Math" panose="02040503050406030204" pitchFamily="18" charset="0"/>
+                                            </a:rPr>
+                                          </m:ctrlPr>
+                                        </m:sSupPr>
+                                        <m:e>
+                                          <m:d>
+                                            <m:dPr>
+                                              <m:ctrlPr>
+                                                <a:rPr lang="en-US" sz="2200" i="1">
+                                                  <a:latin typeface="Cambria Math" panose="02040503050406030204" pitchFamily="18" charset="0"/>
+                                                </a:rPr>
+                                              </m:ctrlPr>
+                                            </m:dPr>
+                                            <m:e>
+                                              <m:sSup>
+                                                <m:sSupPr>
+                                                  <m:ctrlPr>
+                                                    <a:rPr lang="en-US" sz="2200" i="1">
+                                                      <a:latin typeface="Cambria Math" panose="02040503050406030204" pitchFamily="18" charset="0"/>
+                                                    </a:rPr>
+                                                  </m:ctrlPr>
+                                                </m:sSupPr>
+                                                <m:e>
+                                                  <m:r>
+                                                    <a:rPr lang="en-US" sz="2200" i="1">
+                                                      <a:latin typeface="Cambria Math" panose="02040503050406030204" pitchFamily="18" charset="0"/>
+                                                    </a:rPr>
+                                                    <m:t>𝑦</m:t>
+                                                  </m:r>
+                                                </m:e>
+                                                <m:sup>
+                                                  <m:r>
+                                                    <a:rPr lang="en-US" sz="2200" i="1">
+                                                      <a:latin typeface="Cambria Math" panose="02040503050406030204" pitchFamily="18" charset="0"/>
+                                                    </a:rPr>
+                                                    <m:t>′</m:t>
+                                                  </m:r>
+                                                </m:sup>
+                                              </m:sSup>
+                                              <m:r>
+                                                <a:rPr lang="en-US" sz="2200" i="1">
+                                                  <a:latin typeface="Cambria Math" panose="02040503050406030204" pitchFamily="18" charset="0"/>
+                                                </a:rPr>
+                                                <m:t>−</m:t>
+                                              </m:r>
+                                              <m:sSub>
+                                                <m:sSubPr>
+                                                  <m:ctrlPr>
+                                                    <a:rPr lang="en-US" sz="2200" i="1">
+                                                      <a:latin typeface="Cambria Math" panose="02040503050406030204" pitchFamily="18" charset="0"/>
+                                                    </a:rPr>
+                                                  </m:ctrlPr>
+                                                </m:sSubPr>
+                                                <m:e>
+                                                  <m:r>
+                                                    <a:rPr lang="en-US" sz="2200" i="1">
+                                                      <a:latin typeface="Cambria Math" panose="02040503050406030204" pitchFamily="18" charset="0"/>
+                                                    </a:rPr>
+                                                    <m:t>𝑦</m:t>
+                                                  </m:r>
+                                                </m:e>
+                                                <m:sub>
+                                                  <m:r>
+                                                    <a:rPr lang="en-US" sz="2200" i="1">
+                                                      <a:latin typeface="Cambria Math" panose="02040503050406030204" pitchFamily="18" charset="0"/>
+                                                    </a:rPr>
+                                                    <m:t>0</m:t>
+                                                  </m:r>
+                                                </m:sub>
+                                              </m:sSub>
+                                            </m:e>
+                                          </m:d>
+                                        </m:e>
+                                        <m:sup>
+                                          <m:r>
+                                            <a:rPr lang="en-US" sz="2200" i="1">
+                                              <a:latin typeface="Cambria Math" panose="02040503050406030204" pitchFamily="18" charset="0"/>
+                                            </a:rPr>
+                                            <m:t>2</m:t>
+                                          </m:r>
+                                        </m:sup>
+                                      </m:sSup>
+                                    </m:num>
+                                    <m:den>
+                                      <m:sSub>
+                                        <m:sSubPr>
+                                          <m:ctrlPr>
+                                            <a:rPr lang="en-US" sz="2200" i="1">
+                                              <a:latin typeface="Cambria Math" panose="02040503050406030204" pitchFamily="18" charset="0"/>
+                                            </a:rPr>
+                                          </m:ctrlPr>
+                                        </m:sSubPr>
+                                        <m:e>
+                                          <m:r>
+                                            <a:rPr lang="en-US" sz="2200" i="1">
+                                              <a:latin typeface="Cambria Math" panose="02040503050406030204" pitchFamily="18" charset="0"/>
+                                            </a:rPr>
+                                            <m:t>𝑅</m:t>
+                                          </m:r>
+                                        </m:e>
+                                        <m:sub>
+                                          <m:r>
+                                            <a:rPr lang="en-US" sz="2200" i="1">
+                                              <a:latin typeface="Cambria Math" panose="02040503050406030204" pitchFamily="18" charset="0"/>
+                                            </a:rPr>
+                                            <m:t>𝑦</m:t>
+                                          </m:r>
+                                        </m:sub>
+                                      </m:sSub>
+                                    </m:den>
+                                  </m:f>
+                                  <m:r>
+                                    <a:rPr lang="en-US" sz="2200" b="0" i="1" smtClean="0">
+                                      <a:latin typeface="Cambria Math" panose="02040503050406030204" pitchFamily="18" charset="0"/>
+                                    </a:rPr>
+                                    <m:t>+</m:t>
+                                  </m:r>
+                                  <m:f>
+                                    <m:fPr>
+                                      <m:ctrlPr>
+                                        <a:rPr lang="en-US" sz="2200" b="0" i="1" smtClean="0">
+                                          <a:latin typeface="Cambria Math" panose="02040503050406030204" pitchFamily="18" charset="0"/>
+                                        </a:rPr>
+                                      </m:ctrlPr>
+                                    </m:fPr>
+                                    <m:num>
+                                      <m:sSup>
+                                        <m:sSupPr>
+                                          <m:ctrlPr>
+                                            <a:rPr lang="en-US" sz="2200" i="1" dirty="0">
+                                              <a:latin typeface="Cambria Math" panose="02040503050406030204" pitchFamily="18" charset="0"/>
+                                            </a:rPr>
+                                          </m:ctrlPr>
+                                        </m:sSupPr>
+                                        <m:e>
+                                          <m:d>
+                                            <m:dPr>
+                                              <m:ctrlPr>
+                                                <a:rPr lang="en-US" sz="2200" i="1" dirty="0">
+                                                  <a:latin typeface="Cambria Math" panose="02040503050406030204" pitchFamily="18" charset="0"/>
+                                                </a:rPr>
+                                              </m:ctrlPr>
+                                            </m:dPr>
+                                            <m:e>
+                                              <m:r>
+                                                <a:rPr lang="en-US" sz="2200" i="1" dirty="0">
+                                                  <a:latin typeface="Cambria Math" panose="02040503050406030204" pitchFamily="18" charset="0"/>
+                                                </a:rPr>
+                                                <m:t>𝑥</m:t>
+                                              </m:r>
+                                              <m:r>
+                                                <a:rPr lang="en-US" sz="2200" i="1" dirty="0">
+                                                  <a:latin typeface="Cambria Math" panose="02040503050406030204" pitchFamily="18" charset="0"/>
+                                                </a:rPr>
+                                                <m:t>−</m:t>
+                                              </m:r>
+                                              <m:sSup>
+                                                <m:sSupPr>
+                                                  <m:ctrlPr>
+                                                    <a:rPr lang="en-US" sz="2200" i="1">
+                                                      <a:latin typeface="Cambria Math" panose="02040503050406030204" pitchFamily="18" charset="0"/>
+                                                    </a:rPr>
+                                                  </m:ctrlPr>
+                                                </m:sSupPr>
+                                                <m:e>
+                                                  <m:r>
+                                                    <a:rPr lang="en-US" sz="2200" i="1">
+                                                      <a:latin typeface="Cambria Math" panose="02040503050406030204" pitchFamily="18" charset="0"/>
+                                                    </a:rPr>
+                                                    <m:t>𝑥</m:t>
+                                                  </m:r>
+                                                </m:e>
+                                                <m:sup>
+                                                  <m:r>
+                                                    <a:rPr lang="en-US" sz="2200" i="1">
+                                                      <a:latin typeface="Cambria Math" panose="02040503050406030204" pitchFamily="18" charset="0"/>
+                                                    </a:rPr>
+                                                    <m:t>′</m:t>
+                                                  </m:r>
+                                                </m:sup>
+                                              </m:sSup>
+                                            </m:e>
+                                          </m:d>
+                                        </m:e>
+                                        <m:sup>
+                                          <m:r>
+                                            <a:rPr lang="en-US" sz="2200" i="1" dirty="0">
+                                              <a:latin typeface="Cambria Math" panose="02040503050406030204" pitchFamily="18" charset="0"/>
+                                            </a:rPr>
+                                            <m:t>2</m:t>
+                                          </m:r>
+                                        </m:sup>
+                                      </m:sSup>
+                                      <m:r>
+                                        <a:rPr lang="en-US" sz="2200" i="1" dirty="0">
+                                          <a:latin typeface="Cambria Math" panose="02040503050406030204" pitchFamily="18" charset="0"/>
+                                        </a:rPr>
+                                        <m:t>+</m:t>
+                                      </m:r>
+                                      <m:sSup>
+                                        <m:sSupPr>
+                                          <m:ctrlPr>
+                                            <a:rPr lang="en-US" sz="2200" i="1" dirty="0">
+                                              <a:latin typeface="Cambria Math" panose="02040503050406030204" pitchFamily="18" charset="0"/>
+                                            </a:rPr>
+                                          </m:ctrlPr>
+                                        </m:sSupPr>
+                                        <m:e>
+                                          <m:d>
+                                            <m:dPr>
+                                              <m:ctrlPr>
+                                                <a:rPr lang="en-US" sz="2200" i="1" dirty="0">
+                                                  <a:latin typeface="Cambria Math" panose="02040503050406030204" pitchFamily="18" charset="0"/>
+                                                </a:rPr>
+                                              </m:ctrlPr>
+                                            </m:dPr>
+                                            <m:e>
+                                              <m:r>
+                                                <a:rPr lang="en-US" sz="2200" i="1" dirty="0">
+                                                  <a:latin typeface="Cambria Math" panose="02040503050406030204" pitchFamily="18" charset="0"/>
+                                                </a:rPr>
+                                                <m:t>𝑦</m:t>
+                                              </m:r>
+                                              <m:r>
+                                                <a:rPr lang="en-US" sz="2200" i="1" dirty="0">
+                                                  <a:latin typeface="Cambria Math" panose="02040503050406030204" pitchFamily="18" charset="0"/>
+                                                </a:rPr>
+                                                <m:t>−</m:t>
+                                              </m:r>
+                                              <m:sSup>
+                                                <m:sSupPr>
+                                                  <m:ctrlPr>
+                                                    <a:rPr lang="en-US" sz="2200" i="1">
+                                                      <a:latin typeface="Cambria Math" panose="02040503050406030204" pitchFamily="18" charset="0"/>
+                                                    </a:rPr>
+                                                  </m:ctrlPr>
+                                                </m:sSupPr>
+                                                <m:e>
+                                                  <m:r>
+                                                    <a:rPr lang="en-US" sz="2200" i="1">
+                                                      <a:latin typeface="Cambria Math" panose="02040503050406030204" pitchFamily="18" charset="0"/>
+                                                    </a:rPr>
+                                                    <m:t>𝑦</m:t>
+                                                  </m:r>
+                                                </m:e>
+                                                <m:sup>
+                                                  <m:r>
+                                                    <a:rPr lang="en-US" sz="2200" i="1">
+                                                      <a:latin typeface="Cambria Math" panose="02040503050406030204" pitchFamily="18" charset="0"/>
+                                                    </a:rPr>
+                                                    <m:t>′</m:t>
+                                                  </m:r>
+                                                </m:sup>
+                                              </m:sSup>
+                                            </m:e>
+                                          </m:d>
+                                        </m:e>
+                                        <m:sup>
+                                          <m:r>
+                                            <a:rPr lang="en-US" sz="2200" i="1" dirty="0">
+                                              <a:latin typeface="Cambria Math" panose="02040503050406030204" pitchFamily="18" charset="0"/>
+                                            </a:rPr>
+                                            <m:t>2</m:t>
+                                          </m:r>
+                                        </m:sup>
+                                      </m:sSup>
+                                    </m:num>
+                                    <m:den>
+                                      <m:sSup>
+                                        <m:sSupPr>
+                                          <m:ctrlPr>
+                                            <a:rPr lang="en-US" sz="2200" i="1" dirty="0">
+                                              <a:latin typeface="Cambria Math" panose="02040503050406030204" pitchFamily="18" charset="0"/>
+                                            </a:rPr>
+                                          </m:ctrlPr>
+                                        </m:sSupPr>
+                                        <m:e>
+                                          <m:r>
+                                            <a:rPr lang="en-US" sz="2200" i="1" dirty="0">
+                                              <a:latin typeface="Cambria Math" panose="02040503050406030204" pitchFamily="18" charset="0"/>
+                                            </a:rPr>
+                                            <m:t>𝑧</m:t>
+                                          </m:r>
+                                        </m:e>
+                                        <m:sup>
+                                          <m:r>
+                                            <a:rPr lang="en-US" sz="2200" i="1" dirty="0">
+                                              <a:latin typeface="Cambria Math" panose="02040503050406030204" pitchFamily="18" charset="0"/>
+                                            </a:rPr>
+                                            <m:t>∗</m:t>
+                                          </m:r>
+                                        </m:sup>
+                                      </m:sSup>
+                                    </m:den>
+                                  </m:f>
+                                </m:e>
+                              </m:d>
+                            </m:sup>
+                          </m:sSup>
+                          <m:r>
+                            <a:rPr lang="en-US" sz="2200" i="1">
+                              <a:latin typeface="Cambria Math" panose="02040503050406030204" pitchFamily="18" charset="0"/>
+                            </a:rPr>
+                            <m:t>𝑑</m:t>
+                          </m:r>
+                          <m:sSup>
+                            <m:sSupPr>
+                              <m:ctrlPr>
+                                <a:rPr lang="en-US" sz="2200" i="1">
+                                  <a:latin typeface="Cambria Math" panose="02040503050406030204" pitchFamily="18" charset="0"/>
+                                </a:rPr>
+                              </m:ctrlPr>
+                            </m:sSupPr>
+                            <m:e>
+                              <m:r>
+                                <a:rPr lang="en-US" sz="2200" i="1">
+                                  <a:latin typeface="Cambria Math" panose="02040503050406030204" pitchFamily="18" charset="0"/>
+                                </a:rPr>
+                                <m:t>𝑥</m:t>
+                              </m:r>
+                            </m:e>
+                            <m:sup>
+                              <m:r>
+                                <a:rPr lang="en-US" sz="2200" i="1">
+                                  <a:latin typeface="Cambria Math" panose="02040503050406030204" pitchFamily="18" charset="0"/>
+                                </a:rPr>
+                                <m:t>′</m:t>
+                              </m:r>
+                            </m:sup>
+                          </m:sSup>
+                          <m:r>
+                            <a:rPr lang="en-US" sz="2200" i="1">
+                              <a:latin typeface="Cambria Math" panose="02040503050406030204" pitchFamily="18" charset="0"/>
+                            </a:rPr>
+                            <m:t>𝑑</m:t>
+                          </m:r>
+                          <m:sSup>
+                            <m:sSupPr>
+                              <m:ctrlPr>
+                                <a:rPr lang="en-US" sz="2200" i="1">
+                                  <a:latin typeface="Cambria Math" panose="02040503050406030204" pitchFamily="18" charset="0"/>
+                                </a:rPr>
+                              </m:ctrlPr>
+                            </m:sSupPr>
+                            <m:e>
+                              <m:r>
+                                <a:rPr lang="en-US" sz="2200" i="1">
+                                  <a:latin typeface="Cambria Math" panose="02040503050406030204" pitchFamily="18" charset="0"/>
+                                </a:rPr>
+                                <m:t>𝑦</m:t>
+                              </m:r>
+                            </m:e>
+                            <m:sup>
+                              <m:r>
+                                <a:rPr lang="en-US" sz="2200" i="1">
+                                  <a:latin typeface="Cambria Math" panose="02040503050406030204" pitchFamily="18" charset="0"/>
+                                </a:rPr>
+                                <m:t>′</m:t>
+                              </m:r>
+                            </m:sup>
+                          </m:sSup>
+                        </m:e>
+                      </m:nary>
+                    </m:oMath>
+                  </m:oMathPara>
+                </a14:m>
+                <a:endParaRPr lang="en-US" sz="2200" b="0" dirty="0"/>
+              </a:p>
+            </p:txBody>
+          </p:sp>
+        </mc:Choice>
+        <mc:Fallback>
+          <p:sp>
+            <p:nvSpPr>
+              <p:cNvPr id="8" name="Rectangle 7">
+                <a:extLst>
+                  <a:ext uri="{FF2B5EF4-FFF2-40B4-BE49-F238E27FC236}">
+                    <a16:creationId xmlns:a16="http://schemas.microsoft.com/office/drawing/2014/main" id="{FDF791A4-C084-B34A-B5FD-4571F3874A0A}"/>
+                  </a:ext>
+                </a:extLst>
+              </p:cNvPr>
+              <p:cNvSpPr>
+                <a:spLocks noRot="1" noChangeAspect="1" noMove="1" noResize="1" noEditPoints="1" noAdjustHandles="1" noChangeArrowheads="1" noChangeShapeType="1" noTextEdit="1"/>
+              </p:cNvSpPr>
+              <p:nvPr/>
+            </p:nvSpPr>
+            <p:spPr>
+              <a:xfrm>
+                <a:off x="503338" y="1211532"/>
+                <a:ext cx="11539343" cy="1063817"/>
+              </a:xfrm>
+              <a:prstGeom prst="rect">
+                <a:avLst/>
+              </a:prstGeom>
+              <a:blipFill>
+                <a:blip r:embed="rId3"/>
+                <a:stretch>
+                  <a:fillRect t="-103529" b="-184706"/>
+                </a:stretch>
+              </a:blipFill>
+            </p:spPr>
+            <p:txBody>
+              <a:bodyPr/>
+              <a:lstStyle/>
+              <a:p>
+                <a:r>
+                  <a:rPr lang="en-US">
+                    <a:noFill/>
+                  </a:rPr>
+                  <a:t> </a:t>
+                </a:r>
+              </a:p>
+            </p:txBody>
+          </p:sp>
+        </mc:Fallback>
+      </mc:AlternateContent>
     </p:spTree>
     <p:extLst>
       <p:ext uri="{BB962C8B-B14F-4D97-AF65-F5344CB8AC3E}">
@@ -21987,7 +24892,7 @@
           <a:p>
             <a:r>
               <a:rPr lang="en-US" sz="2800" dirty="0"/>
-              <a:t>From Waist/To Waist Propagators</a:t>
+              <a:t>From Waist/To Waist Propagator</a:t>
             </a:r>
           </a:p>
         </p:txBody>
@@ -22045,6 +24950,1270 @@
           </a:p>
         </p:txBody>
       </p:sp>
+      <p:sp>
+        <p:nvSpPr>
+          <p:cNvPr id="5" name="TextBox 4">
+            <a:extLst>
+              <a:ext uri="{FF2B5EF4-FFF2-40B4-BE49-F238E27FC236}">
+                <a16:creationId xmlns:a16="http://schemas.microsoft.com/office/drawing/2014/main" id="{DEE37265-8911-4742-B568-7FAA34BD7F07}"/>
+              </a:ext>
+            </a:extLst>
+          </p:cNvPr>
+          <p:cNvSpPr txBox="1"/>
+          <p:nvPr/>
+        </p:nvSpPr>
+        <p:spPr>
+          <a:xfrm>
+            <a:off x="609601" y="877624"/>
+            <a:ext cx="3542958" cy="400110"/>
+          </a:xfrm>
+          <a:prstGeom prst="rect">
+            <a:avLst/>
+          </a:prstGeom>
+          <a:noFill/>
+        </p:spPr>
+        <p:txBody>
+          <a:bodyPr wrap="none" rtlCol="0">
+            <a:spAutoFit/>
+          </a:bodyPr>
+          <a:lstStyle/>
+          <a:p>
+            <a:r>
+              <a:rPr lang="en-US" sz="2000" dirty="0">
+                <a:solidFill>
+                  <a:srgbClr val="005C98"/>
+                </a:solidFill>
+              </a:rPr>
+              <a:t>Is the Fraunhofer Propagator:</a:t>
+            </a:r>
+          </a:p>
+        </p:txBody>
+      </p:sp>
+      <mc:AlternateContent xmlns:mc="http://schemas.openxmlformats.org/markup-compatibility/2006">
+        <mc:Choice xmlns:a14="http://schemas.microsoft.com/office/drawing/2010/main" Requires="a14">
+          <p:sp>
+            <p:nvSpPr>
+              <p:cNvPr id="7" name="Rectangle 6">
+                <a:extLst>
+                  <a:ext uri="{FF2B5EF4-FFF2-40B4-BE49-F238E27FC236}">
+                    <a16:creationId xmlns:a16="http://schemas.microsoft.com/office/drawing/2014/main" id="{487E3A71-6492-C047-8458-D52CD3349362}"/>
+                  </a:ext>
+                </a:extLst>
+              </p:cNvPr>
+              <p:cNvSpPr/>
+              <p:nvPr/>
+            </p:nvSpPr>
+            <p:spPr>
+              <a:xfrm>
+                <a:off x="609601" y="1660713"/>
+                <a:ext cx="11530034" cy="943272"/>
+              </a:xfrm>
+              <a:prstGeom prst="rect">
+                <a:avLst/>
+              </a:prstGeom>
+            </p:spPr>
+            <p:txBody>
+              <a:bodyPr wrap="square">
+                <a:spAutoFit/>
+              </a:bodyPr>
+              <a:lstStyle/>
+              <a:p>
+                <a:pPr/>
+                <a14:m>
+                  <m:oMathPara xmlns:m="http://schemas.openxmlformats.org/officeDocument/2006/math">
+                    <m:oMathParaPr>
+                      <m:jc m:val="left"/>
+                    </m:oMathParaPr>
+                    <m:oMath xmlns:m="http://schemas.openxmlformats.org/officeDocument/2006/math">
+                      <m:sSub>
+                        <m:sSubPr>
+                          <m:ctrlPr>
+                            <a:rPr lang="en-US" sz="2400" i="1" dirty="0" smtClean="0">
+                              <a:solidFill>
+                                <a:srgbClr val="000000"/>
+                              </a:solidFill>
+                              <a:latin typeface="Cambria Math" panose="02040503050406030204" pitchFamily="18" charset="0"/>
+                            </a:rPr>
+                          </m:ctrlPr>
+                        </m:sSubPr>
+                        <m:e>
+                          <m:r>
+                            <a:rPr lang="en-US" sz="2400" i="1" dirty="0">
+                              <a:solidFill>
+                                <a:srgbClr val="000000"/>
+                              </a:solidFill>
+                              <a:latin typeface="Cambria Math" panose="02040503050406030204" pitchFamily="18" charset="0"/>
+                            </a:rPr>
+                            <m:t>𝑢</m:t>
+                          </m:r>
+                        </m:e>
+                        <m:sub>
+                          <m:r>
+                            <a:rPr lang="en-US" sz="2400" i="1" dirty="0">
+                              <a:solidFill>
+                                <a:srgbClr val="000000"/>
+                              </a:solidFill>
+                              <a:latin typeface="Cambria Math" panose="02040503050406030204" pitchFamily="18" charset="0"/>
+                              <a:ea typeface="Cambria Math" panose="02040503050406030204" pitchFamily="18" charset="0"/>
+                            </a:rPr>
+                            <m:t>𝜔</m:t>
+                          </m:r>
+                        </m:sub>
+                      </m:sSub>
+                      <m:d>
+                        <m:dPr>
+                          <m:ctrlPr>
+                            <a:rPr lang="en-US" sz="2400" i="1" dirty="0">
+                              <a:solidFill>
+                                <a:srgbClr val="000000"/>
+                              </a:solidFill>
+                              <a:latin typeface="Cambria Math" panose="02040503050406030204" pitchFamily="18" charset="0"/>
+                            </a:rPr>
+                          </m:ctrlPr>
+                        </m:dPr>
+                        <m:e>
+                          <m:r>
+                            <a:rPr lang="en-US" sz="2400" i="1" dirty="0">
+                              <a:solidFill>
+                                <a:srgbClr val="000000"/>
+                              </a:solidFill>
+                              <a:latin typeface="Cambria Math" panose="02040503050406030204" pitchFamily="18" charset="0"/>
+                            </a:rPr>
+                            <m:t>𝑥</m:t>
+                          </m:r>
+                          <m:r>
+                            <a:rPr lang="en-US" sz="2400" i="1" dirty="0">
+                              <a:solidFill>
+                                <a:srgbClr val="000000"/>
+                              </a:solidFill>
+                              <a:latin typeface="Cambria Math" panose="02040503050406030204" pitchFamily="18" charset="0"/>
+                            </a:rPr>
+                            <m:t>, </m:t>
+                          </m:r>
+                          <m:r>
+                            <a:rPr lang="en-US" sz="2400" i="1" dirty="0">
+                              <a:solidFill>
+                                <a:srgbClr val="000000"/>
+                              </a:solidFill>
+                              <a:latin typeface="Cambria Math" panose="02040503050406030204" pitchFamily="18" charset="0"/>
+                            </a:rPr>
+                            <m:t>𝑦</m:t>
+                          </m:r>
+                          <m:r>
+                            <a:rPr lang="en-US" sz="2400" i="1" dirty="0">
+                              <a:solidFill>
+                                <a:srgbClr val="000000"/>
+                              </a:solidFill>
+                              <a:latin typeface="Cambria Math" panose="02040503050406030204" pitchFamily="18" charset="0"/>
+                            </a:rPr>
+                            <m:t>, </m:t>
+                          </m:r>
+                          <m:r>
+                            <a:rPr lang="en-US" sz="2400" i="1" dirty="0">
+                              <a:solidFill>
+                                <a:srgbClr val="000000"/>
+                              </a:solidFill>
+                              <a:latin typeface="Cambria Math" panose="02040503050406030204" pitchFamily="18" charset="0"/>
+                            </a:rPr>
+                            <m:t>𝑧</m:t>
+                          </m:r>
+                          <m:r>
+                            <a:rPr lang="en-US" sz="2400" i="1" dirty="0">
+                              <a:solidFill>
+                                <a:srgbClr val="000000"/>
+                              </a:solidFill>
+                              <a:latin typeface="Cambria Math" panose="02040503050406030204" pitchFamily="18" charset="0"/>
+                            </a:rPr>
+                            <m:t>=</m:t>
+                          </m:r>
+                          <m:sSup>
+                            <m:sSupPr>
+                              <m:ctrlPr>
+                                <a:rPr lang="en-US" sz="2400" i="1" dirty="0">
+                                  <a:solidFill>
+                                    <a:srgbClr val="000000"/>
+                                  </a:solidFill>
+                                  <a:latin typeface="Cambria Math" panose="02040503050406030204" pitchFamily="18" charset="0"/>
+                                </a:rPr>
+                              </m:ctrlPr>
+                            </m:sSupPr>
+                            <m:e>
+                              <m:r>
+                                <a:rPr lang="en-US" sz="2400" i="1" dirty="0">
+                                  <a:solidFill>
+                                    <a:srgbClr val="000000"/>
+                                  </a:solidFill>
+                                  <a:latin typeface="Cambria Math" panose="02040503050406030204" pitchFamily="18" charset="0"/>
+                                </a:rPr>
+                                <m:t>𝑧</m:t>
+                              </m:r>
+                            </m:e>
+                            <m:sup>
+                              <m:r>
+                                <a:rPr lang="en-US" sz="2400" i="1" dirty="0">
+                                  <a:solidFill>
+                                    <a:srgbClr val="000000"/>
+                                  </a:solidFill>
+                                  <a:latin typeface="Cambria Math" panose="02040503050406030204" pitchFamily="18" charset="0"/>
+                                </a:rPr>
+                                <m:t>∗</m:t>
+                              </m:r>
+                            </m:sup>
+                          </m:sSup>
+                        </m:e>
+                      </m:d>
+                      <m:r>
+                        <a:rPr lang="en-US" sz="2400" i="1" dirty="0">
+                          <a:solidFill>
+                            <a:srgbClr val="000000"/>
+                          </a:solidFill>
+                          <a:latin typeface="Cambria Math" panose="02040503050406030204" pitchFamily="18" charset="0"/>
+                        </a:rPr>
+                        <m:t>=</m:t>
+                      </m:r>
+                      <m:r>
+                        <a:rPr lang="en-US" sz="2400" i="1" dirty="0">
+                          <a:latin typeface="Cambria Math" panose="02040503050406030204" pitchFamily="18" charset="0"/>
+                          <a:ea typeface="Cambria Math" panose="02040503050406030204" pitchFamily="18" charset="0"/>
+                        </a:rPr>
+                        <m:t>−</m:t>
+                      </m:r>
+                      <m:f>
+                        <m:fPr>
+                          <m:ctrlPr>
+                            <a:rPr lang="en-US" sz="2400" i="1" dirty="0">
+                              <a:latin typeface="Cambria Math" panose="02040503050406030204" pitchFamily="18" charset="0"/>
+                              <a:ea typeface="Cambria Math" panose="02040503050406030204" pitchFamily="18" charset="0"/>
+                            </a:rPr>
+                          </m:ctrlPr>
+                        </m:fPr>
+                        <m:num>
+                          <m:r>
+                            <a:rPr lang="en-US" sz="2400" i="1" dirty="0">
+                              <a:latin typeface="Cambria Math" panose="02040503050406030204" pitchFamily="18" charset="0"/>
+                              <a:ea typeface="Cambria Math" panose="02040503050406030204" pitchFamily="18" charset="0"/>
+                            </a:rPr>
+                            <m:t>𝑖𝑘</m:t>
+                          </m:r>
+                          <m:sSup>
+                            <m:sSupPr>
+                              <m:ctrlPr>
+                                <a:rPr lang="en-US" sz="2400" i="1" dirty="0">
+                                  <a:latin typeface="Cambria Math" panose="02040503050406030204" pitchFamily="18" charset="0"/>
+                                </a:rPr>
+                              </m:ctrlPr>
+                            </m:sSupPr>
+                            <m:e>
+                              <m:r>
+                                <a:rPr lang="en-US" sz="2400" i="1" dirty="0">
+                                  <a:latin typeface="Cambria Math" panose="02040503050406030204" pitchFamily="18" charset="0"/>
+                                </a:rPr>
+                                <m:t>𝑒</m:t>
+                              </m:r>
+                            </m:e>
+                            <m:sup>
+                              <m:r>
+                                <a:rPr lang="en-US" sz="2400" i="1" dirty="0">
+                                  <a:latin typeface="Cambria Math" panose="02040503050406030204" pitchFamily="18" charset="0"/>
+                                </a:rPr>
+                                <m:t>𝑖</m:t>
+                              </m:r>
+                              <m:sSup>
+                                <m:sSupPr>
+                                  <m:ctrlPr>
+                                    <a:rPr lang="en-US" sz="2400" i="1" dirty="0">
+                                      <a:latin typeface="Cambria Math" panose="02040503050406030204" pitchFamily="18" charset="0"/>
+                                    </a:rPr>
+                                  </m:ctrlPr>
+                                </m:sSupPr>
+                                <m:e>
+                                  <m:r>
+                                    <a:rPr lang="en-US" sz="2400" i="1" dirty="0">
+                                      <a:latin typeface="Cambria Math" panose="02040503050406030204" pitchFamily="18" charset="0"/>
+                                    </a:rPr>
+                                    <m:t>𝑘𝑧</m:t>
+                                  </m:r>
+                                </m:e>
+                                <m:sup>
+                                  <m:r>
+                                    <a:rPr lang="en-US" sz="2400" i="1" dirty="0">
+                                      <a:latin typeface="Cambria Math" panose="02040503050406030204" pitchFamily="18" charset="0"/>
+                                    </a:rPr>
+                                    <m:t>∗</m:t>
+                                  </m:r>
+                                </m:sup>
+                              </m:sSup>
+                            </m:sup>
+                          </m:sSup>
+                        </m:num>
+                        <m:den>
+                          <m:r>
+                            <a:rPr lang="en-US" sz="2400" i="1" dirty="0">
+                              <a:latin typeface="Cambria Math" panose="02040503050406030204" pitchFamily="18" charset="0"/>
+                              <a:ea typeface="Cambria Math" panose="02040503050406030204" pitchFamily="18" charset="0"/>
+                            </a:rPr>
+                            <m:t>2</m:t>
+                          </m:r>
+                          <m:r>
+                            <a:rPr lang="en-US" sz="2400" i="1" dirty="0">
+                              <a:latin typeface="Cambria Math" panose="02040503050406030204" pitchFamily="18" charset="0"/>
+                              <a:ea typeface="Cambria Math" panose="02040503050406030204" pitchFamily="18" charset="0"/>
+                            </a:rPr>
+                            <m:t>𝜋</m:t>
+                          </m:r>
+                          <m:sSup>
+                            <m:sSupPr>
+                              <m:ctrlPr>
+                                <a:rPr lang="en-US" sz="2400" i="1" dirty="0">
+                                  <a:latin typeface="Cambria Math" panose="02040503050406030204" pitchFamily="18" charset="0"/>
+                                </a:rPr>
+                              </m:ctrlPr>
+                            </m:sSupPr>
+                            <m:e>
+                              <m:r>
+                                <a:rPr lang="en-US" sz="2400" i="1" dirty="0">
+                                  <a:latin typeface="Cambria Math" panose="02040503050406030204" pitchFamily="18" charset="0"/>
+                                </a:rPr>
+                                <m:t>𝑧</m:t>
+                              </m:r>
+                            </m:e>
+                            <m:sup>
+                              <m:r>
+                                <a:rPr lang="en-US" sz="2400" i="1" dirty="0">
+                                  <a:latin typeface="Cambria Math" panose="02040503050406030204" pitchFamily="18" charset="0"/>
+                                </a:rPr>
+                                <m:t>∗</m:t>
+                              </m:r>
+                            </m:sup>
+                          </m:sSup>
+                        </m:den>
+                      </m:f>
+                      <m:sSup>
+                        <m:sSupPr>
+                          <m:ctrlPr>
+                            <a:rPr lang="en-US" sz="2400" i="1" dirty="0">
+                              <a:latin typeface="Cambria Math" panose="02040503050406030204" pitchFamily="18" charset="0"/>
+                              <a:ea typeface="Cambria Math" panose="02040503050406030204" pitchFamily="18" charset="0"/>
+                            </a:rPr>
+                          </m:ctrlPr>
+                        </m:sSupPr>
+                        <m:e>
+                          <m:r>
+                            <a:rPr lang="en-US" sz="2400" i="1" dirty="0">
+                              <a:latin typeface="Cambria Math" panose="02040503050406030204" pitchFamily="18" charset="0"/>
+                            </a:rPr>
+                            <m:t>𝑒</m:t>
+                          </m:r>
+                        </m:e>
+                        <m:sup>
+                          <m:f>
+                            <m:fPr>
+                              <m:ctrlPr>
+                                <a:rPr lang="en-US" sz="2400" i="1" dirty="0">
+                                  <a:latin typeface="Cambria Math" panose="02040503050406030204" pitchFamily="18" charset="0"/>
+                                  <a:ea typeface="Cambria Math" panose="02040503050406030204" pitchFamily="18" charset="0"/>
+                                </a:rPr>
+                              </m:ctrlPr>
+                            </m:fPr>
+                            <m:num>
+                              <m:r>
+                                <a:rPr lang="en-US" sz="2400" b="0" i="1" dirty="0" smtClean="0">
+                                  <a:latin typeface="Cambria Math" panose="02040503050406030204" pitchFamily="18" charset="0"/>
+                                  <a:ea typeface="Cambria Math" panose="02040503050406030204" pitchFamily="18" charset="0"/>
+                                </a:rPr>
+                                <m:t>𝑖</m:t>
+                              </m:r>
+                              <m:r>
+                                <a:rPr lang="en-US" sz="2400" i="1" dirty="0">
+                                  <a:latin typeface="Cambria Math" panose="02040503050406030204" pitchFamily="18" charset="0"/>
+                                </a:rPr>
+                                <m:t>𝑘</m:t>
+                              </m:r>
+                            </m:num>
+                            <m:den>
+                              <m:r>
+                                <a:rPr lang="en-US" sz="2400" i="1" dirty="0">
+                                  <a:latin typeface="Cambria Math" panose="02040503050406030204" pitchFamily="18" charset="0"/>
+                                  <a:ea typeface="Cambria Math" panose="02040503050406030204" pitchFamily="18" charset="0"/>
+                                </a:rPr>
+                                <m:t>2</m:t>
+                              </m:r>
+                              <m:sSup>
+                                <m:sSupPr>
+                                  <m:ctrlPr>
+                                    <a:rPr lang="en-US" sz="2400" i="1" dirty="0">
+                                      <a:latin typeface="Cambria Math" panose="02040503050406030204" pitchFamily="18" charset="0"/>
+                                    </a:rPr>
+                                  </m:ctrlPr>
+                                </m:sSupPr>
+                                <m:e>
+                                  <m:r>
+                                    <a:rPr lang="en-US" sz="2400" i="1" dirty="0">
+                                      <a:latin typeface="Cambria Math" panose="02040503050406030204" pitchFamily="18" charset="0"/>
+                                    </a:rPr>
+                                    <m:t>𝑧</m:t>
+                                  </m:r>
+                                </m:e>
+                                <m:sup>
+                                  <m:r>
+                                    <a:rPr lang="en-US" sz="2400" i="1" dirty="0">
+                                      <a:latin typeface="Cambria Math" panose="02040503050406030204" pitchFamily="18" charset="0"/>
+                                    </a:rPr>
+                                    <m:t>∗</m:t>
+                                  </m:r>
+                                </m:sup>
+                              </m:sSup>
+                            </m:den>
+                          </m:f>
+                          <m:d>
+                            <m:dPr>
+                              <m:ctrlPr>
+                                <a:rPr lang="en-US" sz="2400" i="1" dirty="0">
+                                  <a:latin typeface="Cambria Math" panose="02040503050406030204" pitchFamily="18" charset="0"/>
+                                </a:rPr>
+                              </m:ctrlPr>
+                            </m:dPr>
+                            <m:e>
+                              <m:sSup>
+                                <m:sSupPr>
+                                  <m:ctrlPr>
+                                    <a:rPr lang="en-US" sz="2400" i="1" dirty="0">
+                                      <a:latin typeface="Cambria Math" panose="02040503050406030204" pitchFamily="18" charset="0"/>
+                                    </a:rPr>
+                                  </m:ctrlPr>
+                                </m:sSupPr>
+                                <m:e>
+                                  <m:r>
+                                    <a:rPr lang="en-US" sz="2400" i="1" dirty="0">
+                                      <a:latin typeface="Cambria Math" panose="02040503050406030204" pitchFamily="18" charset="0"/>
+                                    </a:rPr>
+                                    <m:t>𝑥</m:t>
+                                  </m:r>
+                                </m:e>
+                                <m:sup>
+                                  <m:r>
+                                    <a:rPr lang="en-US" sz="2400" i="1" dirty="0">
+                                      <a:latin typeface="Cambria Math" panose="02040503050406030204" pitchFamily="18" charset="0"/>
+                                    </a:rPr>
+                                    <m:t>2</m:t>
+                                  </m:r>
+                                </m:sup>
+                              </m:sSup>
+                              <m:r>
+                                <a:rPr lang="en-US" sz="2400" i="1" dirty="0">
+                                  <a:latin typeface="Cambria Math" panose="02040503050406030204" pitchFamily="18" charset="0"/>
+                                </a:rPr>
+                                <m:t>+</m:t>
+                              </m:r>
+                              <m:sSup>
+                                <m:sSupPr>
+                                  <m:ctrlPr>
+                                    <a:rPr lang="en-US" sz="2400" i="1" dirty="0">
+                                      <a:latin typeface="Cambria Math" panose="02040503050406030204" pitchFamily="18" charset="0"/>
+                                    </a:rPr>
+                                  </m:ctrlPr>
+                                </m:sSupPr>
+                                <m:e>
+                                  <m:r>
+                                    <a:rPr lang="en-US" sz="2400" i="1" dirty="0">
+                                      <a:latin typeface="Cambria Math" panose="02040503050406030204" pitchFamily="18" charset="0"/>
+                                    </a:rPr>
+                                    <m:t>𝑦</m:t>
+                                  </m:r>
+                                </m:e>
+                                <m:sup>
+                                  <m:r>
+                                    <a:rPr lang="en-US" sz="2400" i="1" dirty="0">
+                                      <a:latin typeface="Cambria Math" panose="02040503050406030204" pitchFamily="18" charset="0"/>
+                                    </a:rPr>
+                                    <m:t>2</m:t>
+                                  </m:r>
+                                </m:sup>
+                              </m:sSup>
+                            </m:e>
+                          </m:d>
+                        </m:sup>
+                      </m:sSup>
+                      <m:nary>
+                        <m:naryPr>
+                          <m:chr m:val="∬"/>
+                          <m:ctrlPr>
+                            <a:rPr lang="en-US" sz="2400" i="1">
+                              <a:latin typeface="Cambria Math" panose="02040503050406030204" pitchFamily="18" charset="0"/>
+                              <a:ea typeface="Cambria Math" panose="02040503050406030204" pitchFamily="18" charset="0"/>
+                            </a:rPr>
+                          </m:ctrlPr>
+                        </m:naryPr>
+                        <m:sub>
+                          <m:r>
+                            <m:rPr>
+                              <m:brk m:alnAt="23"/>
+                            </m:rPr>
+                            <a:rPr lang="en-US" sz="2400" i="1">
+                              <a:latin typeface="Cambria Math" panose="02040503050406030204" pitchFamily="18" charset="0"/>
+                              <a:ea typeface="Cambria Math" panose="02040503050406030204" pitchFamily="18" charset="0"/>
+                            </a:rPr>
+                            <m:t>−</m:t>
+                          </m:r>
+                          <m:r>
+                            <a:rPr lang="en-US" sz="2400" i="1">
+                              <a:latin typeface="Cambria Math" panose="02040503050406030204" pitchFamily="18" charset="0"/>
+                              <a:ea typeface="Cambria Math" panose="02040503050406030204" pitchFamily="18" charset="0"/>
+                            </a:rPr>
+                            <m:t>∞</m:t>
+                          </m:r>
+                        </m:sub>
+                        <m:sup>
+                          <m:r>
+                            <a:rPr lang="en-US" sz="2400" i="1">
+                              <a:latin typeface="Cambria Math" panose="02040503050406030204" pitchFamily="18" charset="0"/>
+                              <a:ea typeface="Cambria Math" panose="02040503050406030204" pitchFamily="18" charset="0"/>
+                            </a:rPr>
+                            <m:t>+∞</m:t>
+                          </m:r>
+                        </m:sup>
+                        <m:e>
+                          <m:sSub>
+                            <m:sSubPr>
+                              <m:ctrlPr>
+                                <a:rPr lang="en-US" sz="2400" i="1" dirty="0">
+                                  <a:solidFill>
+                                    <a:srgbClr val="000000"/>
+                                  </a:solidFill>
+                                  <a:latin typeface="Cambria Math" panose="02040503050406030204" pitchFamily="18" charset="0"/>
+                                </a:rPr>
+                              </m:ctrlPr>
+                            </m:sSubPr>
+                            <m:e>
+                              <m:r>
+                                <a:rPr lang="en-US" sz="2400" i="1" dirty="0">
+                                  <a:solidFill>
+                                    <a:srgbClr val="000000"/>
+                                  </a:solidFill>
+                                  <a:latin typeface="Cambria Math" panose="02040503050406030204" pitchFamily="18" charset="0"/>
+                                </a:rPr>
+                                <m:t> </m:t>
+                              </m:r>
+                              <m:r>
+                                <a:rPr lang="en-US" sz="2400" i="1" dirty="0">
+                                  <a:solidFill>
+                                    <a:srgbClr val="000000"/>
+                                  </a:solidFill>
+                                  <a:latin typeface="Cambria Math" panose="02040503050406030204" pitchFamily="18" charset="0"/>
+                                </a:rPr>
+                                <m:t>𝑢</m:t>
+                              </m:r>
+                            </m:e>
+                            <m:sub>
+                              <m:r>
+                                <a:rPr lang="en-US" sz="2400" i="1" dirty="0">
+                                  <a:solidFill>
+                                    <a:srgbClr val="000000"/>
+                                  </a:solidFill>
+                                  <a:latin typeface="Cambria Math" panose="02040503050406030204" pitchFamily="18" charset="0"/>
+                                  <a:ea typeface="Cambria Math" panose="02040503050406030204" pitchFamily="18" charset="0"/>
+                                </a:rPr>
+                                <m:t>𝜔</m:t>
+                              </m:r>
+                            </m:sub>
+                          </m:sSub>
+                          <m:d>
+                            <m:dPr>
+                              <m:ctrlPr>
+                                <a:rPr lang="en-US" sz="2400" i="1">
+                                  <a:latin typeface="Cambria Math" panose="02040503050406030204" pitchFamily="18" charset="0"/>
+                                </a:rPr>
+                              </m:ctrlPr>
+                            </m:dPr>
+                            <m:e>
+                              <m:sSup>
+                                <m:sSupPr>
+                                  <m:ctrlPr>
+                                    <a:rPr lang="en-US" sz="2400" i="1">
+                                      <a:latin typeface="Cambria Math" panose="02040503050406030204" pitchFamily="18" charset="0"/>
+                                    </a:rPr>
+                                  </m:ctrlPr>
+                                </m:sSupPr>
+                                <m:e>
+                                  <m:r>
+                                    <a:rPr lang="en-US" sz="2400" i="1">
+                                      <a:latin typeface="Cambria Math" panose="02040503050406030204" pitchFamily="18" charset="0"/>
+                                    </a:rPr>
+                                    <m:t>𝑥</m:t>
+                                  </m:r>
+                                </m:e>
+                                <m:sup>
+                                  <m:r>
+                                    <a:rPr lang="en-US" sz="2400" i="1">
+                                      <a:latin typeface="Cambria Math" panose="02040503050406030204" pitchFamily="18" charset="0"/>
+                                    </a:rPr>
+                                    <m:t>′</m:t>
+                                  </m:r>
+                                </m:sup>
+                              </m:sSup>
+                              <m:r>
+                                <a:rPr lang="en-US" sz="2400" i="1">
+                                  <a:latin typeface="Cambria Math" panose="02040503050406030204" pitchFamily="18" charset="0"/>
+                                </a:rPr>
+                                <m:t>,</m:t>
+                              </m:r>
+                              <m:sSup>
+                                <m:sSupPr>
+                                  <m:ctrlPr>
+                                    <a:rPr lang="en-US" sz="2400" i="1">
+                                      <a:latin typeface="Cambria Math" panose="02040503050406030204" pitchFamily="18" charset="0"/>
+                                    </a:rPr>
+                                  </m:ctrlPr>
+                                </m:sSupPr>
+                                <m:e>
+                                  <m:r>
+                                    <a:rPr lang="en-US" sz="2400" i="1">
+                                      <a:latin typeface="Cambria Math" panose="02040503050406030204" pitchFamily="18" charset="0"/>
+                                    </a:rPr>
+                                    <m:t>𝑦</m:t>
+                                  </m:r>
+                                </m:e>
+                                <m:sup>
+                                  <m:r>
+                                    <a:rPr lang="en-US" sz="2400" i="1">
+                                      <a:latin typeface="Cambria Math" panose="02040503050406030204" pitchFamily="18" charset="0"/>
+                                    </a:rPr>
+                                    <m:t>′</m:t>
+                                  </m:r>
+                                </m:sup>
+                              </m:sSup>
+                              <m:r>
+                                <a:rPr lang="en-US" sz="2400" i="1">
+                                  <a:latin typeface="Cambria Math" panose="02040503050406030204" pitchFamily="18" charset="0"/>
+                                </a:rPr>
+                                <m:t>, </m:t>
+                              </m:r>
+                              <m:r>
+                                <a:rPr lang="en-US" sz="2400" i="1">
+                                  <a:latin typeface="Cambria Math" panose="02040503050406030204" pitchFamily="18" charset="0"/>
+                                </a:rPr>
+                                <m:t>𝑧</m:t>
+                              </m:r>
+                              <m:r>
+                                <a:rPr lang="en-US" sz="2400" i="1">
+                                  <a:latin typeface="Cambria Math" panose="02040503050406030204" pitchFamily="18" charset="0"/>
+                                </a:rPr>
+                                <m:t>=0</m:t>
+                              </m:r>
+                            </m:e>
+                          </m:d>
+                          <m:sSup>
+                            <m:sSupPr>
+                              <m:ctrlPr>
+                                <a:rPr lang="en-US" sz="2400" i="1" dirty="0">
+                                  <a:latin typeface="Cambria Math" panose="02040503050406030204" pitchFamily="18" charset="0"/>
+                                  <a:ea typeface="Cambria Math" panose="02040503050406030204" pitchFamily="18" charset="0"/>
+                                </a:rPr>
+                              </m:ctrlPr>
+                            </m:sSupPr>
+                            <m:e>
+                              <m:r>
+                                <a:rPr lang="en-US" sz="2400" i="1" dirty="0">
+                                  <a:latin typeface="Cambria Math" panose="02040503050406030204" pitchFamily="18" charset="0"/>
+                                </a:rPr>
+                                <m:t>𝑒</m:t>
+                              </m:r>
+                            </m:e>
+                            <m:sup>
+                              <m:r>
+                                <a:rPr lang="en-US" sz="2400" i="1" dirty="0">
+                                  <a:latin typeface="Cambria Math" panose="02040503050406030204" pitchFamily="18" charset="0"/>
+                                </a:rPr>
+                                <m:t>−</m:t>
+                              </m:r>
+                              <m:f>
+                                <m:fPr>
+                                  <m:ctrlPr>
+                                    <a:rPr lang="en-US" sz="2400" i="1" dirty="0">
+                                      <a:latin typeface="Cambria Math" panose="02040503050406030204" pitchFamily="18" charset="0"/>
+                                      <a:ea typeface="Cambria Math" panose="02040503050406030204" pitchFamily="18" charset="0"/>
+                                    </a:rPr>
+                                  </m:ctrlPr>
+                                </m:fPr>
+                                <m:num>
+                                  <m:r>
+                                    <a:rPr lang="en-US" sz="2400" b="0" i="1" dirty="0" smtClean="0">
+                                      <a:latin typeface="Cambria Math" panose="02040503050406030204" pitchFamily="18" charset="0"/>
+                                      <a:ea typeface="Cambria Math" panose="02040503050406030204" pitchFamily="18" charset="0"/>
+                                    </a:rPr>
+                                    <m:t>𝑖</m:t>
+                                  </m:r>
+                                  <m:r>
+                                    <a:rPr lang="en-US" sz="2400" i="1" dirty="0">
+                                      <a:latin typeface="Cambria Math" panose="02040503050406030204" pitchFamily="18" charset="0"/>
+                                    </a:rPr>
+                                    <m:t>𝑘</m:t>
+                                  </m:r>
+                                </m:num>
+                                <m:den>
+                                  <m:sSup>
+                                    <m:sSupPr>
+                                      <m:ctrlPr>
+                                        <a:rPr lang="en-US" sz="2400" i="1" dirty="0">
+                                          <a:latin typeface="Cambria Math" panose="02040503050406030204" pitchFamily="18" charset="0"/>
+                                        </a:rPr>
+                                      </m:ctrlPr>
+                                    </m:sSupPr>
+                                    <m:e>
+                                      <m:r>
+                                        <a:rPr lang="en-US" sz="2400" i="1" dirty="0">
+                                          <a:latin typeface="Cambria Math" panose="02040503050406030204" pitchFamily="18" charset="0"/>
+                                        </a:rPr>
+                                        <m:t>𝑧</m:t>
+                                      </m:r>
+                                    </m:e>
+                                    <m:sup>
+                                      <m:r>
+                                        <a:rPr lang="en-US" sz="2400" i="1" dirty="0">
+                                          <a:latin typeface="Cambria Math" panose="02040503050406030204" pitchFamily="18" charset="0"/>
+                                        </a:rPr>
+                                        <m:t>∗</m:t>
+                                      </m:r>
+                                    </m:sup>
+                                  </m:sSup>
+                                </m:den>
+                              </m:f>
+                              <m:sSup>
+                                <m:sSupPr>
+                                  <m:ctrlPr>
+                                    <a:rPr lang="en-US" sz="2400" i="1" dirty="0">
+                                      <a:latin typeface="Cambria Math" panose="02040503050406030204" pitchFamily="18" charset="0"/>
+                                    </a:rPr>
+                                  </m:ctrlPr>
+                                </m:sSupPr>
+                                <m:e>
+                                  <m:d>
+                                    <m:dPr>
+                                      <m:ctrlPr>
+                                        <a:rPr lang="en-US" sz="2400" i="1" dirty="0">
+                                          <a:latin typeface="Cambria Math" panose="02040503050406030204" pitchFamily="18" charset="0"/>
+                                        </a:rPr>
+                                      </m:ctrlPr>
+                                    </m:dPr>
+                                    <m:e>
+                                      <m:r>
+                                        <a:rPr lang="en-US" sz="2400" i="1" dirty="0">
+                                          <a:latin typeface="Cambria Math" panose="02040503050406030204" pitchFamily="18" charset="0"/>
+                                        </a:rPr>
+                                        <m:t>𝑥</m:t>
+                                      </m:r>
+                                      <m:sSup>
+                                        <m:sSupPr>
+                                          <m:ctrlPr>
+                                            <a:rPr lang="en-US" sz="2400" i="1">
+                                              <a:latin typeface="Cambria Math" panose="02040503050406030204" pitchFamily="18" charset="0"/>
+                                            </a:rPr>
+                                          </m:ctrlPr>
+                                        </m:sSupPr>
+                                        <m:e>
+                                          <m:r>
+                                            <a:rPr lang="en-US" sz="2400" i="1">
+                                              <a:latin typeface="Cambria Math" panose="02040503050406030204" pitchFamily="18" charset="0"/>
+                                            </a:rPr>
+                                            <m:t>𝑥</m:t>
+                                          </m:r>
+                                        </m:e>
+                                        <m:sup>
+                                          <m:r>
+                                            <a:rPr lang="en-US" sz="2400" i="1">
+                                              <a:latin typeface="Cambria Math" panose="02040503050406030204" pitchFamily="18" charset="0"/>
+                                            </a:rPr>
+                                            <m:t>′</m:t>
+                                          </m:r>
+                                        </m:sup>
+                                      </m:sSup>
+                                      <m:r>
+                                        <a:rPr lang="en-US" sz="2400" i="1">
+                                          <a:latin typeface="Cambria Math" panose="02040503050406030204" pitchFamily="18" charset="0"/>
+                                        </a:rPr>
+                                        <m:t>+</m:t>
+                                      </m:r>
+                                      <m:r>
+                                        <a:rPr lang="en-US" sz="2400" i="1" dirty="0">
+                                          <a:latin typeface="Cambria Math" panose="02040503050406030204" pitchFamily="18" charset="0"/>
+                                        </a:rPr>
+                                        <m:t>𝑦</m:t>
+                                      </m:r>
+                                      <m:sSup>
+                                        <m:sSupPr>
+                                          <m:ctrlPr>
+                                            <a:rPr lang="en-US" sz="2400" i="1">
+                                              <a:latin typeface="Cambria Math" panose="02040503050406030204" pitchFamily="18" charset="0"/>
+                                            </a:rPr>
+                                          </m:ctrlPr>
+                                        </m:sSupPr>
+                                        <m:e>
+                                          <m:r>
+                                            <a:rPr lang="en-US" sz="2400" i="1">
+                                              <a:latin typeface="Cambria Math" panose="02040503050406030204" pitchFamily="18" charset="0"/>
+                                            </a:rPr>
+                                            <m:t>𝑦</m:t>
+                                          </m:r>
+                                        </m:e>
+                                        <m:sup>
+                                          <m:r>
+                                            <a:rPr lang="en-US" sz="2400" i="1">
+                                              <a:latin typeface="Cambria Math" panose="02040503050406030204" pitchFamily="18" charset="0"/>
+                                            </a:rPr>
+                                            <m:t>′</m:t>
+                                          </m:r>
+                                        </m:sup>
+                                      </m:sSup>
+                                    </m:e>
+                                  </m:d>
+                                </m:e>
+                                <m:sup>
+                                  <m:r>
+                                    <a:rPr lang="en-US" sz="2400" i="1" dirty="0">
+                                      <a:latin typeface="Cambria Math" panose="02040503050406030204" pitchFamily="18" charset="0"/>
+                                    </a:rPr>
+                                    <m:t>2</m:t>
+                                  </m:r>
+                                </m:sup>
+                              </m:sSup>
+                            </m:sup>
+                          </m:sSup>
+                          <m:r>
+                            <a:rPr lang="en-US" sz="2400" i="1">
+                              <a:latin typeface="Cambria Math" panose="02040503050406030204" pitchFamily="18" charset="0"/>
+                            </a:rPr>
+                            <m:t>𝑑</m:t>
+                          </m:r>
+                          <m:sSup>
+                            <m:sSupPr>
+                              <m:ctrlPr>
+                                <a:rPr lang="en-US" sz="2400" i="1">
+                                  <a:latin typeface="Cambria Math" panose="02040503050406030204" pitchFamily="18" charset="0"/>
+                                </a:rPr>
+                              </m:ctrlPr>
+                            </m:sSupPr>
+                            <m:e>
+                              <m:r>
+                                <a:rPr lang="en-US" sz="2400" i="1">
+                                  <a:latin typeface="Cambria Math" panose="02040503050406030204" pitchFamily="18" charset="0"/>
+                                </a:rPr>
+                                <m:t>𝑥</m:t>
+                              </m:r>
+                            </m:e>
+                            <m:sup>
+                              <m:r>
+                                <a:rPr lang="en-US" sz="2400" i="1">
+                                  <a:latin typeface="Cambria Math" panose="02040503050406030204" pitchFamily="18" charset="0"/>
+                                </a:rPr>
+                                <m:t>′</m:t>
+                              </m:r>
+                            </m:sup>
+                          </m:sSup>
+                          <m:r>
+                            <a:rPr lang="en-US" sz="2400" i="1">
+                              <a:latin typeface="Cambria Math" panose="02040503050406030204" pitchFamily="18" charset="0"/>
+                            </a:rPr>
+                            <m:t>𝑑</m:t>
+                          </m:r>
+                          <m:sSup>
+                            <m:sSupPr>
+                              <m:ctrlPr>
+                                <a:rPr lang="en-US" sz="2400" i="1">
+                                  <a:latin typeface="Cambria Math" panose="02040503050406030204" pitchFamily="18" charset="0"/>
+                                </a:rPr>
+                              </m:ctrlPr>
+                            </m:sSupPr>
+                            <m:e>
+                              <m:r>
+                                <a:rPr lang="en-US" sz="2400" i="1">
+                                  <a:latin typeface="Cambria Math" panose="02040503050406030204" pitchFamily="18" charset="0"/>
+                                </a:rPr>
+                                <m:t>𝑦</m:t>
+                              </m:r>
+                            </m:e>
+                            <m:sup>
+                              <m:r>
+                                <a:rPr lang="en-US" sz="2400" i="1">
+                                  <a:latin typeface="Cambria Math" panose="02040503050406030204" pitchFamily="18" charset="0"/>
+                                </a:rPr>
+                                <m:t>′</m:t>
+                              </m:r>
+                            </m:sup>
+                          </m:sSup>
+                        </m:e>
+                      </m:nary>
+                    </m:oMath>
+                  </m:oMathPara>
+                </a14:m>
+                <a:endParaRPr lang="en-US" sz="2400" b="0" dirty="0"/>
+              </a:p>
+            </p:txBody>
+          </p:sp>
+        </mc:Choice>
+        <mc:Fallback>
+          <p:sp>
+            <p:nvSpPr>
+              <p:cNvPr id="7" name="Rectangle 6">
+                <a:extLst>
+                  <a:ext uri="{FF2B5EF4-FFF2-40B4-BE49-F238E27FC236}">
+                    <a16:creationId xmlns:a16="http://schemas.microsoft.com/office/drawing/2014/main" id="{487E3A71-6492-C047-8458-D52CD3349362}"/>
+                  </a:ext>
+                </a:extLst>
+              </p:cNvPr>
+              <p:cNvSpPr>
+                <a:spLocks noRot="1" noChangeAspect="1" noMove="1" noResize="1" noEditPoints="1" noAdjustHandles="1" noChangeArrowheads="1" noChangeShapeType="1" noTextEdit="1"/>
+              </p:cNvSpPr>
+              <p:nvPr/>
+            </p:nvSpPr>
+            <p:spPr>
+              <a:xfrm>
+                <a:off x="609601" y="1660713"/>
+                <a:ext cx="11530034" cy="943272"/>
+              </a:xfrm>
+              <a:prstGeom prst="rect">
+                <a:avLst/>
+              </a:prstGeom>
+              <a:blipFill>
+                <a:blip r:embed="rId3"/>
+                <a:stretch>
+                  <a:fillRect t="-154667" b="-232000"/>
+                </a:stretch>
+              </a:blipFill>
+            </p:spPr>
+            <p:txBody>
+              <a:bodyPr/>
+              <a:lstStyle/>
+              <a:p>
+                <a:r>
+                  <a:rPr lang="en-US">
+                    <a:noFill/>
+                  </a:rPr>
+                  <a:t> </a:t>
+                </a:r>
+              </a:p>
+            </p:txBody>
+          </p:sp>
+        </mc:Fallback>
+      </mc:AlternateContent>
+      <p:graphicFrame>
+        <p:nvGraphicFramePr>
+          <p:cNvPr id="8" name="Table 7">
+            <a:extLst>
+              <a:ext uri="{FF2B5EF4-FFF2-40B4-BE49-F238E27FC236}">
+                <a16:creationId xmlns:a16="http://schemas.microsoft.com/office/drawing/2014/main" id="{603F6FBE-F619-E94F-BD88-A08BD9A9FBD1}"/>
+              </a:ext>
+            </a:extLst>
+          </p:cNvPr>
+          <p:cNvGraphicFramePr>
+            <a:graphicFrameLocks noGrp="1"/>
+          </p:cNvGraphicFramePr>
+          <p:nvPr>
+            <p:extLst>
+              <p:ext uri="{D42A27DB-BD31-4B8C-83A1-F6EECF244321}">
+                <p14:modId xmlns:p14="http://schemas.microsoft.com/office/powerpoint/2010/main" val="176866095"/>
+              </p:ext>
+            </p:extLst>
+          </p:nvPr>
+        </p:nvGraphicFramePr>
+        <p:xfrm>
+          <a:off x="503338" y="3219190"/>
+          <a:ext cx="11376394" cy="2748516"/>
+        </p:xfrm>
+        <a:graphic>
+          <a:graphicData uri="http://schemas.openxmlformats.org/drawingml/2006/table">
+            <a:tbl>
+              <a:tblPr firstRow="1" bandRow="1">
+                <a:tableStyleId>{85BE263C-DBD7-4A20-BB59-AAB30ACAA65A}</a:tableStyleId>
+              </a:tblPr>
+              <a:tblGrid>
+                <a:gridCol w="5688197">
+                  <a:extLst>
+                    <a:ext uri="{9D8B030D-6E8A-4147-A177-3AD203B41FA5}">
+                      <a16:colId xmlns:a16="http://schemas.microsoft.com/office/drawing/2014/main" val="2011906144"/>
+                    </a:ext>
+                  </a:extLst>
+                </a:gridCol>
+                <a:gridCol w="5688197">
+                  <a:extLst>
+                    <a:ext uri="{9D8B030D-6E8A-4147-A177-3AD203B41FA5}">
+                      <a16:colId xmlns:a16="http://schemas.microsoft.com/office/drawing/2014/main" val="2640299584"/>
+                    </a:ext>
+                  </a:extLst>
+                </a:gridCol>
+              </a:tblGrid>
+              <a:tr h="289672">
+                <a:tc>
+                  <a:txBody>
+                    <a:bodyPr/>
+                    <a:lstStyle/>
+                    <a:p>
+                      <a:pPr algn="ctr"/>
+                      <a:r>
+                        <a:rPr lang="en-US" sz="1500" dirty="0"/>
+                        <a:t>From Waist</a:t>
+                      </a:r>
+                    </a:p>
+                  </a:txBody>
+                  <a:tcPr/>
+                </a:tc>
+                <a:tc>
+                  <a:txBody>
+                    <a:bodyPr/>
+                    <a:lstStyle/>
+                    <a:p>
+                      <a:pPr algn="ctr"/>
+                      <a:r>
+                        <a:rPr lang="en-US" sz="1500" dirty="0"/>
+                        <a:t>To Waist</a:t>
+                      </a:r>
+                    </a:p>
+                  </a:txBody>
+                  <a:tcPr/>
+                </a:tc>
+                <a:extLst>
+                  <a:ext uri="{0D108BD9-81ED-4DB2-BD59-A6C34878D82A}">
+                    <a16:rowId xmlns:a16="http://schemas.microsoft.com/office/drawing/2014/main" val="1057531542"/>
+                  </a:ext>
+                </a:extLst>
+              </a:tr>
+              <a:tr h="2428476">
+                <a:tc>
+                  <a:txBody>
+                    <a:bodyPr/>
+                    <a:lstStyle/>
+                    <a:p>
+                      <a:pPr marL="285750" indent="-285750" algn="l" defTabSz="457200" rtl="0" eaLnBrk="1" latinLnBrk="0" hangingPunct="1">
+                        <a:lnSpc>
+                          <a:spcPct val="100000"/>
+                        </a:lnSpc>
+                        <a:buFontTx/>
+                        <a:buChar char="-"/>
+                      </a:pPr>
+                      <a:r>
+                        <a:rPr kumimoji="0" lang="en-US" sz="1800" u="none" strike="noStrike" kern="1200" cap="none" normalizeH="0" baseline="0" dirty="0">
+                          <a:ln>
+                            <a:noFill/>
+                          </a:ln>
+                          <a:solidFill>
+                            <a:srgbClr val="005C98"/>
+                          </a:solidFill>
+                          <a:effectLst/>
+                        </a:rPr>
+                        <a:t>propagation of a wavefront emerging from a focal position in both vertical and horizontal directions</a:t>
+                      </a:r>
+                    </a:p>
+                    <a:p>
+                      <a:pPr marL="285750" indent="-285750" algn="l" defTabSz="457200" rtl="0" eaLnBrk="1" latinLnBrk="0" hangingPunct="1">
+                        <a:lnSpc>
+                          <a:spcPct val="100000"/>
+                        </a:lnSpc>
+                        <a:buFontTx/>
+                        <a:buChar char="-"/>
+                      </a:pPr>
+                      <a:r>
+                        <a:rPr kumimoji="0" lang="en-US" sz="1800" u="none" strike="noStrike" kern="1200" cap="none" normalizeH="0" baseline="0" dirty="0">
+                          <a:ln>
+                            <a:noFill/>
+                          </a:ln>
+                          <a:solidFill>
+                            <a:srgbClr val="005C98"/>
+                          </a:solidFill>
+                          <a:effectLst/>
+                        </a:rPr>
+                        <a:t>output plane (several times) larger than the input plane</a:t>
+                      </a:r>
+                    </a:p>
+                    <a:p>
+                      <a:pPr marL="285750" indent="-285750" algn="l" defTabSz="457200" rtl="0" eaLnBrk="1" latinLnBrk="0" hangingPunct="1">
+                        <a:lnSpc>
+                          <a:spcPct val="100000"/>
+                        </a:lnSpc>
+                        <a:buFontTx/>
+                        <a:buChar char="-"/>
+                      </a:pPr>
+                      <a:r>
+                        <a:rPr kumimoji="0" lang="en-US" sz="1800" u="none" strike="noStrike" kern="1200" cap="none" normalizeH="0" baseline="0" dirty="0">
+                          <a:ln>
+                            <a:noFill/>
+                          </a:ln>
+                          <a:solidFill>
+                            <a:srgbClr val="005C98"/>
+                          </a:solidFill>
+                          <a:effectLst/>
+                        </a:rPr>
+                        <a:t>preserves number of pixel, ranges are recalculated to accommodate the wavefront</a:t>
+                      </a:r>
+                    </a:p>
+                    <a:p>
+                      <a:pPr marL="285750" indent="-285750" algn="l" defTabSz="457200" rtl="0" eaLnBrk="1" latinLnBrk="0" hangingPunct="1">
+                        <a:lnSpc>
+                          <a:spcPct val="100000"/>
+                        </a:lnSpc>
+                        <a:buFontTx/>
+                        <a:buChar char="-"/>
+                      </a:pPr>
+                      <a:r>
+                        <a:rPr lang="en-US" sz="1800" kern="1200" dirty="0">
+                          <a:solidFill>
+                            <a:srgbClr val="005C98"/>
+                          </a:solidFill>
+                          <a:effectLst/>
+                          <a:latin typeface="+mn-lt"/>
+                          <a:ea typeface="+mn-ea"/>
+                          <a:cs typeface="+mn-cs"/>
+                        </a:rPr>
+                        <a:t>fails for strongly astigmatic systems</a:t>
+                      </a:r>
+                      <a:r>
+                        <a:rPr kumimoji="0" lang="en-US" sz="1800" u="none" strike="noStrike" kern="1200" cap="none" normalizeH="0" baseline="0" dirty="0">
+                          <a:ln>
+                            <a:noFill/>
+                          </a:ln>
+                          <a:solidFill>
+                            <a:srgbClr val="005C98"/>
+                          </a:solidFill>
+                          <a:effectLst/>
+                        </a:rPr>
+                        <a:t>. </a:t>
+                      </a:r>
+                    </a:p>
+                    <a:p>
+                      <a:pPr marL="285750" indent="-285750" algn="l" defTabSz="457200" rtl="0" eaLnBrk="1" latinLnBrk="0" hangingPunct="1">
+                        <a:lnSpc>
+                          <a:spcPct val="100000"/>
+                        </a:lnSpc>
+                        <a:buFontTx/>
+                        <a:buChar char="-"/>
+                      </a:pPr>
+                      <a:endParaRPr kumimoji="0" lang="en-US" sz="1800" b="0" i="0" u="none" strike="noStrike" kern="1200" cap="none" normalizeH="0" baseline="0" dirty="0">
+                        <a:ln>
+                          <a:noFill/>
+                        </a:ln>
+                        <a:solidFill>
+                          <a:srgbClr val="005C98"/>
+                        </a:solidFill>
+                        <a:effectLst/>
+                        <a:latin typeface="+mn-lt"/>
+                        <a:ea typeface="+mn-ea"/>
+                        <a:cs typeface="+mn-cs"/>
+                      </a:endParaRPr>
+                    </a:p>
+                  </a:txBody>
+                  <a:tcPr/>
+                </a:tc>
+                <a:tc>
+                  <a:txBody>
+                    <a:bodyPr/>
+                    <a:lstStyle/>
+                    <a:p>
+                      <a:pPr marL="285750" indent="-285750" algn="l" defTabSz="457200" rtl="0" eaLnBrk="1" latinLnBrk="0" hangingPunct="1">
+                        <a:lnSpc>
+                          <a:spcPct val="100000"/>
+                        </a:lnSpc>
+                        <a:buFontTx/>
+                        <a:buChar char="-"/>
+                      </a:pPr>
+                      <a:r>
+                        <a:rPr kumimoji="0" lang="en-US" sz="1800" u="none" strike="noStrike" kern="1200" cap="none" normalizeH="0" baseline="0" dirty="0">
+                          <a:ln>
+                            <a:noFill/>
+                          </a:ln>
+                          <a:solidFill>
+                            <a:srgbClr val="005C98"/>
+                          </a:solidFill>
+                          <a:effectLst/>
+                        </a:rPr>
+                        <a:t>propagation of a wavefront being focused on both directions</a:t>
+                      </a:r>
+                    </a:p>
+                    <a:p>
+                      <a:pPr marL="285750" indent="-285750" algn="l" defTabSz="457200" rtl="0" eaLnBrk="1" latinLnBrk="0" hangingPunct="1">
+                        <a:lnSpc>
+                          <a:spcPct val="100000"/>
+                        </a:lnSpc>
+                        <a:buFontTx/>
+                        <a:buChar char="-"/>
+                      </a:pPr>
+                      <a:r>
+                        <a:rPr kumimoji="0" lang="en-US" sz="1800" u="none" strike="noStrike" kern="1200" cap="none" normalizeH="0" baseline="0" dirty="0">
+                          <a:ln>
+                            <a:noFill/>
+                          </a:ln>
+                          <a:solidFill>
+                            <a:srgbClr val="005C98"/>
+                          </a:solidFill>
+                          <a:effectLst/>
+                        </a:rPr>
+                        <a:t>output plane (several times) smaller than the input plane</a:t>
+                      </a:r>
+                    </a:p>
+                    <a:p>
+                      <a:pPr marL="285750" indent="-285750" algn="l" defTabSz="457200" rtl="0" eaLnBrk="1" latinLnBrk="0" hangingPunct="1">
+                        <a:lnSpc>
+                          <a:spcPct val="100000"/>
+                        </a:lnSpc>
+                        <a:buFontTx/>
+                        <a:buChar char="-"/>
+                      </a:pPr>
+                      <a:r>
+                        <a:rPr kumimoji="0" lang="en-US" sz="1800" u="none" strike="noStrike" kern="1200" cap="none" normalizeH="0" baseline="0" dirty="0">
+                          <a:ln>
+                            <a:noFill/>
+                          </a:ln>
+                          <a:solidFill>
+                            <a:srgbClr val="005C98"/>
+                          </a:solidFill>
+                          <a:effectLst/>
+                        </a:rPr>
+                        <a:t>preserves number of pixel, ranges are recalculated to accommodate the wavefront</a:t>
+                      </a:r>
+                    </a:p>
+                    <a:p>
+                      <a:pPr marL="285750" indent="-285750" algn="l" defTabSz="457200" rtl="0" eaLnBrk="1" latinLnBrk="0" hangingPunct="1">
+                        <a:lnSpc>
+                          <a:spcPct val="100000"/>
+                        </a:lnSpc>
+                        <a:buFontTx/>
+                        <a:buChar char="-"/>
+                      </a:pPr>
+                      <a:r>
+                        <a:rPr lang="en-US" sz="1800" kern="1200" dirty="0">
+                          <a:solidFill>
+                            <a:srgbClr val="005C98"/>
+                          </a:solidFill>
+                          <a:effectLst/>
+                          <a:latin typeface="+mn-lt"/>
+                          <a:ea typeface="+mn-ea"/>
+                          <a:cs typeface="+mn-cs"/>
+                        </a:rPr>
+                        <a:t>fails for strongly astigmatic systems</a:t>
+                      </a:r>
+                      <a:r>
+                        <a:rPr kumimoji="0" lang="en-US" sz="1800" u="none" strike="noStrike" kern="1200" cap="none" normalizeH="0" baseline="0" dirty="0">
+                          <a:ln>
+                            <a:noFill/>
+                          </a:ln>
+                          <a:solidFill>
+                            <a:srgbClr val="005C98"/>
+                          </a:solidFill>
+                          <a:effectLst/>
+                        </a:rPr>
+                        <a:t>. </a:t>
+                      </a:r>
+                    </a:p>
+                  </a:txBody>
+                  <a:tcPr/>
+                </a:tc>
+                <a:extLst>
+                  <a:ext uri="{0D108BD9-81ED-4DB2-BD59-A6C34878D82A}">
+                    <a16:rowId xmlns:a16="http://schemas.microsoft.com/office/drawing/2014/main" val="3349950391"/>
+                  </a:ext>
+                </a:extLst>
+              </a:tr>
+            </a:tbl>
+          </a:graphicData>
+        </a:graphic>
+      </p:graphicFrame>
     </p:spTree>
     <p:extLst>
       <p:ext uri="{BB962C8B-B14F-4D97-AF65-F5344CB8AC3E}">
@@ -32018,8 +36187,8 @@
           </p:sp>
         </mc:Fallback>
       </mc:AlternateContent>
-      <mc:AlternateContent xmlns:mc="http://schemas.openxmlformats.org/markup-compatibility/2006">
-        <mc:Choice xmlns:a14="http://schemas.microsoft.com/office/drawing/2010/main" Requires="a14">
+      <mc:AlternateContent xmlns:mc="http://schemas.openxmlformats.org/markup-compatibility/2006" xmlns:a14="http://schemas.microsoft.com/office/drawing/2010/main">
+        <mc:Choice Requires="a14">
           <p:sp>
             <p:nvSpPr>
               <p:cNvPr id="10" name="Rectangle 9">
@@ -32435,7 +36604,7 @@
             </p:txBody>
           </p:sp>
         </mc:Choice>
-        <mc:Fallback>
+        <mc:Fallback xmlns="">
           <p:sp>
             <p:nvSpPr>
               <p:cNvPr id="10" name="Rectangle 9">
@@ -33421,8 +37590,8 @@
           </p:sp>
         </mc:Fallback>
       </mc:AlternateContent>
-      <mc:AlternateContent xmlns:mc="http://schemas.openxmlformats.org/markup-compatibility/2006">
-        <mc:Choice xmlns:a14="http://schemas.microsoft.com/office/drawing/2010/main" Requires="a14">
+      <mc:AlternateContent xmlns:mc="http://schemas.openxmlformats.org/markup-compatibility/2006" xmlns:a14="http://schemas.microsoft.com/office/drawing/2010/main">
+        <mc:Choice Requires="a14">
           <p:sp>
             <p:nvSpPr>
               <p:cNvPr id="3" name="Rectangle 2">
@@ -34507,7 +38676,7 @@
             </p:txBody>
           </p:sp>
         </mc:Choice>
-        <mc:Fallback>
+        <mc:Fallback xmlns="">
           <p:sp>
             <p:nvSpPr>
               <p:cNvPr id="3" name="Rectangle 2">
@@ -34552,8 +38721,8 @@
           </p:sp>
         </mc:Fallback>
       </mc:AlternateContent>
-      <mc:AlternateContent xmlns:mc="http://schemas.openxmlformats.org/markup-compatibility/2006">
-        <mc:Choice xmlns:a14="http://schemas.microsoft.com/office/drawing/2010/main" Requires="a14">
+      <mc:AlternateContent xmlns:mc="http://schemas.openxmlformats.org/markup-compatibility/2006" xmlns:a14="http://schemas.microsoft.com/office/drawing/2010/main">
+        <mc:Choice Requires="a14">
           <p:sp>
             <p:nvSpPr>
               <p:cNvPr id="4" name="Rectangle 3">
@@ -35150,7 +39319,7 @@
             </p:txBody>
           </p:sp>
         </mc:Choice>
-        <mc:Fallback>
+        <mc:Fallback xmlns="">
           <p:sp>
             <p:nvSpPr>
               <p:cNvPr id="4" name="Rectangle 3">
@@ -36457,6 +40626,11 @@
 
 <file path=customXml/item1.xml><?xml version="1.0" encoding="utf-8"?>
 <?mso-contentType ?>
+<SharedContentType xmlns="Microsoft.SharePoint.Taxonomy.ContentTypeSync" SourceId="c2502a80-7d28-4222-8cca-c624a41b2055" ContentTypeId="0x0101002B7518C7231E97499E1F1C54B0F5901D13" PreviousValue="false"/>
+</file>
+
+<file path=customXml/item2.xml><?xml version="1.0" encoding="utf-8"?>
+<?mso-contentType ?>
 <FormTemplates xmlns="http://schemas.microsoft.com/sharepoint/v3/contenttype/forms">
   <Display>DocumentLibraryForm</Display>
   <Edit>DocumentLibraryForm</Edit>
@@ -36464,13 +40638,13 @@
 </FormTemplates>
 </file>
 
-<file path=customXml/item2.xml><?xml version="1.0" encoding="utf-8"?>
+<file path=customXml/item3.xml><?xml version="1.0" encoding="utf-8"?>
 <p:properties xmlns:p="http://schemas.microsoft.com/office/2006/metadata/properties" xmlns:xsi="http://www.w3.org/2001/XMLSchema-instance" xmlns:pc="http://schemas.microsoft.com/office/infopath/2007/PartnerControls">
   <documentManagement/>
 </p:properties>
 </file>
 
-<file path=customXml/item3.xml><?xml version="1.0" encoding="utf-8"?>
+<file path=customXml/item4.xml><?xml version="1.0" encoding="utf-8"?>
 <ct:contentTypeSchema xmlns:ct="http://schemas.microsoft.com/office/2006/metadata/contentType" xmlns:ma="http://schemas.microsoft.com/office/2006/metadata/properties/metaAttributes" ct:_="" ma:_="" ma:contentTypeName="Review Document" ma:contentTypeID="0x0101002B7518C7231E97499E1F1C54B0F5901D130064AD933CD713864CA8A91A9C767D8A9B" ma:contentTypeVersion="" ma:contentTypeDescription="" ma:contentTypeScope="" ma:versionID="277116d1d53a68e581275545c2aafa56">
   <xsd:schema xmlns:xsd="http://www.w3.org/2001/XMLSchema" xmlns:xs="http://www.w3.org/2001/XMLSchema" xmlns:p="http://schemas.microsoft.com/office/2006/metadata/properties" targetNamespace="http://schemas.microsoft.com/office/2006/metadata/properties" ma:root="true" ma:fieldsID="817bd159687fd4e0b52f7220829539b7">
     <xsd:element name="properties">
@@ -36584,12 +40758,15 @@
 </ct:contentTypeSchema>
 </file>
 
-<file path=customXml/item4.xml><?xml version="1.0" encoding="utf-8"?>
-<?mso-contentType ?>
-<SharedContentType xmlns="Microsoft.SharePoint.Taxonomy.ContentTypeSync" SourceId="c2502a80-7d28-4222-8cca-c624a41b2055" ContentTypeId="0x0101002B7518C7231E97499E1F1C54B0F5901D13" PreviousValue="false"/>
+<file path=customXml/itemProps1.xml><?xml version="1.0" encoding="utf-8"?>
+<ds:datastoreItem xmlns:ds="http://schemas.openxmlformats.org/officeDocument/2006/customXml" ds:itemID="{E937644D-55DB-446B-BF55-BBD9A5B5B948}">
+  <ds:schemaRefs>
+    <ds:schemaRef ds:uri="Microsoft.SharePoint.Taxonomy.ContentTypeSync"/>
+  </ds:schemaRefs>
+</ds:datastoreItem>
 </file>
 
-<file path=customXml/itemProps1.xml><?xml version="1.0" encoding="utf-8"?>
+<file path=customXml/itemProps2.xml><?xml version="1.0" encoding="utf-8"?>
 <ds:datastoreItem xmlns:ds="http://schemas.openxmlformats.org/officeDocument/2006/customXml" ds:itemID="{3D0D0C73-1D92-412D-8800-9C1E033764A7}">
   <ds:schemaRefs>
     <ds:schemaRef ds:uri="http://schemas.microsoft.com/sharepoint/v3/contenttype/forms"/>
@@ -36597,7 +40774,7 @@
 </ds:datastoreItem>
 </file>
 
-<file path=customXml/itemProps2.xml><?xml version="1.0" encoding="utf-8"?>
+<file path=customXml/itemProps3.xml><?xml version="1.0" encoding="utf-8"?>
 <ds:datastoreItem xmlns:ds="http://schemas.openxmlformats.org/officeDocument/2006/customXml" ds:itemID="{8EE60D92-EC7B-437A-AF37-55618E86DE12}">
   <ds:schemaRefs>
     <ds:schemaRef ds:uri="http://schemas.microsoft.com/office/2006/metadata/properties"/>
@@ -36606,7 +40783,7 @@
 </ds:datastoreItem>
 </file>
 
-<file path=customXml/itemProps3.xml><?xml version="1.0" encoding="utf-8"?>
+<file path=customXml/itemProps4.xml><?xml version="1.0" encoding="utf-8"?>
 <ds:datastoreItem xmlns:ds="http://schemas.openxmlformats.org/officeDocument/2006/customXml" ds:itemID="{9CAB375B-207A-4512-9A8F-8D5197D792C9}">
   <ds:schemaRefs>
     <ds:schemaRef ds:uri="http://schemas.microsoft.com/office/2006/metadata/contentType"/>
@@ -36620,12 +40797,4 @@
     <ds:schemaRef ds:uri="http://schemas.microsoft.com/office/infopath/2007/PartnerControls"/>
   </ds:schemaRefs>
 </ds:datastoreItem>
-</file>
-
-<file path=customXml/itemProps4.xml><?xml version="1.0" encoding="utf-8"?>
-<ds:datastoreItem xmlns:ds="http://schemas.openxmlformats.org/officeDocument/2006/customXml" ds:itemID="{E937644D-55DB-446B-BF55-BBD9A5B5B948}">
-  <ds:schemaRefs>
-    <ds:schemaRef ds:uri="Microsoft.SharePoint.Taxonomy.ContentTypeSync"/>
-  </ds:schemaRefs>
-</ds:datastoreItem>
 </file>